--- a/2020s_w6998/lecs/04_rec.pptx
+++ b/2020s_w6998/lecs/04_rec.pptx
@@ -6,13 +6,32 @@
   </p:sldMasterIdLst>
   <p:sldIdLst>
     <p:sldId id="256" r:id="rId2"/>
-    <p:sldId id="257" r:id="rId3"/>
-    <p:sldId id="263" r:id="rId4"/>
-    <p:sldId id="262" r:id="rId5"/>
-    <p:sldId id="258" r:id="rId6"/>
-    <p:sldId id="259" r:id="rId7"/>
-    <p:sldId id="260" r:id="rId8"/>
-    <p:sldId id="261" r:id="rId9"/>
+    <p:sldId id="272" r:id="rId3"/>
+    <p:sldId id="265" r:id="rId4"/>
+    <p:sldId id="278" r:id="rId5"/>
+    <p:sldId id="274" r:id="rId6"/>
+    <p:sldId id="275" r:id="rId7"/>
+    <p:sldId id="277" r:id="rId8"/>
+    <p:sldId id="279" r:id="rId9"/>
+    <p:sldId id="273" r:id="rId10"/>
+    <p:sldId id="276" r:id="rId11"/>
+    <p:sldId id="280" r:id="rId12"/>
+    <p:sldId id="281" r:id="rId13"/>
+    <p:sldId id="267" r:id="rId14"/>
+    <p:sldId id="268" r:id="rId15"/>
+    <p:sldId id="283" r:id="rId16"/>
+    <p:sldId id="282" r:id="rId17"/>
+    <p:sldId id="269" r:id="rId18"/>
+    <p:sldId id="270" r:id="rId19"/>
+    <p:sldId id="284" r:id="rId20"/>
+    <p:sldId id="257" r:id="rId21"/>
+    <p:sldId id="263" r:id="rId22"/>
+    <p:sldId id="262" r:id="rId23"/>
+    <p:sldId id="285" r:id="rId24"/>
+    <p:sldId id="258" r:id="rId25"/>
+    <p:sldId id="259" r:id="rId26"/>
+    <p:sldId id="260" r:id="rId27"/>
+    <p:sldId id="261" r:id="rId28"/>
   </p:sldIdLst>
   <p:sldSz cx="12192000" cy="6858000"/>
   <p:notesSz cx="6858000" cy="9144000"/>
@@ -141,7 +160,7 @@
           <p:cNvPr id="2" name="Title 1">
             <a:extLst>
               <a:ext uri="{FF2B5EF4-FFF2-40B4-BE49-F238E27FC236}">
-                <a16:creationId xmlns:a16="http://schemas.microsoft.com/office/drawing/2014/main" id="{1DCDCD60-9E60-C448-915E-FBC7ED736679}"/>
+                <a16:creationId xmlns:a16="http://schemas.microsoft.com/office/drawing/2014/main" xmlns="" id="{1DCDCD60-9E60-C448-915E-FBC7ED736679}"/>
               </a:ext>
             </a:extLst>
           </p:cNvPr>
@@ -178,7 +197,7 @@
           <p:cNvPr id="3" name="Subtitle 2">
             <a:extLst>
               <a:ext uri="{FF2B5EF4-FFF2-40B4-BE49-F238E27FC236}">
-                <a16:creationId xmlns:a16="http://schemas.microsoft.com/office/drawing/2014/main" id="{D1A45D4A-C54B-9C4B-A96E-A1AB64F53628}"/>
+                <a16:creationId xmlns:a16="http://schemas.microsoft.com/office/drawing/2014/main" xmlns="" id="{D1A45D4A-C54B-9C4B-A96E-A1AB64F53628}"/>
               </a:ext>
             </a:extLst>
           </p:cNvPr>
@@ -248,7 +267,7 @@
           <p:cNvPr id="4" name="Date Placeholder 3">
             <a:extLst>
               <a:ext uri="{FF2B5EF4-FFF2-40B4-BE49-F238E27FC236}">
-                <a16:creationId xmlns:a16="http://schemas.microsoft.com/office/drawing/2014/main" id="{F8E3620A-AC67-FE49-B237-392271075F5B}"/>
+                <a16:creationId xmlns:a16="http://schemas.microsoft.com/office/drawing/2014/main" xmlns="" id="{F8E3620A-AC67-FE49-B237-392271075F5B}"/>
               </a:ext>
             </a:extLst>
           </p:cNvPr>
@@ -266,7 +285,7 @@
           <a:p>
             <a:fld id="{D077B7F3-A623-604C-9FA0-35347E68EB54}" type="datetimeFigureOut">
               <a:rPr lang="en-US" smtClean="0"/>
-              <a:t>2/11/20</a:t>
+              <a:t>2/12/20</a:t>
             </a:fld>
             <a:endParaRPr lang="en-US"/>
           </a:p>
@@ -277,7 +296,7 @@
           <p:cNvPr id="5" name="Footer Placeholder 4">
             <a:extLst>
               <a:ext uri="{FF2B5EF4-FFF2-40B4-BE49-F238E27FC236}">
-                <a16:creationId xmlns:a16="http://schemas.microsoft.com/office/drawing/2014/main" id="{CDF6CEA1-B544-C041-B80A-318BF2C9A081}"/>
+                <a16:creationId xmlns:a16="http://schemas.microsoft.com/office/drawing/2014/main" xmlns="" id="{CDF6CEA1-B544-C041-B80A-318BF2C9A081}"/>
               </a:ext>
             </a:extLst>
           </p:cNvPr>
@@ -302,7 +321,7 @@
           <p:cNvPr id="6" name="Slide Number Placeholder 5">
             <a:extLst>
               <a:ext uri="{FF2B5EF4-FFF2-40B4-BE49-F238E27FC236}">
-                <a16:creationId xmlns:a16="http://schemas.microsoft.com/office/drawing/2014/main" id="{30423BB5-0371-AD42-AC04-084806084A69}"/>
+                <a16:creationId xmlns:a16="http://schemas.microsoft.com/office/drawing/2014/main" xmlns="" id="{30423BB5-0371-AD42-AC04-084806084A69}"/>
               </a:ext>
             </a:extLst>
           </p:cNvPr>
@@ -361,7 +380,7 @@
           <p:cNvPr id="2" name="Title 1">
             <a:extLst>
               <a:ext uri="{FF2B5EF4-FFF2-40B4-BE49-F238E27FC236}">
-                <a16:creationId xmlns:a16="http://schemas.microsoft.com/office/drawing/2014/main" id="{F75BA00D-6EB1-C749-AD58-39EC70176BE5}"/>
+                <a16:creationId xmlns:a16="http://schemas.microsoft.com/office/drawing/2014/main" xmlns="" id="{F75BA00D-6EB1-C749-AD58-39EC70176BE5}"/>
               </a:ext>
             </a:extLst>
           </p:cNvPr>
@@ -389,7 +408,7 @@
           <p:cNvPr id="3" name="Vertical Text Placeholder 2">
             <a:extLst>
               <a:ext uri="{FF2B5EF4-FFF2-40B4-BE49-F238E27FC236}">
-                <a16:creationId xmlns:a16="http://schemas.microsoft.com/office/drawing/2014/main" id="{AAF0EAFB-2C12-FF49-B2EF-37D5F8094D01}"/>
+                <a16:creationId xmlns:a16="http://schemas.microsoft.com/office/drawing/2014/main" xmlns="" id="{AAF0EAFB-2C12-FF49-B2EF-37D5F8094D01}"/>
               </a:ext>
             </a:extLst>
           </p:cNvPr>
@@ -446,7 +465,7 @@
           <p:cNvPr id="4" name="Date Placeholder 3">
             <a:extLst>
               <a:ext uri="{FF2B5EF4-FFF2-40B4-BE49-F238E27FC236}">
-                <a16:creationId xmlns:a16="http://schemas.microsoft.com/office/drawing/2014/main" id="{019645EF-6B11-544A-8582-515AB007B180}"/>
+                <a16:creationId xmlns:a16="http://schemas.microsoft.com/office/drawing/2014/main" xmlns="" id="{019645EF-6B11-544A-8582-515AB007B180}"/>
               </a:ext>
             </a:extLst>
           </p:cNvPr>
@@ -464,7 +483,7 @@
           <a:p>
             <a:fld id="{D077B7F3-A623-604C-9FA0-35347E68EB54}" type="datetimeFigureOut">
               <a:rPr lang="en-US" smtClean="0"/>
-              <a:t>2/11/20</a:t>
+              <a:t>2/12/20</a:t>
             </a:fld>
             <a:endParaRPr lang="en-US"/>
           </a:p>
@@ -475,7 +494,7 @@
           <p:cNvPr id="5" name="Footer Placeholder 4">
             <a:extLst>
               <a:ext uri="{FF2B5EF4-FFF2-40B4-BE49-F238E27FC236}">
-                <a16:creationId xmlns:a16="http://schemas.microsoft.com/office/drawing/2014/main" id="{BAA01D6E-6C3B-4E44-AE0E-0E0362B79570}"/>
+                <a16:creationId xmlns:a16="http://schemas.microsoft.com/office/drawing/2014/main" xmlns="" id="{BAA01D6E-6C3B-4E44-AE0E-0E0362B79570}"/>
               </a:ext>
             </a:extLst>
           </p:cNvPr>
@@ -500,7 +519,7 @@
           <p:cNvPr id="6" name="Slide Number Placeholder 5">
             <a:extLst>
               <a:ext uri="{FF2B5EF4-FFF2-40B4-BE49-F238E27FC236}">
-                <a16:creationId xmlns:a16="http://schemas.microsoft.com/office/drawing/2014/main" id="{6521F530-545B-E641-B501-B3CB28D1D80F}"/>
+                <a16:creationId xmlns:a16="http://schemas.microsoft.com/office/drawing/2014/main" xmlns="" id="{6521F530-545B-E641-B501-B3CB28D1D80F}"/>
               </a:ext>
             </a:extLst>
           </p:cNvPr>
@@ -559,7 +578,7 @@
           <p:cNvPr id="2" name="Vertical Title 1">
             <a:extLst>
               <a:ext uri="{FF2B5EF4-FFF2-40B4-BE49-F238E27FC236}">
-                <a16:creationId xmlns:a16="http://schemas.microsoft.com/office/drawing/2014/main" id="{4878D5D7-697D-C14D-8D23-DE6CC094834E}"/>
+                <a16:creationId xmlns:a16="http://schemas.microsoft.com/office/drawing/2014/main" xmlns="" id="{4878D5D7-697D-C14D-8D23-DE6CC094834E}"/>
               </a:ext>
             </a:extLst>
           </p:cNvPr>
@@ -592,7 +611,7 @@
           <p:cNvPr id="3" name="Vertical Text Placeholder 2">
             <a:extLst>
               <a:ext uri="{FF2B5EF4-FFF2-40B4-BE49-F238E27FC236}">
-                <a16:creationId xmlns:a16="http://schemas.microsoft.com/office/drawing/2014/main" id="{FE3C60F8-2C45-AF46-B40A-B18DA99E7E2A}"/>
+                <a16:creationId xmlns:a16="http://schemas.microsoft.com/office/drawing/2014/main" xmlns="" id="{FE3C60F8-2C45-AF46-B40A-B18DA99E7E2A}"/>
               </a:ext>
             </a:extLst>
           </p:cNvPr>
@@ -654,7 +673,7 @@
           <p:cNvPr id="4" name="Date Placeholder 3">
             <a:extLst>
               <a:ext uri="{FF2B5EF4-FFF2-40B4-BE49-F238E27FC236}">
-                <a16:creationId xmlns:a16="http://schemas.microsoft.com/office/drawing/2014/main" id="{A1E76BE2-6214-C94A-802B-8CB5B303EE1F}"/>
+                <a16:creationId xmlns:a16="http://schemas.microsoft.com/office/drawing/2014/main" xmlns="" id="{A1E76BE2-6214-C94A-802B-8CB5B303EE1F}"/>
               </a:ext>
             </a:extLst>
           </p:cNvPr>
@@ -672,7 +691,7 @@
           <a:p>
             <a:fld id="{D077B7F3-A623-604C-9FA0-35347E68EB54}" type="datetimeFigureOut">
               <a:rPr lang="en-US" smtClean="0"/>
-              <a:t>2/11/20</a:t>
+              <a:t>2/12/20</a:t>
             </a:fld>
             <a:endParaRPr lang="en-US"/>
           </a:p>
@@ -683,7 +702,7 @@
           <p:cNvPr id="5" name="Footer Placeholder 4">
             <a:extLst>
               <a:ext uri="{FF2B5EF4-FFF2-40B4-BE49-F238E27FC236}">
-                <a16:creationId xmlns:a16="http://schemas.microsoft.com/office/drawing/2014/main" id="{40C17F0D-101C-E342-A381-66692BBD5635}"/>
+                <a16:creationId xmlns:a16="http://schemas.microsoft.com/office/drawing/2014/main" xmlns="" id="{40C17F0D-101C-E342-A381-66692BBD5635}"/>
               </a:ext>
             </a:extLst>
           </p:cNvPr>
@@ -708,7 +727,7 @@
           <p:cNvPr id="6" name="Slide Number Placeholder 5">
             <a:extLst>
               <a:ext uri="{FF2B5EF4-FFF2-40B4-BE49-F238E27FC236}">
-                <a16:creationId xmlns:a16="http://schemas.microsoft.com/office/drawing/2014/main" id="{E5A7A261-9C62-A047-88A0-6BE7F0C19FB3}"/>
+                <a16:creationId xmlns:a16="http://schemas.microsoft.com/office/drawing/2014/main" xmlns="" id="{E5A7A261-9C62-A047-88A0-6BE7F0C19FB3}"/>
               </a:ext>
             </a:extLst>
           </p:cNvPr>
@@ -767,7 +786,7 @@
           <p:cNvPr id="2" name="Title 1">
             <a:extLst>
               <a:ext uri="{FF2B5EF4-FFF2-40B4-BE49-F238E27FC236}">
-                <a16:creationId xmlns:a16="http://schemas.microsoft.com/office/drawing/2014/main" id="{5C211BFD-FF17-5A4E-AE20-F3D1193C48FE}"/>
+                <a16:creationId xmlns:a16="http://schemas.microsoft.com/office/drawing/2014/main" xmlns="" id="{5C211BFD-FF17-5A4E-AE20-F3D1193C48FE}"/>
               </a:ext>
             </a:extLst>
           </p:cNvPr>
@@ -795,7 +814,7 @@
           <p:cNvPr id="3" name="Content Placeholder 2">
             <a:extLst>
               <a:ext uri="{FF2B5EF4-FFF2-40B4-BE49-F238E27FC236}">
-                <a16:creationId xmlns:a16="http://schemas.microsoft.com/office/drawing/2014/main" id="{AAE8BEEE-6247-3C49-B843-56B76BE22172}"/>
+                <a16:creationId xmlns:a16="http://schemas.microsoft.com/office/drawing/2014/main" xmlns="" id="{AAE8BEEE-6247-3C49-B843-56B76BE22172}"/>
               </a:ext>
             </a:extLst>
           </p:cNvPr>
@@ -852,7 +871,7 @@
           <p:cNvPr id="4" name="Date Placeholder 3">
             <a:extLst>
               <a:ext uri="{FF2B5EF4-FFF2-40B4-BE49-F238E27FC236}">
-                <a16:creationId xmlns:a16="http://schemas.microsoft.com/office/drawing/2014/main" id="{7DE03470-9EAC-834F-8D19-2C7D8C878417}"/>
+                <a16:creationId xmlns:a16="http://schemas.microsoft.com/office/drawing/2014/main" xmlns="" id="{7DE03470-9EAC-834F-8D19-2C7D8C878417}"/>
               </a:ext>
             </a:extLst>
           </p:cNvPr>
@@ -870,7 +889,7 @@
           <a:p>
             <a:fld id="{D077B7F3-A623-604C-9FA0-35347E68EB54}" type="datetimeFigureOut">
               <a:rPr lang="en-US" smtClean="0"/>
-              <a:t>2/11/20</a:t>
+              <a:t>2/12/20</a:t>
             </a:fld>
             <a:endParaRPr lang="en-US"/>
           </a:p>
@@ -881,7 +900,7 @@
           <p:cNvPr id="5" name="Footer Placeholder 4">
             <a:extLst>
               <a:ext uri="{FF2B5EF4-FFF2-40B4-BE49-F238E27FC236}">
-                <a16:creationId xmlns:a16="http://schemas.microsoft.com/office/drawing/2014/main" id="{AC836DBB-FDF6-9D4B-9347-DFA9C68CF75A}"/>
+                <a16:creationId xmlns:a16="http://schemas.microsoft.com/office/drawing/2014/main" xmlns="" id="{AC836DBB-FDF6-9D4B-9347-DFA9C68CF75A}"/>
               </a:ext>
             </a:extLst>
           </p:cNvPr>
@@ -906,7 +925,7 @@
           <p:cNvPr id="6" name="Slide Number Placeholder 5">
             <a:extLst>
               <a:ext uri="{FF2B5EF4-FFF2-40B4-BE49-F238E27FC236}">
-                <a16:creationId xmlns:a16="http://schemas.microsoft.com/office/drawing/2014/main" id="{6B09C6C7-5FBD-CA45-97FD-A4A2CC9BF2A6}"/>
+                <a16:creationId xmlns:a16="http://schemas.microsoft.com/office/drawing/2014/main" xmlns="" id="{6B09C6C7-5FBD-CA45-97FD-A4A2CC9BF2A6}"/>
               </a:ext>
             </a:extLst>
           </p:cNvPr>
@@ -965,7 +984,7 @@
           <p:cNvPr id="2" name="Title 1">
             <a:extLst>
               <a:ext uri="{FF2B5EF4-FFF2-40B4-BE49-F238E27FC236}">
-                <a16:creationId xmlns:a16="http://schemas.microsoft.com/office/drawing/2014/main" id="{0BF83287-1244-044E-8120-ED80A08C7A58}"/>
+                <a16:creationId xmlns:a16="http://schemas.microsoft.com/office/drawing/2014/main" xmlns="" id="{0BF83287-1244-044E-8120-ED80A08C7A58}"/>
               </a:ext>
             </a:extLst>
           </p:cNvPr>
@@ -1002,7 +1021,7 @@
           <p:cNvPr id="3" name="Text Placeholder 2">
             <a:extLst>
               <a:ext uri="{FF2B5EF4-FFF2-40B4-BE49-F238E27FC236}">
-                <a16:creationId xmlns:a16="http://schemas.microsoft.com/office/drawing/2014/main" id="{7D98A47B-E02D-E84C-98CF-0254B4812165}"/>
+                <a16:creationId xmlns:a16="http://schemas.microsoft.com/office/drawing/2014/main" xmlns="" id="{7D98A47B-E02D-E84C-98CF-0254B4812165}"/>
               </a:ext>
             </a:extLst>
           </p:cNvPr>
@@ -1127,7 +1146,7 @@
           <p:cNvPr id="4" name="Date Placeholder 3">
             <a:extLst>
               <a:ext uri="{FF2B5EF4-FFF2-40B4-BE49-F238E27FC236}">
-                <a16:creationId xmlns:a16="http://schemas.microsoft.com/office/drawing/2014/main" id="{5B22D22A-6052-7444-B82B-52568B79FD0D}"/>
+                <a16:creationId xmlns:a16="http://schemas.microsoft.com/office/drawing/2014/main" xmlns="" id="{5B22D22A-6052-7444-B82B-52568B79FD0D}"/>
               </a:ext>
             </a:extLst>
           </p:cNvPr>
@@ -1145,7 +1164,7 @@
           <a:p>
             <a:fld id="{D077B7F3-A623-604C-9FA0-35347E68EB54}" type="datetimeFigureOut">
               <a:rPr lang="en-US" smtClean="0"/>
-              <a:t>2/11/20</a:t>
+              <a:t>2/12/20</a:t>
             </a:fld>
             <a:endParaRPr lang="en-US"/>
           </a:p>
@@ -1156,7 +1175,7 @@
           <p:cNvPr id="5" name="Footer Placeholder 4">
             <a:extLst>
               <a:ext uri="{FF2B5EF4-FFF2-40B4-BE49-F238E27FC236}">
-                <a16:creationId xmlns:a16="http://schemas.microsoft.com/office/drawing/2014/main" id="{DD945307-C0A4-8648-A8FC-14FEE716F5A3}"/>
+                <a16:creationId xmlns:a16="http://schemas.microsoft.com/office/drawing/2014/main" xmlns="" id="{DD945307-C0A4-8648-A8FC-14FEE716F5A3}"/>
               </a:ext>
             </a:extLst>
           </p:cNvPr>
@@ -1181,7 +1200,7 @@
           <p:cNvPr id="6" name="Slide Number Placeholder 5">
             <a:extLst>
               <a:ext uri="{FF2B5EF4-FFF2-40B4-BE49-F238E27FC236}">
-                <a16:creationId xmlns:a16="http://schemas.microsoft.com/office/drawing/2014/main" id="{A5E43AAD-8722-CA43-B3C7-0CC5973F2F8A}"/>
+                <a16:creationId xmlns:a16="http://schemas.microsoft.com/office/drawing/2014/main" xmlns="" id="{A5E43AAD-8722-CA43-B3C7-0CC5973F2F8A}"/>
               </a:ext>
             </a:extLst>
           </p:cNvPr>
@@ -1240,7 +1259,7 @@
           <p:cNvPr id="2" name="Title 1">
             <a:extLst>
               <a:ext uri="{FF2B5EF4-FFF2-40B4-BE49-F238E27FC236}">
-                <a16:creationId xmlns:a16="http://schemas.microsoft.com/office/drawing/2014/main" id="{FA623F30-A792-234A-B6C2-9F88BE75D018}"/>
+                <a16:creationId xmlns:a16="http://schemas.microsoft.com/office/drawing/2014/main" xmlns="" id="{FA623F30-A792-234A-B6C2-9F88BE75D018}"/>
               </a:ext>
             </a:extLst>
           </p:cNvPr>
@@ -1268,7 +1287,7 @@
           <p:cNvPr id="3" name="Content Placeholder 2">
             <a:extLst>
               <a:ext uri="{FF2B5EF4-FFF2-40B4-BE49-F238E27FC236}">
-                <a16:creationId xmlns:a16="http://schemas.microsoft.com/office/drawing/2014/main" id="{1CF1C699-781B-5B4C-8CCF-3E9CC6EADBF1}"/>
+                <a16:creationId xmlns:a16="http://schemas.microsoft.com/office/drawing/2014/main" xmlns="" id="{1CF1C699-781B-5B4C-8CCF-3E9CC6EADBF1}"/>
               </a:ext>
             </a:extLst>
           </p:cNvPr>
@@ -1330,7 +1349,7 @@
           <p:cNvPr id="4" name="Content Placeholder 3">
             <a:extLst>
               <a:ext uri="{FF2B5EF4-FFF2-40B4-BE49-F238E27FC236}">
-                <a16:creationId xmlns:a16="http://schemas.microsoft.com/office/drawing/2014/main" id="{A0DB39C2-6990-8F47-BE6D-BC09AF2D758E}"/>
+                <a16:creationId xmlns:a16="http://schemas.microsoft.com/office/drawing/2014/main" xmlns="" id="{A0DB39C2-6990-8F47-BE6D-BC09AF2D758E}"/>
               </a:ext>
             </a:extLst>
           </p:cNvPr>
@@ -1392,7 +1411,7 @@
           <p:cNvPr id="5" name="Date Placeholder 4">
             <a:extLst>
               <a:ext uri="{FF2B5EF4-FFF2-40B4-BE49-F238E27FC236}">
-                <a16:creationId xmlns:a16="http://schemas.microsoft.com/office/drawing/2014/main" id="{D932AC93-0A07-D74A-A41A-3B93FECD4B93}"/>
+                <a16:creationId xmlns:a16="http://schemas.microsoft.com/office/drawing/2014/main" xmlns="" id="{D932AC93-0A07-D74A-A41A-3B93FECD4B93}"/>
               </a:ext>
             </a:extLst>
           </p:cNvPr>
@@ -1410,7 +1429,7 @@
           <a:p>
             <a:fld id="{D077B7F3-A623-604C-9FA0-35347E68EB54}" type="datetimeFigureOut">
               <a:rPr lang="en-US" smtClean="0"/>
-              <a:t>2/11/20</a:t>
+              <a:t>2/12/20</a:t>
             </a:fld>
             <a:endParaRPr lang="en-US"/>
           </a:p>
@@ -1421,7 +1440,7 @@
           <p:cNvPr id="6" name="Footer Placeholder 5">
             <a:extLst>
               <a:ext uri="{FF2B5EF4-FFF2-40B4-BE49-F238E27FC236}">
-                <a16:creationId xmlns:a16="http://schemas.microsoft.com/office/drawing/2014/main" id="{1A5CD02F-36D7-7A4A-8319-60F73EB67BEE}"/>
+                <a16:creationId xmlns:a16="http://schemas.microsoft.com/office/drawing/2014/main" xmlns="" id="{1A5CD02F-36D7-7A4A-8319-60F73EB67BEE}"/>
               </a:ext>
             </a:extLst>
           </p:cNvPr>
@@ -1446,7 +1465,7 @@
           <p:cNvPr id="7" name="Slide Number Placeholder 6">
             <a:extLst>
               <a:ext uri="{FF2B5EF4-FFF2-40B4-BE49-F238E27FC236}">
-                <a16:creationId xmlns:a16="http://schemas.microsoft.com/office/drawing/2014/main" id="{D87AA84F-3CEB-7843-8A09-173D6540553F}"/>
+                <a16:creationId xmlns:a16="http://schemas.microsoft.com/office/drawing/2014/main" xmlns="" id="{D87AA84F-3CEB-7843-8A09-173D6540553F}"/>
               </a:ext>
             </a:extLst>
           </p:cNvPr>
@@ -1505,7 +1524,7 @@
           <p:cNvPr id="2" name="Title 1">
             <a:extLst>
               <a:ext uri="{FF2B5EF4-FFF2-40B4-BE49-F238E27FC236}">
-                <a16:creationId xmlns:a16="http://schemas.microsoft.com/office/drawing/2014/main" id="{101C8314-AD71-6A40-A86E-60E2FBA76BDA}"/>
+                <a16:creationId xmlns:a16="http://schemas.microsoft.com/office/drawing/2014/main" xmlns="" id="{101C8314-AD71-6A40-A86E-60E2FBA76BDA}"/>
               </a:ext>
             </a:extLst>
           </p:cNvPr>
@@ -1538,7 +1557,7 @@
           <p:cNvPr id="3" name="Text Placeholder 2">
             <a:extLst>
               <a:ext uri="{FF2B5EF4-FFF2-40B4-BE49-F238E27FC236}">
-                <a16:creationId xmlns:a16="http://schemas.microsoft.com/office/drawing/2014/main" id="{C440BD5C-5FBC-C148-A8DC-8697C8097C5D}"/>
+                <a16:creationId xmlns:a16="http://schemas.microsoft.com/office/drawing/2014/main" xmlns="" id="{C440BD5C-5FBC-C148-A8DC-8697C8097C5D}"/>
               </a:ext>
             </a:extLst>
           </p:cNvPr>
@@ -1609,7 +1628,7 @@
           <p:cNvPr id="4" name="Content Placeholder 3">
             <a:extLst>
               <a:ext uri="{FF2B5EF4-FFF2-40B4-BE49-F238E27FC236}">
-                <a16:creationId xmlns:a16="http://schemas.microsoft.com/office/drawing/2014/main" id="{70C4AF77-B3B6-B24C-8D88-1160A8CC79CC}"/>
+                <a16:creationId xmlns:a16="http://schemas.microsoft.com/office/drawing/2014/main" xmlns="" id="{70C4AF77-B3B6-B24C-8D88-1160A8CC79CC}"/>
               </a:ext>
             </a:extLst>
           </p:cNvPr>
@@ -1671,7 +1690,7 @@
           <p:cNvPr id="5" name="Text Placeholder 4">
             <a:extLst>
               <a:ext uri="{FF2B5EF4-FFF2-40B4-BE49-F238E27FC236}">
-                <a16:creationId xmlns:a16="http://schemas.microsoft.com/office/drawing/2014/main" id="{071DEFE3-0D65-874E-A2DA-70A21099C5A7}"/>
+                <a16:creationId xmlns:a16="http://schemas.microsoft.com/office/drawing/2014/main" xmlns="" id="{071DEFE3-0D65-874E-A2DA-70A21099C5A7}"/>
               </a:ext>
             </a:extLst>
           </p:cNvPr>
@@ -1742,7 +1761,7 @@
           <p:cNvPr id="6" name="Content Placeholder 5">
             <a:extLst>
               <a:ext uri="{FF2B5EF4-FFF2-40B4-BE49-F238E27FC236}">
-                <a16:creationId xmlns:a16="http://schemas.microsoft.com/office/drawing/2014/main" id="{BCAB60CC-4F9E-6444-9A23-ABDE2AF5C0C4}"/>
+                <a16:creationId xmlns:a16="http://schemas.microsoft.com/office/drawing/2014/main" xmlns="" id="{BCAB60CC-4F9E-6444-9A23-ABDE2AF5C0C4}"/>
               </a:ext>
             </a:extLst>
           </p:cNvPr>
@@ -1804,7 +1823,7 @@
           <p:cNvPr id="7" name="Date Placeholder 6">
             <a:extLst>
               <a:ext uri="{FF2B5EF4-FFF2-40B4-BE49-F238E27FC236}">
-                <a16:creationId xmlns:a16="http://schemas.microsoft.com/office/drawing/2014/main" id="{1FCA4962-3B47-E249-A88E-26CBD72383D6}"/>
+                <a16:creationId xmlns:a16="http://schemas.microsoft.com/office/drawing/2014/main" xmlns="" id="{1FCA4962-3B47-E249-A88E-26CBD72383D6}"/>
               </a:ext>
             </a:extLst>
           </p:cNvPr>
@@ -1822,7 +1841,7 @@
           <a:p>
             <a:fld id="{D077B7F3-A623-604C-9FA0-35347E68EB54}" type="datetimeFigureOut">
               <a:rPr lang="en-US" smtClean="0"/>
-              <a:t>2/11/20</a:t>
+              <a:t>2/12/20</a:t>
             </a:fld>
             <a:endParaRPr lang="en-US"/>
           </a:p>
@@ -1833,7 +1852,7 @@
           <p:cNvPr id="8" name="Footer Placeholder 7">
             <a:extLst>
               <a:ext uri="{FF2B5EF4-FFF2-40B4-BE49-F238E27FC236}">
-                <a16:creationId xmlns:a16="http://schemas.microsoft.com/office/drawing/2014/main" id="{326B38B4-B67A-1E43-9774-C8825F68D558}"/>
+                <a16:creationId xmlns:a16="http://schemas.microsoft.com/office/drawing/2014/main" xmlns="" id="{326B38B4-B67A-1E43-9774-C8825F68D558}"/>
               </a:ext>
             </a:extLst>
           </p:cNvPr>
@@ -1858,7 +1877,7 @@
           <p:cNvPr id="9" name="Slide Number Placeholder 8">
             <a:extLst>
               <a:ext uri="{FF2B5EF4-FFF2-40B4-BE49-F238E27FC236}">
-                <a16:creationId xmlns:a16="http://schemas.microsoft.com/office/drawing/2014/main" id="{AF3B6F05-3142-5848-AFF8-C5014AE1A9B4}"/>
+                <a16:creationId xmlns:a16="http://schemas.microsoft.com/office/drawing/2014/main" xmlns="" id="{AF3B6F05-3142-5848-AFF8-C5014AE1A9B4}"/>
               </a:ext>
             </a:extLst>
           </p:cNvPr>
@@ -1917,7 +1936,7 @@
           <p:cNvPr id="2" name="Title 1">
             <a:extLst>
               <a:ext uri="{FF2B5EF4-FFF2-40B4-BE49-F238E27FC236}">
-                <a16:creationId xmlns:a16="http://schemas.microsoft.com/office/drawing/2014/main" id="{346A66E1-B824-B548-8B36-6A84BD189E35}"/>
+                <a16:creationId xmlns:a16="http://schemas.microsoft.com/office/drawing/2014/main" xmlns="" id="{346A66E1-B824-B548-8B36-6A84BD189E35}"/>
               </a:ext>
             </a:extLst>
           </p:cNvPr>
@@ -1945,7 +1964,7 @@
           <p:cNvPr id="3" name="Date Placeholder 2">
             <a:extLst>
               <a:ext uri="{FF2B5EF4-FFF2-40B4-BE49-F238E27FC236}">
-                <a16:creationId xmlns:a16="http://schemas.microsoft.com/office/drawing/2014/main" id="{04E49E96-C09D-FC40-87A3-0B1C5E2CCF5E}"/>
+                <a16:creationId xmlns:a16="http://schemas.microsoft.com/office/drawing/2014/main" xmlns="" id="{04E49E96-C09D-FC40-87A3-0B1C5E2CCF5E}"/>
               </a:ext>
             </a:extLst>
           </p:cNvPr>
@@ -1963,7 +1982,7 @@
           <a:p>
             <a:fld id="{D077B7F3-A623-604C-9FA0-35347E68EB54}" type="datetimeFigureOut">
               <a:rPr lang="en-US" smtClean="0"/>
-              <a:t>2/11/20</a:t>
+              <a:t>2/12/20</a:t>
             </a:fld>
             <a:endParaRPr lang="en-US"/>
           </a:p>
@@ -1974,7 +1993,7 @@
           <p:cNvPr id="4" name="Footer Placeholder 3">
             <a:extLst>
               <a:ext uri="{FF2B5EF4-FFF2-40B4-BE49-F238E27FC236}">
-                <a16:creationId xmlns:a16="http://schemas.microsoft.com/office/drawing/2014/main" id="{048A9BD2-4F82-9940-8E44-6CD61FFAB429}"/>
+                <a16:creationId xmlns:a16="http://schemas.microsoft.com/office/drawing/2014/main" xmlns="" id="{048A9BD2-4F82-9940-8E44-6CD61FFAB429}"/>
               </a:ext>
             </a:extLst>
           </p:cNvPr>
@@ -1999,7 +2018,7 @@
           <p:cNvPr id="5" name="Slide Number Placeholder 4">
             <a:extLst>
               <a:ext uri="{FF2B5EF4-FFF2-40B4-BE49-F238E27FC236}">
-                <a16:creationId xmlns:a16="http://schemas.microsoft.com/office/drawing/2014/main" id="{9B823D1F-DA49-5A48-8B9F-86527E82FD74}"/>
+                <a16:creationId xmlns:a16="http://schemas.microsoft.com/office/drawing/2014/main" xmlns="" id="{9B823D1F-DA49-5A48-8B9F-86527E82FD74}"/>
               </a:ext>
             </a:extLst>
           </p:cNvPr>
@@ -2058,7 +2077,7 @@
           <p:cNvPr id="2" name="Date Placeholder 1">
             <a:extLst>
               <a:ext uri="{FF2B5EF4-FFF2-40B4-BE49-F238E27FC236}">
-                <a16:creationId xmlns:a16="http://schemas.microsoft.com/office/drawing/2014/main" id="{A1AF27A5-FC94-714B-8A28-F31407E1023A}"/>
+                <a16:creationId xmlns:a16="http://schemas.microsoft.com/office/drawing/2014/main" xmlns="" id="{A1AF27A5-FC94-714B-8A28-F31407E1023A}"/>
               </a:ext>
             </a:extLst>
           </p:cNvPr>
@@ -2076,7 +2095,7 @@
           <a:p>
             <a:fld id="{D077B7F3-A623-604C-9FA0-35347E68EB54}" type="datetimeFigureOut">
               <a:rPr lang="en-US" smtClean="0"/>
-              <a:t>2/11/20</a:t>
+              <a:t>2/12/20</a:t>
             </a:fld>
             <a:endParaRPr lang="en-US"/>
           </a:p>
@@ -2087,7 +2106,7 @@
           <p:cNvPr id="3" name="Footer Placeholder 2">
             <a:extLst>
               <a:ext uri="{FF2B5EF4-FFF2-40B4-BE49-F238E27FC236}">
-                <a16:creationId xmlns:a16="http://schemas.microsoft.com/office/drawing/2014/main" id="{E95624B4-E725-A948-B7FF-8E68358D90B8}"/>
+                <a16:creationId xmlns:a16="http://schemas.microsoft.com/office/drawing/2014/main" xmlns="" id="{E95624B4-E725-A948-B7FF-8E68358D90B8}"/>
               </a:ext>
             </a:extLst>
           </p:cNvPr>
@@ -2112,7 +2131,7 @@
           <p:cNvPr id="4" name="Slide Number Placeholder 3">
             <a:extLst>
               <a:ext uri="{FF2B5EF4-FFF2-40B4-BE49-F238E27FC236}">
-                <a16:creationId xmlns:a16="http://schemas.microsoft.com/office/drawing/2014/main" id="{1861EF5D-8F0B-DB4A-B7FA-AD41C3769248}"/>
+                <a16:creationId xmlns:a16="http://schemas.microsoft.com/office/drawing/2014/main" xmlns="" id="{1861EF5D-8F0B-DB4A-B7FA-AD41C3769248}"/>
               </a:ext>
             </a:extLst>
           </p:cNvPr>
@@ -2171,7 +2190,7 @@
           <p:cNvPr id="2" name="Title 1">
             <a:extLst>
               <a:ext uri="{FF2B5EF4-FFF2-40B4-BE49-F238E27FC236}">
-                <a16:creationId xmlns:a16="http://schemas.microsoft.com/office/drawing/2014/main" id="{BD1D7B60-D66C-694D-8C13-D4D9BE9B8579}"/>
+                <a16:creationId xmlns:a16="http://schemas.microsoft.com/office/drawing/2014/main" xmlns="" id="{BD1D7B60-D66C-694D-8C13-D4D9BE9B8579}"/>
               </a:ext>
             </a:extLst>
           </p:cNvPr>
@@ -2208,7 +2227,7 @@
           <p:cNvPr id="3" name="Content Placeholder 2">
             <a:extLst>
               <a:ext uri="{FF2B5EF4-FFF2-40B4-BE49-F238E27FC236}">
-                <a16:creationId xmlns:a16="http://schemas.microsoft.com/office/drawing/2014/main" id="{0A218D0E-2957-D343-B7BC-986182DFF5BB}"/>
+                <a16:creationId xmlns:a16="http://schemas.microsoft.com/office/drawing/2014/main" xmlns="" id="{0A218D0E-2957-D343-B7BC-986182DFF5BB}"/>
               </a:ext>
             </a:extLst>
           </p:cNvPr>
@@ -2298,7 +2317,7 @@
           <p:cNvPr id="4" name="Text Placeholder 3">
             <a:extLst>
               <a:ext uri="{FF2B5EF4-FFF2-40B4-BE49-F238E27FC236}">
-                <a16:creationId xmlns:a16="http://schemas.microsoft.com/office/drawing/2014/main" id="{4FC2370A-39D0-EB4C-8F6B-9C2D45AF1E07}"/>
+                <a16:creationId xmlns:a16="http://schemas.microsoft.com/office/drawing/2014/main" xmlns="" id="{4FC2370A-39D0-EB4C-8F6B-9C2D45AF1E07}"/>
               </a:ext>
             </a:extLst>
           </p:cNvPr>
@@ -2369,7 +2388,7 @@
           <p:cNvPr id="5" name="Date Placeholder 4">
             <a:extLst>
               <a:ext uri="{FF2B5EF4-FFF2-40B4-BE49-F238E27FC236}">
-                <a16:creationId xmlns:a16="http://schemas.microsoft.com/office/drawing/2014/main" id="{D1EA908C-9453-5244-91B6-0C8BA692C7CF}"/>
+                <a16:creationId xmlns:a16="http://schemas.microsoft.com/office/drawing/2014/main" xmlns="" id="{D1EA908C-9453-5244-91B6-0C8BA692C7CF}"/>
               </a:ext>
             </a:extLst>
           </p:cNvPr>
@@ -2387,7 +2406,7 @@
           <a:p>
             <a:fld id="{D077B7F3-A623-604C-9FA0-35347E68EB54}" type="datetimeFigureOut">
               <a:rPr lang="en-US" smtClean="0"/>
-              <a:t>2/11/20</a:t>
+              <a:t>2/12/20</a:t>
             </a:fld>
             <a:endParaRPr lang="en-US"/>
           </a:p>
@@ -2398,7 +2417,7 @@
           <p:cNvPr id="6" name="Footer Placeholder 5">
             <a:extLst>
               <a:ext uri="{FF2B5EF4-FFF2-40B4-BE49-F238E27FC236}">
-                <a16:creationId xmlns:a16="http://schemas.microsoft.com/office/drawing/2014/main" id="{37BAA170-5DF6-C041-87B0-985E215317C0}"/>
+                <a16:creationId xmlns:a16="http://schemas.microsoft.com/office/drawing/2014/main" xmlns="" id="{37BAA170-5DF6-C041-87B0-985E215317C0}"/>
               </a:ext>
             </a:extLst>
           </p:cNvPr>
@@ -2423,7 +2442,7 @@
           <p:cNvPr id="7" name="Slide Number Placeholder 6">
             <a:extLst>
               <a:ext uri="{FF2B5EF4-FFF2-40B4-BE49-F238E27FC236}">
-                <a16:creationId xmlns:a16="http://schemas.microsoft.com/office/drawing/2014/main" id="{AEA6F981-DF03-6240-B5DE-9D74A7A8EA72}"/>
+                <a16:creationId xmlns:a16="http://schemas.microsoft.com/office/drawing/2014/main" xmlns="" id="{AEA6F981-DF03-6240-B5DE-9D74A7A8EA72}"/>
               </a:ext>
             </a:extLst>
           </p:cNvPr>
@@ -2482,7 +2501,7 @@
           <p:cNvPr id="2" name="Title 1">
             <a:extLst>
               <a:ext uri="{FF2B5EF4-FFF2-40B4-BE49-F238E27FC236}">
-                <a16:creationId xmlns:a16="http://schemas.microsoft.com/office/drawing/2014/main" id="{60DB9ABC-D3C2-794D-9DC8-9FD53C595724}"/>
+                <a16:creationId xmlns:a16="http://schemas.microsoft.com/office/drawing/2014/main" xmlns="" id="{60DB9ABC-D3C2-794D-9DC8-9FD53C595724}"/>
               </a:ext>
             </a:extLst>
           </p:cNvPr>
@@ -2519,7 +2538,7 @@
           <p:cNvPr id="3" name="Picture Placeholder 2">
             <a:extLst>
               <a:ext uri="{FF2B5EF4-FFF2-40B4-BE49-F238E27FC236}">
-                <a16:creationId xmlns:a16="http://schemas.microsoft.com/office/drawing/2014/main" id="{F892607B-F913-7947-8A23-5A9BA3F4FC17}"/>
+                <a16:creationId xmlns:a16="http://schemas.microsoft.com/office/drawing/2014/main" xmlns="" id="{F892607B-F913-7947-8A23-5A9BA3F4FC17}"/>
               </a:ext>
             </a:extLst>
           </p:cNvPr>
@@ -2589,7 +2608,7 @@
           <p:cNvPr id="4" name="Text Placeholder 3">
             <a:extLst>
               <a:ext uri="{FF2B5EF4-FFF2-40B4-BE49-F238E27FC236}">
-                <a16:creationId xmlns:a16="http://schemas.microsoft.com/office/drawing/2014/main" id="{F6D90B26-3497-564A-8F0E-1707498D251F}"/>
+                <a16:creationId xmlns:a16="http://schemas.microsoft.com/office/drawing/2014/main" xmlns="" id="{F6D90B26-3497-564A-8F0E-1707498D251F}"/>
               </a:ext>
             </a:extLst>
           </p:cNvPr>
@@ -2660,7 +2679,7 @@
           <p:cNvPr id="5" name="Date Placeholder 4">
             <a:extLst>
               <a:ext uri="{FF2B5EF4-FFF2-40B4-BE49-F238E27FC236}">
-                <a16:creationId xmlns:a16="http://schemas.microsoft.com/office/drawing/2014/main" id="{9F692668-87E2-F449-A810-D4B9C2CA4C92}"/>
+                <a16:creationId xmlns:a16="http://schemas.microsoft.com/office/drawing/2014/main" xmlns="" id="{9F692668-87E2-F449-A810-D4B9C2CA4C92}"/>
               </a:ext>
             </a:extLst>
           </p:cNvPr>
@@ -2678,7 +2697,7 @@
           <a:p>
             <a:fld id="{D077B7F3-A623-604C-9FA0-35347E68EB54}" type="datetimeFigureOut">
               <a:rPr lang="en-US" smtClean="0"/>
-              <a:t>2/11/20</a:t>
+              <a:t>2/12/20</a:t>
             </a:fld>
             <a:endParaRPr lang="en-US"/>
           </a:p>
@@ -2689,7 +2708,7 @@
           <p:cNvPr id="6" name="Footer Placeholder 5">
             <a:extLst>
               <a:ext uri="{FF2B5EF4-FFF2-40B4-BE49-F238E27FC236}">
-                <a16:creationId xmlns:a16="http://schemas.microsoft.com/office/drawing/2014/main" id="{2B0E0325-3993-EE43-AF3A-8CF0BA651A06}"/>
+                <a16:creationId xmlns:a16="http://schemas.microsoft.com/office/drawing/2014/main" xmlns="" id="{2B0E0325-3993-EE43-AF3A-8CF0BA651A06}"/>
               </a:ext>
             </a:extLst>
           </p:cNvPr>
@@ -2714,7 +2733,7 @@
           <p:cNvPr id="7" name="Slide Number Placeholder 6">
             <a:extLst>
               <a:ext uri="{FF2B5EF4-FFF2-40B4-BE49-F238E27FC236}">
-                <a16:creationId xmlns:a16="http://schemas.microsoft.com/office/drawing/2014/main" id="{821F28AB-58ED-0E49-9D32-444584143DD0}"/>
+                <a16:creationId xmlns:a16="http://schemas.microsoft.com/office/drawing/2014/main" xmlns="" id="{821F28AB-58ED-0E49-9D32-444584143DD0}"/>
               </a:ext>
             </a:extLst>
           </p:cNvPr>
@@ -2778,7 +2797,7 @@
           <p:cNvPr id="2" name="Title Placeholder 1">
             <a:extLst>
               <a:ext uri="{FF2B5EF4-FFF2-40B4-BE49-F238E27FC236}">
-                <a16:creationId xmlns:a16="http://schemas.microsoft.com/office/drawing/2014/main" id="{19A61F12-D1AC-C54E-825B-C25A7E13B83A}"/>
+                <a16:creationId xmlns:a16="http://schemas.microsoft.com/office/drawing/2014/main" xmlns="" id="{19A61F12-D1AC-C54E-825B-C25A7E13B83A}"/>
               </a:ext>
             </a:extLst>
           </p:cNvPr>
@@ -2816,7 +2835,7 @@
           <p:cNvPr id="3" name="Text Placeholder 2">
             <a:extLst>
               <a:ext uri="{FF2B5EF4-FFF2-40B4-BE49-F238E27FC236}">
-                <a16:creationId xmlns:a16="http://schemas.microsoft.com/office/drawing/2014/main" id="{E834A889-F310-2146-AD59-D6E632E1F435}"/>
+                <a16:creationId xmlns:a16="http://schemas.microsoft.com/office/drawing/2014/main" xmlns="" id="{E834A889-F310-2146-AD59-D6E632E1F435}"/>
               </a:ext>
             </a:extLst>
           </p:cNvPr>
@@ -2883,7 +2902,7 @@
           <p:cNvPr id="4" name="Date Placeholder 3">
             <a:extLst>
               <a:ext uri="{FF2B5EF4-FFF2-40B4-BE49-F238E27FC236}">
-                <a16:creationId xmlns:a16="http://schemas.microsoft.com/office/drawing/2014/main" id="{E81E2B63-5226-0748-9584-E2CB45BF059C}"/>
+                <a16:creationId xmlns:a16="http://schemas.microsoft.com/office/drawing/2014/main" xmlns="" id="{E81E2B63-5226-0748-9584-E2CB45BF059C}"/>
               </a:ext>
             </a:extLst>
           </p:cNvPr>
@@ -2922,7 +2941,7 @@
             <a:fld id="{D077B7F3-A623-604C-9FA0-35347E68EB54}" type="datetimeFigureOut">
               <a:rPr lang="en-US" smtClean="0"/>
               <a:pPr/>
-              <a:t>2/11/20</a:t>
+              <a:t>2/12/20</a:t>
             </a:fld>
             <a:endParaRPr lang="en-US"/>
           </a:p>
@@ -2933,7 +2952,7 @@
           <p:cNvPr id="5" name="Footer Placeholder 4">
             <a:extLst>
               <a:ext uri="{FF2B5EF4-FFF2-40B4-BE49-F238E27FC236}">
-                <a16:creationId xmlns:a16="http://schemas.microsoft.com/office/drawing/2014/main" id="{831DCCF8-404C-6148-8B45-A4FDF75D6067}"/>
+                <a16:creationId xmlns:a16="http://schemas.microsoft.com/office/drawing/2014/main" xmlns="" id="{831DCCF8-404C-6148-8B45-A4FDF75D6067}"/>
               </a:ext>
             </a:extLst>
           </p:cNvPr>
@@ -2978,7 +2997,7 @@
           <p:cNvPr id="6" name="Slide Number Placeholder 5">
             <a:extLst>
               <a:ext uri="{FF2B5EF4-FFF2-40B4-BE49-F238E27FC236}">
-                <a16:creationId xmlns:a16="http://schemas.microsoft.com/office/drawing/2014/main" id="{EF403BB2-2095-B349-ADC5-3F1C09D04D57}"/>
+                <a16:creationId xmlns:a16="http://schemas.microsoft.com/office/drawing/2014/main" xmlns="" id="{EF403BB2-2095-B349-ADC5-3F1C09D04D57}"/>
               </a:ext>
             </a:extLst>
           </p:cNvPr>
@@ -3349,7 +3368,7 @@
           <p:cNvPr id="2" name="Title 1">
             <a:extLst>
               <a:ext uri="{FF2B5EF4-FFF2-40B4-BE49-F238E27FC236}">
-                <a16:creationId xmlns:a16="http://schemas.microsoft.com/office/drawing/2014/main" id="{C2AC4D71-B1F5-DF48-8478-3A205D0E7FAC}"/>
+                <a16:creationId xmlns:a16="http://schemas.microsoft.com/office/drawing/2014/main" xmlns="" id="{C2AC4D71-B1F5-DF48-8478-3A205D0E7FAC}"/>
               </a:ext>
             </a:extLst>
           </p:cNvPr>
@@ -3366,16 +3385,25 @@
           <a:lstStyle/>
           <a:p>
             <a:r>
+              <a:rPr lang="en-US" dirty="0" smtClean="0"/>
+              <a:t>Recommendation</a:t>
+            </a:r>
+            <a:r>
               <a:rPr lang="en-US" dirty="0"/>
-              <a:t>Discussion</a:t>
+              <a:t/>
             </a:r>
             <a:br>
               <a:rPr lang="en-US" dirty="0"/>
             </a:br>
             <a:r>
               <a:rPr lang="en-US" dirty="0"/>
-              <a:t>Week 3</a:t>
-            </a:r>
+              <a:t>Week </a:t>
+            </a:r>
+            <a:r>
+              <a:rPr lang="en-US" dirty="0" smtClean="0"/>
+              <a:t>4</a:t>
+            </a:r>
+            <a:endParaRPr lang="en-US" dirty="0"/>
           </a:p>
         </p:txBody>
       </p:sp>
@@ -3384,7 +3412,7 @@
           <p:cNvPr id="3" name="Subtitle 2">
             <a:extLst>
               <a:ext uri="{FF2B5EF4-FFF2-40B4-BE49-F238E27FC236}">
-                <a16:creationId xmlns:a16="http://schemas.microsoft.com/office/drawing/2014/main" id="{0EDF655F-40C3-604E-B880-86E5243461B8}"/>
+                <a16:creationId xmlns:a16="http://schemas.microsoft.com/office/drawing/2014/main" xmlns="" id="{0EDF655F-40C3-604E-B880-86E5243461B8}"/>
               </a:ext>
             </a:extLst>
           </p:cNvPr>
@@ -3414,6 +3442,2093 @@
   <p:clrMapOvr>
     <a:masterClrMapping/>
   </p:clrMapOvr>
+</p:sld>
+</file>
+
+<file path=ppt/slides/slide10.xml><?xml version="1.0" encoding="utf-8"?>
+<p:sld xmlns:a="http://schemas.openxmlformats.org/drawingml/2006/main" xmlns:r="http://schemas.openxmlformats.org/officeDocument/2006/relationships" xmlns:p="http://schemas.openxmlformats.org/presentationml/2006/main">
+  <p:cSld>
+    <p:spTree>
+      <p:nvGrpSpPr>
+        <p:cNvPr id="1" name=""/>
+        <p:cNvGrpSpPr/>
+        <p:nvPr/>
+      </p:nvGrpSpPr>
+      <p:grpSpPr>
+        <a:xfrm>
+          <a:off x="0" y="0"/>
+          <a:ext cx="0" cy="0"/>
+          <a:chOff x="0" y="0"/>
+          <a:chExt cx="0" cy="0"/>
+        </a:xfrm>
+      </p:grpSpPr>
+      <p:sp>
+        <p:nvSpPr>
+          <p:cNvPr id="2" name="Title 1"/>
+          <p:cNvSpPr>
+            <a:spLocks noGrp="1"/>
+          </p:cNvSpPr>
+          <p:nvPr>
+            <p:ph type="title"/>
+          </p:nvPr>
+        </p:nvSpPr>
+        <p:spPr/>
+        <p:txBody>
+          <a:bodyPr/>
+          <a:lstStyle/>
+          <a:p>
+            <a:r>
+              <a:rPr lang="en-US" dirty="0" err="1" smtClean="0"/>
+              <a:t>ShowMe</a:t>
+            </a:r>
+            <a:endParaRPr lang="en-US" dirty="0"/>
+          </a:p>
+        </p:txBody>
+      </p:sp>
+      <p:sp>
+        <p:nvSpPr>
+          <p:cNvPr id="3" name="Content Placeholder 2"/>
+          <p:cNvSpPr>
+            <a:spLocks noGrp="1"/>
+          </p:cNvSpPr>
+          <p:nvPr>
+            <p:ph idx="1"/>
+          </p:nvPr>
+        </p:nvSpPr>
+        <p:spPr/>
+        <p:txBody>
+          <a:bodyPr/>
+          <a:lstStyle/>
+          <a:p>
+            <a:pPr marL="0" indent="0">
+              <a:buNone/>
+            </a:pPr>
+            <a:r>
+              <a:rPr lang="en-US" dirty="0" smtClean="0"/>
+              <a:t>Rule-based heuristics</a:t>
+            </a:r>
+            <a:endParaRPr lang="en-US" dirty="0"/>
+          </a:p>
+        </p:txBody>
+      </p:sp>
+      <p:pic>
+        <p:nvPicPr>
+          <p:cNvPr id="4" name="Picture 3"/>
+          <p:cNvPicPr>
+            <a:picLocks noChangeAspect="1"/>
+          </p:cNvPicPr>
+          <p:nvPr/>
+        </p:nvPicPr>
+        <p:blipFill>
+          <a:blip r:embed="rId2"/>
+          <a:stretch>
+            <a:fillRect/>
+          </a:stretch>
+        </p:blipFill>
+        <p:spPr>
+          <a:xfrm>
+            <a:off x="5473700" y="1833563"/>
+            <a:ext cx="6718300" cy="4343400"/>
+          </a:xfrm>
+          <a:prstGeom prst="rect">
+            <a:avLst/>
+          </a:prstGeom>
+        </p:spPr>
+      </p:pic>
+    </p:spTree>
+    <p:extLst>
+      <p:ext uri="{BB962C8B-B14F-4D97-AF65-F5344CB8AC3E}">
+        <p14:creationId xmlns:p14="http://schemas.microsoft.com/office/powerpoint/2010/main" val="236622553"/>
+      </p:ext>
+    </p:extLst>
+  </p:cSld>
+  <p:clrMapOvr>
+    <a:masterClrMapping/>
+  </p:clrMapOvr>
+  <p:timing>
+    <p:tnLst>
+      <p:par>
+        <p:cTn id="1" dur="indefinite" restart="never" nodeType="tmRoot"/>
+      </p:par>
+    </p:tnLst>
+  </p:timing>
+</p:sld>
+</file>
+
+<file path=ppt/slides/slide11.xml><?xml version="1.0" encoding="utf-8"?>
+<p:sld xmlns:a="http://schemas.openxmlformats.org/drawingml/2006/main" xmlns:r="http://schemas.openxmlformats.org/officeDocument/2006/relationships" xmlns:p="http://schemas.openxmlformats.org/presentationml/2006/main">
+  <p:cSld>
+    <p:spTree>
+      <p:nvGrpSpPr>
+        <p:cNvPr id="1" name=""/>
+        <p:cNvGrpSpPr/>
+        <p:nvPr/>
+      </p:nvGrpSpPr>
+      <p:grpSpPr>
+        <a:xfrm>
+          <a:off x="0" y="0"/>
+          <a:ext cx="0" cy="0"/>
+          <a:chOff x="0" y="0"/>
+          <a:chExt cx="0" cy="0"/>
+        </a:xfrm>
+      </p:grpSpPr>
+      <p:sp>
+        <p:nvSpPr>
+          <p:cNvPr id="2" name="Title 1"/>
+          <p:cNvSpPr>
+            <a:spLocks noGrp="1"/>
+          </p:cNvSpPr>
+          <p:nvPr>
+            <p:ph type="title"/>
+          </p:nvPr>
+        </p:nvSpPr>
+        <p:spPr/>
+        <p:txBody>
+          <a:bodyPr/>
+          <a:lstStyle/>
+          <a:p>
+            <a:r>
+              <a:rPr lang="en-US" dirty="0" smtClean="0"/>
+              <a:t>Voyager</a:t>
+            </a:r>
+            <a:endParaRPr lang="en-US" dirty="0"/>
+          </a:p>
+        </p:txBody>
+      </p:sp>
+      <p:sp>
+        <p:nvSpPr>
+          <p:cNvPr id="3" name="Content Placeholder 2"/>
+          <p:cNvSpPr>
+            <a:spLocks noGrp="1"/>
+          </p:cNvSpPr>
+          <p:nvPr>
+            <p:ph idx="1"/>
+          </p:nvPr>
+        </p:nvSpPr>
+        <p:spPr/>
+        <p:txBody>
+          <a:bodyPr/>
+          <a:lstStyle/>
+          <a:p>
+            <a:r>
+              <a:rPr lang="en-US" dirty="0" smtClean="0"/>
+              <a:t>Hard coded heuristics and search procedure</a:t>
+            </a:r>
+            <a:endParaRPr lang="en-US" dirty="0"/>
+          </a:p>
+        </p:txBody>
+      </p:sp>
+    </p:spTree>
+    <p:extLst>
+      <p:ext uri="{BB962C8B-B14F-4D97-AF65-F5344CB8AC3E}">
+        <p14:creationId xmlns:p14="http://schemas.microsoft.com/office/powerpoint/2010/main" val="1837064287"/>
+      </p:ext>
+    </p:extLst>
+  </p:cSld>
+  <p:clrMapOvr>
+    <a:masterClrMapping/>
+  </p:clrMapOvr>
+  <p:timing>
+    <p:tnLst>
+      <p:par>
+        <p:cTn id="1" dur="indefinite" restart="never" nodeType="tmRoot"/>
+      </p:par>
+    </p:tnLst>
+  </p:timing>
+</p:sld>
+</file>
+
+<file path=ppt/slides/slide12.xml><?xml version="1.0" encoding="utf-8"?>
+<p:sld xmlns:a="http://schemas.openxmlformats.org/drawingml/2006/main" xmlns:r="http://schemas.openxmlformats.org/officeDocument/2006/relationships" xmlns:p="http://schemas.openxmlformats.org/presentationml/2006/main">
+  <p:cSld>
+    <p:spTree>
+      <p:nvGrpSpPr>
+        <p:cNvPr id="1" name=""/>
+        <p:cNvGrpSpPr/>
+        <p:nvPr/>
+      </p:nvGrpSpPr>
+      <p:grpSpPr>
+        <a:xfrm>
+          <a:off x="0" y="0"/>
+          <a:ext cx="0" cy="0"/>
+          <a:chOff x="0" y="0"/>
+          <a:chExt cx="0" cy="0"/>
+        </a:xfrm>
+      </p:grpSpPr>
+      <p:sp>
+        <p:nvSpPr>
+          <p:cNvPr id="2" name="Title 1"/>
+          <p:cNvSpPr>
+            <a:spLocks noGrp="1"/>
+          </p:cNvSpPr>
+          <p:nvPr>
+            <p:ph type="title"/>
+          </p:nvPr>
+        </p:nvSpPr>
+        <p:spPr/>
+        <p:txBody>
+          <a:bodyPr/>
+          <a:lstStyle/>
+          <a:p>
+            <a:r>
+              <a:rPr lang="en-US" dirty="0" smtClean="0"/>
+              <a:t>Order of works</a:t>
+            </a:r>
+            <a:endParaRPr lang="en-US" dirty="0"/>
+          </a:p>
+        </p:txBody>
+      </p:sp>
+      <p:sp>
+        <p:nvSpPr>
+          <p:cNvPr id="3" name="Content Placeholder 2"/>
+          <p:cNvSpPr>
+            <a:spLocks noGrp="1"/>
+          </p:cNvSpPr>
+          <p:nvPr>
+            <p:ph idx="1"/>
+          </p:nvPr>
+        </p:nvSpPr>
+        <p:spPr>
+          <a:xfrm>
+            <a:off x="554567" y="3012546"/>
+            <a:ext cx="11082867" cy="832908"/>
+          </a:xfrm>
+        </p:spPr>
+        <p:txBody>
+          <a:bodyPr/>
+          <a:lstStyle/>
+          <a:p>
+            <a:pPr marL="0" indent="0" algn="ctr">
+              <a:buNone/>
+            </a:pPr>
+            <a:r>
+              <a:rPr lang="en-US" dirty="0" smtClean="0"/>
+              <a:t>APT </a:t>
+            </a:r>
+            <a:r>
+              <a:rPr lang="en-US" dirty="0" smtClean="0">
+                <a:sym typeface="Wingdings"/>
+              </a:rPr>
+              <a:t> Polaris Defaults  </a:t>
+            </a:r>
+            <a:r>
+              <a:rPr lang="en-US" dirty="0" err="1" smtClean="0">
+                <a:sym typeface="Wingdings"/>
+              </a:rPr>
+              <a:t>ShowMe</a:t>
+            </a:r>
+            <a:r>
+              <a:rPr lang="en-US" dirty="0" smtClean="0">
+                <a:sym typeface="Wingdings"/>
+              </a:rPr>
+              <a:t>  Compass/Voyager  Draco</a:t>
+            </a:r>
+            <a:endParaRPr lang="en-US" dirty="0"/>
+          </a:p>
+        </p:txBody>
+      </p:sp>
+      <p:sp>
+        <p:nvSpPr>
+          <p:cNvPr id="4" name="Freeform 3"/>
+          <p:cNvSpPr/>
+          <p:nvPr/>
+        </p:nvSpPr>
+        <p:spPr>
+          <a:xfrm>
+            <a:off x="1032933" y="3572933"/>
+            <a:ext cx="9787467" cy="1582898"/>
+          </a:xfrm>
+          <a:custGeom>
+            <a:avLst/>
+            <a:gdLst>
+              <a:gd name="connsiteX0" fmla="*/ 0 w 9787467"/>
+              <a:gd name="connsiteY0" fmla="*/ 50800 h 1582898"/>
+              <a:gd name="connsiteX1" fmla="*/ 3640667 w 9787467"/>
+              <a:gd name="connsiteY1" fmla="*/ 1473200 h 1582898"/>
+              <a:gd name="connsiteX2" fmla="*/ 8077200 w 9787467"/>
+              <a:gd name="connsiteY2" fmla="*/ 1320800 h 1582898"/>
+              <a:gd name="connsiteX3" fmla="*/ 9787467 w 9787467"/>
+              <a:gd name="connsiteY3" fmla="*/ 0 h 1582898"/>
+            </a:gdLst>
+            <a:ahLst/>
+            <a:cxnLst>
+              <a:cxn ang="0">
+                <a:pos x="connsiteX0" y="connsiteY0"/>
+              </a:cxn>
+              <a:cxn ang="0">
+                <a:pos x="connsiteX1" y="connsiteY1"/>
+              </a:cxn>
+              <a:cxn ang="0">
+                <a:pos x="connsiteX2" y="connsiteY2"/>
+              </a:cxn>
+              <a:cxn ang="0">
+                <a:pos x="connsiteX3" y="connsiteY3"/>
+              </a:cxn>
+            </a:cxnLst>
+            <a:rect l="l" t="t" r="r" b="b"/>
+            <a:pathLst>
+              <a:path w="9787467" h="1582898">
+                <a:moveTo>
+                  <a:pt x="0" y="50800"/>
+                </a:moveTo>
+                <a:cubicBezTo>
+                  <a:pt x="1147233" y="656166"/>
+                  <a:pt x="2294467" y="1261533"/>
+                  <a:pt x="3640667" y="1473200"/>
+                </a:cubicBezTo>
+                <a:cubicBezTo>
+                  <a:pt x="4986867" y="1684867"/>
+                  <a:pt x="7052733" y="1566333"/>
+                  <a:pt x="8077200" y="1320800"/>
+                </a:cubicBezTo>
+                <a:cubicBezTo>
+                  <a:pt x="9101667" y="1075267"/>
+                  <a:pt x="9787467" y="0"/>
+                  <a:pt x="9787467" y="0"/>
+                </a:cubicBezTo>
+              </a:path>
+            </a:pathLst>
+          </a:custGeom>
+          <a:noFill/>
+          <a:ln w="57150">
+            <a:solidFill>
+              <a:schemeClr val="bg1">
+                <a:lumMod val="50000"/>
+              </a:schemeClr>
+            </a:solidFill>
+            <a:headEnd type="none" w="med" len="med"/>
+            <a:tailEnd type="arrow" w="med" len="med"/>
+          </a:ln>
+        </p:spPr>
+        <p:style>
+          <a:lnRef idx="2">
+            <a:schemeClr val="accent1">
+              <a:shade val="50000"/>
+            </a:schemeClr>
+          </a:lnRef>
+          <a:fillRef idx="1">
+            <a:schemeClr val="accent1"/>
+          </a:fillRef>
+          <a:effectRef idx="0">
+            <a:schemeClr val="accent1"/>
+          </a:effectRef>
+          <a:fontRef idx="minor">
+            <a:schemeClr val="lt1"/>
+          </a:fontRef>
+        </p:style>
+        <p:txBody>
+          <a:bodyPr rtlCol="0" anchor="ctr"/>
+          <a:lstStyle/>
+          <a:p>
+            <a:pPr algn="ctr"/>
+            <a:endParaRPr lang="en-US"/>
+          </a:p>
+        </p:txBody>
+      </p:sp>
+    </p:spTree>
+    <p:extLst>
+      <p:ext uri="{BB962C8B-B14F-4D97-AF65-F5344CB8AC3E}">
+        <p14:creationId xmlns:p14="http://schemas.microsoft.com/office/powerpoint/2010/main" val="1758441789"/>
+      </p:ext>
+    </p:extLst>
+  </p:cSld>
+  <p:clrMapOvr>
+    <a:masterClrMapping/>
+  </p:clrMapOvr>
+  <p:timing>
+    <p:tnLst>
+      <p:par>
+        <p:cTn id="1" dur="indefinite" restart="never" nodeType="tmRoot"/>
+      </p:par>
+    </p:tnLst>
+  </p:timing>
+</p:sld>
+</file>
+
+<file path=ppt/slides/slide13.xml><?xml version="1.0" encoding="utf-8"?>
+<p:sld xmlns:a="http://schemas.openxmlformats.org/drawingml/2006/main" xmlns:r="http://schemas.openxmlformats.org/officeDocument/2006/relationships" xmlns:p="http://schemas.openxmlformats.org/presentationml/2006/main">
+  <p:cSld>
+    <p:spTree>
+      <p:nvGrpSpPr>
+        <p:cNvPr id="1" name=""/>
+        <p:cNvGrpSpPr/>
+        <p:nvPr/>
+      </p:nvGrpSpPr>
+      <p:grpSpPr>
+        <a:xfrm>
+          <a:off x="0" y="0"/>
+          <a:ext cx="0" cy="0"/>
+          <a:chOff x="0" y="0"/>
+          <a:chExt cx="0" cy="0"/>
+        </a:xfrm>
+      </p:grpSpPr>
+      <p:sp>
+        <p:nvSpPr>
+          <p:cNvPr id="2" name="Title 1">
+            <a:extLst>
+              <a:ext uri="{FF2B5EF4-FFF2-40B4-BE49-F238E27FC236}">
+                <a16:creationId xmlns:a16="http://schemas.microsoft.com/office/drawing/2014/main" xmlns="" id="{4D796C46-8742-5E49-A708-27F761868D6C}"/>
+              </a:ext>
+            </a:extLst>
+          </p:cNvPr>
+          <p:cNvSpPr>
+            <a:spLocks noGrp="1"/>
+          </p:cNvSpPr>
+          <p:nvPr>
+            <p:ph type="title"/>
+          </p:nvPr>
+        </p:nvSpPr>
+        <p:spPr/>
+        <p:txBody>
+          <a:bodyPr/>
+          <a:lstStyle/>
+          <a:p>
+            <a:r>
+              <a:rPr lang="en-US" dirty="0"/>
+              <a:t>Contributions</a:t>
+            </a:r>
+          </a:p>
+        </p:txBody>
+      </p:sp>
+      <p:sp>
+        <p:nvSpPr>
+          <p:cNvPr id="3" name="Content Placeholder 2">
+            <a:extLst>
+              <a:ext uri="{FF2B5EF4-FFF2-40B4-BE49-F238E27FC236}">
+                <a16:creationId xmlns:a16="http://schemas.microsoft.com/office/drawing/2014/main" xmlns="" id="{87A7663F-ACE4-274B-82DE-49D9B531EC37}"/>
+              </a:ext>
+            </a:extLst>
+          </p:cNvPr>
+          <p:cNvSpPr>
+            <a:spLocks noGrp="1"/>
+          </p:cNvSpPr>
+          <p:nvPr>
+            <p:ph idx="1"/>
+          </p:nvPr>
+        </p:nvSpPr>
+        <p:spPr/>
+        <p:txBody>
+          <a:bodyPr/>
+          <a:lstStyle/>
+          <a:p>
+            <a:pPr marL="0" indent="0">
+              <a:buNone/>
+            </a:pPr>
+            <a:r>
+              <a:rPr lang="en-US" dirty="0" smtClean="0"/>
+              <a:t>Use constraint programming (ASP)</a:t>
+            </a:r>
+          </a:p>
+          <a:p>
+            <a:pPr marL="0" indent="0">
+              <a:buNone/>
+            </a:pPr>
+            <a:r>
+              <a:rPr lang="en-US" dirty="0" smtClean="0"/>
+              <a:t>Encode design studies as hard/soft constraints</a:t>
+            </a:r>
+          </a:p>
+          <a:p>
+            <a:pPr marL="457200" lvl="1" indent="0">
+              <a:buNone/>
+            </a:pPr>
+            <a:r>
+              <a:rPr lang="en-US" dirty="0" smtClean="0"/>
+              <a:t>Perception papers define partial rankings</a:t>
+            </a:r>
+          </a:p>
+          <a:p>
+            <a:pPr marL="0" indent="0">
+              <a:buNone/>
+            </a:pPr>
+            <a:r>
+              <a:rPr lang="en-US" b="1" dirty="0" smtClean="0"/>
+              <a:t>Learn weight penalties automatically </a:t>
+            </a:r>
+            <a:endParaRPr lang="en-US" b="1" dirty="0"/>
+          </a:p>
+        </p:txBody>
+      </p:sp>
+      <p:pic>
+        <p:nvPicPr>
+          <p:cNvPr id="4" name="Picture 3"/>
+          <p:cNvPicPr>
+            <a:picLocks noChangeAspect="1"/>
+          </p:cNvPicPr>
+          <p:nvPr/>
+        </p:nvPicPr>
+        <p:blipFill>
+          <a:blip r:embed="rId2"/>
+          <a:stretch>
+            <a:fillRect/>
+          </a:stretch>
+        </p:blipFill>
+        <p:spPr>
+          <a:xfrm>
+            <a:off x="1594302" y="4204495"/>
+            <a:ext cx="9003396" cy="2310606"/>
+          </a:xfrm>
+          <a:prstGeom prst="rect">
+            <a:avLst/>
+          </a:prstGeom>
+        </p:spPr>
+      </p:pic>
+    </p:spTree>
+    <p:extLst>
+      <p:ext uri="{BB962C8B-B14F-4D97-AF65-F5344CB8AC3E}">
+        <p14:creationId xmlns:p14="http://schemas.microsoft.com/office/powerpoint/2010/main" val="2019492369"/>
+      </p:ext>
+    </p:extLst>
+  </p:cSld>
+  <p:clrMapOvr>
+    <a:masterClrMapping/>
+  </p:clrMapOvr>
+  <p:timing>
+    <p:tnLst>
+      <p:par>
+        <p:cTn id="1" dur="indefinite" restart="never" nodeType="tmRoot"/>
+      </p:par>
+    </p:tnLst>
+  </p:timing>
+</p:sld>
+</file>
+
+<file path=ppt/slides/slide14.xml><?xml version="1.0" encoding="utf-8"?>
+<p:sld xmlns:a="http://schemas.openxmlformats.org/drawingml/2006/main" xmlns:r="http://schemas.openxmlformats.org/officeDocument/2006/relationships" xmlns:p="http://schemas.openxmlformats.org/presentationml/2006/main">
+  <p:cSld>
+    <p:spTree>
+      <p:nvGrpSpPr>
+        <p:cNvPr id="1" name=""/>
+        <p:cNvGrpSpPr/>
+        <p:nvPr/>
+      </p:nvGrpSpPr>
+      <p:grpSpPr>
+        <a:xfrm>
+          <a:off x="0" y="0"/>
+          <a:ext cx="0" cy="0"/>
+          <a:chOff x="0" y="0"/>
+          <a:chExt cx="0" cy="0"/>
+        </a:xfrm>
+      </p:grpSpPr>
+      <p:sp>
+        <p:nvSpPr>
+          <p:cNvPr id="2" name="Title 1">
+            <a:extLst>
+              <a:ext uri="{FF2B5EF4-FFF2-40B4-BE49-F238E27FC236}">
+                <a16:creationId xmlns:a16="http://schemas.microsoft.com/office/drawing/2014/main" xmlns="" id="{14F32882-1F82-3449-A2AF-7860D2069DFD}"/>
+              </a:ext>
+            </a:extLst>
+          </p:cNvPr>
+          <p:cNvSpPr>
+            <a:spLocks noGrp="1"/>
+          </p:cNvSpPr>
+          <p:nvPr>
+            <p:ph type="title"/>
+          </p:nvPr>
+        </p:nvSpPr>
+        <p:spPr/>
+        <p:txBody>
+          <a:bodyPr/>
+          <a:lstStyle/>
+          <a:p>
+            <a:r>
+              <a:rPr lang="en-US" dirty="0" smtClean="0"/>
+              <a:t>Constraint Language</a:t>
+            </a:r>
+            <a:endParaRPr lang="en-US" dirty="0"/>
+          </a:p>
+        </p:txBody>
+      </p:sp>
+      <p:sp>
+        <p:nvSpPr>
+          <p:cNvPr id="3" name="Content Placeholder 2">
+            <a:extLst>
+              <a:ext uri="{FF2B5EF4-FFF2-40B4-BE49-F238E27FC236}">
+                <a16:creationId xmlns:a16="http://schemas.microsoft.com/office/drawing/2014/main" xmlns="" id="{E8DC48EB-141E-724A-B154-4F0163208EDF}"/>
+              </a:ext>
+            </a:extLst>
+          </p:cNvPr>
+          <p:cNvSpPr>
+            <a:spLocks noGrp="1"/>
+          </p:cNvSpPr>
+          <p:nvPr>
+            <p:ph idx="1"/>
+          </p:nvPr>
+        </p:nvSpPr>
+        <p:spPr>
+          <a:xfrm>
+            <a:off x="838200" y="1825624"/>
+            <a:ext cx="10515600" cy="5032375"/>
+          </a:xfrm>
+        </p:spPr>
+        <p:txBody>
+          <a:bodyPr>
+            <a:normAutofit/>
+          </a:bodyPr>
+          <a:lstStyle/>
+          <a:p>
+            <a:pPr marL="0" marR="0" lvl="0" indent="0" defTabSz="914400" eaLnBrk="1" fontAlgn="auto" latinLnBrk="0" hangingPunct="1">
+              <a:lnSpc>
+                <a:spcPct val="100000"/>
+              </a:lnSpc>
+              <a:spcBef>
+                <a:spcPts val="0"/>
+              </a:spcBef>
+              <a:spcAft>
+                <a:spcPts val="0"/>
+              </a:spcAft>
+              <a:buClrTx/>
+              <a:buSzTx/>
+              <a:buFontTx/>
+              <a:buNone/>
+              <a:tabLst/>
+              <a:defRPr/>
+            </a:pPr>
+            <a:r>
+              <a:rPr lang="en-US" dirty="0"/>
+              <a:t>S</a:t>
+            </a:r>
+            <a:r>
+              <a:rPr lang="en-US" dirty="0" smtClean="0"/>
+              <a:t>earch space: </a:t>
+            </a:r>
+            <a:r>
+              <a:rPr lang="en-US" dirty="0" err="1" smtClean="0"/>
+              <a:t>vega</a:t>
+            </a:r>
+            <a:r>
+              <a:rPr lang="en-US" dirty="0" smtClean="0"/>
+              <a:t>-lite specs</a:t>
+            </a:r>
+          </a:p>
+          <a:p>
+            <a:pPr marL="0" marR="0" lvl="0" indent="0" defTabSz="914400" eaLnBrk="1" fontAlgn="auto" latinLnBrk="0" hangingPunct="1">
+              <a:lnSpc>
+                <a:spcPct val="100000"/>
+              </a:lnSpc>
+              <a:spcBef>
+                <a:spcPts val="0"/>
+              </a:spcBef>
+              <a:spcAft>
+                <a:spcPts val="0"/>
+              </a:spcAft>
+              <a:buClrTx/>
+              <a:buSzTx/>
+              <a:buFontTx/>
+              <a:buNone/>
+              <a:tabLst/>
+              <a:defRPr/>
+            </a:pPr>
+            <a:r>
+              <a:rPr lang="en-US" dirty="0" smtClean="0"/>
+              <a:t>Hard constraints: incorrect specs</a:t>
+            </a:r>
+          </a:p>
+          <a:p>
+            <a:pPr marL="0" marR="0" lvl="0" indent="0" defTabSz="914400" eaLnBrk="1" fontAlgn="auto" latinLnBrk="0" hangingPunct="1">
+              <a:lnSpc>
+                <a:spcPct val="100000"/>
+              </a:lnSpc>
+              <a:spcBef>
+                <a:spcPts val="0"/>
+              </a:spcBef>
+              <a:spcAft>
+                <a:spcPts val="0"/>
+              </a:spcAft>
+              <a:buClrTx/>
+              <a:buSzTx/>
+              <a:buFontTx/>
+              <a:buNone/>
+              <a:tabLst/>
+              <a:defRPr/>
+            </a:pPr>
+            <a:r>
+              <a:rPr lang="en-US" dirty="0" smtClean="0"/>
+              <a:t>Soft constraints: preferences/ranking</a:t>
+            </a:r>
+          </a:p>
+          <a:p>
+            <a:pPr marL="0" marR="0" lvl="0" indent="0" defTabSz="914400" eaLnBrk="1" fontAlgn="auto" latinLnBrk="0" hangingPunct="1">
+              <a:lnSpc>
+                <a:spcPct val="100000"/>
+              </a:lnSpc>
+              <a:spcBef>
+                <a:spcPts val="0"/>
+              </a:spcBef>
+              <a:spcAft>
+                <a:spcPts val="0"/>
+              </a:spcAft>
+              <a:buClrTx/>
+              <a:buSzTx/>
+              <a:buFontTx/>
+              <a:buNone/>
+              <a:tabLst/>
+              <a:defRPr/>
+            </a:pPr>
+            <a:endParaRPr lang="en-US" dirty="0"/>
+          </a:p>
+          <a:p>
+            <a:pPr marL="0" marR="0" lvl="0" indent="0" defTabSz="914400" eaLnBrk="1" fontAlgn="auto" latinLnBrk="0" hangingPunct="1">
+              <a:lnSpc>
+                <a:spcPct val="100000"/>
+              </a:lnSpc>
+              <a:spcBef>
+                <a:spcPts val="0"/>
+              </a:spcBef>
+              <a:spcAft>
+                <a:spcPts val="0"/>
+              </a:spcAft>
+              <a:buClrTx/>
+              <a:buSzTx/>
+              <a:buFontTx/>
+              <a:buNone/>
+              <a:tabLst/>
+              <a:defRPr/>
+            </a:pPr>
+            <a:r>
+              <a:rPr lang="en-US" dirty="0" smtClean="0"/>
+              <a:t>Challenge: encoding </a:t>
+            </a:r>
+            <a:r>
+              <a:rPr lang="en-US" dirty="0" err="1" smtClean="0"/>
+              <a:t>vega</a:t>
+            </a:r>
+            <a:r>
+              <a:rPr lang="en-US" dirty="0" smtClean="0"/>
+              <a:t>-lite as ASP statements</a:t>
+            </a:r>
+          </a:p>
+          <a:p>
+            <a:pPr marL="0" marR="0" lvl="0" indent="0" defTabSz="914400" eaLnBrk="1" fontAlgn="auto" latinLnBrk="0" hangingPunct="1">
+              <a:lnSpc>
+                <a:spcPct val="100000"/>
+              </a:lnSpc>
+              <a:spcBef>
+                <a:spcPts val="0"/>
+              </a:spcBef>
+              <a:spcAft>
+                <a:spcPts val="0"/>
+              </a:spcAft>
+              <a:buClrTx/>
+              <a:buSzTx/>
+              <a:buFontTx/>
+              <a:buNone/>
+              <a:tabLst/>
+              <a:defRPr/>
+            </a:pPr>
+            <a:endParaRPr lang="en-US" dirty="0"/>
+          </a:p>
+        </p:txBody>
+      </p:sp>
+      <p:sp>
+        <p:nvSpPr>
+          <p:cNvPr id="4" name="TextBox 3"/>
+          <p:cNvSpPr txBox="1"/>
+          <p:nvPr/>
+        </p:nvSpPr>
+        <p:spPr>
+          <a:xfrm>
+            <a:off x="7416795" y="1977759"/>
+            <a:ext cx="3009157" cy="584775"/>
+          </a:xfrm>
+          <a:prstGeom prst="rect">
+            <a:avLst/>
+          </a:prstGeom>
+          <a:noFill/>
+        </p:spPr>
+        <p:txBody>
+          <a:bodyPr wrap="none" rtlCol="0">
+            <a:spAutoFit/>
+          </a:bodyPr>
+          <a:lstStyle/>
+          <a:p>
+            <a:pPr algn="l"/>
+            <a:r>
+              <a:rPr lang="en-US" sz="3200" smtClean="0">
+                <a:latin typeface="Arial" panose="020B0604020202020204" pitchFamily="34" charset="0"/>
+                <a:cs typeface="Arial" panose="020B0604020202020204" pitchFamily="34" charset="0"/>
+              </a:rPr>
+              <a:t>expressiveness</a:t>
+            </a:r>
+            <a:endParaRPr lang="en-US" sz="3200" dirty="0" smtClean="0">
+              <a:latin typeface="Arial" panose="020B0604020202020204" pitchFamily="34" charset="0"/>
+              <a:cs typeface="Arial" panose="020B0604020202020204" pitchFamily="34" charset="0"/>
+            </a:endParaRPr>
+          </a:p>
+        </p:txBody>
+      </p:sp>
+      <p:sp>
+        <p:nvSpPr>
+          <p:cNvPr id="5" name="TextBox 4"/>
+          <p:cNvSpPr txBox="1"/>
+          <p:nvPr/>
+        </p:nvSpPr>
+        <p:spPr>
+          <a:xfrm>
+            <a:off x="7416795" y="2696807"/>
+            <a:ext cx="2568973" cy="584775"/>
+          </a:xfrm>
+          <a:prstGeom prst="rect">
+            <a:avLst/>
+          </a:prstGeom>
+          <a:noFill/>
+        </p:spPr>
+        <p:txBody>
+          <a:bodyPr wrap="none" rtlCol="0">
+            <a:spAutoFit/>
+          </a:bodyPr>
+          <a:lstStyle/>
+          <a:p>
+            <a:pPr algn="l"/>
+            <a:r>
+              <a:rPr lang="en-US" sz="3200">
+                <a:latin typeface="Arial" panose="020B0604020202020204" pitchFamily="34" charset="0"/>
+                <a:cs typeface="Arial" panose="020B0604020202020204" pitchFamily="34" charset="0"/>
+              </a:rPr>
+              <a:t>e</a:t>
+            </a:r>
+            <a:r>
+              <a:rPr lang="en-US" sz="3200" smtClean="0">
+                <a:latin typeface="Arial" panose="020B0604020202020204" pitchFamily="34" charset="0"/>
+                <a:cs typeface="Arial" panose="020B0604020202020204" pitchFamily="34" charset="0"/>
+              </a:rPr>
+              <a:t>ffectiveness</a:t>
+            </a:r>
+            <a:endParaRPr lang="en-US" sz="3200" dirty="0" smtClean="0">
+              <a:latin typeface="Arial" panose="020B0604020202020204" pitchFamily="34" charset="0"/>
+              <a:cs typeface="Arial" panose="020B0604020202020204" pitchFamily="34" charset="0"/>
+            </a:endParaRPr>
+          </a:p>
+        </p:txBody>
+      </p:sp>
+      <p:sp>
+        <p:nvSpPr>
+          <p:cNvPr id="6" name="Right Brace 5"/>
+          <p:cNvSpPr/>
+          <p:nvPr/>
+        </p:nvSpPr>
+        <p:spPr>
+          <a:xfrm>
+            <a:off x="6942665" y="1910290"/>
+            <a:ext cx="338666" cy="719712"/>
+          </a:xfrm>
+          <a:prstGeom prst="rightBrace">
+            <a:avLst/>
+          </a:prstGeom>
+          <a:ln w="28575">
+            <a:solidFill>
+              <a:schemeClr val="bg1">
+                <a:lumMod val="50000"/>
+              </a:schemeClr>
+            </a:solidFill>
+          </a:ln>
+        </p:spPr>
+        <p:style>
+          <a:lnRef idx="1">
+            <a:schemeClr val="accent1"/>
+          </a:lnRef>
+          <a:fillRef idx="0">
+            <a:schemeClr val="accent1"/>
+          </a:fillRef>
+          <a:effectRef idx="0">
+            <a:schemeClr val="accent1"/>
+          </a:effectRef>
+          <a:fontRef idx="minor">
+            <a:schemeClr val="tx1"/>
+          </a:fontRef>
+        </p:style>
+        <p:txBody>
+          <a:bodyPr rtlCol="0" anchor="ctr"/>
+          <a:lstStyle/>
+          <a:p>
+            <a:pPr algn="ctr"/>
+            <a:endParaRPr lang="en-US"/>
+          </a:p>
+        </p:txBody>
+      </p:sp>
+      <p:pic>
+        <p:nvPicPr>
+          <p:cNvPr id="8" name="Picture 7"/>
+          <p:cNvPicPr>
+            <a:picLocks noChangeAspect="1"/>
+          </p:cNvPicPr>
+          <p:nvPr/>
+        </p:nvPicPr>
+        <p:blipFill>
+          <a:blip r:embed="rId2"/>
+          <a:stretch>
+            <a:fillRect/>
+          </a:stretch>
+        </p:blipFill>
+        <p:spPr>
+          <a:xfrm>
+            <a:off x="2531533" y="-2921994"/>
+            <a:ext cx="7128933" cy="2685850"/>
+          </a:xfrm>
+          <a:prstGeom prst="rect">
+            <a:avLst/>
+          </a:prstGeom>
+        </p:spPr>
+      </p:pic>
+    </p:spTree>
+    <p:extLst>
+      <p:ext uri="{BB962C8B-B14F-4D97-AF65-F5344CB8AC3E}">
+        <p14:creationId xmlns:p14="http://schemas.microsoft.com/office/powerpoint/2010/main" val="629204948"/>
+      </p:ext>
+    </p:extLst>
+  </p:cSld>
+  <p:clrMapOvr>
+    <a:masterClrMapping/>
+  </p:clrMapOvr>
+  <p:timing>
+    <p:tnLst>
+      <p:par>
+        <p:cTn id="1" dur="indefinite" restart="never" nodeType="tmRoot"/>
+      </p:par>
+    </p:tnLst>
+  </p:timing>
+</p:sld>
+</file>
+
+<file path=ppt/slides/slide15.xml><?xml version="1.0" encoding="utf-8"?>
+<p:sld xmlns:a="http://schemas.openxmlformats.org/drawingml/2006/main" xmlns:r="http://schemas.openxmlformats.org/officeDocument/2006/relationships" xmlns:p="http://schemas.openxmlformats.org/presentationml/2006/main">
+  <p:cSld>
+    <p:spTree>
+      <p:nvGrpSpPr>
+        <p:cNvPr id="1" name=""/>
+        <p:cNvGrpSpPr/>
+        <p:nvPr/>
+      </p:nvGrpSpPr>
+      <p:grpSpPr>
+        <a:xfrm>
+          <a:off x="0" y="0"/>
+          <a:ext cx="0" cy="0"/>
+          <a:chOff x="0" y="0"/>
+          <a:chExt cx="0" cy="0"/>
+        </a:xfrm>
+      </p:grpSpPr>
+      <p:sp>
+        <p:nvSpPr>
+          <p:cNvPr id="2" name="Title 1">
+            <a:extLst>
+              <a:ext uri="{FF2B5EF4-FFF2-40B4-BE49-F238E27FC236}">
+                <a16:creationId xmlns:a16="http://schemas.microsoft.com/office/drawing/2014/main" xmlns="" id="{14F32882-1F82-3449-A2AF-7860D2069DFD}"/>
+              </a:ext>
+            </a:extLst>
+          </p:cNvPr>
+          <p:cNvSpPr>
+            <a:spLocks noGrp="1"/>
+          </p:cNvSpPr>
+          <p:nvPr>
+            <p:ph type="title"/>
+          </p:nvPr>
+        </p:nvSpPr>
+        <p:spPr/>
+        <p:txBody>
+          <a:bodyPr/>
+          <a:lstStyle/>
+          <a:p>
+            <a:r>
+              <a:rPr lang="en-US" dirty="0" smtClean="0"/>
+              <a:t>Constraint Language</a:t>
+            </a:r>
+            <a:endParaRPr lang="en-US" dirty="0"/>
+          </a:p>
+        </p:txBody>
+      </p:sp>
+      <p:sp>
+        <p:nvSpPr>
+          <p:cNvPr id="3" name="Content Placeholder 2">
+            <a:extLst>
+              <a:ext uri="{FF2B5EF4-FFF2-40B4-BE49-F238E27FC236}">
+                <a16:creationId xmlns:a16="http://schemas.microsoft.com/office/drawing/2014/main" xmlns="" id="{E8DC48EB-141E-724A-B154-4F0163208EDF}"/>
+              </a:ext>
+            </a:extLst>
+          </p:cNvPr>
+          <p:cNvSpPr>
+            <a:spLocks noGrp="1"/>
+          </p:cNvSpPr>
+          <p:nvPr>
+            <p:ph idx="1"/>
+          </p:nvPr>
+        </p:nvSpPr>
+        <p:spPr>
+          <a:xfrm>
+            <a:off x="838200" y="1825624"/>
+            <a:ext cx="10515600" cy="5032375"/>
+          </a:xfrm>
+        </p:spPr>
+        <p:txBody>
+          <a:bodyPr>
+            <a:normAutofit/>
+          </a:bodyPr>
+          <a:lstStyle/>
+          <a:p>
+            <a:pPr marL="0" lvl="0" indent="0">
+              <a:lnSpc>
+                <a:spcPct val="100000"/>
+              </a:lnSpc>
+              <a:spcBef>
+                <a:spcPts val="0"/>
+              </a:spcBef>
+              <a:buNone/>
+              <a:defRPr/>
+            </a:pPr>
+            <a:r>
+              <a:rPr lang="en-US" dirty="0"/>
+              <a:t>Atom :- L1, ..., Ln. 		// Atom is true if L1,...,Ln are true</a:t>
+            </a:r>
+          </a:p>
+          <a:p>
+            <a:pPr marL="0" lvl="0" indent="0">
+              <a:lnSpc>
+                <a:spcPct val="100000"/>
+              </a:lnSpc>
+              <a:spcBef>
+                <a:spcPts val="0"/>
+              </a:spcBef>
+              <a:buNone/>
+              <a:defRPr/>
+            </a:pPr>
+            <a:r>
+              <a:rPr lang="en-US" dirty="0"/>
+              <a:t>Atom					// Atom is true (like a data row)</a:t>
+            </a:r>
+          </a:p>
+          <a:p>
+            <a:pPr marL="0" lvl="0" indent="0">
+              <a:lnSpc>
+                <a:spcPct val="100000"/>
+              </a:lnSpc>
+              <a:spcBef>
+                <a:spcPts val="0"/>
+              </a:spcBef>
+              <a:buNone/>
+              <a:defRPr/>
+            </a:pPr>
+            <a:r>
+              <a:rPr lang="en-US" dirty="0"/>
+              <a:t>:- L1, ..., Ln.			// L1,...,Ln evaluates to </a:t>
+            </a:r>
+            <a:r>
+              <a:rPr lang="en-US" dirty="0" smtClean="0"/>
+              <a:t>False</a:t>
+            </a:r>
+          </a:p>
+          <a:p>
+            <a:pPr marL="0" lvl="0" indent="0">
+              <a:lnSpc>
+                <a:spcPct val="100000"/>
+              </a:lnSpc>
+              <a:spcBef>
+                <a:spcPts val="0"/>
+              </a:spcBef>
+              <a:buNone/>
+              <a:defRPr/>
+            </a:pPr>
+            <a:r>
+              <a:rPr lang="en-US" dirty="0" smtClean="0"/>
+              <a:t>:- L1, ..., Ln. [2]			// Penalize result by 2 if violated</a:t>
+            </a:r>
+            <a:endParaRPr lang="en-US" dirty="0"/>
+          </a:p>
+          <a:p>
+            <a:pPr marL="0" lvl="0" indent="0">
+              <a:lnSpc>
+                <a:spcPct val="100000"/>
+              </a:lnSpc>
+              <a:spcBef>
+                <a:spcPts val="0"/>
+              </a:spcBef>
+              <a:buNone/>
+              <a:defRPr/>
+            </a:pPr>
+            <a:endParaRPr lang="en-US" dirty="0"/>
+          </a:p>
+          <a:p>
+            <a:pPr marL="0" lvl="0" indent="0">
+              <a:lnSpc>
+                <a:spcPct val="100000"/>
+              </a:lnSpc>
+              <a:spcBef>
+                <a:spcPts val="0"/>
+              </a:spcBef>
+              <a:buNone/>
+              <a:defRPr/>
+            </a:pPr>
+            <a:r>
+              <a:rPr lang="en-US" dirty="0"/>
+              <a:t>Return set of Atoms that obey the rules and minimize penalties</a:t>
+            </a:r>
+          </a:p>
+          <a:p>
+            <a:pPr marL="0" lvl="0" indent="0">
+              <a:lnSpc>
+                <a:spcPct val="100000"/>
+              </a:lnSpc>
+              <a:spcBef>
+                <a:spcPts val="0"/>
+              </a:spcBef>
+              <a:buNone/>
+              <a:defRPr/>
+            </a:pPr>
+            <a:endParaRPr lang="en-US" dirty="0"/>
+          </a:p>
+        </p:txBody>
+      </p:sp>
+      <p:pic>
+        <p:nvPicPr>
+          <p:cNvPr id="7" name="Picture 6"/>
+          <p:cNvPicPr>
+            <a:picLocks noChangeAspect="1"/>
+          </p:cNvPicPr>
+          <p:nvPr/>
+        </p:nvPicPr>
+        <p:blipFill>
+          <a:blip r:embed="rId2"/>
+          <a:stretch>
+            <a:fillRect/>
+          </a:stretch>
+        </p:blipFill>
+        <p:spPr>
+          <a:xfrm>
+            <a:off x="2531533" y="5104099"/>
+            <a:ext cx="6017685" cy="1580682"/>
+          </a:xfrm>
+          <a:prstGeom prst="rect">
+            <a:avLst/>
+          </a:prstGeom>
+        </p:spPr>
+      </p:pic>
+      <p:sp>
+        <p:nvSpPr>
+          <p:cNvPr id="9" name="TextBox 8"/>
+          <p:cNvSpPr txBox="1"/>
+          <p:nvPr/>
+        </p:nvSpPr>
+        <p:spPr>
+          <a:xfrm>
+            <a:off x="7095067" y="4811713"/>
+            <a:ext cx="3919663" cy="584775"/>
+          </a:xfrm>
+          <a:prstGeom prst="rect">
+            <a:avLst/>
+          </a:prstGeom>
+          <a:noFill/>
+        </p:spPr>
+        <p:txBody>
+          <a:bodyPr wrap="none" rtlCol="0">
+            <a:spAutoFit/>
+          </a:bodyPr>
+          <a:lstStyle/>
+          <a:p>
+            <a:pPr algn="l"/>
+            <a:r>
+              <a:rPr lang="en-US" sz="3200" dirty="0" smtClean="0">
+                <a:solidFill>
+                  <a:srgbClr val="FF0000"/>
+                </a:solidFill>
+                <a:latin typeface="Arial" panose="020B0604020202020204" pitchFamily="34" charset="0"/>
+                <a:cs typeface="Arial" panose="020B0604020202020204" pitchFamily="34" charset="0"/>
+              </a:rPr>
+              <a:t># violations of rule p</a:t>
+            </a:r>
+            <a:r>
+              <a:rPr lang="en-US" sz="3200" baseline="-25000" dirty="0" smtClean="0">
+                <a:solidFill>
+                  <a:srgbClr val="FF0000"/>
+                </a:solidFill>
+                <a:latin typeface="Arial" panose="020B0604020202020204" pitchFamily="34" charset="0"/>
+                <a:cs typeface="Arial" panose="020B0604020202020204" pitchFamily="34" charset="0"/>
+              </a:rPr>
+              <a:t>i</a:t>
+            </a:r>
+            <a:endParaRPr lang="en-US" sz="3200" baseline="-25000" dirty="0" smtClean="0">
+              <a:solidFill>
+                <a:srgbClr val="FF0000"/>
+              </a:solidFill>
+              <a:latin typeface="Arial" panose="020B0604020202020204" pitchFamily="34" charset="0"/>
+              <a:cs typeface="Arial" panose="020B0604020202020204" pitchFamily="34" charset="0"/>
+            </a:endParaRPr>
+          </a:p>
+        </p:txBody>
+      </p:sp>
+      <p:sp>
+        <p:nvSpPr>
+          <p:cNvPr id="10" name="TextBox 9"/>
+          <p:cNvSpPr txBox="1"/>
+          <p:nvPr/>
+        </p:nvSpPr>
+        <p:spPr>
+          <a:xfrm>
+            <a:off x="5411356" y="4811712"/>
+            <a:ext cx="1369286" cy="584775"/>
+          </a:xfrm>
+          <a:prstGeom prst="rect">
+            <a:avLst/>
+          </a:prstGeom>
+          <a:noFill/>
+        </p:spPr>
+        <p:txBody>
+          <a:bodyPr wrap="none" rtlCol="0">
+            <a:spAutoFit/>
+          </a:bodyPr>
+          <a:lstStyle/>
+          <a:p>
+            <a:pPr algn="l"/>
+            <a:r>
+              <a:rPr lang="en-US" sz="3200" smtClean="0">
+                <a:solidFill>
+                  <a:srgbClr val="FF0000"/>
+                </a:solidFill>
+                <a:latin typeface="Arial" panose="020B0604020202020204" pitchFamily="34" charset="0"/>
+                <a:cs typeface="Arial" panose="020B0604020202020204" pitchFamily="34" charset="0"/>
+              </a:rPr>
+              <a:t>weight</a:t>
+            </a:r>
+            <a:endParaRPr lang="en-US" sz="3200" dirty="0" smtClean="0">
+              <a:solidFill>
+                <a:srgbClr val="FF0000"/>
+              </a:solidFill>
+              <a:latin typeface="Arial" panose="020B0604020202020204" pitchFamily="34" charset="0"/>
+              <a:cs typeface="Arial" panose="020B0604020202020204" pitchFamily="34" charset="0"/>
+            </a:endParaRPr>
+          </a:p>
+        </p:txBody>
+      </p:sp>
+    </p:spTree>
+    <p:extLst>
+      <p:ext uri="{BB962C8B-B14F-4D97-AF65-F5344CB8AC3E}">
+        <p14:creationId xmlns:p14="http://schemas.microsoft.com/office/powerpoint/2010/main" val="728972872"/>
+      </p:ext>
+    </p:extLst>
+  </p:cSld>
+  <p:clrMapOvr>
+    <a:masterClrMapping/>
+  </p:clrMapOvr>
+  <p:timing>
+    <p:tnLst>
+      <p:par>
+        <p:cTn id="1" dur="indefinite" restart="never" nodeType="tmRoot"/>
+      </p:par>
+    </p:tnLst>
+  </p:timing>
+</p:sld>
+</file>
+
+<file path=ppt/slides/slide16.xml><?xml version="1.0" encoding="utf-8"?>
+<p:sld xmlns:a="http://schemas.openxmlformats.org/drawingml/2006/main" xmlns:r="http://schemas.openxmlformats.org/officeDocument/2006/relationships" xmlns:p="http://schemas.openxmlformats.org/presentationml/2006/main">
+  <p:cSld>
+    <p:spTree>
+      <p:nvGrpSpPr>
+        <p:cNvPr id="1" name=""/>
+        <p:cNvGrpSpPr/>
+        <p:nvPr/>
+      </p:nvGrpSpPr>
+      <p:grpSpPr>
+        <a:xfrm>
+          <a:off x="0" y="0"/>
+          <a:ext cx="0" cy="0"/>
+          <a:chOff x="0" y="0"/>
+          <a:chExt cx="0" cy="0"/>
+        </a:xfrm>
+      </p:grpSpPr>
+      <p:sp>
+        <p:nvSpPr>
+          <p:cNvPr id="2" name="Title 1"/>
+          <p:cNvSpPr>
+            <a:spLocks noGrp="1"/>
+          </p:cNvSpPr>
+          <p:nvPr>
+            <p:ph type="title"/>
+          </p:nvPr>
+        </p:nvSpPr>
+        <p:spPr/>
+        <p:txBody>
+          <a:bodyPr/>
+          <a:lstStyle/>
+          <a:p>
+            <a:r>
+              <a:rPr lang="en-US" dirty="0" smtClean="0"/>
+              <a:t>Constraint Language Examples</a:t>
+            </a:r>
+            <a:endParaRPr lang="en-US" dirty="0"/>
+          </a:p>
+        </p:txBody>
+      </p:sp>
+      <p:pic>
+        <p:nvPicPr>
+          <p:cNvPr id="5" name="Picture 4"/>
+          <p:cNvPicPr>
+            <a:picLocks noChangeAspect="1"/>
+          </p:cNvPicPr>
+          <p:nvPr/>
+        </p:nvPicPr>
+        <p:blipFill rotWithShape="1">
+          <a:blip r:embed="rId2"/>
+          <a:srcRect r="28776"/>
+          <a:stretch/>
+        </p:blipFill>
+        <p:spPr>
+          <a:xfrm>
+            <a:off x="973666" y="1959498"/>
+            <a:ext cx="6527800" cy="1601271"/>
+          </a:xfrm>
+          <a:prstGeom prst="rect">
+            <a:avLst/>
+          </a:prstGeom>
+        </p:spPr>
+      </p:pic>
+      <p:pic>
+        <p:nvPicPr>
+          <p:cNvPr id="6" name="Picture 5"/>
+          <p:cNvPicPr>
+            <a:picLocks noChangeAspect="1"/>
+          </p:cNvPicPr>
+          <p:nvPr/>
+        </p:nvPicPr>
+        <p:blipFill>
+          <a:blip r:embed="rId3"/>
+          <a:stretch>
+            <a:fillRect/>
+          </a:stretch>
+        </p:blipFill>
+        <p:spPr>
+          <a:xfrm>
+            <a:off x="973666" y="4005230"/>
+            <a:ext cx="6866467" cy="943317"/>
+          </a:xfrm>
+          <a:prstGeom prst="rect">
+            <a:avLst/>
+          </a:prstGeom>
+        </p:spPr>
+      </p:pic>
+      <p:pic>
+        <p:nvPicPr>
+          <p:cNvPr id="10" name="Picture 9"/>
+          <p:cNvPicPr>
+            <a:picLocks noChangeAspect="1"/>
+          </p:cNvPicPr>
+          <p:nvPr/>
+        </p:nvPicPr>
+        <p:blipFill>
+          <a:blip r:embed="rId4"/>
+          <a:stretch>
+            <a:fillRect/>
+          </a:stretch>
+        </p:blipFill>
+        <p:spPr>
+          <a:xfrm>
+            <a:off x="973666" y="5422899"/>
+            <a:ext cx="6866467" cy="1271165"/>
+          </a:xfrm>
+          <a:prstGeom prst="rect">
+            <a:avLst/>
+          </a:prstGeom>
+        </p:spPr>
+      </p:pic>
+      <p:sp>
+        <p:nvSpPr>
+          <p:cNvPr id="12" name="TextBox 11"/>
+          <p:cNvSpPr txBox="1"/>
+          <p:nvPr/>
+        </p:nvSpPr>
+        <p:spPr>
+          <a:xfrm>
+            <a:off x="677333" y="1524002"/>
+            <a:ext cx="1609736" cy="400110"/>
+          </a:xfrm>
+          <a:prstGeom prst="rect">
+            <a:avLst/>
+          </a:prstGeom>
+          <a:noFill/>
+        </p:spPr>
+        <p:txBody>
+          <a:bodyPr wrap="none" rtlCol="0">
+            <a:spAutoFit/>
+          </a:bodyPr>
+          <a:lstStyle/>
+          <a:p>
+            <a:pPr algn="l"/>
+            <a:r>
+              <a:rPr lang="en-US" sz="2000" dirty="0" smtClean="0">
+                <a:latin typeface="Arial" panose="020B0604020202020204" pitchFamily="34" charset="0"/>
+                <a:cs typeface="Arial" panose="020B0604020202020204" pitchFamily="34" charset="0"/>
+              </a:rPr>
+              <a:t>Define types</a:t>
+            </a:r>
+            <a:endParaRPr lang="en-US" sz="2000" dirty="0" smtClean="0">
+              <a:latin typeface="Arial" panose="020B0604020202020204" pitchFamily="34" charset="0"/>
+              <a:cs typeface="Arial" panose="020B0604020202020204" pitchFamily="34" charset="0"/>
+            </a:endParaRPr>
+          </a:p>
+        </p:txBody>
+      </p:sp>
+      <p:sp>
+        <p:nvSpPr>
+          <p:cNvPr id="13" name="TextBox 12"/>
+          <p:cNvSpPr txBox="1"/>
+          <p:nvPr/>
+        </p:nvSpPr>
+        <p:spPr>
+          <a:xfrm>
+            <a:off x="677333" y="3640665"/>
+            <a:ext cx="2108269" cy="400110"/>
+          </a:xfrm>
+          <a:prstGeom prst="rect">
+            <a:avLst/>
+          </a:prstGeom>
+          <a:noFill/>
+        </p:spPr>
+        <p:txBody>
+          <a:bodyPr wrap="none" rtlCol="0">
+            <a:spAutoFit/>
+          </a:bodyPr>
+          <a:lstStyle/>
+          <a:p>
+            <a:pPr algn="l"/>
+            <a:r>
+              <a:rPr lang="en-US" sz="2000" dirty="0" smtClean="0">
+                <a:latin typeface="Arial" panose="020B0604020202020204" pitchFamily="34" charset="0"/>
+                <a:cs typeface="Arial" panose="020B0604020202020204" pitchFamily="34" charset="0"/>
+              </a:rPr>
+              <a:t>Hard Constraints</a:t>
+            </a:r>
+            <a:endParaRPr lang="en-US" sz="2000" dirty="0" smtClean="0">
+              <a:latin typeface="Arial" panose="020B0604020202020204" pitchFamily="34" charset="0"/>
+              <a:cs typeface="Arial" panose="020B0604020202020204" pitchFamily="34" charset="0"/>
+            </a:endParaRPr>
+          </a:p>
+        </p:txBody>
+      </p:sp>
+      <p:sp>
+        <p:nvSpPr>
+          <p:cNvPr id="14" name="TextBox 13"/>
+          <p:cNvSpPr txBox="1"/>
+          <p:nvPr/>
+        </p:nvSpPr>
+        <p:spPr>
+          <a:xfrm>
+            <a:off x="677333" y="5058795"/>
+            <a:ext cx="4275529" cy="400110"/>
+          </a:xfrm>
+          <a:prstGeom prst="rect">
+            <a:avLst/>
+          </a:prstGeom>
+          <a:noFill/>
+        </p:spPr>
+        <p:txBody>
+          <a:bodyPr wrap="none" rtlCol="0">
+            <a:spAutoFit/>
+          </a:bodyPr>
+          <a:lstStyle/>
+          <a:p>
+            <a:pPr algn="l"/>
+            <a:r>
+              <a:rPr lang="en-US" sz="2000" dirty="0" smtClean="0">
+                <a:latin typeface="Arial" panose="020B0604020202020204" pitchFamily="34" charset="0"/>
+                <a:cs typeface="Arial" panose="020B0604020202020204" pitchFamily="34" charset="0"/>
+              </a:rPr>
+              <a:t>Encodings require channel and type</a:t>
+            </a:r>
+            <a:endParaRPr lang="en-US" sz="2000" dirty="0" smtClean="0">
+              <a:latin typeface="Arial" panose="020B0604020202020204" pitchFamily="34" charset="0"/>
+              <a:cs typeface="Arial" panose="020B0604020202020204" pitchFamily="34" charset="0"/>
+            </a:endParaRPr>
+          </a:p>
+        </p:txBody>
+      </p:sp>
+      <p:pic>
+        <p:nvPicPr>
+          <p:cNvPr id="15" name="Picture 14"/>
+          <p:cNvPicPr>
+            <a:picLocks noChangeAspect="1"/>
+          </p:cNvPicPr>
+          <p:nvPr/>
+        </p:nvPicPr>
+        <p:blipFill rotWithShape="1">
+          <a:blip r:embed="rId5"/>
+          <a:srcRect l="65202"/>
+          <a:stretch/>
+        </p:blipFill>
+        <p:spPr>
+          <a:xfrm>
+            <a:off x="8136466" y="1959498"/>
+            <a:ext cx="3868923" cy="4188821"/>
+          </a:xfrm>
+          <a:prstGeom prst="rect">
+            <a:avLst/>
+          </a:prstGeom>
+        </p:spPr>
+      </p:pic>
+    </p:spTree>
+    <p:extLst>
+      <p:ext uri="{BB962C8B-B14F-4D97-AF65-F5344CB8AC3E}">
+        <p14:creationId xmlns:p14="http://schemas.microsoft.com/office/powerpoint/2010/main" val="441640852"/>
+      </p:ext>
+    </p:extLst>
+  </p:cSld>
+  <p:clrMapOvr>
+    <a:masterClrMapping/>
+  </p:clrMapOvr>
+  <p:timing>
+    <p:tnLst>
+      <p:par>
+        <p:cTn id="1" dur="indefinite" restart="never" nodeType="tmRoot"/>
+      </p:par>
+    </p:tnLst>
+  </p:timing>
+</p:sld>
+</file>
+
+<file path=ppt/slides/slide17.xml><?xml version="1.0" encoding="utf-8"?>
+<p:sld xmlns:a="http://schemas.openxmlformats.org/drawingml/2006/main" xmlns:r="http://schemas.openxmlformats.org/officeDocument/2006/relationships" xmlns:p="http://schemas.openxmlformats.org/presentationml/2006/main">
+  <p:cSld>
+    <p:spTree>
+      <p:nvGrpSpPr>
+        <p:cNvPr id="1" name=""/>
+        <p:cNvGrpSpPr/>
+        <p:nvPr/>
+      </p:nvGrpSpPr>
+      <p:grpSpPr>
+        <a:xfrm>
+          <a:off x="0" y="0"/>
+          <a:ext cx="0" cy="0"/>
+          <a:chOff x="0" y="0"/>
+          <a:chExt cx="0" cy="0"/>
+        </a:xfrm>
+      </p:grpSpPr>
+      <p:sp>
+        <p:nvSpPr>
+          <p:cNvPr id="2" name="Title 1">
+            <a:extLst>
+              <a:ext uri="{FF2B5EF4-FFF2-40B4-BE49-F238E27FC236}">
+                <a16:creationId xmlns:a16="http://schemas.microsoft.com/office/drawing/2014/main" xmlns="" id="{CC3C39AC-DC07-7843-8814-8985E8E21A22}"/>
+              </a:ext>
+            </a:extLst>
+          </p:cNvPr>
+          <p:cNvSpPr>
+            <a:spLocks noGrp="1"/>
+          </p:cNvSpPr>
+          <p:nvPr>
+            <p:ph type="title"/>
+          </p:nvPr>
+        </p:nvSpPr>
+        <p:spPr/>
+        <p:txBody>
+          <a:bodyPr/>
+          <a:lstStyle/>
+          <a:p>
+            <a:r>
+              <a:rPr lang="en-US" dirty="0" smtClean="0"/>
+              <a:t>Learning Soft Weights</a:t>
+            </a:r>
+            <a:endParaRPr lang="en-US" dirty="0"/>
+          </a:p>
+        </p:txBody>
+      </p:sp>
+      <p:sp>
+        <p:nvSpPr>
+          <p:cNvPr id="3" name="Content Placeholder 2">
+            <a:extLst>
+              <a:ext uri="{FF2B5EF4-FFF2-40B4-BE49-F238E27FC236}">
+                <a16:creationId xmlns:a16="http://schemas.microsoft.com/office/drawing/2014/main" xmlns="" id="{0B67975D-E82D-A345-9B4A-A94D9C294B53}"/>
+              </a:ext>
+            </a:extLst>
+          </p:cNvPr>
+          <p:cNvSpPr>
+            <a:spLocks noGrp="1"/>
+          </p:cNvSpPr>
+          <p:nvPr>
+            <p:ph idx="1"/>
+          </p:nvPr>
+        </p:nvSpPr>
+        <p:spPr/>
+        <p:txBody>
+          <a:bodyPr/>
+          <a:lstStyle/>
+          <a:p>
+            <a:pPr marL="0" marR="0" lvl="0" indent="0" defTabSz="914400" eaLnBrk="1" fontAlgn="auto" latinLnBrk="0" hangingPunct="1">
+              <a:lnSpc>
+                <a:spcPct val="100000"/>
+              </a:lnSpc>
+              <a:spcBef>
+                <a:spcPts val="0"/>
+              </a:spcBef>
+              <a:spcAft>
+                <a:spcPts val="0"/>
+              </a:spcAft>
+              <a:buClrTx/>
+              <a:buSzTx/>
+              <a:buFontTx/>
+              <a:buNone/>
+              <a:tabLst/>
+              <a:defRPr/>
+            </a:pPr>
+            <a:r>
+              <a:rPr lang="en-US" dirty="0" smtClean="0"/>
+              <a:t>Dozens, hundreds of soft constraints, how to assign weights?</a:t>
+            </a:r>
+          </a:p>
+          <a:p>
+            <a:pPr marL="0" marR="0" lvl="0" indent="0" defTabSz="914400" eaLnBrk="1" fontAlgn="auto" latinLnBrk="0" hangingPunct="1">
+              <a:lnSpc>
+                <a:spcPct val="100000"/>
+              </a:lnSpc>
+              <a:spcBef>
+                <a:spcPts val="0"/>
+              </a:spcBef>
+              <a:spcAft>
+                <a:spcPts val="0"/>
+              </a:spcAft>
+              <a:buClrTx/>
+              <a:buSzTx/>
+              <a:buFontTx/>
+              <a:buNone/>
+              <a:tabLst/>
+              <a:defRPr/>
+            </a:pPr>
+            <a:r>
+              <a:rPr lang="en-US" dirty="0" smtClean="0"/>
+              <a:t>  (is hand assignment as hard as heuristics)?</a:t>
+            </a:r>
+          </a:p>
+          <a:p>
+            <a:pPr marL="0" marR="0" lvl="0" indent="0" defTabSz="914400" eaLnBrk="1" fontAlgn="auto" latinLnBrk="0" hangingPunct="1">
+              <a:lnSpc>
+                <a:spcPct val="100000"/>
+              </a:lnSpc>
+              <a:spcBef>
+                <a:spcPts val="0"/>
+              </a:spcBef>
+              <a:spcAft>
+                <a:spcPts val="0"/>
+              </a:spcAft>
+              <a:buClrTx/>
+              <a:buSzTx/>
+              <a:buFontTx/>
+              <a:buNone/>
+              <a:tabLst/>
+              <a:defRPr/>
+            </a:pPr>
+            <a:endParaRPr lang="en-US" dirty="0"/>
+          </a:p>
+          <a:p>
+            <a:pPr marL="0" marR="0" lvl="0" indent="0" defTabSz="914400" eaLnBrk="1" fontAlgn="auto" latinLnBrk="0" hangingPunct="1">
+              <a:lnSpc>
+                <a:spcPct val="100000"/>
+              </a:lnSpc>
+              <a:spcBef>
+                <a:spcPts val="0"/>
+              </a:spcBef>
+              <a:spcAft>
+                <a:spcPts val="0"/>
+              </a:spcAft>
+              <a:buClrTx/>
+              <a:buSzTx/>
+              <a:buFontTx/>
+              <a:buNone/>
+              <a:tabLst/>
+              <a:defRPr/>
+            </a:pPr>
+            <a:r>
+              <a:rPr lang="en-US" dirty="0" smtClean="0"/>
+              <a:t>User studies generate pairs of (v</a:t>
+            </a:r>
+            <a:r>
+              <a:rPr lang="en-US" baseline="-25000" dirty="0" smtClean="0"/>
+              <a:t>1</a:t>
+            </a:r>
+            <a:r>
+              <a:rPr lang="en-US" dirty="0" smtClean="0"/>
+              <a:t>, v</a:t>
+            </a:r>
+            <a:r>
+              <a:rPr lang="en-US" baseline="-25000" dirty="0" smtClean="0"/>
+              <a:t>2</a:t>
+            </a:r>
+            <a:r>
+              <a:rPr lang="en-US" dirty="0" smtClean="0"/>
+              <a:t>) where v</a:t>
+            </a:r>
+            <a:r>
+              <a:rPr lang="en-US" baseline="-25000" dirty="0" smtClean="0"/>
+              <a:t>1</a:t>
+            </a:r>
+            <a:r>
+              <a:rPr lang="en-US" dirty="0" smtClean="0"/>
+              <a:t> preferred over v</a:t>
+            </a:r>
+            <a:r>
+              <a:rPr lang="en-US" baseline="-25000" dirty="0" smtClean="0"/>
+              <a:t>2</a:t>
+            </a:r>
+            <a:endParaRPr lang="en-US" dirty="0" smtClean="0"/>
+          </a:p>
+          <a:p>
+            <a:pPr marL="0" marR="0" lvl="0" indent="0" defTabSz="914400" eaLnBrk="1" fontAlgn="auto" latinLnBrk="0" hangingPunct="1">
+              <a:lnSpc>
+                <a:spcPct val="100000"/>
+              </a:lnSpc>
+              <a:spcBef>
+                <a:spcPts val="0"/>
+              </a:spcBef>
+              <a:spcAft>
+                <a:spcPts val="0"/>
+              </a:spcAft>
+              <a:buClrTx/>
+              <a:buSzTx/>
+              <a:buFontTx/>
+              <a:buNone/>
+              <a:tabLst/>
+              <a:defRPr/>
+            </a:pPr>
+            <a:r>
+              <a:rPr lang="en-US" dirty="0" smtClean="0"/>
+              <a:t>Use </a:t>
+            </a:r>
+            <a:r>
+              <a:rPr lang="en-US" dirty="0" err="1" smtClean="0"/>
+              <a:t>RankSVM</a:t>
+            </a:r>
+            <a:r>
+              <a:rPr lang="en-US" dirty="0" smtClean="0"/>
+              <a:t> to learn what soft constraint weights will most preserve the ranking</a:t>
+            </a:r>
+          </a:p>
+          <a:p>
+            <a:pPr marL="514350" marR="0" lvl="0" indent="-514350" defTabSz="914400" eaLnBrk="1" fontAlgn="auto" latinLnBrk="0" hangingPunct="1">
+              <a:lnSpc>
+                <a:spcPct val="100000"/>
+              </a:lnSpc>
+              <a:spcBef>
+                <a:spcPts val="0"/>
+              </a:spcBef>
+              <a:spcAft>
+                <a:spcPts val="0"/>
+              </a:spcAft>
+              <a:buClrTx/>
+              <a:buSzTx/>
+              <a:buFont typeface="+mj-lt"/>
+              <a:buAutoNum type="arabicPeriod"/>
+              <a:tabLst/>
+              <a:defRPr/>
+            </a:pPr>
+            <a:r>
+              <a:rPr lang="en-US" dirty="0" smtClean="0"/>
+              <a:t>Run </a:t>
+            </a:r>
+            <a:r>
+              <a:rPr lang="en-US" dirty="0" err="1" smtClean="0"/>
+              <a:t>draco</a:t>
+            </a:r>
+            <a:r>
+              <a:rPr lang="en-US" dirty="0" smtClean="0"/>
+              <a:t> and count # violations of each rule for each vis v</a:t>
+            </a:r>
+            <a:r>
+              <a:rPr lang="en-US" baseline="-25000" dirty="0" smtClean="0"/>
+              <a:t>i</a:t>
+            </a:r>
+            <a:endParaRPr lang="en-US" dirty="0" smtClean="0"/>
+          </a:p>
+          <a:p>
+            <a:pPr marL="514350" marR="0" lvl="0" indent="-514350" defTabSz="914400" eaLnBrk="1" fontAlgn="auto" latinLnBrk="0" hangingPunct="1">
+              <a:lnSpc>
+                <a:spcPct val="100000"/>
+              </a:lnSpc>
+              <a:spcBef>
+                <a:spcPts val="0"/>
+              </a:spcBef>
+              <a:spcAft>
+                <a:spcPts val="0"/>
+              </a:spcAft>
+              <a:buClrTx/>
+              <a:buSzTx/>
+              <a:buFont typeface="+mj-lt"/>
+              <a:buAutoNum type="arabicPeriod"/>
+              <a:tabLst/>
+              <a:defRPr/>
+            </a:pPr>
+            <a:r>
+              <a:rPr lang="en-US" dirty="0" smtClean="0"/>
+              <a:t>Rule = feature vector of violation counts</a:t>
+            </a:r>
+          </a:p>
+          <a:p>
+            <a:pPr marL="514350" marR="0" lvl="0" indent="-514350" defTabSz="914400" eaLnBrk="1" fontAlgn="auto" latinLnBrk="0" hangingPunct="1">
+              <a:lnSpc>
+                <a:spcPct val="100000"/>
+              </a:lnSpc>
+              <a:spcBef>
+                <a:spcPts val="0"/>
+              </a:spcBef>
+              <a:spcAft>
+                <a:spcPts val="0"/>
+              </a:spcAft>
+              <a:buClrTx/>
+              <a:buSzTx/>
+              <a:buFont typeface="+mj-lt"/>
+              <a:buAutoNum type="arabicPeriod"/>
+              <a:tabLst/>
+              <a:defRPr/>
+            </a:pPr>
+            <a:r>
+              <a:rPr lang="en-US" dirty="0" smtClean="0"/>
+              <a:t>Train SVM to learn weights</a:t>
+            </a:r>
+            <a:endParaRPr lang="en-US" dirty="0"/>
+          </a:p>
+        </p:txBody>
+      </p:sp>
+    </p:spTree>
+    <p:extLst>
+      <p:ext uri="{BB962C8B-B14F-4D97-AF65-F5344CB8AC3E}">
+        <p14:creationId xmlns:p14="http://schemas.microsoft.com/office/powerpoint/2010/main" val="838083208"/>
+      </p:ext>
+    </p:extLst>
+  </p:cSld>
+  <p:clrMapOvr>
+    <a:masterClrMapping/>
+  </p:clrMapOvr>
+  <p:timing>
+    <p:tnLst>
+      <p:par>
+        <p:cTn id="1" dur="indefinite" restart="never" nodeType="tmRoot"/>
+      </p:par>
+    </p:tnLst>
+  </p:timing>
+</p:sld>
+</file>
+
+<file path=ppt/slides/slide18.xml><?xml version="1.0" encoding="utf-8"?>
+<p:sld xmlns:a="http://schemas.openxmlformats.org/drawingml/2006/main" xmlns:r="http://schemas.openxmlformats.org/officeDocument/2006/relationships" xmlns:p="http://schemas.openxmlformats.org/presentationml/2006/main">
+  <p:cSld>
+    <p:spTree>
+      <p:nvGrpSpPr>
+        <p:cNvPr id="1" name=""/>
+        <p:cNvGrpSpPr/>
+        <p:nvPr/>
+      </p:nvGrpSpPr>
+      <p:grpSpPr>
+        <a:xfrm>
+          <a:off x="0" y="0"/>
+          <a:ext cx="0" cy="0"/>
+          <a:chOff x="0" y="0"/>
+          <a:chExt cx="0" cy="0"/>
+        </a:xfrm>
+      </p:grpSpPr>
+      <p:sp>
+        <p:nvSpPr>
+          <p:cNvPr id="2" name="Title 1">
+            <a:extLst>
+              <a:ext uri="{FF2B5EF4-FFF2-40B4-BE49-F238E27FC236}">
+                <a16:creationId xmlns:a16="http://schemas.microsoft.com/office/drawing/2014/main" xmlns="" id="{FDE36C02-33F4-8D42-A0DF-3EEC19FC0794}"/>
+              </a:ext>
+            </a:extLst>
+          </p:cNvPr>
+          <p:cNvSpPr>
+            <a:spLocks noGrp="1"/>
+          </p:cNvSpPr>
+          <p:nvPr>
+            <p:ph type="title"/>
+          </p:nvPr>
+        </p:nvSpPr>
+        <p:spPr/>
+        <p:txBody>
+          <a:bodyPr/>
+          <a:lstStyle/>
+          <a:p>
+            <a:r>
+              <a:rPr lang="en-US" dirty="0"/>
+              <a:t>Evaluation/Experiments</a:t>
+            </a:r>
+          </a:p>
+        </p:txBody>
+      </p:sp>
+      <p:sp>
+        <p:nvSpPr>
+          <p:cNvPr id="3" name="Content Placeholder 2">
+            <a:extLst>
+              <a:ext uri="{FF2B5EF4-FFF2-40B4-BE49-F238E27FC236}">
+                <a16:creationId xmlns:a16="http://schemas.microsoft.com/office/drawing/2014/main" xmlns="" id="{8CE330F1-7E67-214E-A620-55735D9BB155}"/>
+              </a:ext>
+            </a:extLst>
+          </p:cNvPr>
+          <p:cNvSpPr>
+            <a:spLocks noGrp="1"/>
+          </p:cNvSpPr>
+          <p:nvPr>
+            <p:ph idx="1"/>
+          </p:nvPr>
+        </p:nvSpPr>
+        <p:spPr/>
+        <p:txBody>
+          <a:bodyPr/>
+          <a:lstStyle/>
+          <a:p>
+            <a:pPr marL="0" indent="0">
+              <a:buNone/>
+            </a:pPr>
+            <a:r>
+              <a:rPr lang="en-US" dirty="0" smtClean="0"/>
+              <a:t>Should show</a:t>
+            </a:r>
+          </a:p>
+          <a:p>
+            <a:r>
+              <a:rPr lang="en-US" dirty="0" smtClean="0"/>
+              <a:t>Can express previous systems (APT, Voyager/Compass)</a:t>
+            </a:r>
+          </a:p>
+          <a:p>
+            <a:r>
+              <a:rPr lang="en-US" dirty="0" smtClean="0"/>
+              <a:t>Not </a:t>
+            </a:r>
+            <a:r>
+              <a:rPr lang="en-US" dirty="0" err="1" smtClean="0"/>
+              <a:t>embarassingly</a:t>
+            </a:r>
+            <a:r>
+              <a:rPr lang="en-US" dirty="0" smtClean="0"/>
+              <a:t> slow (benefits from fast constraint solver)</a:t>
+            </a:r>
+          </a:p>
+          <a:p>
+            <a:r>
+              <a:rPr lang="en-US" dirty="0" smtClean="0"/>
+              <a:t>Can incorporate new user studies</a:t>
+            </a:r>
+          </a:p>
+          <a:p>
+            <a:r>
+              <a:rPr lang="en-US" dirty="0" smtClean="0"/>
+              <a:t>Weight learning works</a:t>
+            </a:r>
+          </a:p>
+        </p:txBody>
+      </p:sp>
+      <p:pic>
+        <p:nvPicPr>
+          <p:cNvPr id="4" name="Picture 3"/>
+          <p:cNvPicPr>
+            <a:picLocks noChangeAspect="1"/>
+          </p:cNvPicPr>
+          <p:nvPr/>
+        </p:nvPicPr>
+        <p:blipFill>
+          <a:blip r:embed="rId2"/>
+          <a:stretch>
+            <a:fillRect/>
+          </a:stretch>
+        </p:blipFill>
+        <p:spPr>
+          <a:xfrm>
+            <a:off x="7063316" y="3501072"/>
+            <a:ext cx="4942417" cy="3356928"/>
+          </a:xfrm>
+          <a:prstGeom prst="rect">
+            <a:avLst/>
+          </a:prstGeom>
+        </p:spPr>
+      </p:pic>
+    </p:spTree>
+    <p:extLst>
+      <p:ext uri="{BB962C8B-B14F-4D97-AF65-F5344CB8AC3E}">
+        <p14:creationId xmlns:p14="http://schemas.microsoft.com/office/powerpoint/2010/main" val="319236183"/>
+      </p:ext>
+    </p:extLst>
+  </p:cSld>
+  <p:clrMapOvr>
+    <a:masterClrMapping/>
+  </p:clrMapOvr>
+  <p:timing>
+    <p:tnLst>
+      <p:par>
+        <p:cTn id="1" dur="indefinite" restart="never" nodeType="tmRoot"/>
+      </p:par>
+    </p:tnLst>
+  </p:timing>
+</p:sld>
+</file>
+
+<file path=ppt/slides/slide19.xml><?xml version="1.0" encoding="utf-8"?>
+<p:sld xmlns:a="http://schemas.openxmlformats.org/drawingml/2006/main" xmlns:r="http://schemas.openxmlformats.org/officeDocument/2006/relationships" xmlns:p="http://schemas.openxmlformats.org/presentationml/2006/main">
+  <p:cSld>
+    <p:spTree>
+      <p:nvGrpSpPr>
+        <p:cNvPr id="1" name=""/>
+        <p:cNvGrpSpPr/>
+        <p:nvPr/>
+      </p:nvGrpSpPr>
+      <p:grpSpPr>
+        <a:xfrm>
+          <a:off x="0" y="0"/>
+          <a:ext cx="0" cy="0"/>
+          <a:chOff x="0" y="0"/>
+          <a:chExt cx="0" cy="0"/>
+        </a:xfrm>
+      </p:grpSpPr>
+      <p:sp>
+        <p:nvSpPr>
+          <p:cNvPr id="2" name="Title 1"/>
+          <p:cNvSpPr>
+            <a:spLocks noGrp="1"/>
+          </p:cNvSpPr>
+          <p:nvPr>
+            <p:ph type="title"/>
+          </p:nvPr>
+        </p:nvSpPr>
+        <p:spPr/>
+        <p:txBody>
+          <a:bodyPr/>
+          <a:lstStyle/>
+          <a:p>
+            <a:r>
+              <a:rPr lang="en-US" dirty="0" smtClean="0"/>
+              <a:t>Draco Discussion</a:t>
+            </a:r>
+            <a:endParaRPr lang="en-US" dirty="0"/>
+          </a:p>
+        </p:txBody>
+      </p:sp>
+      <p:sp>
+        <p:nvSpPr>
+          <p:cNvPr id="3" name="Content Placeholder 2"/>
+          <p:cNvSpPr>
+            <a:spLocks noGrp="1"/>
+          </p:cNvSpPr>
+          <p:nvPr>
+            <p:ph idx="1"/>
+          </p:nvPr>
+        </p:nvSpPr>
+        <p:spPr/>
+        <p:txBody>
+          <a:bodyPr/>
+          <a:lstStyle/>
+          <a:p>
+            <a:endParaRPr lang="en-US"/>
+          </a:p>
+        </p:txBody>
+      </p:sp>
+    </p:spTree>
+    <p:extLst>
+      <p:ext uri="{BB962C8B-B14F-4D97-AF65-F5344CB8AC3E}">
+        <p14:creationId xmlns:p14="http://schemas.microsoft.com/office/powerpoint/2010/main" val="543100414"/>
+      </p:ext>
+    </p:extLst>
+  </p:cSld>
+  <p:clrMapOvr>
+    <a:masterClrMapping/>
+  </p:clrMapOvr>
+  <p:timing>
+    <p:tnLst>
+      <p:par>
+        <p:cTn id="1" dur="indefinite" restart="never" nodeType="tmRoot"/>
+      </p:par>
+    </p:tnLst>
+  </p:timing>
 </p:sld>
 </file>
 
@@ -3436,79 +5551,50 @@
       </p:grpSpPr>
       <p:sp>
         <p:nvSpPr>
-          <p:cNvPr id="2" name="Title 1">
-            <a:extLst>
-              <a:ext uri="{FF2B5EF4-FFF2-40B4-BE49-F238E27FC236}">
-                <a16:creationId xmlns:a16="http://schemas.microsoft.com/office/drawing/2014/main" id="{E17ADD7D-E662-B249-954C-DC41B0DF4D2E}"/>
-              </a:ext>
-            </a:extLst>
-          </p:cNvPr>
-          <p:cNvSpPr>
-            <a:spLocks noGrp="1"/>
-          </p:cNvSpPr>
-          <p:nvPr>
-            <p:ph type="title"/>
-          </p:nvPr>
-        </p:nvSpPr>
-        <p:spPr/>
-        <p:txBody>
-          <a:bodyPr/>
-          <a:lstStyle/>
-          <a:p>
-            <a:r>
-              <a:rPr lang="en-US" dirty="0"/>
+          <p:cNvPr id="6" name="Title 5"/>
+          <p:cNvSpPr>
+            <a:spLocks noGrp="1"/>
+          </p:cNvSpPr>
+          <p:nvPr>
+            <p:ph type="ctrTitle"/>
+          </p:nvPr>
+        </p:nvSpPr>
+        <p:spPr/>
+        <p:txBody>
+          <a:bodyPr/>
+          <a:lstStyle/>
+          <a:p>
+            <a:r>
+              <a:rPr lang="en-US" dirty="0" smtClean="0"/>
               <a:t>Draco</a:t>
             </a:r>
-          </a:p>
-        </p:txBody>
-      </p:sp>
-      <p:sp>
-        <p:nvSpPr>
-          <p:cNvPr id="3" name="Content Placeholder 2">
-            <a:extLst>
-              <a:ext uri="{FF2B5EF4-FFF2-40B4-BE49-F238E27FC236}">
-                <a16:creationId xmlns:a16="http://schemas.microsoft.com/office/drawing/2014/main" id="{FFBCCCDB-070C-DC4C-9A0A-05BE0F66749F}"/>
-              </a:ext>
-            </a:extLst>
-          </p:cNvPr>
-          <p:cNvSpPr>
-            <a:spLocks noGrp="1"/>
-          </p:cNvSpPr>
-          <p:nvPr>
-            <p:ph idx="1"/>
-          </p:nvPr>
-        </p:nvSpPr>
-        <p:spPr/>
-        <p:txBody>
-          <a:bodyPr/>
-          <a:lstStyle/>
-          <a:p>
-            <a:r>
-              <a:rPr lang="en-US" dirty="0"/>
-              <a:t>What are the killer use cases for a system like Draco?</a:t>
-            </a:r>
-          </a:p>
-          <a:p>
-            <a:pPr lvl="1"/>
-            <a:r>
-              <a:rPr lang="en-US" dirty="0"/>
-              <a:t>Data variation, not design variation</a:t>
-            </a:r>
-          </a:p>
-          <a:p>
-            <a:pPr lvl="1"/>
             <a:endParaRPr lang="en-US" dirty="0"/>
           </a:p>
-          <a:p>
-            <a:pPr lvl="1"/>
-            <a:endParaRPr lang="en-US" dirty="0"/>
+        </p:txBody>
+      </p:sp>
+      <p:sp>
+        <p:nvSpPr>
+          <p:cNvPr id="7" name="Subtitle 6"/>
+          <p:cNvSpPr>
+            <a:spLocks noGrp="1"/>
+          </p:cNvSpPr>
+          <p:nvPr>
+            <p:ph type="subTitle" idx="1"/>
+          </p:nvPr>
+        </p:nvSpPr>
+        <p:spPr/>
+        <p:txBody>
+          <a:bodyPr/>
+          <a:lstStyle/>
+          <a:p>
+            <a:endParaRPr lang="en-US"/>
           </a:p>
         </p:txBody>
       </p:sp>
     </p:spTree>
     <p:extLst>
       <p:ext uri="{BB962C8B-B14F-4D97-AF65-F5344CB8AC3E}">
-        <p14:creationId xmlns:p14="http://schemas.microsoft.com/office/powerpoint/2010/main" val="3756450761"/>
+        <p14:creationId xmlns:p14="http://schemas.microsoft.com/office/powerpoint/2010/main" val="810387323"/>
       </p:ext>
     </p:extLst>
   </p:cSld>
@@ -3518,7 +5604,7 @@
 </p:sld>
 </file>
 
-<file path=ppt/slides/slide3.xml><?xml version="1.0" encoding="utf-8"?>
+<file path=ppt/slides/slide20.xml><?xml version="1.0" encoding="utf-8"?>
 <p:sld xmlns:a="http://schemas.openxmlformats.org/drawingml/2006/main" xmlns:r="http://schemas.openxmlformats.org/officeDocument/2006/relationships" xmlns:p="http://schemas.openxmlformats.org/presentationml/2006/main">
   <p:cSld>
     <p:spTree>
@@ -3540,7 +5626,7 @@
           <p:cNvPr id="2" name="Title 1">
             <a:extLst>
               <a:ext uri="{FF2B5EF4-FFF2-40B4-BE49-F238E27FC236}">
-                <a16:creationId xmlns:a16="http://schemas.microsoft.com/office/drawing/2014/main" id="{E17ADD7D-E662-B249-954C-DC41B0DF4D2E}"/>
+                <a16:creationId xmlns:a16="http://schemas.microsoft.com/office/drawing/2014/main" xmlns="" id="{E17ADD7D-E662-B249-954C-DC41B0DF4D2E}"/>
               </a:ext>
             </a:extLst>
           </p:cNvPr>
@@ -3568,7 +5654,7 @@
           <p:cNvPr id="3" name="Content Placeholder 2">
             <a:extLst>
               <a:ext uri="{FF2B5EF4-FFF2-40B4-BE49-F238E27FC236}">
-                <a16:creationId xmlns:a16="http://schemas.microsoft.com/office/drawing/2014/main" id="{FFBCCCDB-070C-DC4C-9A0A-05BE0F66749F}"/>
+                <a16:creationId xmlns:a16="http://schemas.microsoft.com/office/drawing/2014/main" xmlns="" id="{FFBCCCDB-070C-DC4C-9A0A-05BE0F66749F}"/>
               </a:ext>
             </a:extLst>
           </p:cNvPr>
@@ -3586,36 +5672,19 @@
           <a:p>
             <a:r>
               <a:rPr lang="en-US" dirty="0"/>
-              <a:t>What are the limitations of Draco’s ASP approach?</a:t>
+              <a:t>What are the killer use cases for a system like Draco?</a:t>
             </a:r>
           </a:p>
           <a:p>
             <a:pPr lvl="1"/>
             <a:r>
               <a:rPr lang="en-US" dirty="0"/>
-              <a:t>Composition of transformations.  </a:t>
+              <a:t>Data variation, not design variation</a:t>
             </a:r>
           </a:p>
           <a:p>
             <a:pPr lvl="1"/>
-            <a:r>
-              <a:rPr lang="en-US" dirty="0"/>
-              <a:t>Data statistics</a:t>
-            </a:r>
-          </a:p>
-          <a:p>
-            <a:pPr lvl="1"/>
-            <a:r>
-              <a:rPr lang="en-US" dirty="0"/>
-              <a:t>Generates static views</a:t>
-            </a:r>
-          </a:p>
-          <a:p>
-            <a:pPr lvl="1"/>
-            <a:r>
-              <a:rPr lang="en-US" dirty="0"/>
-              <a:t>More complex/high-level tasks?</a:t>
-            </a:r>
+            <a:endParaRPr lang="en-US" dirty="0"/>
           </a:p>
           <a:p>
             <a:pPr lvl="1"/>
@@ -3626,7 +5695,7 @@
     </p:spTree>
     <p:extLst>
       <p:ext uri="{BB962C8B-B14F-4D97-AF65-F5344CB8AC3E}">
-        <p14:creationId xmlns:p14="http://schemas.microsoft.com/office/powerpoint/2010/main" val="4194175873"/>
+        <p14:creationId xmlns:p14="http://schemas.microsoft.com/office/powerpoint/2010/main" val="3756450761"/>
       </p:ext>
     </p:extLst>
   </p:cSld>
@@ -3690,20 +5759,258 @@
                       </p:childTnLst>
                     </p:cTn>
                   </p:par>
+                </p:childTnLst>
+              </p:cTn>
+              <p:prevCondLst>
+                <p:cond evt="onPrev" delay="0">
+                  <p:tgtEl>
+                    <p:sldTgt/>
+                  </p:tgtEl>
+                </p:cond>
+              </p:prevCondLst>
+              <p:nextCondLst>
+                <p:cond evt="onNext" delay="0">
+                  <p:tgtEl>
+                    <p:sldTgt/>
+                  </p:tgtEl>
+                </p:cond>
+              </p:nextCondLst>
+            </p:seq>
+          </p:childTnLst>
+        </p:cTn>
+      </p:par>
+    </p:tnLst>
+  </p:timing>
+</p:sld>
+</file>
+
+<file path=ppt/slides/slide21.xml><?xml version="1.0" encoding="utf-8"?>
+<p:sld xmlns:a="http://schemas.openxmlformats.org/drawingml/2006/main" xmlns:r="http://schemas.openxmlformats.org/officeDocument/2006/relationships" xmlns:p="http://schemas.openxmlformats.org/presentationml/2006/main">
+  <p:cSld>
+    <p:spTree>
+      <p:nvGrpSpPr>
+        <p:cNvPr id="1" name=""/>
+        <p:cNvGrpSpPr/>
+        <p:nvPr/>
+      </p:nvGrpSpPr>
+      <p:grpSpPr>
+        <a:xfrm>
+          <a:off x="0" y="0"/>
+          <a:ext cx="0" cy="0"/>
+          <a:chOff x="0" y="0"/>
+          <a:chExt cx="0" cy="0"/>
+        </a:xfrm>
+      </p:grpSpPr>
+      <p:sp>
+        <p:nvSpPr>
+          <p:cNvPr id="2" name="Title 1">
+            <a:extLst>
+              <a:ext uri="{FF2B5EF4-FFF2-40B4-BE49-F238E27FC236}">
+                <a16:creationId xmlns:a16="http://schemas.microsoft.com/office/drawing/2014/main" xmlns="" id="{E17ADD7D-E662-B249-954C-DC41B0DF4D2E}"/>
+              </a:ext>
+            </a:extLst>
+          </p:cNvPr>
+          <p:cNvSpPr>
+            <a:spLocks noGrp="1"/>
+          </p:cNvSpPr>
+          <p:nvPr>
+            <p:ph type="title"/>
+          </p:nvPr>
+        </p:nvSpPr>
+        <p:spPr/>
+        <p:txBody>
+          <a:bodyPr/>
+          <a:lstStyle/>
+          <a:p>
+            <a:r>
+              <a:rPr lang="en-US" dirty="0"/>
+              <a:t>Draco</a:t>
+            </a:r>
+          </a:p>
+        </p:txBody>
+      </p:sp>
+      <p:sp>
+        <p:nvSpPr>
+          <p:cNvPr id="3" name="Content Placeholder 2">
+            <a:extLst>
+              <a:ext uri="{FF2B5EF4-FFF2-40B4-BE49-F238E27FC236}">
+                <a16:creationId xmlns:a16="http://schemas.microsoft.com/office/drawing/2014/main" xmlns="" id="{FFBCCCDB-070C-DC4C-9A0A-05BE0F66749F}"/>
+              </a:ext>
+            </a:extLst>
+          </p:cNvPr>
+          <p:cNvSpPr>
+            <a:spLocks noGrp="1"/>
+          </p:cNvSpPr>
+          <p:nvPr>
+            <p:ph idx="1"/>
+          </p:nvPr>
+        </p:nvSpPr>
+        <p:spPr/>
+        <p:txBody>
+          <a:bodyPr/>
+          <a:lstStyle/>
+          <a:p>
+            <a:pPr marL="0" indent="0">
+              <a:buNone/>
+            </a:pPr>
+            <a:r>
+              <a:rPr lang="en-US" dirty="0"/>
+              <a:t>What are the limitations of Draco’s ASP approach?</a:t>
+            </a:r>
+          </a:p>
+          <a:p>
+            <a:r>
+              <a:rPr lang="en-US" dirty="0" smtClean="0"/>
+              <a:t>ASP rules need to flatten the grammar (search space)</a:t>
+            </a:r>
+          </a:p>
+          <a:p>
+            <a:r>
+              <a:rPr lang="en-US" dirty="0" smtClean="0"/>
+              <a:t>Composition </a:t>
+            </a:r>
+            <a:r>
+              <a:rPr lang="en-US" dirty="0"/>
+              <a:t>of transformations.  </a:t>
+            </a:r>
+          </a:p>
+          <a:p>
+            <a:r>
+              <a:rPr lang="en-US" dirty="0"/>
+              <a:t>Data statistics</a:t>
+            </a:r>
+          </a:p>
+          <a:p>
+            <a:r>
+              <a:rPr lang="en-US" dirty="0"/>
+              <a:t>Generates static </a:t>
+            </a:r>
+            <a:r>
+              <a:rPr lang="en-US" dirty="0" smtClean="0"/>
+              <a:t>views</a:t>
+            </a:r>
+          </a:p>
+          <a:p>
+            <a:r>
+              <a:rPr lang="en-US" dirty="0" smtClean="0"/>
+              <a:t>Leverage features from rendered output (e.g., </a:t>
+            </a:r>
+            <a:r>
+              <a:rPr lang="en-US" dirty="0" err="1" smtClean="0"/>
+              <a:t>overplotting</a:t>
+            </a:r>
+            <a:r>
+              <a:rPr lang="en-US" dirty="0" smtClean="0"/>
+              <a:t>)</a:t>
+            </a:r>
+            <a:endParaRPr lang="en-US" dirty="0"/>
+          </a:p>
+          <a:p>
+            <a:r>
+              <a:rPr lang="en-US" dirty="0"/>
+              <a:t>More complex/high-level tasks?</a:t>
+            </a:r>
+          </a:p>
+          <a:p>
+            <a:pPr lvl="1"/>
+            <a:endParaRPr lang="en-US" dirty="0"/>
+          </a:p>
+        </p:txBody>
+      </p:sp>
+    </p:spTree>
+    <p:extLst>
+      <p:ext uri="{BB962C8B-B14F-4D97-AF65-F5344CB8AC3E}">
+        <p14:creationId xmlns:p14="http://schemas.microsoft.com/office/powerpoint/2010/main" val="4194175873"/>
+      </p:ext>
+    </p:extLst>
+  </p:cSld>
+  <p:clrMapOvr>
+    <a:masterClrMapping/>
+  </p:clrMapOvr>
+  <p:timing>
+    <p:tnLst>
+      <p:par>
+        <p:cTn id="1" dur="indefinite" restart="never" nodeType="tmRoot">
+          <p:childTnLst>
+            <p:seq concurrent="1" nextAc="seek">
+              <p:cTn id="2" dur="indefinite" nodeType="mainSeq">
+                <p:childTnLst>
                   <p:par>
-                    <p:cTn id="7" fill="hold">
+                    <p:cTn id="3" fill="hold">
                       <p:stCondLst>
                         <p:cond delay="indefinite"/>
                       </p:stCondLst>
                       <p:childTnLst>
                         <p:par>
-                          <p:cTn id="8" fill="hold">
+                          <p:cTn id="4" fill="hold">
                             <p:stCondLst>
                               <p:cond delay="0"/>
                             </p:stCondLst>
                             <p:childTnLst>
                               <p:par>
-                                <p:cTn id="9" presetID="1" presetClass="entr" presetSubtype="0" fill="hold" nodeType="clickEffect">
+                                <p:cTn id="5" presetID="1" presetClass="entr" presetSubtype="0" fill="hold" nodeType="clickEffect">
+                                  <p:stCondLst>
+                                    <p:cond delay="0"/>
+                                  </p:stCondLst>
+                                  <p:childTnLst>
+                                    <p:set>
+                                      <p:cBhvr>
+                                        <p:cTn id="6" dur="1" fill="hold">
+                                          <p:stCondLst>
+                                            <p:cond delay="0"/>
+                                          </p:stCondLst>
+                                        </p:cTn>
+                                        <p:tgtEl>
+                                          <p:spTgt spid="3">
+                                            <p:txEl>
+                                              <p:pRg st="1" end="1"/>
+                                            </p:txEl>
+                                          </p:spTgt>
+                                        </p:tgtEl>
+                                        <p:attrNameLst>
+                                          <p:attrName>style.visibility</p:attrName>
+                                        </p:attrNameLst>
+                                      </p:cBhvr>
+                                      <p:to>
+                                        <p:strVal val="visible"/>
+                                      </p:to>
+                                    </p:set>
+                                  </p:childTnLst>
+                                </p:cTn>
+                              </p:par>
+                              <p:par>
+                                <p:cTn id="7" presetID="1" presetClass="entr" presetSubtype="0" fill="hold" nodeType="withEffect">
+                                  <p:stCondLst>
+                                    <p:cond delay="0"/>
+                                  </p:stCondLst>
+                                  <p:childTnLst>
+                                    <p:set>
+                                      <p:cBhvr>
+                                        <p:cTn id="8" dur="1" fill="hold">
+                                          <p:stCondLst>
+                                            <p:cond delay="0"/>
+                                          </p:stCondLst>
+                                        </p:cTn>
+                                        <p:tgtEl>
+                                          <p:spTgt spid="3">
+                                            <p:txEl>
+                                              <p:pRg st="2" end="2"/>
+                                            </p:txEl>
+                                          </p:spTgt>
+                                        </p:tgtEl>
+                                        <p:attrNameLst>
+                                          <p:attrName>style.visibility</p:attrName>
+                                        </p:attrNameLst>
+                                      </p:cBhvr>
+                                      <p:to>
+                                        <p:strVal val="visible"/>
+                                      </p:to>
+                                    </p:set>
+                                  </p:childTnLst>
+                                </p:cTn>
+                              </p:par>
+                              <p:par>
+                                <p:cTn id="9" presetID="1" presetClass="entr" presetSubtype="0" fill="hold" nodeType="withEffect">
                                   <p:stCondLst>
                                     <p:cond delay="0"/>
                                   </p:stCondLst>
@@ -3718,7 +6025,7 @@
                                         <p:tgtEl>
                                           <p:spTgt spid="3">
                                             <p:txEl>
-                                              <p:pRg st="2" end="2"/>
+                                              <p:pRg st="3" end="3"/>
                                             </p:txEl>
                                           </p:spTgt>
                                         </p:tgtEl>
@@ -3749,7 +6056,7 @@
                                         <p:tgtEl>
                                           <p:spTgt spid="3">
                                             <p:txEl>
-                                              <p:pRg st="3" end="3"/>
+                                              <p:pRg st="4" end="4"/>
                                             </p:txEl>
                                           </p:spTgt>
                                         </p:tgtEl>
@@ -3780,7 +6087,38 @@
                                         <p:tgtEl>
                                           <p:spTgt spid="3">
                                             <p:txEl>
-                                              <p:pRg st="4" end="4"/>
+                                              <p:pRg st="5" end="5"/>
+                                            </p:txEl>
+                                          </p:spTgt>
+                                        </p:tgtEl>
+                                        <p:attrNameLst>
+                                          <p:attrName>style.visibility</p:attrName>
+                                        </p:attrNameLst>
+                                      </p:cBhvr>
+                                      <p:to>
+                                        <p:strVal val="visible"/>
+                                      </p:to>
+                                    </p:set>
+                                  </p:childTnLst>
+                                </p:cTn>
+                              </p:par>
+                              <p:par>
+                                <p:cTn id="15" presetID="1" presetClass="entr" presetSubtype="0" fill="hold" nodeType="withEffect">
+                                  <p:stCondLst>
+                                    <p:cond delay="0"/>
+                                  </p:stCondLst>
+                                  <p:childTnLst>
+                                    <p:set>
+                                      <p:cBhvr>
+                                        <p:cTn id="16" dur="1" fill="hold">
+                                          <p:stCondLst>
+                                            <p:cond delay="0"/>
+                                          </p:stCondLst>
+                                        </p:cTn>
+                                        <p:tgtEl>
+                                          <p:spTgt spid="3">
+                                            <p:txEl>
+                                              <p:pRg st="6" end="6"/>
                                             </p:txEl>
                                           </p:spTgt>
                                         </p:tgtEl>
@@ -3826,6 +6164,709 @@
 </p:sld>
 </file>
 
+<file path=ppt/slides/slide22.xml><?xml version="1.0" encoding="utf-8"?>
+<p:sld xmlns:a="http://schemas.openxmlformats.org/drawingml/2006/main" xmlns:r="http://schemas.openxmlformats.org/officeDocument/2006/relationships" xmlns:p="http://schemas.openxmlformats.org/presentationml/2006/main">
+  <p:cSld>
+    <p:spTree>
+      <p:nvGrpSpPr>
+        <p:cNvPr id="1" name=""/>
+        <p:cNvGrpSpPr/>
+        <p:nvPr/>
+      </p:nvGrpSpPr>
+      <p:grpSpPr>
+        <a:xfrm>
+          <a:off x="0" y="0"/>
+          <a:ext cx="0" cy="0"/>
+          <a:chOff x="0" y="0"/>
+          <a:chExt cx="0" cy="0"/>
+        </a:xfrm>
+      </p:grpSpPr>
+      <p:sp>
+        <p:nvSpPr>
+          <p:cNvPr id="2" name="Title 1">
+            <a:extLst>
+              <a:ext uri="{FF2B5EF4-FFF2-40B4-BE49-F238E27FC236}">
+                <a16:creationId xmlns:a16="http://schemas.microsoft.com/office/drawing/2014/main" xmlns="" id="{E17ADD7D-E662-B249-954C-DC41B0DF4D2E}"/>
+              </a:ext>
+            </a:extLst>
+          </p:cNvPr>
+          <p:cNvSpPr>
+            <a:spLocks noGrp="1"/>
+          </p:cNvSpPr>
+          <p:nvPr>
+            <p:ph type="title"/>
+          </p:nvPr>
+        </p:nvSpPr>
+        <p:spPr/>
+        <p:txBody>
+          <a:bodyPr/>
+          <a:lstStyle/>
+          <a:p>
+            <a:r>
+              <a:rPr lang="en-US" dirty="0"/>
+              <a:t>Draco</a:t>
+            </a:r>
+          </a:p>
+        </p:txBody>
+      </p:sp>
+      <p:sp>
+        <p:nvSpPr>
+          <p:cNvPr id="3" name="Content Placeholder 2">
+            <a:extLst>
+              <a:ext uri="{FF2B5EF4-FFF2-40B4-BE49-F238E27FC236}">
+                <a16:creationId xmlns:a16="http://schemas.microsoft.com/office/drawing/2014/main" xmlns="" id="{FFBCCCDB-070C-DC4C-9A0A-05BE0F66749F}"/>
+              </a:ext>
+            </a:extLst>
+          </p:cNvPr>
+          <p:cNvSpPr>
+            <a:spLocks noGrp="1"/>
+          </p:cNvSpPr>
+          <p:nvPr>
+            <p:ph idx="1"/>
+          </p:nvPr>
+        </p:nvSpPr>
+        <p:spPr/>
+        <p:txBody>
+          <a:bodyPr/>
+          <a:lstStyle/>
+          <a:p>
+            <a:endParaRPr lang="en-US" dirty="0"/>
+          </a:p>
+        </p:txBody>
+      </p:sp>
+    </p:spTree>
+    <p:extLst>
+      <p:ext uri="{BB962C8B-B14F-4D97-AF65-F5344CB8AC3E}">
+        <p14:creationId xmlns:p14="http://schemas.microsoft.com/office/powerpoint/2010/main" val="1085386911"/>
+      </p:ext>
+    </p:extLst>
+  </p:cSld>
+  <p:clrMapOvr>
+    <a:masterClrMapping/>
+  </p:clrMapOvr>
+  <p:timing>
+    <p:tnLst>
+      <p:par>
+        <p:cTn id="1" dur="indefinite" restart="never" nodeType="tmRoot"/>
+      </p:par>
+    </p:tnLst>
+  </p:timing>
+</p:sld>
+</file>
+
+<file path=ppt/slides/slide23.xml><?xml version="1.0" encoding="utf-8"?>
+<p:sld xmlns:a="http://schemas.openxmlformats.org/drawingml/2006/main" xmlns:r="http://schemas.openxmlformats.org/officeDocument/2006/relationships" xmlns:p="http://schemas.openxmlformats.org/presentationml/2006/main">
+  <p:cSld>
+    <p:spTree>
+      <p:nvGrpSpPr>
+        <p:cNvPr id="1" name=""/>
+        <p:cNvGrpSpPr/>
+        <p:nvPr/>
+      </p:nvGrpSpPr>
+      <p:grpSpPr>
+        <a:xfrm>
+          <a:off x="0" y="0"/>
+          <a:ext cx="0" cy="0"/>
+          <a:chOff x="0" y="0"/>
+          <a:chExt cx="0" cy="0"/>
+        </a:xfrm>
+      </p:grpSpPr>
+      <p:sp>
+        <p:nvSpPr>
+          <p:cNvPr id="2" name="Title 1"/>
+          <p:cNvSpPr>
+            <a:spLocks noGrp="1"/>
+          </p:cNvSpPr>
+          <p:nvPr>
+            <p:ph type="title"/>
+          </p:nvPr>
+        </p:nvSpPr>
+        <p:spPr/>
+        <p:txBody>
+          <a:bodyPr/>
+          <a:lstStyle/>
+          <a:p>
+            <a:r>
+              <a:rPr lang="en-US" dirty="0" smtClean="0"/>
+              <a:t>Voyager Discussion</a:t>
+            </a:r>
+            <a:endParaRPr lang="en-US" dirty="0"/>
+          </a:p>
+        </p:txBody>
+      </p:sp>
+      <p:sp>
+        <p:nvSpPr>
+          <p:cNvPr id="3" name="Content Placeholder 2"/>
+          <p:cNvSpPr>
+            <a:spLocks noGrp="1"/>
+          </p:cNvSpPr>
+          <p:nvPr>
+            <p:ph idx="1"/>
+          </p:nvPr>
+        </p:nvSpPr>
+        <p:spPr/>
+        <p:txBody>
+          <a:bodyPr/>
+          <a:lstStyle/>
+          <a:p>
+            <a:endParaRPr lang="en-US"/>
+          </a:p>
+        </p:txBody>
+      </p:sp>
+    </p:spTree>
+    <p:extLst>
+      <p:ext uri="{BB962C8B-B14F-4D97-AF65-F5344CB8AC3E}">
+        <p14:creationId xmlns:p14="http://schemas.microsoft.com/office/powerpoint/2010/main" val="2085227110"/>
+      </p:ext>
+    </p:extLst>
+  </p:cSld>
+  <p:clrMapOvr>
+    <a:masterClrMapping/>
+  </p:clrMapOvr>
+  <p:timing>
+    <p:tnLst>
+      <p:par>
+        <p:cTn id="1" dur="indefinite" restart="never" nodeType="tmRoot"/>
+      </p:par>
+    </p:tnLst>
+  </p:timing>
+</p:sld>
+</file>
+
+<file path=ppt/slides/slide24.xml><?xml version="1.0" encoding="utf-8"?>
+<p:sld xmlns:a="http://schemas.openxmlformats.org/drawingml/2006/main" xmlns:r="http://schemas.openxmlformats.org/officeDocument/2006/relationships" xmlns:p="http://schemas.openxmlformats.org/presentationml/2006/main">
+  <p:cSld>
+    <p:spTree>
+      <p:nvGrpSpPr>
+        <p:cNvPr id="1" name=""/>
+        <p:cNvGrpSpPr/>
+        <p:nvPr/>
+      </p:nvGrpSpPr>
+      <p:grpSpPr>
+        <a:xfrm>
+          <a:off x="0" y="0"/>
+          <a:ext cx="0" cy="0"/>
+          <a:chOff x="0" y="0"/>
+          <a:chExt cx="0" cy="0"/>
+        </a:xfrm>
+      </p:grpSpPr>
+      <p:sp>
+        <p:nvSpPr>
+          <p:cNvPr id="2" name="Title 1">
+            <a:extLst>
+              <a:ext uri="{FF2B5EF4-FFF2-40B4-BE49-F238E27FC236}">
+                <a16:creationId xmlns:a16="http://schemas.microsoft.com/office/drawing/2014/main" xmlns="" id="{8FF8890C-0FBB-9642-A68C-772823208760}"/>
+              </a:ext>
+            </a:extLst>
+          </p:cNvPr>
+          <p:cNvSpPr>
+            <a:spLocks noGrp="1"/>
+          </p:cNvSpPr>
+          <p:nvPr>
+            <p:ph type="title"/>
+          </p:nvPr>
+        </p:nvSpPr>
+        <p:spPr/>
+        <p:txBody>
+          <a:bodyPr/>
+          <a:lstStyle/>
+          <a:p>
+            <a:r>
+              <a:rPr lang="en-US" dirty="0"/>
+              <a:t>Voyager</a:t>
+            </a:r>
+          </a:p>
+        </p:txBody>
+      </p:sp>
+      <p:sp>
+        <p:nvSpPr>
+          <p:cNvPr id="3" name="Content Placeholder 2">
+            <a:extLst>
+              <a:ext uri="{FF2B5EF4-FFF2-40B4-BE49-F238E27FC236}">
+                <a16:creationId xmlns:a16="http://schemas.microsoft.com/office/drawing/2014/main" xmlns="" id="{CF5D6996-D565-A348-8D29-618E51CF895C}"/>
+              </a:ext>
+            </a:extLst>
+          </p:cNvPr>
+          <p:cNvSpPr>
+            <a:spLocks noGrp="1"/>
+          </p:cNvSpPr>
+          <p:nvPr>
+            <p:ph idx="1"/>
+          </p:nvPr>
+        </p:nvSpPr>
+        <p:spPr/>
+        <p:txBody>
+          <a:bodyPr/>
+          <a:lstStyle/>
+          <a:p>
+            <a:r>
+              <a:rPr lang="en-US" dirty="0"/>
+              <a:t>Was the evaluation “fair”?  What would you have done?</a:t>
+            </a:r>
+          </a:p>
+          <a:p>
+            <a:endParaRPr lang="en-US" dirty="0"/>
+          </a:p>
+          <a:p>
+            <a:pPr lvl="1" algn="r"/>
+            <a:endParaRPr lang="en-US" dirty="0"/>
+          </a:p>
+        </p:txBody>
+      </p:sp>
+    </p:spTree>
+    <p:extLst>
+      <p:ext uri="{BB962C8B-B14F-4D97-AF65-F5344CB8AC3E}">
+        <p14:creationId xmlns:p14="http://schemas.microsoft.com/office/powerpoint/2010/main" val="3677453772"/>
+      </p:ext>
+    </p:extLst>
+  </p:cSld>
+  <p:clrMapOvr>
+    <a:masterClrMapping/>
+  </p:clrMapOvr>
+  <p:timing>
+    <p:tnLst>
+      <p:par>
+        <p:cTn id="1" dur="indefinite" restart="never" nodeType="tmRoot"/>
+      </p:par>
+    </p:tnLst>
+  </p:timing>
+</p:sld>
+</file>
+
+<file path=ppt/slides/slide25.xml><?xml version="1.0" encoding="utf-8"?>
+<p:sld xmlns:a="http://schemas.openxmlformats.org/drawingml/2006/main" xmlns:r="http://schemas.openxmlformats.org/officeDocument/2006/relationships" xmlns:p="http://schemas.openxmlformats.org/presentationml/2006/main">
+  <p:cSld>
+    <p:spTree>
+      <p:nvGrpSpPr>
+        <p:cNvPr id="1" name=""/>
+        <p:cNvGrpSpPr/>
+        <p:nvPr/>
+      </p:nvGrpSpPr>
+      <p:grpSpPr>
+        <a:xfrm>
+          <a:off x="0" y="0"/>
+          <a:ext cx="0" cy="0"/>
+          <a:chOff x="0" y="0"/>
+          <a:chExt cx="0" cy="0"/>
+        </a:xfrm>
+      </p:grpSpPr>
+      <p:sp>
+        <p:nvSpPr>
+          <p:cNvPr id="2" name="Title 1">
+            <a:extLst>
+              <a:ext uri="{FF2B5EF4-FFF2-40B4-BE49-F238E27FC236}">
+                <a16:creationId xmlns:a16="http://schemas.microsoft.com/office/drawing/2014/main" xmlns="" id="{7F6691FD-F4CC-3547-9D92-3342243530A5}"/>
+              </a:ext>
+            </a:extLst>
+          </p:cNvPr>
+          <p:cNvSpPr>
+            <a:spLocks noGrp="1"/>
+          </p:cNvSpPr>
+          <p:nvPr>
+            <p:ph type="title"/>
+          </p:nvPr>
+        </p:nvSpPr>
+        <p:spPr/>
+        <p:txBody>
+          <a:bodyPr/>
+          <a:lstStyle/>
+          <a:p>
+            <a:r>
+              <a:rPr lang="en-US" dirty="0"/>
+              <a:t>Voyager</a:t>
+            </a:r>
+          </a:p>
+        </p:txBody>
+      </p:sp>
+      <p:sp>
+        <p:nvSpPr>
+          <p:cNvPr id="3" name="Content Placeholder 2">
+            <a:extLst>
+              <a:ext uri="{FF2B5EF4-FFF2-40B4-BE49-F238E27FC236}">
+                <a16:creationId xmlns:a16="http://schemas.microsoft.com/office/drawing/2014/main" xmlns="" id="{DADA9D0A-0032-C248-9FA8-6DBDA2A9184C}"/>
+              </a:ext>
+            </a:extLst>
+          </p:cNvPr>
+          <p:cNvSpPr>
+            <a:spLocks noGrp="1"/>
+          </p:cNvSpPr>
+          <p:nvPr>
+            <p:ph idx="1"/>
+          </p:nvPr>
+        </p:nvSpPr>
+        <p:spPr/>
+        <p:txBody>
+          <a:bodyPr/>
+          <a:lstStyle/>
+          <a:p>
+            <a:r>
+              <a:rPr lang="en-US" dirty="0"/>
+              <a:t>Is breadth vs depth the appropriate axis to study?</a:t>
+            </a:r>
+          </a:p>
+          <a:p>
+            <a:endParaRPr lang="en-US" dirty="0"/>
+          </a:p>
+          <a:p>
+            <a:r>
+              <a:rPr lang="en-US" dirty="0"/>
+              <a:t>What are the pros and cons of breadth-oriented exploration?</a:t>
+            </a:r>
+          </a:p>
+          <a:p>
+            <a:endParaRPr lang="en-US" dirty="0"/>
+          </a:p>
+        </p:txBody>
+      </p:sp>
+    </p:spTree>
+    <p:extLst>
+      <p:ext uri="{BB962C8B-B14F-4D97-AF65-F5344CB8AC3E}">
+        <p14:creationId xmlns:p14="http://schemas.microsoft.com/office/powerpoint/2010/main" val="1994445304"/>
+      </p:ext>
+    </p:extLst>
+  </p:cSld>
+  <p:clrMapOvr>
+    <a:masterClrMapping/>
+  </p:clrMapOvr>
+</p:sld>
+</file>
+
+<file path=ppt/slides/slide26.xml><?xml version="1.0" encoding="utf-8"?>
+<p:sld xmlns:a="http://schemas.openxmlformats.org/drawingml/2006/main" xmlns:r="http://schemas.openxmlformats.org/officeDocument/2006/relationships" xmlns:p="http://schemas.openxmlformats.org/presentationml/2006/main">
+  <p:cSld>
+    <p:spTree>
+      <p:nvGrpSpPr>
+        <p:cNvPr id="1" name=""/>
+        <p:cNvGrpSpPr/>
+        <p:nvPr/>
+      </p:nvGrpSpPr>
+      <p:grpSpPr>
+        <a:xfrm>
+          <a:off x="0" y="0"/>
+          <a:ext cx="0" cy="0"/>
+          <a:chOff x="0" y="0"/>
+          <a:chExt cx="0" cy="0"/>
+        </a:xfrm>
+      </p:grpSpPr>
+      <p:sp>
+        <p:nvSpPr>
+          <p:cNvPr id="2" name="Title 1">
+            <a:extLst>
+              <a:ext uri="{FF2B5EF4-FFF2-40B4-BE49-F238E27FC236}">
+                <a16:creationId xmlns:a16="http://schemas.microsoft.com/office/drawing/2014/main" xmlns="" id="{7F6691FD-F4CC-3547-9D92-3342243530A5}"/>
+              </a:ext>
+            </a:extLst>
+          </p:cNvPr>
+          <p:cNvSpPr>
+            <a:spLocks noGrp="1"/>
+          </p:cNvSpPr>
+          <p:nvPr>
+            <p:ph type="title"/>
+          </p:nvPr>
+        </p:nvSpPr>
+        <p:spPr/>
+        <p:txBody>
+          <a:bodyPr/>
+          <a:lstStyle/>
+          <a:p>
+            <a:r>
+              <a:rPr lang="en-US" dirty="0"/>
+              <a:t>Voyager</a:t>
+            </a:r>
+          </a:p>
+        </p:txBody>
+      </p:sp>
+      <p:sp>
+        <p:nvSpPr>
+          <p:cNvPr id="3" name="Content Placeholder 2">
+            <a:extLst>
+              <a:ext uri="{FF2B5EF4-FFF2-40B4-BE49-F238E27FC236}">
+                <a16:creationId xmlns:a16="http://schemas.microsoft.com/office/drawing/2014/main" xmlns="" id="{DADA9D0A-0032-C248-9FA8-6DBDA2A9184C}"/>
+              </a:ext>
+            </a:extLst>
+          </p:cNvPr>
+          <p:cNvSpPr>
+            <a:spLocks noGrp="1"/>
+          </p:cNvSpPr>
+          <p:nvPr>
+            <p:ph idx="1"/>
+          </p:nvPr>
+        </p:nvSpPr>
+        <p:spPr/>
+        <p:txBody>
+          <a:bodyPr/>
+          <a:lstStyle/>
+          <a:p>
+            <a:r>
+              <a:rPr lang="en-US" dirty="0"/>
+              <a:t>What characteristics should be important in recommendation?</a:t>
+            </a:r>
+          </a:p>
+          <a:p>
+            <a:endParaRPr lang="en-US" dirty="0"/>
+          </a:p>
+        </p:txBody>
+      </p:sp>
+    </p:spTree>
+    <p:extLst>
+      <p:ext uri="{BB962C8B-B14F-4D97-AF65-F5344CB8AC3E}">
+        <p14:creationId xmlns:p14="http://schemas.microsoft.com/office/powerpoint/2010/main" val="154078818"/>
+      </p:ext>
+    </p:extLst>
+  </p:cSld>
+  <p:clrMapOvr>
+    <a:masterClrMapping/>
+  </p:clrMapOvr>
+</p:sld>
+</file>
+
+<file path=ppt/slides/slide27.xml><?xml version="1.0" encoding="utf-8"?>
+<p:sld xmlns:a="http://schemas.openxmlformats.org/drawingml/2006/main" xmlns:r="http://schemas.openxmlformats.org/officeDocument/2006/relationships" xmlns:p="http://schemas.openxmlformats.org/presentationml/2006/main">
+  <p:cSld>
+    <p:spTree>
+      <p:nvGrpSpPr>
+        <p:cNvPr id="1" name=""/>
+        <p:cNvGrpSpPr/>
+        <p:nvPr/>
+      </p:nvGrpSpPr>
+      <p:grpSpPr>
+        <a:xfrm>
+          <a:off x="0" y="0"/>
+          <a:ext cx="0" cy="0"/>
+          <a:chOff x="0" y="0"/>
+          <a:chExt cx="0" cy="0"/>
+        </a:xfrm>
+      </p:grpSpPr>
+      <p:sp>
+        <p:nvSpPr>
+          <p:cNvPr id="2" name="Title 1">
+            <a:extLst>
+              <a:ext uri="{FF2B5EF4-FFF2-40B4-BE49-F238E27FC236}">
+                <a16:creationId xmlns:a16="http://schemas.microsoft.com/office/drawing/2014/main" xmlns="" id="{7F6691FD-F4CC-3547-9D92-3342243530A5}"/>
+              </a:ext>
+            </a:extLst>
+          </p:cNvPr>
+          <p:cNvSpPr>
+            <a:spLocks noGrp="1"/>
+          </p:cNvSpPr>
+          <p:nvPr>
+            <p:ph type="title"/>
+          </p:nvPr>
+        </p:nvSpPr>
+        <p:spPr/>
+        <p:txBody>
+          <a:bodyPr/>
+          <a:lstStyle/>
+          <a:p>
+            <a:r>
+              <a:rPr lang="en-US" dirty="0"/>
+              <a:t>Voyager</a:t>
+            </a:r>
+          </a:p>
+        </p:txBody>
+      </p:sp>
+      <p:sp>
+        <p:nvSpPr>
+          <p:cNvPr id="3" name="Content Placeholder 2">
+            <a:extLst>
+              <a:ext uri="{FF2B5EF4-FFF2-40B4-BE49-F238E27FC236}">
+                <a16:creationId xmlns:a16="http://schemas.microsoft.com/office/drawing/2014/main" xmlns="" id="{DADA9D0A-0032-C248-9FA8-6DBDA2A9184C}"/>
+              </a:ext>
+            </a:extLst>
+          </p:cNvPr>
+          <p:cNvSpPr>
+            <a:spLocks noGrp="1"/>
+          </p:cNvSpPr>
+          <p:nvPr>
+            <p:ph idx="1"/>
+          </p:nvPr>
+        </p:nvSpPr>
+        <p:spPr/>
+        <p:txBody>
+          <a:bodyPr/>
+          <a:lstStyle/>
+          <a:p>
+            <a:r>
+              <a:rPr lang="en-US" dirty="0"/>
+              <a:t>What characteristics should be important in recommendation?</a:t>
+            </a:r>
+          </a:p>
+          <a:p>
+            <a:pPr lvl="1"/>
+            <a:r>
+              <a:rPr lang="en-US" dirty="0"/>
+              <a:t>Task/user goals  (what does the task of exploration mean?)</a:t>
+            </a:r>
+          </a:p>
+          <a:p>
+            <a:pPr lvl="1"/>
+            <a:r>
+              <a:rPr lang="en-US" dirty="0"/>
+              <a:t>Directly find “interesting” views</a:t>
+            </a:r>
+          </a:p>
+          <a:p>
+            <a:pPr lvl="1"/>
+            <a:r>
+              <a:rPr lang="en-US" dirty="0"/>
+              <a:t>Perceptual appropriateness</a:t>
+            </a:r>
+          </a:p>
+          <a:p>
+            <a:endParaRPr lang="en-US" dirty="0"/>
+          </a:p>
+        </p:txBody>
+      </p:sp>
+    </p:spTree>
+    <p:extLst>
+      <p:ext uri="{BB962C8B-B14F-4D97-AF65-F5344CB8AC3E}">
+        <p14:creationId xmlns:p14="http://schemas.microsoft.com/office/powerpoint/2010/main" val="163403763"/>
+      </p:ext>
+    </p:extLst>
+  </p:cSld>
+  <p:clrMapOvr>
+    <a:masterClrMapping/>
+  </p:clrMapOvr>
+</p:sld>
+</file>
+
+<file path=ppt/slides/slide3.xml><?xml version="1.0" encoding="utf-8"?>
+<p:sld xmlns:a="http://schemas.openxmlformats.org/drawingml/2006/main" xmlns:r="http://schemas.openxmlformats.org/officeDocument/2006/relationships" xmlns:p="http://schemas.openxmlformats.org/presentationml/2006/main">
+  <p:cSld>
+    <p:spTree>
+      <p:nvGrpSpPr>
+        <p:cNvPr id="1" name=""/>
+        <p:cNvGrpSpPr/>
+        <p:nvPr/>
+      </p:nvGrpSpPr>
+      <p:grpSpPr>
+        <a:xfrm>
+          <a:off x="0" y="0"/>
+          <a:ext cx="0" cy="0"/>
+          <a:chOff x="0" y="0"/>
+          <a:chExt cx="0" cy="0"/>
+        </a:xfrm>
+      </p:grpSpPr>
+      <p:sp>
+        <p:nvSpPr>
+          <p:cNvPr id="2" name="Title 1">
+            <a:extLst>
+              <a:ext uri="{FF2B5EF4-FFF2-40B4-BE49-F238E27FC236}">
+                <a16:creationId xmlns:a16="http://schemas.microsoft.com/office/drawing/2014/main" xmlns="" id="{CCFACBE6-985E-8949-BBE8-2F1E0993801B}"/>
+              </a:ext>
+            </a:extLst>
+          </p:cNvPr>
+          <p:cNvSpPr>
+            <a:spLocks noGrp="1"/>
+          </p:cNvSpPr>
+          <p:nvPr>
+            <p:ph type="title"/>
+          </p:nvPr>
+        </p:nvSpPr>
+        <p:spPr/>
+        <p:txBody>
+          <a:bodyPr/>
+          <a:lstStyle/>
+          <a:p>
+            <a:r>
+              <a:rPr lang="en-US" dirty="0" smtClean="0"/>
+              <a:t>Motivation</a:t>
+            </a:r>
+            <a:endParaRPr lang="en-US" dirty="0"/>
+          </a:p>
+        </p:txBody>
+      </p:sp>
+      <p:sp>
+        <p:nvSpPr>
+          <p:cNvPr id="3" name="Content Placeholder 2">
+            <a:extLst>
+              <a:ext uri="{FF2B5EF4-FFF2-40B4-BE49-F238E27FC236}">
+                <a16:creationId xmlns:a16="http://schemas.microsoft.com/office/drawing/2014/main" xmlns="" id="{41E0E81E-B19B-8748-8F4E-9B561BD44966}"/>
+              </a:ext>
+            </a:extLst>
+          </p:cNvPr>
+          <p:cNvSpPr>
+            <a:spLocks noGrp="1"/>
+          </p:cNvSpPr>
+          <p:nvPr>
+            <p:ph idx="1"/>
+          </p:nvPr>
+        </p:nvSpPr>
+        <p:spPr/>
+        <p:txBody>
+          <a:bodyPr/>
+          <a:lstStyle/>
+          <a:p>
+            <a:pPr marL="0" indent="0">
+              <a:buNone/>
+            </a:pPr>
+            <a:r>
+              <a:rPr lang="en-US" dirty="0" smtClean="0"/>
+              <a:t>Choosing a good vis design for a dataset is hard</a:t>
+            </a:r>
+          </a:p>
+          <a:p>
+            <a:pPr marL="0" indent="0">
+              <a:buNone/>
+            </a:pPr>
+            <a:endParaRPr lang="en-US" dirty="0" smtClean="0"/>
+          </a:p>
+          <a:p>
+            <a:pPr marL="0" indent="0">
+              <a:buNone/>
+            </a:pPr>
+            <a:r>
+              <a:rPr lang="en-US" dirty="0" smtClean="0"/>
+              <a:t>Factors that determine “good” constantly changing</a:t>
+            </a:r>
+          </a:p>
+          <a:p>
+            <a:pPr marL="457200" lvl="1" indent="0">
+              <a:buNone/>
+            </a:pPr>
+            <a:r>
+              <a:rPr lang="en-US" dirty="0" smtClean="0"/>
+              <a:t>result of perceptual/usability studies</a:t>
+            </a:r>
+          </a:p>
+          <a:p>
+            <a:pPr marL="0" indent="0">
+              <a:buNone/>
+            </a:pPr>
+            <a:endParaRPr lang="en-US" dirty="0" smtClean="0"/>
+          </a:p>
+          <a:p>
+            <a:pPr marL="0" indent="0">
+              <a:buNone/>
+            </a:pPr>
+            <a:r>
+              <a:rPr lang="en-US" dirty="0" smtClean="0"/>
+              <a:t>Way to leverage evolving vis research for auto-visualization?</a:t>
+            </a:r>
+            <a:endParaRPr lang="en-US" dirty="0"/>
+          </a:p>
+        </p:txBody>
+      </p:sp>
+    </p:spTree>
+    <p:extLst>
+      <p:ext uri="{BB962C8B-B14F-4D97-AF65-F5344CB8AC3E}">
+        <p14:creationId xmlns:p14="http://schemas.microsoft.com/office/powerpoint/2010/main" val="242474428"/>
+      </p:ext>
+    </p:extLst>
+  </p:cSld>
+  <p:clrMapOvr>
+    <a:masterClrMapping/>
+  </p:clrMapOvr>
+  <p:timing>
+    <p:tnLst>
+      <p:par>
+        <p:cTn id="1" dur="indefinite" restart="never" nodeType="tmRoot"/>
+      </p:par>
+    </p:tnLst>
+  </p:timing>
+</p:sld>
+</file>
+
 <file path=ppt/slides/slide4.xml><?xml version="1.0" encoding="utf-8"?>
 <p:sld xmlns:a="http://schemas.openxmlformats.org/drawingml/2006/main" xmlns:r="http://schemas.openxmlformats.org/officeDocument/2006/relationships" xmlns:p="http://schemas.openxmlformats.org/presentationml/2006/main">
   <p:cSld>
@@ -3845,13 +6886,7 @@
       </p:grpSpPr>
       <p:sp>
         <p:nvSpPr>
-          <p:cNvPr id="2" name="Title 1">
-            <a:extLst>
-              <a:ext uri="{FF2B5EF4-FFF2-40B4-BE49-F238E27FC236}">
-                <a16:creationId xmlns:a16="http://schemas.microsoft.com/office/drawing/2014/main" id="{E17ADD7D-E662-B249-954C-DC41B0DF4D2E}"/>
-              </a:ext>
-            </a:extLst>
-          </p:cNvPr>
+          <p:cNvPr id="2" name="Title 1"/>
           <p:cNvSpPr>
             <a:spLocks noGrp="1"/>
           </p:cNvSpPr>
@@ -3865,21 +6900,88 @@
           <a:lstStyle/>
           <a:p>
             <a:r>
-              <a:rPr lang="en-US" dirty="0"/>
-              <a:t>Draco</a:t>
-            </a:r>
-          </a:p>
-        </p:txBody>
-      </p:sp>
-      <p:sp>
-        <p:nvSpPr>
-          <p:cNvPr id="3" name="Content Placeholder 2">
-            <a:extLst>
-              <a:ext uri="{FF2B5EF4-FFF2-40B4-BE49-F238E27FC236}">
-                <a16:creationId xmlns:a16="http://schemas.microsoft.com/office/drawing/2014/main" id="{FFBCCCDB-070C-DC4C-9A0A-05BE0F66749F}"/>
-              </a:ext>
-            </a:extLst>
-          </p:cNvPr>
+              <a:rPr lang="en-US" dirty="0" smtClean="0"/>
+              <a:t>Perceptual Studies</a:t>
+            </a:r>
+            <a:endParaRPr lang="en-US" dirty="0"/>
+          </a:p>
+        </p:txBody>
+      </p:sp>
+      <p:pic>
+        <p:nvPicPr>
+          <p:cNvPr id="5" name="Picture 4"/>
+          <p:cNvPicPr>
+            <a:picLocks noChangeAspect="1"/>
+          </p:cNvPicPr>
+          <p:nvPr/>
+        </p:nvPicPr>
+        <p:blipFill>
+          <a:blip r:embed="rId2"/>
+          <a:stretch>
+            <a:fillRect/>
+          </a:stretch>
+        </p:blipFill>
+        <p:spPr>
+          <a:xfrm>
+            <a:off x="6267169" y="1393824"/>
+            <a:ext cx="5689600" cy="2665882"/>
+          </a:xfrm>
+          <a:prstGeom prst="rect">
+            <a:avLst/>
+          </a:prstGeom>
+        </p:spPr>
+      </p:pic>
+      <p:pic>
+        <p:nvPicPr>
+          <p:cNvPr id="6" name="Picture 5"/>
+          <p:cNvPicPr>
+            <a:picLocks noChangeAspect="1"/>
+          </p:cNvPicPr>
+          <p:nvPr/>
+        </p:nvPicPr>
+        <p:blipFill>
+          <a:blip r:embed="rId3"/>
+          <a:stretch>
+            <a:fillRect/>
+          </a:stretch>
+        </p:blipFill>
+        <p:spPr>
+          <a:xfrm>
+            <a:off x="6222440" y="4059706"/>
+            <a:ext cx="5779059" cy="2370667"/>
+          </a:xfrm>
+          <a:prstGeom prst="rect">
+            <a:avLst/>
+          </a:prstGeom>
+        </p:spPr>
+      </p:pic>
+      <p:pic>
+        <p:nvPicPr>
+          <p:cNvPr id="7" name="Picture 6"/>
+          <p:cNvPicPr>
+            <a:picLocks noChangeAspect="1"/>
+          </p:cNvPicPr>
+          <p:nvPr/>
+        </p:nvPicPr>
+        <p:blipFill>
+          <a:blip r:embed="rId4"/>
+          <a:stretch>
+            <a:fillRect/>
+          </a:stretch>
+        </p:blipFill>
+        <p:spPr>
+          <a:xfrm>
+            <a:off x="7088435" y="365125"/>
+            <a:ext cx="4047067" cy="1049349"/>
+          </a:xfrm>
+          <a:prstGeom prst="rect">
+            <a:avLst/>
+          </a:prstGeom>
+        </p:spPr>
+      </p:pic>
+      <p:sp>
+        <p:nvSpPr>
+          <p:cNvPr id="8" name="Content Placeholder 7"/>
           <p:cNvSpPr>
             <a:spLocks noGrp="1"/>
           </p:cNvSpPr>
@@ -3892,20 +6994,146 @@
           <a:bodyPr/>
           <a:lstStyle/>
           <a:p>
-            <a:endParaRPr lang="en-US" dirty="0"/>
-          </a:p>
-        </p:txBody>
-      </p:sp>
+            <a:endParaRPr lang="en-US"/>
+          </a:p>
+        </p:txBody>
+      </p:sp>
+      <p:pic>
+        <p:nvPicPr>
+          <p:cNvPr id="9" name="Picture 8"/>
+          <p:cNvPicPr>
+            <a:picLocks noChangeAspect="1"/>
+          </p:cNvPicPr>
+          <p:nvPr/>
+        </p:nvPicPr>
+        <p:blipFill>
+          <a:blip r:embed="rId5"/>
+          <a:stretch>
+            <a:fillRect/>
+          </a:stretch>
+        </p:blipFill>
+        <p:spPr>
+          <a:xfrm>
+            <a:off x="235231" y="2368670"/>
+            <a:ext cx="5675142" cy="2623332"/>
+          </a:xfrm>
+          <a:prstGeom prst="rect">
+            <a:avLst/>
+          </a:prstGeom>
+        </p:spPr>
+      </p:pic>
     </p:spTree>
     <p:extLst>
       <p:ext uri="{BB962C8B-B14F-4D97-AF65-F5344CB8AC3E}">
-        <p14:creationId xmlns:p14="http://schemas.microsoft.com/office/powerpoint/2010/main" val="1085386911"/>
+        <p14:creationId xmlns:p14="http://schemas.microsoft.com/office/powerpoint/2010/main" val="674880556"/>
       </p:ext>
     </p:extLst>
   </p:cSld>
   <p:clrMapOvr>
     <a:masterClrMapping/>
   </p:clrMapOvr>
+  <p:timing>
+    <p:tnLst>
+      <p:par>
+        <p:cTn id="1" dur="indefinite" restart="never" nodeType="tmRoot">
+          <p:childTnLst>
+            <p:seq concurrent="1" nextAc="seek">
+              <p:cTn id="2" dur="indefinite" nodeType="mainSeq">
+                <p:childTnLst>
+                  <p:par>
+                    <p:cTn id="3" fill="hold">
+                      <p:stCondLst>
+                        <p:cond delay="indefinite"/>
+                      </p:stCondLst>
+                      <p:childTnLst>
+                        <p:par>
+                          <p:cTn id="4" fill="hold">
+                            <p:stCondLst>
+                              <p:cond delay="0"/>
+                            </p:stCondLst>
+                            <p:childTnLst>
+                              <p:par>
+                                <p:cTn id="5" presetID="1" presetClass="entr" presetSubtype="0" fill="hold" nodeType="clickEffect">
+                                  <p:stCondLst>
+                                    <p:cond delay="0"/>
+                                  </p:stCondLst>
+                                  <p:childTnLst>
+                                    <p:set>
+                                      <p:cBhvr>
+                                        <p:cTn id="6" dur="1" fill="hold">
+                                          <p:stCondLst>
+                                            <p:cond delay="0"/>
+                                          </p:stCondLst>
+                                        </p:cTn>
+                                        <p:tgtEl>
+                                          <p:spTgt spid="5"/>
+                                        </p:tgtEl>
+                                        <p:attrNameLst>
+                                          <p:attrName>style.visibility</p:attrName>
+                                        </p:attrNameLst>
+                                      </p:cBhvr>
+                                      <p:to>
+                                        <p:strVal val="visible"/>
+                                      </p:to>
+                                    </p:set>
+                                  </p:childTnLst>
+                                </p:cTn>
+                              </p:par>
+                              <p:par>
+                                <p:cTn id="7" presetID="1" presetClass="entr" presetSubtype="0" fill="hold" nodeType="withEffect">
+                                  <p:stCondLst>
+                                    <p:cond delay="0"/>
+                                  </p:stCondLst>
+                                  <p:childTnLst>
+                                    <p:set>
+                                      <p:cBhvr>
+                                        <p:cTn id="8" dur="1" fill="hold">
+                                          <p:stCondLst>
+                                            <p:cond delay="0"/>
+                                          </p:stCondLst>
+                                        </p:cTn>
+                                        <p:tgtEl>
+                                          <p:spTgt spid="7"/>
+                                        </p:tgtEl>
+                                        <p:attrNameLst>
+                                          <p:attrName>style.visibility</p:attrName>
+                                        </p:attrNameLst>
+                                      </p:cBhvr>
+                                      <p:to>
+                                        <p:strVal val="visible"/>
+                                      </p:to>
+                                    </p:set>
+                                  </p:childTnLst>
+                                </p:cTn>
+                              </p:par>
+                            </p:childTnLst>
+                          </p:cTn>
+                        </p:par>
+                      </p:childTnLst>
+                    </p:cTn>
+                  </p:par>
+                </p:childTnLst>
+              </p:cTn>
+              <p:prevCondLst>
+                <p:cond evt="onPrev" delay="0">
+                  <p:tgtEl>
+                    <p:sldTgt/>
+                  </p:tgtEl>
+                </p:cond>
+              </p:prevCondLst>
+              <p:nextCondLst>
+                <p:cond evt="onNext" delay="0">
+                  <p:tgtEl>
+                    <p:sldTgt/>
+                  </p:tgtEl>
+                </p:cond>
+              </p:nextCondLst>
+            </p:seq>
+          </p:childTnLst>
+        </p:cTn>
+      </p:par>
+    </p:tnLst>
+  </p:timing>
 </p:sld>
 </file>
 
@@ -3928,13 +7156,7 @@
       </p:grpSpPr>
       <p:sp>
         <p:nvSpPr>
-          <p:cNvPr id="2" name="Title 1">
-            <a:extLst>
-              <a:ext uri="{FF2B5EF4-FFF2-40B4-BE49-F238E27FC236}">
-                <a16:creationId xmlns:a16="http://schemas.microsoft.com/office/drawing/2014/main" id="{8FF8890C-0FBB-9642-A68C-772823208760}"/>
-              </a:ext>
-            </a:extLst>
-          </p:cNvPr>
+          <p:cNvPr id="2" name="Title 1"/>
           <p:cNvSpPr>
             <a:spLocks noGrp="1"/>
           </p:cNvSpPr>
@@ -3948,21 +7170,16 @@
           <a:lstStyle/>
           <a:p>
             <a:r>
-              <a:rPr lang="en-US" dirty="0"/>
-              <a:t>Voyager</a:t>
-            </a:r>
-          </a:p>
-        </p:txBody>
-      </p:sp>
-      <p:sp>
-        <p:nvSpPr>
-          <p:cNvPr id="3" name="Content Placeholder 2">
-            <a:extLst>
-              <a:ext uri="{FF2B5EF4-FFF2-40B4-BE49-F238E27FC236}">
-                <a16:creationId xmlns:a16="http://schemas.microsoft.com/office/drawing/2014/main" id="{CF5D6996-D565-A348-8D29-618E51CF895C}"/>
-              </a:ext>
-            </a:extLst>
-          </p:cNvPr>
+              <a:rPr lang="en-US" dirty="0" smtClean="0"/>
+              <a:t>APT</a:t>
+            </a:r>
+            <a:endParaRPr lang="en-US" dirty="0"/>
+          </a:p>
+        </p:txBody>
+      </p:sp>
+      <p:sp>
+        <p:nvSpPr>
+          <p:cNvPr id="3" name="Content Placeholder 2"/>
           <p:cNvSpPr>
             <a:spLocks noGrp="1"/>
           </p:cNvSpPr>
@@ -3975,24 +7192,38 @@
           <a:bodyPr/>
           <a:lstStyle/>
           <a:p>
-            <a:r>
-              <a:rPr lang="en-US" dirty="0"/>
-              <a:t>Was the evaluation “fair”?  What would you have done?</a:t>
-            </a:r>
-          </a:p>
-          <a:p>
             <a:endParaRPr lang="en-US" dirty="0"/>
           </a:p>
-          <a:p>
-            <a:pPr lvl="1" algn="r"/>
-            <a:endParaRPr lang="en-US" dirty="0"/>
-          </a:p>
-        </p:txBody>
-      </p:sp>
+        </p:txBody>
+      </p:sp>
+      <p:pic>
+        <p:nvPicPr>
+          <p:cNvPr id="4" name="Picture 3"/>
+          <p:cNvPicPr>
+            <a:picLocks noChangeAspect="1"/>
+          </p:cNvPicPr>
+          <p:nvPr/>
+        </p:nvPicPr>
+        <p:blipFill>
+          <a:blip r:embed="rId2"/>
+          <a:stretch>
+            <a:fillRect/>
+          </a:stretch>
+        </p:blipFill>
+        <p:spPr>
+          <a:xfrm>
+            <a:off x="838200" y="1825625"/>
+            <a:ext cx="10401300" cy="4165600"/>
+          </a:xfrm>
+          <a:prstGeom prst="rect">
+            <a:avLst/>
+          </a:prstGeom>
+        </p:spPr>
+      </p:pic>
     </p:spTree>
     <p:extLst>
       <p:ext uri="{BB962C8B-B14F-4D97-AF65-F5344CB8AC3E}">
-        <p14:creationId xmlns:p14="http://schemas.microsoft.com/office/powerpoint/2010/main" val="3677453772"/>
+        <p14:creationId xmlns:p14="http://schemas.microsoft.com/office/powerpoint/2010/main" val="2079964775"/>
       </p:ext>
     </p:extLst>
   </p:cSld>
@@ -4021,13 +7252,7 @@
       </p:grpSpPr>
       <p:sp>
         <p:nvSpPr>
-          <p:cNvPr id="2" name="Title 1">
-            <a:extLst>
-              <a:ext uri="{FF2B5EF4-FFF2-40B4-BE49-F238E27FC236}">
-                <a16:creationId xmlns:a16="http://schemas.microsoft.com/office/drawing/2014/main" id="{7F6691FD-F4CC-3547-9D92-3342243530A5}"/>
-              </a:ext>
-            </a:extLst>
-          </p:cNvPr>
+          <p:cNvPr id="2" name="Title 1"/>
           <p:cNvSpPr>
             <a:spLocks noGrp="1"/>
           </p:cNvSpPr>
@@ -4041,21 +7266,16 @@
           <a:lstStyle/>
           <a:p>
             <a:r>
-              <a:rPr lang="en-US" dirty="0"/>
-              <a:t>Voyager</a:t>
-            </a:r>
-          </a:p>
-        </p:txBody>
-      </p:sp>
-      <p:sp>
-        <p:nvSpPr>
-          <p:cNvPr id="3" name="Content Placeholder 2">
-            <a:extLst>
-              <a:ext uri="{FF2B5EF4-FFF2-40B4-BE49-F238E27FC236}">
-                <a16:creationId xmlns:a16="http://schemas.microsoft.com/office/drawing/2014/main" id="{DADA9D0A-0032-C248-9FA8-6DBDA2A9184C}"/>
-              </a:ext>
-            </a:extLst>
-          </p:cNvPr>
+              <a:rPr lang="en-US" dirty="0" smtClean="0"/>
+              <a:t>APT</a:t>
+            </a:r>
+            <a:endParaRPr lang="en-US" dirty="0"/>
+          </a:p>
+        </p:txBody>
+      </p:sp>
+      <p:sp>
+        <p:nvSpPr>
+          <p:cNvPr id="3" name="Content Placeholder 2"/>
           <p:cNvSpPr>
             <a:spLocks noGrp="1"/>
           </p:cNvSpPr>
@@ -4068,35 +7288,149 @@
           <a:bodyPr/>
           <a:lstStyle/>
           <a:p>
-            <a:r>
-              <a:rPr lang="en-US" dirty="0"/>
-              <a:t>Is breadth vs depth the appropriate axis to study?</a:t>
-            </a:r>
-          </a:p>
-          <a:p>
-            <a:endParaRPr lang="en-US" dirty="0"/>
-          </a:p>
-          <a:p>
-            <a:r>
-              <a:rPr lang="en-US" dirty="0"/>
-              <a:t>What are the pros and cons of breadth-oriented exploration?</a:t>
-            </a:r>
-          </a:p>
-          <a:p>
-            <a:endParaRPr lang="en-US" dirty="0"/>
-          </a:p>
-        </p:txBody>
-      </p:sp>
+            <a:pPr marL="0" indent="0">
+              <a:buNone/>
+            </a:pPr>
+            <a:r>
+              <a:rPr lang="en-US" dirty="0" smtClean="0"/>
+              <a:t>Proposed two criteria for automatically choosing designs</a:t>
+            </a:r>
+          </a:p>
+          <a:p>
+            <a:pPr marL="0" indent="0">
+              <a:buNone/>
+            </a:pPr>
+            <a:r>
+              <a:rPr lang="en-US" dirty="0" smtClean="0"/>
+              <a:t>Expressiveness</a:t>
+            </a:r>
+          </a:p>
+          <a:p>
+            <a:pPr marL="457200" lvl="1" indent="0">
+              <a:buNone/>
+            </a:pPr>
+            <a:r>
+              <a:rPr lang="en-US" dirty="0" smtClean="0"/>
+              <a:t>all facts and only those facts are expressed in the graphical design</a:t>
+            </a:r>
+          </a:p>
+          <a:p>
+            <a:pPr marL="0" indent="0">
+              <a:buNone/>
+            </a:pPr>
+            <a:endParaRPr lang="en-US" dirty="0" smtClean="0"/>
+          </a:p>
+        </p:txBody>
+      </p:sp>
+      <p:pic>
+        <p:nvPicPr>
+          <p:cNvPr id="5" name="Picture 4"/>
+          <p:cNvPicPr>
+            <a:picLocks noChangeAspect="1"/>
+          </p:cNvPicPr>
+          <p:nvPr/>
+        </p:nvPicPr>
+        <p:blipFill>
+          <a:blip r:embed="rId2"/>
+          <a:stretch>
+            <a:fillRect/>
+          </a:stretch>
+        </p:blipFill>
+        <p:spPr>
+          <a:xfrm>
+            <a:off x="3442445" y="3417123"/>
+            <a:ext cx="3989543" cy="3862217"/>
+          </a:xfrm>
+          <a:prstGeom prst="rect">
+            <a:avLst/>
+          </a:prstGeom>
+        </p:spPr>
+      </p:pic>
     </p:spTree>
     <p:extLst>
       <p:ext uri="{BB962C8B-B14F-4D97-AF65-F5344CB8AC3E}">
-        <p14:creationId xmlns:p14="http://schemas.microsoft.com/office/powerpoint/2010/main" val="1994445304"/>
+        <p14:creationId xmlns:p14="http://schemas.microsoft.com/office/powerpoint/2010/main" val="670973474"/>
       </p:ext>
     </p:extLst>
   </p:cSld>
   <p:clrMapOvr>
     <a:masterClrMapping/>
   </p:clrMapOvr>
+  <p:timing>
+    <p:tnLst>
+      <p:par>
+        <p:cTn id="1" dur="indefinite" restart="never" nodeType="tmRoot">
+          <p:childTnLst>
+            <p:seq concurrent="1" nextAc="seek">
+              <p:cTn id="2" dur="indefinite" nodeType="mainSeq">
+                <p:childTnLst>
+                  <p:par>
+                    <p:cTn id="3" fill="hold">
+                      <p:stCondLst>
+                        <p:cond delay="indefinite"/>
+                      </p:stCondLst>
+                      <p:childTnLst>
+                        <p:par>
+                          <p:cTn id="4" fill="hold">
+                            <p:stCondLst>
+                              <p:cond delay="0"/>
+                            </p:stCondLst>
+                            <p:childTnLst>
+                              <p:par>
+                                <p:cTn id="5" presetID="1" presetClass="entr" presetSubtype="0" fill="hold" nodeType="clickEffect">
+                                  <p:stCondLst>
+                                    <p:cond delay="0"/>
+                                  </p:stCondLst>
+                                  <p:childTnLst>
+                                    <p:set>
+                                      <p:cBhvr>
+                                        <p:cTn id="6" dur="1" fill="hold">
+                                          <p:stCondLst>
+                                            <p:cond delay="0"/>
+                                          </p:stCondLst>
+                                        </p:cTn>
+                                        <p:tgtEl>
+                                          <p:spTgt spid="5"/>
+                                        </p:tgtEl>
+                                        <p:attrNameLst>
+                                          <p:attrName>style.visibility</p:attrName>
+                                        </p:attrNameLst>
+                                      </p:cBhvr>
+                                      <p:to>
+                                        <p:strVal val="visible"/>
+                                      </p:to>
+                                    </p:set>
+                                  </p:childTnLst>
+                                </p:cTn>
+                              </p:par>
+                            </p:childTnLst>
+                          </p:cTn>
+                        </p:par>
+                      </p:childTnLst>
+                    </p:cTn>
+                  </p:par>
+                </p:childTnLst>
+              </p:cTn>
+              <p:prevCondLst>
+                <p:cond evt="onPrev" delay="0">
+                  <p:tgtEl>
+                    <p:sldTgt/>
+                  </p:tgtEl>
+                </p:cond>
+              </p:prevCondLst>
+              <p:nextCondLst>
+                <p:cond evt="onNext" delay="0">
+                  <p:tgtEl>
+                    <p:sldTgt/>
+                  </p:tgtEl>
+                </p:cond>
+              </p:nextCondLst>
+            </p:seq>
+          </p:childTnLst>
+        </p:cTn>
+      </p:par>
+    </p:tnLst>
+  </p:timing>
 </p:sld>
 </file>
 
@@ -4119,13 +7453,7 @@
       </p:grpSpPr>
       <p:sp>
         <p:nvSpPr>
-          <p:cNvPr id="2" name="Title 1">
-            <a:extLst>
-              <a:ext uri="{FF2B5EF4-FFF2-40B4-BE49-F238E27FC236}">
-                <a16:creationId xmlns:a16="http://schemas.microsoft.com/office/drawing/2014/main" id="{7F6691FD-F4CC-3547-9D92-3342243530A5}"/>
-              </a:ext>
-            </a:extLst>
-          </p:cNvPr>
+          <p:cNvPr id="2" name="Title 1"/>
           <p:cNvSpPr>
             <a:spLocks noGrp="1"/>
           </p:cNvSpPr>
@@ -4139,21 +7467,16 @@
           <a:lstStyle/>
           <a:p>
             <a:r>
-              <a:rPr lang="en-US" dirty="0"/>
-              <a:t>Voyager</a:t>
-            </a:r>
-          </a:p>
-        </p:txBody>
-      </p:sp>
-      <p:sp>
-        <p:nvSpPr>
-          <p:cNvPr id="3" name="Content Placeholder 2">
-            <a:extLst>
-              <a:ext uri="{FF2B5EF4-FFF2-40B4-BE49-F238E27FC236}">
-                <a16:creationId xmlns:a16="http://schemas.microsoft.com/office/drawing/2014/main" id="{DADA9D0A-0032-C248-9FA8-6DBDA2A9184C}"/>
-              </a:ext>
-            </a:extLst>
-          </p:cNvPr>
+              <a:rPr lang="en-US" dirty="0" smtClean="0"/>
+              <a:t>APT</a:t>
+            </a:r>
+            <a:endParaRPr lang="en-US" dirty="0"/>
+          </a:p>
+        </p:txBody>
+      </p:sp>
+      <p:sp>
+        <p:nvSpPr>
+          <p:cNvPr id="3" name="Content Placeholder 2"/>
           <p:cNvSpPr>
             <a:spLocks noGrp="1"/>
           </p:cNvSpPr>
@@ -4166,26 +7489,90 @@
           <a:bodyPr/>
           <a:lstStyle/>
           <a:p>
-            <a:r>
-              <a:rPr lang="en-US" dirty="0"/>
-              <a:t>What characteristics should be important in recommendation?</a:t>
-            </a:r>
-          </a:p>
-          <a:p>
+            <a:pPr marL="0" indent="0">
+              <a:buNone/>
+            </a:pPr>
+            <a:r>
+              <a:rPr lang="en-US" dirty="0" smtClean="0"/>
+              <a:t>Proposed two criteria for automatically choosing designs</a:t>
+            </a:r>
+          </a:p>
+          <a:p>
+            <a:pPr marL="0" indent="0">
+              <a:buNone/>
+            </a:pPr>
+            <a:r>
+              <a:rPr lang="en-US" dirty="0" smtClean="0"/>
+              <a:t>Expressiveness</a:t>
+            </a:r>
+          </a:p>
+          <a:p>
+            <a:pPr marL="457200" lvl="1" indent="0">
+              <a:buNone/>
+            </a:pPr>
+            <a:r>
+              <a:rPr lang="en-US" dirty="0" smtClean="0"/>
+              <a:t>all facts and only those facts are expressed in the graphical design</a:t>
+            </a:r>
+          </a:p>
+          <a:p>
+            <a:pPr marL="0" indent="0">
+              <a:buNone/>
+            </a:pPr>
+            <a:endParaRPr lang="en-US" dirty="0" smtClean="0"/>
+          </a:p>
+          <a:p>
+            <a:pPr marL="0" indent="0">
+              <a:buNone/>
+            </a:pPr>
+            <a:r>
+              <a:rPr lang="en-US" dirty="0" smtClean="0"/>
+              <a:t>Effectiveness</a:t>
+            </a:r>
+          </a:p>
+          <a:p>
+            <a:pPr marL="457200" lvl="1" indent="0">
+              <a:buNone/>
+            </a:pPr>
+            <a:r>
+              <a:rPr lang="en-US" dirty="0" smtClean="0"/>
+              <a:t>user can easily and unambiguously decode the graphical image</a:t>
+            </a:r>
+          </a:p>
+          <a:p>
+            <a:pPr marL="457200" lvl="1" indent="0">
+              <a:buNone/>
+            </a:pPr>
             <a:endParaRPr lang="en-US" dirty="0"/>
+          </a:p>
+          <a:p>
+            <a:pPr marL="0" indent="0">
+              <a:buNone/>
+            </a:pPr>
+            <a:r>
+              <a:rPr lang="en-US" dirty="0" smtClean="0"/>
+              <a:t>Want: most effective design that exactly expresses the data</a:t>
+            </a:r>
           </a:p>
         </p:txBody>
       </p:sp>
     </p:spTree>
     <p:extLst>
       <p:ext uri="{BB962C8B-B14F-4D97-AF65-F5344CB8AC3E}">
-        <p14:creationId xmlns:p14="http://schemas.microsoft.com/office/powerpoint/2010/main" val="154078818"/>
+        <p14:creationId xmlns:p14="http://schemas.microsoft.com/office/powerpoint/2010/main" val="1019520229"/>
       </p:ext>
     </p:extLst>
   </p:cSld>
   <p:clrMapOvr>
     <a:masterClrMapping/>
   </p:clrMapOvr>
+  <p:timing>
+    <p:tnLst>
+      <p:par>
+        <p:cTn id="1" dur="indefinite" restart="never" nodeType="tmRoot"/>
+      </p:par>
+    </p:tnLst>
+  </p:timing>
 </p:sld>
 </file>
 
@@ -4208,13 +7595,7 @@
       </p:grpSpPr>
       <p:sp>
         <p:nvSpPr>
-          <p:cNvPr id="2" name="Title 1">
-            <a:extLst>
-              <a:ext uri="{FF2B5EF4-FFF2-40B4-BE49-F238E27FC236}">
-                <a16:creationId xmlns:a16="http://schemas.microsoft.com/office/drawing/2014/main" id="{7F6691FD-F4CC-3547-9D92-3342243530A5}"/>
-              </a:ext>
-            </a:extLst>
-          </p:cNvPr>
+          <p:cNvPr id="2" name="Title 1"/>
           <p:cNvSpPr>
             <a:spLocks noGrp="1"/>
           </p:cNvSpPr>
@@ -4228,21 +7609,16 @@
           <a:lstStyle/>
           <a:p>
             <a:r>
-              <a:rPr lang="en-US" dirty="0"/>
-              <a:t>Voyager</a:t>
-            </a:r>
-          </a:p>
-        </p:txBody>
-      </p:sp>
-      <p:sp>
-        <p:nvSpPr>
-          <p:cNvPr id="3" name="Content Placeholder 2">
-            <a:extLst>
-              <a:ext uri="{FF2B5EF4-FFF2-40B4-BE49-F238E27FC236}">
-                <a16:creationId xmlns:a16="http://schemas.microsoft.com/office/drawing/2014/main" id="{DADA9D0A-0032-C248-9FA8-6DBDA2A9184C}"/>
-              </a:ext>
-            </a:extLst>
-          </p:cNvPr>
+              <a:rPr lang="en-US" dirty="0" smtClean="0"/>
+              <a:t>APT</a:t>
+            </a:r>
+            <a:endParaRPr lang="en-US" dirty="0"/>
+          </a:p>
+        </p:txBody>
+      </p:sp>
+      <p:sp>
+        <p:nvSpPr>
+          <p:cNvPr id="3" name="Content Placeholder 2"/>
           <p:cNvSpPr>
             <a:spLocks noGrp="1"/>
           </p:cNvSpPr>
@@ -4255,47 +7631,237 @@
           <a:bodyPr/>
           <a:lstStyle/>
           <a:p>
-            <a:r>
-              <a:rPr lang="en-US" dirty="0"/>
-              <a:t>What characteristics should be important in recommendation?</a:t>
-            </a:r>
-          </a:p>
-          <a:p>
-            <a:pPr lvl="1"/>
-            <a:r>
-              <a:rPr lang="en-US" dirty="0"/>
-              <a:t>Task/user goals  (what does the task of exploration mean?)</a:t>
-            </a:r>
-          </a:p>
-          <a:p>
-            <a:pPr lvl="1"/>
-            <a:r>
-              <a:rPr lang="en-US" dirty="0"/>
-              <a:t>Directly find “interesting” views</a:t>
-            </a:r>
-          </a:p>
-          <a:p>
-            <a:pPr lvl="1"/>
-            <a:r>
-              <a:rPr lang="en-US" dirty="0"/>
-              <a:t>Perceptual appropriateness</a:t>
-            </a:r>
-          </a:p>
-          <a:p>
-            <a:endParaRPr lang="en-US" dirty="0"/>
+            <a:pPr marL="0" indent="0">
+              <a:buNone/>
+            </a:pPr>
+            <a:r>
+              <a:rPr lang="en-US" dirty="0" smtClean="0"/>
+              <a:t>Logic program with hard constraints</a:t>
+            </a:r>
+          </a:p>
+          <a:p>
+            <a:pPr marL="0" indent="0">
+              <a:buNone/>
+            </a:pPr>
+            <a:r>
+              <a:rPr lang="en-US" dirty="0" smtClean="0"/>
+              <a:t>Exhaustive search </a:t>
+            </a:r>
+          </a:p>
+        </p:txBody>
+      </p:sp>
+      <p:pic>
+        <p:nvPicPr>
+          <p:cNvPr id="4" name="Picture 3"/>
+          <p:cNvPicPr>
+            <a:picLocks noChangeAspect="1"/>
+          </p:cNvPicPr>
+          <p:nvPr/>
+        </p:nvPicPr>
+        <p:blipFill>
+          <a:blip r:embed="rId2"/>
+          <a:stretch>
+            <a:fillRect/>
+          </a:stretch>
+        </p:blipFill>
+        <p:spPr>
+          <a:xfrm>
+            <a:off x="762000" y="4254500"/>
+            <a:ext cx="10668000" cy="2603500"/>
+          </a:xfrm>
+          <a:prstGeom prst="rect">
+            <a:avLst/>
+          </a:prstGeom>
+        </p:spPr>
+      </p:pic>
+      <p:sp>
+        <p:nvSpPr>
+          <p:cNvPr id="5" name="TextBox 4"/>
+          <p:cNvSpPr txBox="1"/>
+          <p:nvPr/>
+        </p:nvSpPr>
+        <p:spPr>
+          <a:xfrm>
+            <a:off x="4306888" y="3386667"/>
+            <a:ext cx="3578224" cy="707886"/>
+          </a:xfrm>
+          <a:prstGeom prst="rect">
+            <a:avLst/>
+          </a:prstGeom>
+          <a:noFill/>
+        </p:spPr>
+        <p:txBody>
+          <a:bodyPr wrap="none" rtlCol="0">
+            <a:spAutoFit/>
+          </a:bodyPr>
+          <a:lstStyle/>
+          <a:p>
+            <a:pPr algn="l"/>
+            <a:r>
+              <a:rPr lang="en-US" sz="4000" dirty="0" smtClean="0">
+                <a:latin typeface="Arial" panose="020B0604020202020204" pitchFamily="34" charset="0"/>
+                <a:cs typeface="Arial" panose="020B0604020202020204" pitchFamily="34" charset="0"/>
+              </a:rPr>
+              <a:t>Bar Chart Rule</a:t>
+            </a:r>
+            <a:endParaRPr lang="en-US" sz="4000" dirty="0" smtClean="0">
+              <a:latin typeface="Arial" panose="020B0604020202020204" pitchFamily="34" charset="0"/>
+              <a:cs typeface="Arial" panose="020B0604020202020204" pitchFamily="34" charset="0"/>
+            </a:endParaRPr>
           </a:p>
         </p:txBody>
       </p:sp>
     </p:spTree>
     <p:extLst>
       <p:ext uri="{BB962C8B-B14F-4D97-AF65-F5344CB8AC3E}">
-        <p14:creationId xmlns:p14="http://schemas.microsoft.com/office/powerpoint/2010/main" val="163403763"/>
+        <p14:creationId xmlns:p14="http://schemas.microsoft.com/office/powerpoint/2010/main" val="37708780"/>
       </p:ext>
     </p:extLst>
   </p:cSld>
   <p:clrMapOvr>
     <a:masterClrMapping/>
   </p:clrMapOvr>
+  <p:timing>
+    <p:tnLst>
+      <p:par>
+        <p:cTn id="1" dur="indefinite" restart="never" nodeType="tmRoot"/>
+      </p:par>
+    </p:tnLst>
+  </p:timing>
+</p:sld>
+</file>
+
+<file path=ppt/slides/slide9.xml><?xml version="1.0" encoding="utf-8"?>
+<p:sld xmlns:a="http://schemas.openxmlformats.org/drawingml/2006/main" xmlns:r="http://schemas.openxmlformats.org/officeDocument/2006/relationships" xmlns:p="http://schemas.openxmlformats.org/presentationml/2006/main">
+  <p:cSld>
+    <p:spTree>
+      <p:nvGrpSpPr>
+        <p:cNvPr id="1" name=""/>
+        <p:cNvGrpSpPr/>
+        <p:nvPr/>
+      </p:nvGrpSpPr>
+      <p:grpSpPr>
+        <a:xfrm>
+          <a:off x="0" y="0"/>
+          <a:ext cx="0" cy="0"/>
+          <a:chOff x="0" y="0"/>
+          <a:chExt cx="0" cy="0"/>
+        </a:xfrm>
+      </p:grpSpPr>
+      <p:sp>
+        <p:nvSpPr>
+          <p:cNvPr id="2" name="Title 1"/>
+          <p:cNvSpPr>
+            <a:spLocks noGrp="1"/>
+          </p:cNvSpPr>
+          <p:nvPr>
+            <p:ph type="title"/>
+          </p:nvPr>
+        </p:nvSpPr>
+        <p:spPr/>
+        <p:txBody>
+          <a:bodyPr/>
+          <a:lstStyle/>
+          <a:p>
+            <a:r>
+              <a:rPr lang="en-US" dirty="0" smtClean="0"/>
+              <a:t>Tableau</a:t>
+            </a:r>
+            <a:endParaRPr lang="en-US" dirty="0"/>
+          </a:p>
+        </p:txBody>
+      </p:sp>
+      <p:sp>
+        <p:nvSpPr>
+          <p:cNvPr id="3" name="Content Placeholder 2"/>
+          <p:cNvSpPr>
+            <a:spLocks noGrp="1"/>
+          </p:cNvSpPr>
+          <p:nvPr>
+            <p:ph idx="1"/>
+          </p:nvPr>
+        </p:nvSpPr>
+        <p:spPr/>
+        <p:txBody>
+          <a:bodyPr/>
+          <a:lstStyle/>
+          <a:p>
+            <a:pPr marL="0" indent="0">
+              <a:buNone/>
+            </a:pPr>
+            <a:r>
+              <a:rPr lang="en-US" dirty="0" smtClean="0"/>
+              <a:t>Rule-based Heuristics</a:t>
+            </a:r>
+            <a:endParaRPr lang="en-US" dirty="0"/>
+          </a:p>
+        </p:txBody>
+      </p:sp>
+      <p:pic>
+        <p:nvPicPr>
+          <p:cNvPr id="4" name="Picture 3"/>
+          <p:cNvPicPr>
+            <a:picLocks noChangeAspect="1"/>
+          </p:cNvPicPr>
+          <p:nvPr/>
+        </p:nvPicPr>
+        <p:blipFill>
+          <a:blip r:embed="rId2"/>
+          <a:stretch>
+            <a:fillRect/>
+          </a:stretch>
+        </p:blipFill>
+        <p:spPr>
+          <a:xfrm>
+            <a:off x="5121317" y="1161304"/>
+            <a:ext cx="6364353" cy="2671915"/>
+          </a:xfrm>
+          <a:prstGeom prst="rect">
+            <a:avLst/>
+          </a:prstGeom>
+        </p:spPr>
+      </p:pic>
+      <p:pic>
+        <p:nvPicPr>
+          <p:cNvPr id="5" name="Picture 4"/>
+          <p:cNvPicPr>
+            <a:picLocks noChangeAspect="1"/>
+          </p:cNvPicPr>
+          <p:nvPr/>
+        </p:nvPicPr>
+        <p:blipFill>
+          <a:blip r:embed="rId3"/>
+          <a:stretch>
+            <a:fillRect/>
+          </a:stretch>
+        </p:blipFill>
+        <p:spPr>
+          <a:xfrm>
+            <a:off x="4086115" y="4001294"/>
+            <a:ext cx="8105885" cy="2724385"/>
+          </a:xfrm>
+          <a:prstGeom prst="rect">
+            <a:avLst/>
+          </a:prstGeom>
+        </p:spPr>
+      </p:pic>
+    </p:spTree>
+    <p:extLst>
+      <p:ext uri="{BB962C8B-B14F-4D97-AF65-F5344CB8AC3E}">
+        <p14:creationId xmlns:p14="http://schemas.microsoft.com/office/powerpoint/2010/main" val="1232736436"/>
+      </p:ext>
+    </p:extLst>
+  </p:cSld>
+  <p:clrMapOvr>
+    <a:masterClrMapping/>
+  </p:clrMapOvr>
+  <p:timing>
+    <p:tnLst>
+      <p:par>
+        <p:cTn id="1" dur="indefinite" restart="never" nodeType="tmRoot"/>
+      </p:par>
+    </p:tnLst>
+  </p:timing>
 </p:sld>
 </file>
 

--- a/2020s_w6998/lecs/04_rec.pptx
+++ b/2020s_w6998/lecs/04_rec.pptx
@@ -160,7 +160,7 @@
           <p:cNvPr id="2" name="Title 1">
             <a:extLst>
               <a:ext uri="{FF2B5EF4-FFF2-40B4-BE49-F238E27FC236}">
-                <a16:creationId xmlns:a16="http://schemas.microsoft.com/office/drawing/2014/main" xmlns="" id="{1DCDCD60-9E60-C448-915E-FBC7ED736679}"/>
+                <a16:creationId xmlns:a16="http://schemas.microsoft.com/office/drawing/2014/main" id="{1DCDCD60-9E60-C448-915E-FBC7ED736679}"/>
               </a:ext>
             </a:extLst>
           </p:cNvPr>
@@ -197,7 +197,7 @@
           <p:cNvPr id="3" name="Subtitle 2">
             <a:extLst>
               <a:ext uri="{FF2B5EF4-FFF2-40B4-BE49-F238E27FC236}">
-                <a16:creationId xmlns:a16="http://schemas.microsoft.com/office/drawing/2014/main" xmlns="" id="{D1A45D4A-C54B-9C4B-A96E-A1AB64F53628}"/>
+                <a16:creationId xmlns:a16="http://schemas.microsoft.com/office/drawing/2014/main" id="{D1A45D4A-C54B-9C4B-A96E-A1AB64F53628}"/>
               </a:ext>
             </a:extLst>
           </p:cNvPr>
@@ -267,7 +267,7 @@
           <p:cNvPr id="4" name="Date Placeholder 3">
             <a:extLst>
               <a:ext uri="{FF2B5EF4-FFF2-40B4-BE49-F238E27FC236}">
-                <a16:creationId xmlns:a16="http://schemas.microsoft.com/office/drawing/2014/main" xmlns="" id="{F8E3620A-AC67-FE49-B237-392271075F5B}"/>
+                <a16:creationId xmlns:a16="http://schemas.microsoft.com/office/drawing/2014/main" id="{F8E3620A-AC67-FE49-B237-392271075F5B}"/>
               </a:ext>
             </a:extLst>
           </p:cNvPr>
@@ -296,7 +296,7 @@
           <p:cNvPr id="5" name="Footer Placeholder 4">
             <a:extLst>
               <a:ext uri="{FF2B5EF4-FFF2-40B4-BE49-F238E27FC236}">
-                <a16:creationId xmlns:a16="http://schemas.microsoft.com/office/drawing/2014/main" xmlns="" id="{CDF6CEA1-B544-C041-B80A-318BF2C9A081}"/>
+                <a16:creationId xmlns:a16="http://schemas.microsoft.com/office/drawing/2014/main" id="{CDF6CEA1-B544-C041-B80A-318BF2C9A081}"/>
               </a:ext>
             </a:extLst>
           </p:cNvPr>
@@ -321,7 +321,7 @@
           <p:cNvPr id="6" name="Slide Number Placeholder 5">
             <a:extLst>
               <a:ext uri="{FF2B5EF4-FFF2-40B4-BE49-F238E27FC236}">
-                <a16:creationId xmlns:a16="http://schemas.microsoft.com/office/drawing/2014/main" xmlns="" id="{30423BB5-0371-AD42-AC04-084806084A69}"/>
+                <a16:creationId xmlns:a16="http://schemas.microsoft.com/office/drawing/2014/main" id="{30423BB5-0371-AD42-AC04-084806084A69}"/>
               </a:ext>
             </a:extLst>
           </p:cNvPr>
@@ -380,7 +380,7 @@
           <p:cNvPr id="2" name="Title 1">
             <a:extLst>
               <a:ext uri="{FF2B5EF4-FFF2-40B4-BE49-F238E27FC236}">
-                <a16:creationId xmlns:a16="http://schemas.microsoft.com/office/drawing/2014/main" xmlns="" id="{F75BA00D-6EB1-C749-AD58-39EC70176BE5}"/>
+                <a16:creationId xmlns:a16="http://schemas.microsoft.com/office/drawing/2014/main" id="{F75BA00D-6EB1-C749-AD58-39EC70176BE5}"/>
               </a:ext>
             </a:extLst>
           </p:cNvPr>
@@ -408,7 +408,7 @@
           <p:cNvPr id="3" name="Vertical Text Placeholder 2">
             <a:extLst>
               <a:ext uri="{FF2B5EF4-FFF2-40B4-BE49-F238E27FC236}">
-                <a16:creationId xmlns:a16="http://schemas.microsoft.com/office/drawing/2014/main" xmlns="" id="{AAF0EAFB-2C12-FF49-B2EF-37D5F8094D01}"/>
+                <a16:creationId xmlns:a16="http://schemas.microsoft.com/office/drawing/2014/main" id="{AAF0EAFB-2C12-FF49-B2EF-37D5F8094D01}"/>
               </a:ext>
             </a:extLst>
           </p:cNvPr>
@@ -465,7 +465,7 @@
           <p:cNvPr id="4" name="Date Placeholder 3">
             <a:extLst>
               <a:ext uri="{FF2B5EF4-FFF2-40B4-BE49-F238E27FC236}">
-                <a16:creationId xmlns:a16="http://schemas.microsoft.com/office/drawing/2014/main" xmlns="" id="{019645EF-6B11-544A-8582-515AB007B180}"/>
+                <a16:creationId xmlns:a16="http://schemas.microsoft.com/office/drawing/2014/main" id="{019645EF-6B11-544A-8582-515AB007B180}"/>
               </a:ext>
             </a:extLst>
           </p:cNvPr>
@@ -494,7 +494,7 @@
           <p:cNvPr id="5" name="Footer Placeholder 4">
             <a:extLst>
               <a:ext uri="{FF2B5EF4-FFF2-40B4-BE49-F238E27FC236}">
-                <a16:creationId xmlns:a16="http://schemas.microsoft.com/office/drawing/2014/main" xmlns="" id="{BAA01D6E-6C3B-4E44-AE0E-0E0362B79570}"/>
+                <a16:creationId xmlns:a16="http://schemas.microsoft.com/office/drawing/2014/main" id="{BAA01D6E-6C3B-4E44-AE0E-0E0362B79570}"/>
               </a:ext>
             </a:extLst>
           </p:cNvPr>
@@ -519,7 +519,7 @@
           <p:cNvPr id="6" name="Slide Number Placeholder 5">
             <a:extLst>
               <a:ext uri="{FF2B5EF4-FFF2-40B4-BE49-F238E27FC236}">
-                <a16:creationId xmlns:a16="http://schemas.microsoft.com/office/drawing/2014/main" xmlns="" id="{6521F530-545B-E641-B501-B3CB28D1D80F}"/>
+                <a16:creationId xmlns:a16="http://schemas.microsoft.com/office/drawing/2014/main" id="{6521F530-545B-E641-B501-B3CB28D1D80F}"/>
               </a:ext>
             </a:extLst>
           </p:cNvPr>
@@ -578,7 +578,7 @@
           <p:cNvPr id="2" name="Vertical Title 1">
             <a:extLst>
               <a:ext uri="{FF2B5EF4-FFF2-40B4-BE49-F238E27FC236}">
-                <a16:creationId xmlns:a16="http://schemas.microsoft.com/office/drawing/2014/main" xmlns="" id="{4878D5D7-697D-C14D-8D23-DE6CC094834E}"/>
+                <a16:creationId xmlns:a16="http://schemas.microsoft.com/office/drawing/2014/main" id="{4878D5D7-697D-C14D-8D23-DE6CC094834E}"/>
               </a:ext>
             </a:extLst>
           </p:cNvPr>
@@ -611,7 +611,7 @@
           <p:cNvPr id="3" name="Vertical Text Placeholder 2">
             <a:extLst>
               <a:ext uri="{FF2B5EF4-FFF2-40B4-BE49-F238E27FC236}">
-                <a16:creationId xmlns:a16="http://schemas.microsoft.com/office/drawing/2014/main" xmlns="" id="{FE3C60F8-2C45-AF46-B40A-B18DA99E7E2A}"/>
+                <a16:creationId xmlns:a16="http://schemas.microsoft.com/office/drawing/2014/main" id="{FE3C60F8-2C45-AF46-B40A-B18DA99E7E2A}"/>
               </a:ext>
             </a:extLst>
           </p:cNvPr>
@@ -673,7 +673,7 @@
           <p:cNvPr id="4" name="Date Placeholder 3">
             <a:extLst>
               <a:ext uri="{FF2B5EF4-FFF2-40B4-BE49-F238E27FC236}">
-                <a16:creationId xmlns:a16="http://schemas.microsoft.com/office/drawing/2014/main" xmlns="" id="{A1E76BE2-6214-C94A-802B-8CB5B303EE1F}"/>
+                <a16:creationId xmlns:a16="http://schemas.microsoft.com/office/drawing/2014/main" id="{A1E76BE2-6214-C94A-802B-8CB5B303EE1F}"/>
               </a:ext>
             </a:extLst>
           </p:cNvPr>
@@ -702,7 +702,7 @@
           <p:cNvPr id="5" name="Footer Placeholder 4">
             <a:extLst>
               <a:ext uri="{FF2B5EF4-FFF2-40B4-BE49-F238E27FC236}">
-                <a16:creationId xmlns:a16="http://schemas.microsoft.com/office/drawing/2014/main" xmlns="" id="{40C17F0D-101C-E342-A381-66692BBD5635}"/>
+                <a16:creationId xmlns:a16="http://schemas.microsoft.com/office/drawing/2014/main" id="{40C17F0D-101C-E342-A381-66692BBD5635}"/>
               </a:ext>
             </a:extLst>
           </p:cNvPr>
@@ -727,7 +727,7 @@
           <p:cNvPr id="6" name="Slide Number Placeholder 5">
             <a:extLst>
               <a:ext uri="{FF2B5EF4-FFF2-40B4-BE49-F238E27FC236}">
-                <a16:creationId xmlns:a16="http://schemas.microsoft.com/office/drawing/2014/main" xmlns="" id="{E5A7A261-9C62-A047-88A0-6BE7F0C19FB3}"/>
+                <a16:creationId xmlns:a16="http://schemas.microsoft.com/office/drawing/2014/main" id="{E5A7A261-9C62-A047-88A0-6BE7F0C19FB3}"/>
               </a:ext>
             </a:extLst>
           </p:cNvPr>
@@ -786,7 +786,7 @@
           <p:cNvPr id="2" name="Title 1">
             <a:extLst>
               <a:ext uri="{FF2B5EF4-FFF2-40B4-BE49-F238E27FC236}">
-                <a16:creationId xmlns:a16="http://schemas.microsoft.com/office/drawing/2014/main" xmlns="" id="{5C211BFD-FF17-5A4E-AE20-F3D1193C48FE}"/>
+                <a16:creationId xmlns:a16="http://schemas.microsoft.com/office/drawing/2014/main" id="{5C211BFD-FF17-5A4E-AE20-F3D1193C48FE}"/>
               </a:ext>
             </a:extLst>
           </p:cNvPr>
@@ -814,7 +814,7 @@
           <p:cNvPr id="3" name="Content Placeholder 2">
             <a:extLst>
               <a:ext uri="{FF2B5EF4-FFF2-40B4-BE49-F238E27FC236}">
-                <a16:creationId xmlns:a16="http://schemas.microsoft.com/office/drawing/2014/main" xmlns="" id="{AAE8BEEE-6247-3C49-B843-56B76BE22172}"/>
+                <a16:creationId xmlns:a16="http://schemas.microsoft.com/office/drawing/2014/main" id="{AAE8BEEE-6247-3C49-B843-56B76BE22172}"/>
               </a:ext>
             </a:extLst>
           </p:cNvPr>
@@ -871,7 +871,7 @@
           <p:cNvPr id="4" name="Date Placeholder 3">
             <a:extLst>
               <a:ext uri="{FF2B5EF4-FFF2-40B4-BE49-F238E27FC236}">
-                <a16:creationId xmlns:a16="http://schemas.microsoft.com/office/drawing/2014/main" xmlns="" id="{7DE03470-9EAC-834F-8D19-2C7D8C878417}"/>
+                <a16:creationId xmlns:a16="http://schemas.microsoft.com/office/drawing/2014/main" id="{7DE03470-9EAC-834F-8D19-2C7D8C878417}"/>
               </a:ext>
             </a:extLst>
           </p:cNvPr>
@@ -900,7 +900,7 @@
           <p:cNvPr id="5" name="Footer Placeholder 4">
             <a:extLst>
               <a:ext uri="{FF2B5EF4-FFF2-40B4-BE49-F238E27FC236}">
-                <a16:creationId xmlns:a16="http://schemas.microsoft.com/office/drawing/2014/main" xmlns="" id="{AC836DBB-FDF6-9D4B-9347-DFA9C68CF75A}"/>
+                <a16:creationId xmlns:a16="http://schemas.microsoft.com/office/drawing/2014/main" id="{AC836DBB-FDF6-9D4B-9347-DFA9C68CF75A}"/>
               </a:ext>
             </a:extLst>
           </p:cNvPr>
@@ -925,7 +925,7 @@
           <p:cNvPr id="6" name="Slide Number Placeholder 5">
             <a:extLst>
               <a:ext uri="{FF2B5EF4-FFF2-40B4-BE49-F238E27FC236}">
-                <a16:creationId xmlns:a16="http://schemas.microsoft.com/office/drawing/2014/main" xmlns="" id="{6B09C6C7-5FBD-CA45-97FD-A4A2CC9BF2A6}"/>
+                <a16:creationId xmlns:a16="http://schemas.microsoft.com/office/drawing/2014/main" id="{6B09C6C7-5FBD-CA45-97FD-A4A2CC9BF2A6}"/>
               </a:ext>
             </a:extLst>
           </p:cNvPr>
@@ -984,7 +984,7 @@
           <p:cNvPr id="2" name="Title 1">
             <a:extLst>
               <a:ext uri="{FF2B5EF4-FFF2-40B4-BE49-F238E27FC236}">
-                <a16:creationId xmlns:a16="http://schemas.microsoft.com/office/drawing/2014/main" xmlns="" id="{0BF83287-1244-044E-8120-ED80A08C7A58}"/>
+                <a16:creationId xmlns:a16="http://schemas.microsoft.com/office/drawing/2014/main" id="{0BF83287-1244-044E-8120-ED80A08C7A58}"/>
               </a:ext>
             </a:extLst>
           </p:cNvPr>
@@ -1021,7 +1021,7 @@
           <p:cNvPr id="3" name="Text Placeholder 2">
             <a:extLst>
               <a:ext uri="{FF2B5EF4-FFF2-40B4-BE49-F238E27FC236}">
-                <a16:creationId xmlns:a16="http://schemas.microsoft.com/office/drawing/2014/main" xmlns="" id="{7D98A47B-E02D-E84C-98CF-0254B4812165}"/>
+                <a16:creationId xmlns:a16="http://schemas.microsoft.com/office/drawing/2014/main" id="{7D98A47B-E02D-E84C-98CF-0254B4812165}"/>
               </a:ext>
             </a:extLst>
           </p:cNvPr>
@@ -1146,7 +1146,7 @@
           <p:cNvPr id="4" name="Date Placeholder 3">
             <a:extLst>
               <a:ext uri="{FF2B5EF4-FFF2-40B4-BE49-F238E27FC236}">
-                <a16:creationId xmlns:a16="http://schemas.microsoft.com/office/drawing/2014/main" xmlns="" id="{5B22D22A-6052-7444-B82B-52568B79FD0D}"/>
+                <a16:creationId xmlns:a16="http://schemas.microsoft.com/office/drawing/2014/main" id="{5B22D22A-6052-7444-B82B-52568B79FD0D}"/>
               </a:ext>
             </a:extLst>
           </p:cNvPr>
@@ -1175,7 +1175,7 @@
           <p:cNvPr id="5" name="Footer Placeholder 4">
             <a:extLst>
               <a:ext uri="{FF2B5EF4-FFF2-40B4-BE49-F238E27FC236}">
-                <a16:creationId xmlns:a16="http://schemas.microsoft.com/office/drawing/2014/main" xmlns="" id="{DD945307-C0A4-8648-A8FC-14FEE716F5A3}"/>
+                <a16:creationId xmlns:a16="http://schemas.microsoft.com/office/drawing/2014/main" id="{DD945307-C0A4-8648-A8FC-14FEE716F5A3}"/>
               </a:ext>
             </a:extLst>
           </p:cNvPr>
@@ -1200,7 +1200,7 @@
           <p:cNvPr id="6" name="Slide Number Placeholder 5">
             <a:extLst>
               <a:ext uri="{FF2B5EF4-FFF2-40B4-BE49-F238E27FC236}">
-                <a16:creationId xmlns:a16="http://schemas.microsoft.com/office/drawing/2014/main" xmlns="" id="{A5E43AAD-8722-CA43-B3C7-0CC5973F2F8A}"/>
+                <a16:creationId xmlns:a16="http://schemas.microsoft.com/office/drawing/2014/main" id="{A5E43AAD-8722-CA43-B3C7-0CC5973F2F8A}"/>
               </a:ext>
             </a:extLst>
           </p:cNvPr>
@@ -1259,7 +1259,7 @@
           <p:cNvPr id="2" name="Title 1">
             <a:extLst>
               <a:ext uri="{FF2B5EF4-FFF2-40B4-BE49-F238E27FC236}">
-                <a16:creationId xmlns:a16="http://schemas.microsoft.com/office/drawing/2014/main" xmlns="" id="{FA623F30-A792-234A-B6C2-9F88BE75D018}"/>
+                <a16:creationId xmlns:a16="http://schemas.microsoft.com/office/drawing/2014/main" id="{FA623F30-A792-234A-B6C2-9F88BE75D018}"/>
               </a:ext>
             </a:extLst>
           </p:cNvPr>
@@ -1287,7 +1287,7 @@
           <p:cNvPr id="3" name="Content Placeholder 2">
             <a:extLst>
               <a:ext uri="{FF2B5EF4-FFF2-40B4-BE49-F238E27FC236}">
-                <a16:creationId xmlns:a16="http://schemas.microsoft.com/office/drawing/2014/main" xmlns="" id="{1CF1C699-781B-5B4C-8CCF-3E9CC6EADBF1}"/>
+                <a16:creationId xmlns:a16="http://schemas.microsoft.com/office/drawing/2014/main" id="{1CF1C699-781B-5B4C-8CCF-3E9CC6EADBF1}"/>
               </a:ext>
             </a:extLst>
           </p:cNvPr>
@@ -1349,7 +1349,7 @@
           <p:cNvPr id="4" name="Content Placeholder 3">
             <a:extLst>
               <a:ext uri="{FF2B5EF4-FFF2-40B4-BE49-F238E27FC236}">
-                <a16:creationId xmlns:a16="http://schemas.microsoft.com/office/drawing/2014/main" xmlns="" id="{A0DB39C2-6990-8F47-BE6D-BC09AF2D758E}"/>
+                <a16:creationId xmlns:a16="http://schemas.microsoft.com/office/drawing/2014/main" id="{A0DB39C2-6990-8F47-BE6D-BC09AF2D758E}"/>
               </a:ext>
             </a:extLst>
           </p:cNvPr>
@@ -1411,7 +1411,7 @@
           <p:cNvPr id="5" name="Date Placeholder 4">
             <a:extLst>
               <a:ext uri="{FF2B5EF4-FFF2-40B4-BE49-F238E27FC236}">
-                <a16:creationId xmlns:a16="http://schemas.microsoft.com/office/drawing/2014/main" xmlns="" id="{D932AC93-0A07-D74A-A41A-3B93FECD4B93}"/>
+                <a16:creationId xmlns:a16="http://schemas.microsoft.com/office/drawing/2014/main" id="{D932AC93-0A07-D74A-A41A-3B93FECD4B93}"/>
               </a:ext>
             </a:extLst>
           </p:cNvPr>
@@ -1440,7 +1440,7 @@
           <p:cNvPr id="6" name="Footer Placeholder 5">
             <a:extLst>
               <a:ext uri="{FF2B5EF4-FFF2-40B4-BE49-F238E27FC236}">
-                <a16:creationId xmlns:a16="http://schemas.microsoft.com/office/drawing/2014/main" xmlns="" id="{1A5CD02F-36D7-7A4A-8319-60F73EB67BEE}"/>
+                <a16:creationId xmlns:a16="http://schemas.microsoft.com/office/drawing/2014/main" id="{1A5CD02F-36D7-7A4A-8319-60F73EB67BEE}"/>
               </a:ext>
             </a:extLst>
           </p:cNvPr>
@@ -1465,7 +1465,7 @@
           <p:cNvPr id="7" name="Slide Number Placeholder 6">
             <a:extLst>
               <a:ext uri="{FF2B5EF4-FFF2-40B4-BE49-F238E27FC236}">
-                <a16:creationId xmlns:a16="http://schemas.microsoft.com/office/drawing/2014/main" xmlns="" id="{D87AA84F-3CEB-7843-8A09-173D6540553F}"/>
+                <a16:creationId xmlns:a16="http://schemas.microsoft.com/office/drawing/2014/main" id="{D87AA84F-3CEB-7843-8A09-173D6540553F}"/>
               </a:ext>
             </a:extLst>
           </p:cNvPr>
@@ -1524,7 +1524,7 @@
           <p:cNvPr id="2" name="Title 1">
             <a:extLst>
               <a:ext uri="{FF2B5EF4-FFF2-40B4-BE49-F238E27FC236}">
-                <a16:creationId xmlns:a16="http://schemas.microsoft.com/office/drawing/2014/main" xmlns="" id="{101C8314-AD71-6A40-A86E-60E2FBA76BDA}"/>
+                <a16:creationId xmlns:a16="http://schemas.microsoft.com/office/drawing/2014/main" id="{101C8314-AD71-6A40-A86E-60E2FBA76BDA}"/>
               </a:ext>
             </a:extLst>
           </p:cNvPr>
@@ -1557,7 +1557,7 @@
           <p:cNvPr id="3" name="Text Placeholder 2">
             <a:extLst>
               <a:ext uri="{FF2B5EF4-FFF2-40B4-BE49-F238E27FC236}">
-                <a16:creationId xmlns:a16="http://schemas.microsoft.com/office/drawing/2014/main" xmlns="" id="{C440BD5C-5FBC-C148-A8DC-8697C8097C5D}"/>
+                <a16:creationId xmlns:a16="http://schemas.microsoft.com/office/drawing/2014/main" id="{C440BD5C-5FBC-C148-A8DC-8697C8097C5D}"/>
               </a:ext>
             </a:extLst>
           </p:cNvPr>
@@ -1628,7 +1628,7 @@
           <p:cNvPr id="4" name="Content Placeholder 3">
             <a:extLst>
               <a:ext uri="{FF2B5EF4-FFF2-40B4-BE49-F238E27FC236}">
-                <a16:creationId xmlns:a16="http://schemas.microsoft.com/office/drawing/2014/main" xmlns="" id="{70C4AF77-B3B6-B24C-8D88-1160A8CC79CC}"/>
+                <a16:creationId xmlns:a16="http://schemas.microsoft.com/office/drawing/2014/main" id="{70C4AF77-B3B6-B24C-8D88-1160A8CC79CC}"/>
               </a:ext>
             </a:extLst>
           </p:cNvPr>
@@ -1690,7 +1690,7 @@
           <p:cNvPr id="5" name="Text Placeholder 4">
             <a:extLst>
               <a:ext uri="{FF2B5EF4-FFF2-40B4-BE49-F238E27FC236}">
-                <a16:creationId xmlns:a16="http://schemas.microsoft.com/office/drawing/2014/main" xmlns="" id="{071DEFE3-0D65-874E-A2DA-70A21099C5A7}"/>
+                <a16:creationId xmlns:a16="http://schemas.microsoft.com/office/drawing/2014/main" id="{071DEFE3-0D65-874E-A2DA-70A21099C5A7}"/>
               </a:ext>
             </a:extLst>
           </p:cNvPr>
@@ -1761,7 +1761,7 @@
           <p:cNvPr id="6" name="Content Placeholder 5">
             <a:extLst>
               <a:ext uri="{FF2B5EF4-FFF2-40B4-BE49-F238E27FC236}">
-                <a16:creationId xmlns:a16="http://schemas.microsoft.com/office/drawing/2014/main" xmlns="" id="{BCAB60CC-4F9E-6444-9A23-ABDE2AF5C0C4}"/>
+                <a16:creationId xmlns:a16="http://schemas.microsoft.com/office/drawing/2014/main" id="{BCAB60CC-4F9E-6444-9A23-ABDE2AF5C0C4}"/>
               </a:ext>
             </a:extLst>
           </p:cNvPr>
@@ -1823,7 +1823,7 @@
           <p:cNvPr id="7" name="Date Placeholder 6">
             <a:extLst>
               <a:ext uri="{FF2B5EF4-FFF2-40B4-BE49-F238E27FC236}">
-                <a16:creationId xmlns:a16="http://schemas.microsoft.com/office/drawing/2014/main" xmlns="" id="{1FCA4962-3B47-E249-A88E-26CBD72383D6}"/>
+                <a16:creationId xmlns:a16="http://schemas.microsoft.com/office/drawing/2014/main" id="{1FCA4962-3B47-E249-A88E-26CBD72383D6}"/>
               </a:ext>
             </a:extLst>
           </p:cNvPr>
@@ -1852,7 +1852,7 @@
           <p:cNvPr id="8" name="Footer Placeholder 7">
             <a:extLst>
               <a:ext uri="{FF2B5EF4-FFF2-40B4-BE49-F238E27FC236}">
-                <a16:creationId xmlns:a16="http://schemas.microsoft.com/office/drawing/2014/main" xmlns="" id="{326B38B4-B67A-1E43-9774-C8825F68D558}"/>
+                <a16:creationId xmlns:a16="http://schemas.microsoft.com/office/drawing/2014/main" id="{326B38B4-B67A-1E43-9774-C8825F68D558}"/>
               </a:ext>
             </a:extLst>
           </p:cNvPr>
@@ -1877,7 +1877,7 @@
           <p:cNvPr id="9" name="Slide Number Placeholder 8">
             <a:extLst>
               <a:ext uri="{FF2B5EF4-FFF2-40B4-BE49-F238E27FC236}">
-                <a16:creationId xmlns:a16="http://schemas.microsoft.com/office/drawing/2014/main" xmlns="" id="{AF3B6F05-3142-5848-AFF8-C5014AE1A9B4}"/>
+                <a16:creationId xmlns:a16="http://schemas.microsoft.com/office/drawing/2014/main" id="{AF3B6F05-3142-5848-AFF8-C5014AE1A9B4}"/>
               </a:ext>
             </a:extLst>
           </p:cNvPr>
@@ -1936,7 +1936,7 @@
           <p:cNvPr id="2" name="Title 1">
             <a:extLst>
               <a:ext uri="{FF2B5EF4-FFF2-40B4-BE49-F238E27FC236}">
-                <a16:creationId xmlns:a16="http://schemas.microsoft.com/office/drawing/2014/main" xmlns="" id="{346A66E1-B824-B548-8B36-6A84BD189E35}"/>
+                <a16:creationId xmlns:a16="http://schemas.microsoft.com/office/drawing/2014/main" id="{346A66E1-B824-B548-8B36-6A84BD189E35}"/>
               </a:ext>
             </a:extLst>
           </p:cNvPr>
@@ -1964,7 +1964,7 @@
           <p:cNvPr id="3" name="Date Placeholder 2">
             <a:extLst>
               <a:ext uri="{FF2B5EF4-FFF2-40B4-BE49-F238E27FC236}">
-                <a16:creationId xmlns:a16="http://schemas.microsoft.com/office/drawing/2014/main" xmlns="" id="{04E49E96-C09D-FC40-87A3-0B1C5E2CCF5E}"/>
+                <a16:creationId xmlns:a16="http://schemas.microsoft.com/office/drawing/2014/main" id="{04E49E96-C09D-FC40-87A3-0B1C5E2CCF5E}"/>
               </a:ext>
             </a:extLst>
           </p:cNvPr>
@@ -1993,7 +1993,7 @@
           <p:cNvPr id="4" name="Footer Placeholder 3">
             <a:extLst>
               <a:ext uri="{FF2B5EF4-FFF2-40B4-BE49-F238E27FC236}">
-                <a16:creationId xmlns:a16="http://schemas.microsoft.com/office/drawing/2014/main" xmlns="" id="{048A9BD2-4F82-9940-8E44-6CD61FFAB429}"/>
+                <a16:creationId xmlns:a16="http://schemas.microsoft.com/office/drawing/2014/main" id="{048A9BD2-4F82-9940-8E44-6CD61FFAB429}"/>
               </a:ext>
             </a:extLst>
           </p:cNvPr>
@@ -2018,7 +2018,7 @@
           <p:cNvPr id="5" name="Slide Number Placeholder 4">
             <a:extLst>
               <a:ext uri="{FF2B5EF4-FFF2-40B4-BE49-F238E27FC236}">
-                <a16:creationId xmlns:a16="http://schemas.microsoft.com/office/drawing/2014/main" xmlns="" id="{9B823D1F-DA49-5A48-8B9F-86527E82FD74}"/>
+                <a16:creationId xmlns:a16="http://schemas.microsoft.com/office/drawing/2014/main" id="{9B823D1F-DA49-5A48-8B9F-86527E82FD74}"/>
               </a:ext>
             </a:extLst>
           </p:cNvPr>
@@ -2077,7 +2077,7 @@
           <p:cNvPr id="2" name="Date Placeholder 1">
             <a:extLst>
               <a:ext uri="{FF2B5EF4-FFF2-40B4-BE49-F238E27FC236}">
-                <a16:creationId xmlns:a16="http://schemas.microsoft.com/office/drawing/2014/main" xmlns="" id="{A1AF27A5-FC94-714B-8A28-F31407E1023A}"/>
+                <a16:creationId xmlns:a16="http://schemas.microsoft.com/office/drawing/2014/main" id="{A1AF27A5-FC94-714B-8A28-F31407E1023A}"/>
               </a:ext>
             </a:extLst>
           </p:cNvPr>
@@ -2106,7 +2106,7 @@
           <p:cNvPr id="3" name="Footer Placeholder 2">
             <a:extLst>
               <a:ext uri="{FF2B5EF4-FFF2-40B4-BE49-F238E27FC236}">
-                <a16:creationId xmlns:a16="http://schemas.microsoft.com/office/drawing/2014/main" xmlns="" id="{E95624B4-E725-A948-B7FF-8E68358D90B8}"/>
+                <a16:creationId xmlns:a16="http://schemas.microsoft.com/office/drawing/2014/main" id="{E95624B4-E725-A948-B7FF-8E68358D90B8}"/>
               </a:ext>
             </a:extLst>
           </p:cNvPr>
@@ -2131,7 +2131,7 @@
           <p:cNvPr id="4" name="Slide Number Placeholder 3">
             <a:extLst>
               <a:ext uri="{FF2B5EF4-FFF2-40B4-BE49-F238E27FC236}">
-                <a16:creationId xmlns:a16="http://schemas.microsoft.com/office/drawing/2014/main" xmlns="" id="{1861EF5D-8F0B-DB4A-B7FA-AD41C3769248}"/>
+                <a16:creationId xmlns:a16="http://schemas.microsoft.com/office/drawing/2014/main" id="{1861EF5D-8F0B-DB4A-B7FA-AD41C3769248}"/>
               </a:ext>
             </a:extLst>
           </p:cNvPr>
@@ -2190,7 +2190,7 @@
           <p:cNvPr id="2" name="Title 1">
             <a:extLst>
               <a:ext uri="{FF2B5EF4-FFF2-40B4-BE49-F238E27FC236}">
-                <a16:creationId xmlns:a16="http://schemas.microsoft.com/office/drawing/2014/main" xmlns="" id="{BD1D7B60-D66C-694D-8C13-D4D9BE9B8579}"/>
+                <a16:creationId xmlns:a16="http://schemas.microsoft.com/office/drawing/2014/main" id="{BD1D7B60-D66C-694D-8C13-D4D9BE9B8579}"/>
               </a:ext>
             </a:extLst>
           </p:cNvPr>
@@ -2227,7 +2227,7 @@
           <p:cNvPr id="3" name="Content Placeholder 2">
             <a:extLst>
               <a:ext uri="{FF2B5EF4-FFF2-40B4-BE49-F238E27FC236}">
-                <a16:creationId xmlns:a16="http://schemas.microsoft.com/office/drawing/2014/main" xmlns="" id="{0A218D0E-2957-D343-B7BC-986182DFF5BB}"/>
+                <a16:creationId xmlns:a16="http://schemas.microsoft.com/office/drawing/2014/main" id="{0A218D0E-2957-D343-B7BC-986182DFF5BB}"/>
               </a:ext>
             </a:extLst>
           </p:cNvPr>
@@ -2317,7 +2317,7 @@
           <p:cNvPr id="4" name="Text Placeholder 3">
             <a:extLst>
               <a:ext uri="{FF2B5EF4-FFF2-40B4-BE49-F238E27FC236}">
-                <a16:creationId xmlns:a16="http://schemas.microsoft.com/office/drawing/2014/main" xmlns="" id="{4FC2370A-39D0-EB4C-8F6B-9C2D45AF1E07}"/>
+                <a16:creationId xmlns:a16="http://schemas.microsoft.com/office/drawing/2014/main" id="{4FC2370A-39D0-EB4C-8F6B-9C2D45AF1E07}"/>
               </a:ext>
             </a:extLst>
           </p:cNvPr>
@@ -2388,7 +2388,7 @@
           <p:cNvPr id="5" name="Date Placeholder 4">
             <a:extLst>
               <a:ext uri="{FF2B5EF4-FFF2-40B4-BE49-F238E27FC236}">
-                <a16:creationId xmlns:a16="http://schemas.microsoft.com/office/drawing/2014/main" xmlns="" id="{D1EA908C-9453-5244-91B6-0C8BA692C7CF}"/>
+                <a16:creationId xmlns:a16="http://schemas.microsoft.com/office/drawing/2014/main" id="{D1EA908C-9453-5244-91B6-0C8BA692C7CF}"/>
               </a:ext>
             </a:extLst>
           </p:cNvPr>
@@ -2417,7 +2417,7 @@
           <p:cNvPr id="6" name="Footer Placeholder 5">
             <a:extLst>
               <a:ext uri="{FF2B5EF4-FFF2-40B4-BE49-F238E27FC236}">
-                <a16:creationId xmlns:a16="http://schemas.microsoft.com/office/drawing/2014/main" xmlns="" id="{37BAA170-5DF6-C041-87B0-985E215317C0}"/>
+                <a16:creationId xmlns:a16="http://schemas.microsoft.com/office/drawing/2014/main" id="{37BAA170-5DF6-C041-87B0-985E215317C0}"/>
               </a:ext>
             </a:extLst>
           </p:cNvPr>
@@ -2442,7 +2442,7 @@
           <p:cNvPr id="7" name="Slide Number Placeholder 6">
             <a:extLst>
               <a:ext uri="{FF2B5EF4-FFF2-40B4-BE49-F238E27FC236}">
-                <a16:creationId xmlns:a16="http://schemas.microsoft.com/office/drawing/2014/main" xmlns="" id="{AEA6F981-DF03-6240-B5DE-9D74A7A8EA72}"/>
+                <a16:creationId xmlns:a16="http://schemas.microsoft.com/office/drawing/2014/main" id="{AEA6F981-DF03-6240-B5DE-9D74A7A8EA72}"/>
               </a:ext>
             </a:extLst>
           </p:cNvPr>
@@ -2501,7 +2501,7 @@
           <p:cNvPr id="2" name="Title 1">
             <a:extLst>
               <a:ext uri="{FF2B5EF4-FFF2-40B4-BE49-F238E27FC236}">
-                <a16:creationId xmlns:a16="http://schemas.microsoft.com/office/drawing/2014/main" xmlns="" id="{60DB9ABC-D3C2-794D-9DC8-9FD53C595724}"/>
+                <a16:creationId xmlns:a16="http://schemas.microsoft.com/office/drawing/2014/main" id="{60DB9ABC-D3C2-794D-9DC8-9FD53C595724}"/>
               </a:ext>
             </a:extLst>
           </p:cNvPr>
@@ -2538,7 +2538,7 @@
           <p:cNvPr id="3" name="Picture Placeholder 2">
             <a:extLst>
               <a:ext uri="{FF2B5EF4-FFF2-40B4-BE49-F238E27FC236}">
-                <a16:creationId xmlns:a16="http://schemas.microsoft.com/office/drawing/2014/main" xmlns="" id="{F892607B-F913-7947-8A23-5A9BA3F4FC17}"/>
+                <a16:creationId xmlns:a16="http://schemas.microsoft.com/office/drawing/2014/main" id="{F892607B-F913-7947-8A23-5A9BA3F4FC17}"/>
               </a:ext>
             </a:extLst>
           </p:cNvPr>
@@ -2608,7 +2608,7 @@
           <p:cNvPr id="4" name="Text Placeholder 3">
             <a:extLst>
               <a:ext uri="{FF2B5EF4-FFF2-40B4-BE49-F238E27FC236}">
-                <a16:creationId xmlns:a16="http://schemas.microsoft.com/office/drawing/2014/main" xmlns="" id="{F6D90B26-3497-564A-8F0E-1707498D251F}"/>
+                <a16:creationId xmlns:a16="http://schemas.microsoft.com/office/drawing/2014/main" id="{F6D90B26-3497-564A-8F0E-1707498D251F}"/>
               </a:ext>
             </a:extLst>
           </p:cNvPr>
@@ -2679,7 +2679,7 @@
           <p:cNvPr id="5" name="Date Placeholder 4">
             <a:extLst>
               <a:ext uri="{FF2B5EF4-FFF2-40B4-BE49-F238E27FC236}">
-                <a16:creationId xmlns:a16="http://schemas.microsoft.com/office/drawing/2014/main" xmlns="" id="{9F692668-87E2-F449-A810-D4B9C2CA4C92}"/>
+                <a16:creationId xmlns:a16="http://schemas.microsoft.com/office/drawing/2014/main" id="{9F692668-87E2-F449-A810-D4B9C2CA4C92}"/>
               </a:ext>
             </a:extLst>
           </p:cNvPr>
@@ -2708,7 +2708,7 @@
           <p:cNvPr id="6" name="Footer Placeholder 5">
             <a:extLst>
               <a:ext uri="{FF2B5EF4-FFF2-40B4-BE49-F238E27FC236}">
-                <a16:creationId xmlns:a16="http://schemas.microsoft.com/office/drawing/2014/main" xmlns="" id="{2B0E0325-3993-EE43-AF3A-8CF0BA651A06}"/>
+                <a16:creationId xmlns:a16="http://schemas.microsoft.com/office/drawing/2014/main" id="{2B0E0325-3993-EE43-AF3A-8CF0BA651A06}"/>
               </a:ext>
             </a:extLst>
           </p:cNvPr>
@@ -2733,7 +2733,7 @@
           <p:cNvPr id="7" name="Slide Number Placeholder 6">
             <a:extLst>
               <a:ext uri="{FF2B5EF4-FFF2-40B4-BE49-F238E27FC236}">
-                <a16:creationId xmlns:a16="http://schemas.microsoft.com/office/drawing/2014/main" xmlns="" id="{821F28AB-58ED-0E49-9D32-444584143DD0}"/>
+                <a16:creationId xmlns:a16="http://schemas.microsoft.com/office/drawing/2014/main" id="{821F28AB-58ED-0E49-9D32-444584143DD0}"/>
               </a:ext>
             </a:extLst>
           </p:cNvPr>
@@ -2797,7 +2797,7 @@
           <p:cNvPr id="2" name="Title Placeholder 1">
             <a:extLst>
               <a:ext uri="{FF2B5EF4-FFF2-40B4-BE49-F238E27FC236}">
-                <a16:creationId xmlns:a16="http://schemas.microsoft.com/office/drawing/2014/main" xmlns="" id="{19A61F12-D1AC-C54E-825B-C25A7E13B83A}"/>
+                <a16:creationId xmlns:a16="http://schemas.microsoft.com/office/drawing/2014/main" id="{19A61F12-D1AC-C54E-825B-C25A7E13B83A}"/>
               </a:ext>
             </a:extLst>
           </p:cNvPr>
@@ -2835,7 +2835,7 @@
           <p:cNvPr id="3" name="Text Placeholder 2">
             <a:extLst>
               <a:ext uri="{FF2B5EF4-FFF2-40B4-BE49-F238E27FC236}">
-                <a16:creationId xmlns:a16="http://schemas.microsoft.com/office/drawing/2014/main" xmlns="" id="{E834A889-F310-2146-AD59-D6E632E1F435}"/>
+                <a16:creationId xmlns:a16="http://schemas.microsoft.com/office/drawing/2014/main" id="{E834A889-F310-2146-AD59-D6E632E1F435}"/>
               </a:ext>
             </a:extLst>
           </p:cNvPr>
@@ -2902,7 +2902,7 @@
           <p:cNvPr id="4" name="Date Placeholder 3">
             <a:extLst>
               <a:ext uri="{FF2B5EF4-FFF2-40B4-BE49-F238E27FC236}">
-                <a16:creationId xmlns:a16="http://schemas.microsoft.com/office/drawing/2014/main" xmlns="" id="{E81E2B63-5226-0748-9584-E2CB45BF059C}"/>
+                <a16:creationId xmlns:a16="http://schemas.microsoft.com/office/drawing/2014/main" id="{E81E2B63-5226-0748-9584-E2CB45BF059C}"/>
               </a:ext>
             </a:extLst>
           </p:cNvPr>
@@ -2952,7 +2952,7 @@
           <p:cNvPr id="5" name="Footer Placeholder 4">
             <a:extLst>
               <a:ext uri="{FF2B5EF4-FFF2-40B4-BE49-F238E27FC236}">
-                <a16:creationId xmlns:a16="http://schemas.microsoft.com/office/drawing/2014/main" xmlns="" id="{831DCCF8-404C-6148-8B45-A4FDF75D6067}"/>
+                <a16:creationId xmlns:a16="http://schemas.microsoft.com/office/drawing/2014/main" id="{831DCCF8-404C-6148-8B45-A4FDF75D6067}"/>
               </a:ext>
             </a:extLst>
           </p:cNvPr>
@@ -2997,7 +2997,7 @@
           <p:cNvPr id="6" name="Slide Number Placeholder 5">
             <a:extLst>
               <a:ext uri="{FF2B5EF4-FFF2-40B4-BE49-F238E27FC236}">
-                <a16:creationId xmlns:a16="http://schemas.microsoft.com/office/drawing/2014/main" xmlns="" id="{EF403BB2-2095-B349-ADC5-3F1C09D04D57}"/>
+                <a16:creationId xmlns:a16="http://schemas.microsoft.com/office/drawing/2014/main" id="{EF403BB2-2095-B349-ADC5-3F1C09D04D57}"/>
               </a:ext>
             </a:extLst>
           </p:cNvPr>
@@ -3368,7 +3368,7 @@
           <p:cNvPr id="2" name="Title 1">
             <a:extLst>
               <a:ext uri="{FF2B5EF4-FFF2-40B4-BE49-F238E27FC236}">
-                <a16:creationId xmlns:a16="http://schemas.microsoft.com/office/drawing/2014/main" xmlns="" id="{C2AC4D71-B1F5-DF48-8478-3A205D0E7FAC}"/>
+                <a16:creationId xmlns:a16="http://schemas.microsoft.com/office/drawing/2014/main" id="{C2AC4D71-B1F5-DF48-8478-3A205D0E7FAC}"/>
               </a:ext>
             </a:extLst>
           </p:cNvPr>
@@ -3385,25 +3385,16 @@
           <a:lstStyle/>
           <a:p>
             <a:r>
-              <a:rPr lang="en-US" dirty="0" smtClean="0"/>
+              <a:rPr lang="en-US" dirty="0"/>
               <a:t>Recommendation</a:t>
             </a:r>
-            <a:r>
-              <a:rPr lang="en-US" dirty="0"/>
-              <a:t/>
-            </a:r>
             <a:br>
               <a:rPr lang="en-US" dirty="0"/>
             </a:br>
             <a:r>
               <a:rPr lang="en-US" dirty="0"/>
-              <a:t>Week </a:t>
-            </a:r>
-            <a:r>
-              <a:rPr lang="en-US" dirty="0" smtClean="0"/>
-              <a:t>4</a:t>
-            </a:r>
-            <a:endParaRPr lang="en-US" dirty="0"/>
+              <a:t>Week 4</a:t>
+            </a:r>
           </a:p>
         </p:txBody>
       </p:sp>
@@ -3412,7 +3403,7 @@
           <p:cNvPr id="3" name="Subtitle 2">
             <a:extLst>
               <a:ext uri="{FF2B5EF4-FFF2-40B4-BE49-F238E27FC236}">
-                <a16:creationId xmlns:a16="http://schemas.microsoft.com/office/drawing/2014/main" xmlns="" id="{0EDF655F-40C3-604E-B880-86E5243461B8}"/>
+                <a16:creationId xmlns:a16="http://schemas.microsoft.com/office/drawing/2014/main" id="{0EDF655F-40C3-604E-B880-86E5243461B8}"/>
               </a:ext>
             </a:extLst>
           </p:cNvPr>
@@ -3478,7 +3469,7 @@
           <a:lstStyle/>
           <a:p>
             <a:r>
-              <a:rPr lang="en-US" dirty="0" err="1" smtClean="0"/>
+              <a:rPr lang="en-US" dirty="0" err="1"/>
               <a:t>ShowMe</a:t>
             </a:r>
             <a:endParaRPr lang="en-US" dirty="0"/>
@@ -3504,10 +3495,9 @@
               <a:buNone/>
             </a:pPr>
             <a:r>
-              <a:rPr lang="en-US" dirty="0" smtClean="0"/>
+              <a:rPr lang="en-US" dirty="0"/>
               <a:t>Rule-based heuristics</a:t>
             </a:r>
-            <a:endParaRPr lang="en-US" dirty="0"/>
           </a:p>
         </p:txBody>
       </p:sp>
@@ -3545,13 +3535,6 @@
   <p:clrMapOvr>
     <a:masterClrMapping/>
   </p:clrMapOvr>
-  <p:timing>
-    <p:tnLst>
-      <p:par>
-        <p:cTn id="1" dur="indefinite" restart="never" nodeType="tmRoot"/>
-      </p:par>
-    </p:tnLst>
-  </p:timing>
 </p:sld>
 </file>
 
@@ -3588,10 +3571,9 @@
           <a:lstStyle/>
           <a:p>
             <a:r>
-              <a:rPr lang="en-US" dirty="0" smtClean="0"/>
+              <a:rPr lang="en-US" dirty="0"/>
               <a:t>Voyager</a:t>
             </a:r>
-            <a:endParaRPr lang="en-US" dirty="0"/>
           </a:p>
         </p:txBody>
       </p:sp>
@@ -3611,10 +3593,9 @@
           <a:lstStyle/>
           <a:p>
             <a:r>
-              <a:rPr lang="en-US" dirty="0" smtClean="0"/>
+              <a:rPr lang="en-US" dirty="0"/>
               <a:t>Hard coded heuristics and search procedure</a:t>
             </a:r>
-            <a:endParaRPr lang="en-US" dirty="0"/>
           </a:p>
         </p:txBody>
       </p:sp>
@@ -3628,13 +3609,6 @@
   <p:clrMapOvr>
     <a:masterClrMapping/>
   </p:clrMapOvr>
-  <p:timing>
-    <p:tnLst>
-      <p:par>
-        <p:cTn id="1" dur="indefinite" restart="never" nodeType="tmRoot"/>
-      </p:par>
-    </p:tnLst>
-  </p:timing>
 </p:sld>
 </file>
 
@@ -3671,10 +3645,9 @@
           <a:lstStyle/>
           <a:p>
             <a:r>
-              <a:rPr lang="en-US" dirty="0" smtClean="0"/>
+              <a:rPr lang="en-US" dirty="0"/>
               <a:t>Order of works</a:t>
             </a:r>
-            <a:endParaRPr lang="en-US" dirty="0"/>
           </a:p>
         </p:txBody>
       </p:sp>
@@ -3702,23 +3675,23 @@
               <a:buNone/>
             </a:pPr>
             <a:r>
-              <a:rPr lang="en-US" dirty="0" smtClean="0"/>
+              <a:rPr lang="en-US" dirty="0"/>
               <a:t>APT </a:t>
             </a:r>
             <a:r>
-              <a:rPr lang="en-US" dirty="0" smtClean="0">
+              <a:rPr lang="en-US" dirty="0">
                 <a:sym typeface="Wingdings"/>
               </a:rPr>
               <a:t> Polaris Defaults  </a:t>
             </a:r>
             <a:r>
-              <a:rPr lang="en-US" dirty="0" err="1" smtClean="0">
+              <a:rPr lang="en-US" dirty="0" err="1">
                 <a:sym typeface="Wingdings"/>
               </a:rPr>
               <a:t>ShowMe</a:t>
             </a:r>
             <a:r>
-              <a:rPr lang="en-US" dirty="0" smtClean="0">
+              <a:rPr lang="en-US" dirty="0">
                 <a:sym typeface="Wingdings"/>
               </a:rPr>
               <a:t>  Compass/Voyager  Draco</a:t>
@@ -3835,13 +3808,6 @@
   <p:clrMapOvr>
     <a:masterClrMapping/>
   </p:clrMapOvr>
-  <p:timing>
-    <p:tnLst>
-      <p:par>
-        <p:cTn id="1" dur="indefinite" restart="never" nodeType="tmRoot"/>
-      </p:par>
-    </p:tnLst>
-  </p:timing>
 </p:sld>
 </file>
 
@@ -3867,7 +3833,7 @@
           <p:cNvPr id="2" name="Title 1">
             <a:extLst>
               <a:ext uri="{FF2B5EF4-FFF2-40B4-BE49-F238E27FC236}">
-                <a16:creationId xmlns:a16="http://schemas.microsoft.com/office/drawing/2014/main" xmlns="" id="{4D796C46-8742-5E49-A708-27F761868D6C}"/>
+                <a16:creationId xmlns:a16="http://schemas.microsoft.com/office/drawing/2014/main" id="{4D796C46-8742-5E49-A708-27F761868D6C}"/>
               </a:ext>
             </a:extLst>
           </p:cNvPr>
@@ -3895,7 +3861,7 @@
           <p:cNvPr id="3" name="Content Placeholder 2">
             <a:extLst>
               <a:ext uri="{FF2B5EF4-FFF2-40B4-BE49-F238E27FC236}">
-                <a16:creationId xmlns:a16="http://schemas.microsoft.com/office/drawing/2014/main" xmlns="" id="{87A7663F-ACE4-274B-82DE-49D9B531EC37}"/>
+                <a16:creationId xmlns:a16="http://schemas.microsoft.com/office/drawing/2014/main" id="{87A7663F-ACE4-274B-82DE-49D9B531EC37}"/>
               </a:ext>
             </a:extLst>
           </p:cNvPr>
@@ -3915,7 +3881,7 @@
               <a:buNone/>
             </a:pPr>
             <a:r>
-              <a:rPr lang="en-US" dirty="0" smtClean="0"/>
+              <a:rPr lang="en-US" dirty="0"/>
               <a:t>Use constraint programming (ASP)</a:t>
             </a:r>
           </a:p>
@@ -3924,7 +3890,7 @@
               <a:buNone/>
             </a:pPr>
             <a:r>
-              <a:rPr lang="en-US" dirty="0" smtClean="0"/>
+              <a:rPr lang="en-US" dirty="0"/>
               <a:t>Encode design studies as hard/soft constraints</a:t>
             </a:r>
           </a:p>
@@ -3933,7 +3899,7 @@
               <a:buNone/>
             </a:pPr>
             <a:r>
-              <a:rPr lang="en-US" dirty="0" smtClean="0"/>
+              <a:rPr lang="en-US" dirty="0"/>
               <a:t>Perception papers define partial rankings</a:t>
             </a:r>
           </a:p>
@@ -3942,10 +3908,9 @@
               <a:buNone/>
             </a:pPr>
             <a:r>
-              <a:rPr lang="en-US" b="1" dirty="0" smtClean="0"/>
+              <a:rPr lang="en-US" b="1" dirty="0"/>
               <a:t>Learn weight penalties automatically </a:t>
             </a:r>
-            <a:endParaRPr lang="en-US" b="1" dirty="0"/>
           </a:p>
         </p:txBody>
       </p:sp>
@@ -3983,13 +3948,6 @@
   <p:clrMapOvr>
     <a:masterClrMapping/>
   </p:clrMapOvr>
-  <p:timing>
-    <p:tnLst>
-      <p:par>
-        <p:cTn id="1" dur="indefinite" restart="never" nodeType="tmRoot"/>
-      </p:par>
-    </p:tnLst>
-  </p:timing>
 </p:sld>
 </file>
 
@@ -4015,7 +3973,7 @@
           <p:cNvPr id="2" name="Title 1">
             <a:extLst>
               <a:ext uri="{FF2B5EF4-FFF2-40B4-BE49-F238E27FC236}">
-                <a16:creationId xmlns:a16="http://schemas.microsoft.com/office/drawing/2014/main" xmlns="" id="{14F32882-1F82-3449-A2AF-7860D2069DFD}"/>
+                <a16:creationId xmlns:a16="http://schemas.microsoft.com/office/drawing/2014/main" id="{14F32882-1F82-3449-A2AF-7860D2069DFD}"/>
               </a:ext>
             </a:extLst>
           </p:cNvPr>
@@ -4032,10 +3990,9 @@
           <a:lstStyle/>
           <a:p>
             <a:r>
-              <a:rPr lang="en-US" dirty="0" smtClean="0"/>
+              <a:rPr lang="en-US" dirty="0"/>
               <a:t>Constraint Language</a:t>
             </a:r>
-            <a:endParaRPr lang="en-US" dirty="0"/>
           </a:p>
         </p:txBody>
       </p:sp>
@@ -4044,7 +4001,7 @@
           <p:cNvPr id="3" name="Content Placeholder 2">
             <a:extLst>
               <a:ext uri="{FF2B5EF4-FFF2-40B4-BE49-F238E27FC236}">
-                <a16:creationId xmlns:a16="http://schemas.microsoft.com/office/drawing/2014/main" xmlns="" id="{E8DC48EB-141E-724A-B154-4F0163208EDF}"/>
+                <a16:creationId xmlns:a16="http://schemas.microsoft.com/office/drawing/2014/main" id="{E8DC48EB-141E-724A-B154-4F0163208EDF}"/>
               </a:ext>
             </a:extLst>
           </p:cNvPr>
@@ -4086,18 +4043,14 @@
             </a:pPr>
             <a:r>
               <a:rPr lang="en-US" dirty="0"/>
-              <a:t>S</a:t>
-            </a:r>
-            <a:r>
-              <a:rPr lang="en-US" dirty="0" smtClean="0"/>
-              <a:t>earch space: </a:t>
-            </a:r>
-            <a:r>
-              <a:rPr lang="en-US" dirty="0" err="1" smtClean="0"/>
+              <a:t>Search space: </a:t>
+            </a:r>
+            <a:r>
+              <a:rPr lang="en-US" dirty="0" err="1"/>
               <a:t>vega</a:t>
             </a:r>
             <a:r>
-              <a:rPr lang="en-US" dirty="0" smtClean="0"/>
+              <a:rPr lang="en-US" dirty="0"/>
               <a:t>-lite specs</a:t>
             </a:r>
           </a:p>
@@ -4120,7 +4073,7 @@
               <a:defRPr/>
             </a:pPr>
             <a:r>
-              <a:rPr lang="en-US" dirty="0" smtClean="0"/>
+              <a:rPr lang="en-US" dirty="0"/>
               <a:t>Hard constraints: incorrect specs</a:t>
             </a:r>
           </a:p>
@@ -4143,7 +4096,7 @@
               <a:defRPr/>
             </a:pPr>
             <a:r>
-              <a:rPr lang="en-US" dirty="0" smtClean="0"/>
+              <a:rPr lang="en-US" dirty="0"/>
               <a:t>Soft constraints: preferences/ranking</a:t>
             </a:r>
           </a:p>
@@ -4186,15 +4139,15 @@
               <a:defRPr/>
             </a:pPr>
             <a:r>
-              <a:rPr lang="en-US" dirty="0" smtClean="0"/>
+              <a:rPr lang="en-US" dirty="0"/>
               <a:t>Challenge: encoding </a:t>
             </a:r>
             <a:r>
-              <a:rPr lang="en-US" dirty="0" err="1" smtClean="0"/>
+              <a:rPr lang="en-US" dirty="0" err="1"/>
               <a:t>vega</a:t>
             </a:r>
             <a:r>
-              <a:rPr lang="en-US" dirty="0" smtClean="0"/>
+              <a:rPr lang="en-US" dirty="0"/>
               <a:t>-lite as ASP statements</a:t>
             </a:r>
           </a:p>
@@ -4244,13 +4197,13 @@
           <a:p>
             <a:pPr algn="l"/>
             <a:r>
-              <a:rPr lang="en-US" sz="3200" smtClean="0">
+              <a:rPr lang="en-US" sz="3200">
                 <a:latin typeface="Arial" panose="020B0604020202020204" pitchFamily="34" charset="0"/>
                 <a:cs typeface="Arial" panose="020B0604020202020204" pitchFamily="34" charset="0"/>
               </a:rPr>
               <a:t>expressiveness</a:t>
             </a:r>
-            <a:endParaRPr lang="en-US" sz="3200" dirty="0" smtClean="0">
+            <a:endParaRPr lang="en-US" sz="3200" dirty="0">
               <a:latin typeface="Arial" panose="020B0604020202020204" pitchFamily="34" charset="0"/>
               <a:cs typeface="Arial" panose="020B0604020202020204" pitchFamily="34" charset="0"/>
             </a:endParaRPr>
@@ -4285,16 +4238,9 @@
                 <a:latin typeface="Arial" panose="020B0604020202020204" pitchFamily="34" charset="0"/>
                 <a:cs typeface="Arial" panose="020B0604020202020204" pitchFamily="34" charset="0"/>
               </a:rPr>
-              <a:t>e</a:t>
-            </a:r>
-            <a:r>
-              <a:rPr lang="en-US" sz="3200" smtClean="0">
-                <a:latin typeface="Arial" panose="020B0604020202020204" pitchFamily="34" charset="0"/>
-                <a:cs typeface="Arial" panose="020B0604020202020204" pitchFamily="34" charset="0"/>
-              </a:rPr>
-              <a:t>ffectiveness</a:t>
-            </a:r>
-            <a:endParaRPr lang="en-US" sz="3200" dirty="0" smtClean="0">
+              <a:t>effectiveness</a:t>
+            </a:r>
+            <a:endParaRPr lang="en-US" sz="3200" dirty="0">
               <a:latin typeface="Arial" panose="020B0604020202020204" pitchFamily="34" charset="0"/>
               <a:cs typeface="Arial" panose="020B0604020202020204" pitchFamily="34" charset="0"/>
             </a:endParaRPr>
@@ -4380,13 +4326,6 @@
   <p:clrMapOvr>
     <a:masterClrMapping/>
   </p:clrMapOvr>
-  <p:timing>
-    <p:tnLst>
-      <p:par>
-        <p:cTn id="1" dur="indefinite" restart="never" nodeType="tmRoot"/>
-      </p:par>
-    </p:tnLst>
-  </p:timing>
 </p:sld>
 </file>
 
@@ -4412,7 +4351,7 @@
           <p:cNvPr id="2" name="Title 1">
             <a:extLst>
               <a:ext uri="{FF2B5EF4-FFF2-40B4-BE49-F238E27FC236}">
-                <a16:creationId xmlns:a16="http://schemas.microsoft.com/office/drawing/2014/main" xmlns="" id="{14F32882-1F82-3449-A2AF-7860D2069DFD}"/>
+                <a16:creationId xmlns:a16="http://schemas.microsoft.com/office/drawing/2014/main" id="{14F32882-1F82-3449-A2AF-7860D2069DFD}"/>
               </a:ext>
             </a:extLst>
           </p:cNvPr>
@@ -4429,10 +4368,9 @@
           <a:lstStyle/>
           <a:p>
             <a:r>
-              <a:rPr lang="en-US" dirty="0" smtClean="0"/>
+              <a:rPr lang="en-US" dirty="0"/>
               <a:t>Constraint Language</a:t>
             </a:r>
-            <a:endParaRPr lang="en-US" dirty="0"/>
           </a:p>
         </p:txBody>
       </p:sp>
@@ -4441,7 +4379,7 @@
           <p:cNvPr id="3" name="Content Placeholder 2">
             <a:extLst>
               <a:ext uri="{FF2B5EF4-FFF2-40B4-BE49-F238E27FC236}">
-                <a16:creationId xmlns:a16="http://schemas.microsoft.com/office/drawing/2014/main" xmlns="" id="{E8DC48EB-141E-724A-B154-4F0163208EDF}"/>
+                <a16:creationId xmlns:a16="http://schemas.microsoft.com/office/drawing/2014/main" id="{E8DC48EB-141E-724A-B154-4F0163208EDF}"/>
               </a:ext>
             </a:extLst>
           </p:cNvPr>
@@ -4508,11 +4446,7 @@
             </a:pPr>
             <a:r>
               <a:rPr lang="en-US" dirty="0"/>
-              <a:t>:- L1, ..., Ln.			// L1,...,Ln evaluates to </a:t>
-            </a:r>
-            <a:r>
-              <a:rPr lang="en-US" dirty="0" smtClean="0"/>
-              <a:t>False</a:t>
+              <a:t>:- L1, ..., Ln.			// L1,...,Ln evaluates to False</a:t>
             </a:r>
           </a:p>
           <a:p>
@@ -4527,10 +4461,9 @@
               <a:defRPr/>
             </a:pPr>
             <a:r>
-              <a:rPr lang="en-US" dirty="0" smtClean="0"/>
+              <a:rPr lang="en-US" dirty="0"/>
               <a:t>:- L1, ..., Ln. [2]			// Penalize result by 2 if violated</a:t>
             </a:r>
-            <a:endParaRPr lang="en-US" dirty="0"/>
           </a:p>
           <a:p>
             <a:pPr marL="0" lvl="0" indent="0">
@@ -4624,7 +4557,7 @@
           <a:p>
             <a:pPr algn="l"/>
             <a:r>
-              <a:rPr lang="en-US" sz="3200" dirty="0" smtClean="0">
+              <a:rPr lang="en-US" sz="3200" dirty="0">
                 <a:solidFill>
                   <a:srgbClr val="FF0000"/>
                 </a:solidFill>
@@ -4634,7 +4567,7 @@
               <a:t># violations of rule p</a:t>
             </a:r>
             <a:r>
-              <a:rPr lang="en-US" sz="3200" baseline="-25000" dirty="0" smtClean="0">
+              <a:rPr lang="en-US" sz="3200" baseline="-25000" dirty="0">
                 <a:solidFill>
                   <a:srgbClr val="FF0000"/>
                 </a:solidFill>
@@ -4643,13 +4576,6 @@
               </a:rPr>
               <a:t>i</a:t>
             </a:r>
-            <a:endParaRPr lang="en-US" sz="3200" baseline="-25000" dirty="0" smtClean="0">
-              <a:solidFill>
-                <a:srgbClr val="FF0000"/>
-              </a:solidFill>
-              <a:latin typeface="Arial" panose="020B0604020202020204" pitchFamily="34" charset="0"/>
-              <a:cs typeface="Arial" panose="020B0604020202020204" pitchFamily="34" charset="0"/>
-            </a:endParaRPr>
           </a:p>
         </p:txBody>
       </p:sp>
@@ -4677,7 +4603,7 @@
           <a:p>
             <a:pPr algn="l"/>
             <a:r>
-              <a:rPr lang="en-US" sz="3200" smtClean="0">
+              <a:rPr lang="en-US" sz="3200">
                 <a:solidFill>
                   <a:srgbClr val="FF0000"/>
                 </a:solidFill>
@@ -4686,7 +4612,7 @@
               </a:rPr>
               <a:t>weight</a:t>
             </a:r>
-            <a:endParaRPr lang="en-US" sz="3200" dirty="0" smtClean="0">
+            <a:endParaRPr lang="en-US" sz="3200" dirty="0">
               <a:solidFill>
                 <a:srgbClr val="FF0000"/>
               </a:solidFill>
@@ -4706,13 +4632,6 @@
   <p:clrMapOvr>
     <a:masterClrMapping/>
   </p:clrMapOvr>
-  <p:timing>
-    <p:tnLst>
-      <p:par>
-        <p:cTn id="1" dur="indefinite" restart="never" nodeType="tmRoot"/>
-      </p:par>
-    </p:tnLst>
-  </p:timing>
 </p:sld>
 </file>
 
@@ -4749,10 +4668,9 @@
           <a:lstStyle/>
           <a:p>
             <a:r>
-              <a:rPr lang="en-US" dirty="0" smtClean="0"/>
+              <a:rPr lang="en-US" dirty="0"/>
               <a:t>Constraint Language Examples</a:t>
             </a:r>
-            <a:endParaRPr lang="en-US" dirty="0"/>
           </a:p>
         </p:txBody>
       </p:sp>
@@ -4851,16 +4769,12 @@
           <a:p>
             <a:pPr algn="l"/>
             <a:r>
-              <a:rPr lang="en-US" sz="2000" dirty="0" smtClean="0">
+              <a:rPr lang="en-US" sz="2000" dirty="0">
                 <a:latin typeface="Arial" panose="020B0604020202020204" pitchFamily="34" charset="0"/>
                 <a:cs typeface="Arial" panose="020B0604020202020204" pitchFamily="34" charset="0"/>
               </a:rPr>
               <a:t>Define types</a:t>
             </a:r>
-            <a:endParaRPr lang="en-US" sz="2000" dirty="0" smtClean="0">
-              <a:latin typeface="Arial" panose="020B0604020202020204" pitchFamily="34" charset="0"/>
-              <a:cs typeface="Arial" panose="020B0604020202020204" pitchFamily="34" charset="0"/>
-            </a:endParaRPr>
           </a:p>
         </p:txBody>
       </p:sp>
@@ -4888,16 +4802,12 @@
           <a:p>
             <a:pPr algn="l"/>
             <a:r>
-              <a:rPr lang="en-US" sz="2000" dirty="0" smtClean="0">
+              <a:rPr lang="en-US" sz="2000" dirty="0">
                 <a:latin typeface="Arial" panose="020B0604020202020204" pitchFamily="34" charset="0"/>
                 <a:cs typeface="Arial" panose="020B0604020202020204" pitchFamily="34" charset="0"/>
               </a:rPr>
               <a:t>Hard Constraints</a:t>
             </a:r>
-            <a:endParaRPr lang="en-US" sz="2000" dirty="0" smtClean="0">
-              <a:latin typeface="Arial" panose="020B0604020202020204" pitchFamily="34" charset="0"/>
-              <a:cs typeface="Arial" panose="020B0604020202020204" pitchFamily="34" charset="0"/>
-            </a:endParaRPr>
           </a:p>
         </p:txBody>
       </p:sp>
@@ -4925,16 +4835,12 @@
           <a:p>
             <a:pPr algn="l"/>
             <a:r>
-              <a:rPr lang="en-US" sz="2000" dirty="0" smtClean="0">
+              <a:rPr lang="en-US" sz="2000" dirty="0">
                 <a:latin typeface="Arial" panose="020B0604020202020204" pitchFamily="34" charset="0"/>
                 <a:cs typeface="Arial" panose="020B0604020202020204" pitchFamily="34" charset="0"/>
               </a:rPr>
               <a:t>Encodings require channel and type</a:t>
             </a:r>
-            <a:endParaRPr lang="en-US" sz="2000" dirty="0" smtClean="0">
-              <a:latin typeface="Arial" panose="020B0604020202020204" pitchFamily="34" charset="0"/>
-              <a:cs typeface="Arial" panose="020B0604020202020204" pitchFamily="34" charset="0"/>
-            </a:endParaRPr>
           </a:p>
         </p:txBody>
       </p:sp>
@@ -4971,13 +4877,6 @@
   <p:clrMapOvr>
     <a:masterClrMapping/>
   </p:clrMapOvr>
-  <p:timing>
-    <p:tnLst>
-      <p:par>
-        <p:cTn id="1" dur="indefinite" restart="never" nodeType="tmRoot"/>
-      </p:par>
-    </p:tnLst>
-  </p:timing>
 </p:sld>
 </file>
 
@@ -5003,7 +4902,7 @@
           <p:cNvPr id="2" name="Title 1">
             <a:extLst>
               <a:ext uri="{FF2B5EF4-FFF2-40B4-BE49-F238E27FC236}">
-                <a16:creationId xmlns:a16="http://schemas.microsoft.com/office/drawing/2014/main" xmlns="" id="{CC3C39AC-DC07-7843-8814-8985E8E21A22}"/>
+                <a16:creationId xmlns:a16="http://schemas.microsoft.com/office/drawing/2014/main" id="{CC3C39AC-DC07-7843-8814-8985E8E21A22}"/>
               </a:ext>
             </a:extLst>
           </p:cNvPr>
@@ -5020,10 +4919,9 @@
           <a:lstStyle/>
           <a:p>
             <a:r>
-              <a:rPr lang="en-US" dirty="0" smtClean="0"/>
+              <a:rPr lang="en-US" dirty="0"/>
               <a:t>Learning Soft Weights</a:t>
             </a:r>
-            <a:endParaRPr lang="en-US" dirty="0"/>
           </a:p>
         </p:txBody>
       </p:sp>
@@ -5032,7 +4930,7 @@
           <p:cNvPr id="3" name="Content Placeholder 2">
             <a:extLst>
               <a:ext uri="{FF2B5EF4-FFF2-40B4-BE49-F238E27FC236}">
-                <a16:creationId xmlns:a16="http://schemas.microsoft.com/office/drawing/2014/main" xmlns="" id="{0B67975D-E82D-A345-9B4A-A94D9C294B53}"/>
+                <a16:creationId xmlns:a16="http://schemas.microsoft.com/office/drawing/2014/main" id="{0B67975D-E82D-A345-9B4A-A94D9C294B53}"/>
               </a:ext>
             </a:extLst>
           </p:cNvPr>
@@ -5066,7 +4964,7 @@
               <a:defRPr/>
             </a:pPr>
             <a:r>
-              <a:rPr lang="en-US" dirty="0" smtClean="0"/>
+              <a:rPr lang="en-US" dirty="0"/>
               <a:t>Dozens, hundreds of soft constraints, how to assign weights?</a:t>
             </a:r>
           </a:p>
@@ -5089,7 +4987,7 @@
               <a:defRPr/>
             </a:pPr>
             <a:r>
-              <a:rPr lang="en-US" dirty="0" smtClean="0"/>
+              <a:rPr lang="en-US" dirty="0"/>
               <a:t>  (is hand assignment as hard as heuristics)?</a:t>
             </a:r>
           </a:p>
@@ -5132,38 +5030,38 @@
               <a:defRPr/>
             </a:pPr>
             <a:r>
-              <a:rPr lang="en-US" dirty="0" smtClean="0"/>
+              <a:rPr lang="en-US" dirty="0"/>
               <a:t>User studies generate pairs of (v</a:t>
             </a:r>
             <a:r>
-              <a:rPr lang="en-US" baseline="-25000" dirty="0" smtClean="0"/>
+              <a:rPr lang="en-US" baseline="-25000" dirty="0"/>
               <a:t>1</a:t>
             </a:r>
             <a:r>
-              <a:rPr lang="en-US" dirty="0" smtClean="0"/>
+              <a:rPr lang="en-US" dirty="0"/>
               <a:t>, v</a:t>
             </a:r>
             <a:r>
-              <a:rPr lang="en-US" baseline="-25000" dirty="0" smtClean="0"/>
+              <a:rPr lang="en-US" baseline="-25000" dirty="0"/>
               <a:t>2</a:t>
             </a:r>
             <a:r>
-              <a:rPr lang="en-US" dirty="0" smtClean="0"/>
+              <a:rPr lang="en-US" dirty="0"/>
               <a:t>) where v</a:t>
             </a:r>
             <a:r>
-              <a:rPr lang="en-US" baseline="-25000" dirty="0" smtClean="0"/>
+              <a:rPr lang="en-US" baseline="-25000" dirty="0"/>
               <a:t>1</a:t>
             </a:r>
             <a:r>
-              <a:rPr lang="en-US" dirty="0" smtClean="0"/>
+              <a:rPr lang="en-US" dirty="0"/>
               <a:t> preferred over v</a:t>
             </a:r>
             <a:r>
-              <a:rPr lang="en-US" baseline="-25000" dirty="0" smtClean="0"/>
+              <a:rPr lang="en-US" baseline="-25000" dirty="0"/>
               <a:t>2</a:t>
             </a:r>
-            <a:endParaRPr lang="en-US" dirty="0" smtClean="0"/>
+            <a:endParaRPr lang="en-US" dirty="0"/>
           </a:p>
           <a:p>
             <a:pPr marL="0" marR="0" lvl="0" indent="0" defTabSz="914400" eaLnBrk="1" fontAlgn="auto" latinLnBrk="0" hangingPunct="1">
@@ -5184,15 +5082,15 @@
               <a:defRPr/>
             </a:pPr>
             <a:r>
-              <a:rPr lang="en-US" dirty="0" smtClean="0"/>
+              <a:rPr lang="en-US" dirty="0"/>
               <a:t>Use </a:t>
             </a:r>
             <a:r>
-              <a:rPr lang="en-US" dirty="0" err="1" smtClean="0"/>
+              <a:rPr lang="en-US" dirty="0" err="1"/>
               <a:t>RankSVM</a:t>
             </a:r>
             <a:r>
-              <a:rPr lang="en-US" dirty="0" smtClean="0"/>
+              <a:rPr lang="en-US" dirty="0"/>
               <a:t> to learn what soft constraint weights will most preserve the ranking</a:t>
             </a:r>
           </a:p>
@@ -5215,22 +5113,22 @@
               <a:defRPr/>
             </a:pPr>
             <a:r>
-              <a:rPr lang="en-US" dirty="0" smtClean="0"/>
+              <a:rPr lang="en-US" dirty="0"/>
               <a:t>Run </a:t>
             </a:r>
             <a:r>
-              <a:rPr lang="en-US" dirty="0" err="1" smtClean="0"/>
+              <a:rPr lang="en-US" dirty="0" err="1"/>
               <a:t>draco</a:t>
             </a:r>
             <a:r>
-              <a:rPr lang="en-US" dirty="0" smtClean="0"/>
+              <a:rPr lang="en-US" dirty="0"/>
               <a:t> and count # violations of each rule for each vis v</a:t>
             </a:r>
             <a:r>
-              <a:rPr lang="en-US" baseline="-25000" dirty="0" smtClean="0"/>
+              <a:rPr lang="en-US" baseline="-25000" dirty="0"/>
               <a:t>i</a:t>
             </a:r>
-            <a:endParaRPr lang="en-US" dirty="0" smtClean="0"/>
+            <a:endParaRPr lang="en-US" dirty="0"/>
           </a:p>
           <a:p>
             <a:pPr marL="514350" marR="0" lvl="0" indent="-514350" defTabSz="914400" eaLnBrk="1" fontAlgn="auto" latinLnBrk="0" hangingPunct="1">
@@ -5251,7 +5149,7 @@
               <a:defRPr/>
             </a:pPr>
             <a:r>
-              <a:rPr lang="en-US" dirty="0" smtClean="0"/>
+              <a:rPr lang="en-US" dirty="0"/>
               <a:t>Rule = feature vector of violation counts</a:t>
             </a:r>
           </a:p>
@@ -5274,10 +5172,9 @@
               <a:defRPr/>
             </a:pPr>
             <a:r>
-              <a:rPr lang="en-US" dirty="0" smtClean="0"/>
+              <a:rPr lang="en-US" dirty="0"/>
               <a:t>Train SVM to learn weights</a:t>
             </a:r>
-            <a:endParaRPr lang="en-US" dirty="0"/>
           </a:p>
         </p:txBody>
       </p:sp>
@@ -5291,13 +5188,6 @@
   <p:clrMapOvr>
     <a:masterClrMapping/>
   </p:clrMapOvr>
-  <p:timing>
-    <p:tnLst>
-      <p:par>
-        <p:cTn id="1" dur="indefinite" restart="never" nodeType="tmRoot"/>
-      </p:par>
-    </p:tnLst>
-  </p:timing>
 </p:sld>
 </file>
 
@@ -5323,7 +5213,7 @@
           <p:cNvPr id="2" name="Title 1">
             <a:extLst>
               <a:ext uri="{FF2B5EF4-FFF2-40B4-BE49-F238E27FC236}">
-                <a16:creationId xmlns:a16="http://schemas.microsoft.com/office/drawing/2014/main" xmlns="" id="{FDE36C02-33F4-8D42-A0DF-3EEC19FC0794}"/>
+                <a16:creationId xmlns:a16="http://schemas.microsoft.com/office/drawing/2014/main" id="{FDE36C02-33F4-8D42-A0DF-3EEC19FC0794}"/>
               </a:ext>
             </a:extLst>
           </p:cNvPr>
@@ -5351,7 +5241,7 @@
           <p:cNvPr id="3" name="Content Placeholder 2">
             <a:extLst>
               <a:ext uri="{FF2B5EF4-FFF2-40B4-BE49-F238E27FC236}">
-                <a16:creationId xmlns:a16="http://schemas.microsoft.com/office/drawing/2014/main" xmlns="" id="{8CE330F1-7E67-214E-A620-55735D9BB155}"/>
+                <a16:creationId xmlns:a16="http://schemas.microsoft.com/office/drawing/2014/main" id="{8CE330F1-7E67-214E-A620-55735D9BB155}"/>
               </a:ext>
             </a:extLst>
           </p:cNvPr>
@@ -5371,39 +5261,39 @@
               <a:buNone/>
             </a:pPr>
             <a:r>
-              <a:rPr lang="en-US" dirty="0" smtClean="0"/>
+              <a:rPr lang="en-US" dirty="0"/>
               <a:t>Should show</a:t>
             </a:r>
           </a:p>
           <a:p>
             <a:r>
-              <a:rPr lang="en-US" dirty="0" smtClean="0"/>
+              <a:rPr lang="en-US" dirty="0"/>
               <a:t>Can express previous systems (APT, Voyager/Compass)</a:t>
             </a:r>
           </a:p>
           <a:p>
             <a:r>
-              <a:rPr lang="en-US" dirty="0" smtClean="0"/>
+              <a:rPr lang="en-US" dirty="0"/>
               <a:t>Not </a:t>
             </a:r>
             <a:r>
-              <a:rPr lang="en-US" dirty="0" err="1" smtClean="0"/>
+              <a:rPr lang="en-US" dirty="0" err="1"/>
               <a:t>embarassingly</a:t>
             </a:r>
             <a:r>
-              <a:rPr lang="en-US" dirty="0" smtClean="0"/>
+              <a:rPr lang="en-US" dirty="0"/>
               <a:t> slow (benefits from fast constraint solver)</a:t>
             </a:r>
           </a:p>
           <a:p>
             <a:r>
-              <a:rPr lang="en-US" dirty="0" smtClean="0"/>
+              <a:rPr lang="en-US" dirty="0"/>
               <a:t>Can incorporate new user studies</a:t>
             </a:r>
           </a:p>
           <a:p>
             <a:r>
-              <a:rPr lang="en-US" dirty="0" smtClean="0"/>
+              <a:rPr lang="en-US" dirty="0"/>
               <a:t>Weight learning works</a:t>
             </a:r>
           </a:p>
@@ -5443,13 +5333,6 @@
   <p:clrMapOvr>
     <a:masterClrMapping/>
   </p:clrMapOvr>
-  <p:timing>
-    <p:tnLst>
-      <p:par>
-        <p:cTn id="1" dur="indefinite" restart="never" nodeType="tmRoot"/>
-      </p:par>
-    </p:tnLst>
-  </p:timing>
 </p:sld>
 </file>
 
@@ -5486,10 +5369,9 @@
           <a:lstStyle/>
           <a:p>
             <a:r>
-              <a:rPr lang="en-US" dirty="0" smtClean="0"/>
+              <a:rPr lang="en-US" dirty="0"/>
               <a:t>Draco Discussion</a:t>
             </a:r>
-            <a:endParaRPr lang="en-US" dirty="0"/>
           </a:p>
         </p:txBody>
       </p:sp>
@@ -5522,13 +5404,6 @@
   <p:clrMapOvr>
     <a:masterClrMapping/>
   </p:clrMapOvr>
-  <p:timing>
-    <p:tnLst>
-      <p:par>
-        <p:cTn id="1" dur="indefinite" restart="never" nodeType="tmRoot"/>
-      </p:par>
-    </p:tnLst>
-  </p:timing>
 </p:sld>
 </file>
 
@@ -5565,10 +5440,9 @@
           <a:lstStyle/>
           <a:p>
             <a:r>
-              <a:rPr lang="en-US" dirty="0" smtClean="0"/>
+              <a:rPr lang="en-US" dirty="0"/>
               <a:t>Draco</a:t>
             </a:r>
-            <a:endParaRPr lang="en-US" dirty="0"/>
           </a:p>
         </p:txBody>
       </p:sp>
@@ -5626,7 +5500,7 @@
           <p:cNvPr id="2" name="Title 1">
             <a:extLst>
               <a:ext uri="{FF2B5EF4-FFF2-40B4-BE49-F238E27FC236}">
-                <a16:creationId xmlns:a16="http://schemas.microsoft.com/office/drawing/2014/main" xmlns="" id="{E17ADD7D-E662-B249-954C-DC41B0DF4D2E}"/>
+                <a16:creationId xmlns:a16="http://schemas.microsoft.com/office/drawing/2014/main" id="{E17ADD7D-E662-B249-954C-DC41B0DF4D2E}"/>
               </a:ext>
             </a:extLst>
           </p:cNvPr>
@@ -5654,7 +5528,7 @@
           <p:cNvPr id="3" name="Content Placeholder 2">
             <a:extLst>
               <a:ext uri="{FF2B5EF4-FFF2-40B4-BE49-F238E27FC236}">
-                <a16:creationId xmlns:a16="http://schemas.microsoft.com/office/drawing/2014/main" xmlns="" id="{FFBCCCDB-070C-DC4C-9A0A-05BE0F66749F}"/>
+                <a16:creationId xmlns:a16="http://schemas.microsoft.com/office/drawing/2014/main" id="{FFBCCCDB-070C-DC4C-9A0A-05BE0F66749F}"/>
               </a:ext>
             </a:extLst>
           </p:cNvPr>
@@ -5806,7 +5680,7 @@
           <p:cNvPr id="2" name="Title 1">
             <a:extLst>
               <a:ext uri="{FF2B5EF4-FFF2-40B4-BE49-F238E27FC236}">
-                <a16:creationId xmlns:a16="http://schemas.microsoft.com/office/drawing/2014/main" xmlns="" id="{E17ADD7D-E662-B249-954C-DC41B0DF4D2E}"/>
+                <a16:creationId xmlns:a16="http://schemas.microsoft.com/office/drawing/2014/main" id="{E17ADD7D-E662-B249-954C-DC41B0DF4D2E}"/>
               </a:ext>
             </a:extLst>
           </p:cNvPr>
@@ -5834,7 +5708,7 @@
           <p:cNvPr id="3" name="Content Placeholder 2">
             <a:extLst>
               <a:ext uri="{FF2B5EF4-FFF2-40B4-BE49-F238E27FC236}">
-                <a16:creationId xmlns:a16="http://schemas.microsoft.com/office/drawing/2014/main" xmlns="" id="{FFBCCCDB-070C-DC4C-9A0A-05BE0F66749F}"/>
+                <a16:creationId xmlns:a16="http://schemas.microsoft.com/office/drawing/2014/main" id="{FFBCCCDB-070C-DC4C-9A0A-05BE0F66749F}"/>
               </a:ext>
             </a:extLst>
           </p:cNvPr>
@@ -5860,18 +5734,14 @@
           </a:p>
           <a:p>
             <a:r>
-              <a:rPr lang="en-US" dirty="0" smtClean="0"/>
+              <a:rPr lang="en-US" dirty="0"/>
               <a:t>ASP rules need to flatten the grammar (search space)</a:t>
             </a:r>
           </a:p>
           <a:p>
             <a:r>
-              <a:rPr lang="en-US" dirty="0" smtClean="0"/>
-              <a:t>Composition </a:t>
-            </a:r>
-            <a:r>
-              <a:rPr lang="en-US" dirty="0"/>
-              <a:t>of transformations.  </a:t>
+              <a:rPr lang="en-US" dirty="0"/>
+              <a:t>Composition of transformations.  </a:t>
             </a:r>
           </a:p>
           <a:p>
@@ -5883,27 +5753,22 @@
           <a:p>
             <a:r>
               <a:rPr lang="en-US" dirty="0"/>
-              <a:t>Generates static </a:t>
-            </a:r>
-            <a:r>
-              <a:rPr lang="en-US" dirty="0" smtClean="0"/>
-              <a:t>views</a:t>
-            </a:r>
-          </a:p>
-          <a:p>
-            <a:r>
-              <a:rPr lang="en-US" dirty="0" smtClean="0"/>
+              <a:t>Generates static views</a:t>
+            </a:r>
+          </a:p>
+          <a:p>
+            <a:r>
+              <a:rPr lang="en-US" dirty="0"/>
               <a:t>Leverage features from rendered output (e.g., </a:t>
             </a:r>
             <a:r>
-              <a:rPr lang="en-US" dirty="0" err="1" smtClean="0"/>
+              <a:rPr lang="en-US" dirty="0" err="1"/>
               <a:t>overplotting</a:t>
             </a:r>
             <a:r>
-              <a:rPr lang="en-US" dirty="0" smtClean="0"/>
+              <a:rPr lang="en-US" dirty="0"/>
               <a:t>)</a:t>
             </a:r>
-            <a:endParaRPr lang="en-US" dirty="0"/>
           </a:p>
           <a:p>
             <a:r>
@@ -6186,7 +6051,7 @@
           <p:cNvPr id="2" name="Title 1">
             <a:extLst>
               <a:ext uri="{FF2B5EF4-FFF2-40B4-BE49-F238E27FC236}">
-                <a16:creationId xmlns:a16="http://schemas.microsoft.com/office/drawing/2014/main" xmlns="" id="{E17ADD7D-E662-B249-954C-DC41B0DF4D2E}"/>
+                <a16:creationId xmlns:a16="http://schemas.microsoft.com/office/drawing/2014/main" id="{E17ADD7D-E662-B249-954C-DC41B0DF4D2E}"/>
               </a:ext>
             </a:extLst>
           </p:cNvPr>
@@ -6214,7 +6079,7 @@
           <p:cNvPr id="3" name="Content Placeholder 2">
             <a:extLst>
               <a:ext uri="{FF2B5EF4-FFF2-40B4-BE49-F238E27FC236}">
-                <a16:creationId xmlns:a16="http://schemas.microsoft.com/office/drawing/2014/main" xmlns="" id="{FFBCCCDB-070C-DC4C-9A0A-05BE0F66749F}"/>
+                <a16:creationId xmlns:a16="http://schemas.microsoft.com/office/drawing/2014/main" id="{FFBCCCDB-070C-DC4C-9A0A-05BE0F66749F}"/>
               </a:ext>
             </a:extLst>
           </p:cNvPr>
@@ -6244,13 +6109,6 @@
   <p:clrMapOvr>
     <a:masterClrMapping/>
   </p:clrMapOvr>
-  <p:timing>
-    <p:tnLst>
-      <p:par>
-        <p:cTn id="1" dur="indefinite" restart="never" nodeType="tmRoot"/>
-      </p:par>
-    </p:tnLst>
-  </p:timing>
 </p:sld>
 </file>
 
@@ -6287,10 +6145,9 @@
           <a:lstStyle/>
           <a:p>
             <a:r>
-              <a:rPr lang="en-US" dirty="0" smtClean="0"/>
+              <a:rPr lang="en-US" dirty="0"/>
               <a:t>Voyager Discussion</a:t>
             </a:r>
-            <a:endParaRPr lang="en-US" dirty="0"/>
           </a:p>
         </p:txBody>
       </p:sp>
@@ -6323,13 +6180,6 @@
   <p:clrMapOvr>
     <a:masterClrMapping/>
   </p:clrMapOvr>
-  <p:timing>
-    <p:tnLst>
-      <p:par>
-        <p:cTn id="1" dur="indefinite" restart="never" nodeType="tmRoot"/>
-      </p:par>
-    </p:tnLst>
-  </p:timing>
 </p:sld>
 </file>
 
@@ -6355,7 +6205,7 @@
           <p:cNvPr id="2" name="Title 1">
             <a:extLst>
               <a:ext uri="{FF2B5EF4-FFF2-40B4-BE49-F238E27FC236}">
-                <a16:creationId xmlns:a16="http://schemas.microsoft.com/office/drawing/2014/main" xmlns="" id="{8FF8890C-0FBB-9642-A68C-772823208760}"/>
+                <a16:creationId xmlns:a16="http://schemas.microsoft.com/office/drawing/2014/main" id="{8FF8890C-0FBB-9642-A68C-772823208760}"/>
               </a:ext>
             </a:extLst>
           </p:cNvPr>
@@ -6383,7 +6233,7 @@
           <p:cNvPr id="3" name="Content Placeholder 2">
             <a:extLst>
               <a:ext uri="{FF2B5EF4-FFF2-40B4-BE49-F238E27FC236}">
-                <a16:creationId xmlns:a16="http://schemas.microsoft.com/office/drawing/2014/main" xmlns="" id="{CF5D6996-D565-A348-8D29-618E51CF895C}"/>
+                <a16:creationId xmlns:a16="http://schemas.microsoft.com/office/drawing/2014/main" id="{CF5D6996-D565-A348-8D29-618E51CF895C}"/>
               </a:ext>
             </a:extLst>
           </p:cNvPr>
@@ -6423,13 +6273,6 @@
   <p:clrMapOvr>
     <a:masterClrMapping/>
   </p:clrMapOvr>
-  <p:timing>
-    <p:tnLst>
-      <p:par>
-        <p:cTn id="1" dur="indefinite" restart="never" nodeType="tmRoot"/>
-      </p:par>
-    </p:tnLst>
-  </p:timing>
 </p:sld>
 </file>
 
@@ -6455,7 +6298,7 @@
           <p:cNvPr id="2" name="Title 1">
             <a:extLst>
               <a:ext uri="{FF2B5EF4-FFF2-40B4-BE49-F238E27FC236}">
-                <a16:creationId xmlns:a16="http://schemas.microsoft.com/office/drawing/2014/main" xmlns="" id="{7F6691FD-F4CC-3547-9D92-3342243530A5}"/>
+                <a16:creationId xmlns:a16="http://schemas.microsoft.com/office/drawing/2014/main" id="{7F6691FD-F4CC-3547-9D92-3342243530A5}"/>
               </a:ext>
             </a:extLst>
           </p:cNvPr>
@@ -6483,7 +6326,7 @@
           <p:cNvPr id="3" name="Content Placeholder 2">
             <a:extLst>
               <a:ext uri="{FF2B5EF4-FFF2-40B4-BE49-F238E27FC236}">
-                <a16:creationId xmlns:a16="http://schemas.microsoft.com/office/drawing/2014/main" xmlns="" id="{DADA9D0A-0032-C248-9FA8-6DBDA2A9184C}"/>
+                <a16:creationId xmlns:a16="http://schemas.microsoft.com/office/drawing/2014/main" id="{DADA9D0A-0032-C248-9FA8-6DBDA2A9184C}"/>
               </a:ext>
             </a:extLst>
           </p:cNvPr>
@@ -6553,7 +6396,7 @@
           <p:cNvPr id="2" name="Title 1">
             <a:extLst>
               <a:ext uri="{FF2B5EF4-FFF2-40B4-BE49-F238E27FC236}">
-                <a16:creationId xmlns:a16="http://schemas.microsoft.com/office/drawing/2014/main" xmlns="" id="{7F6691FD-F4CC-3547-9D92-3342243530A5}"/>
+                <a16:creationId xmlns:a16="http://schemas.microsoft.com/office/drawing/2014/main" id="{7F6691FD-F4CC-3547-9D92-3342243530A5}"/>
               </a:ext>
             </a:extLst>
           </p:cNvPr>
@@ -6581,7 +6424,7 @@
           <p:cNvPr id="3" name="Content Placeholder 2">
             <a:extLst>
               <a:ext uri="{FF2B5EF4-FFF2-40B4-BE49-F238E27FC236}">
-                <a16:creationId xmlns:a16="http://schemas.microsoft.com/office/drawing/2014/main" xmlns="" id="{DADA9D0A-0032-C248-9FA8-6DBDA2A9184C}"/>
+                <a16:creationId xmlns:a16="http://schemas.microsoft.com/office/drawing/2014/main" id="{DADA9D0A-0032-C248-9FA8-6DBDA2A9184C}"/>
               </a:ext>
             </a:extLst>
           </p:cNvPr>
@@ -6642,7 +6485,7 @@
           <p:cNvPr id="2" name="Title 1">
             <a:extLst>
               <a:ext uri="{FF2B5EF4-FFF2-40B4-BE49-F238E27FC236}">
-                <a16:creationId xmlns:a16="http://schemas.microsoft.com/office/drawing/2014/main" xmlns="" id="{7F6691FD-F4CC-3547-9D92-3342243530A5}"/>
+                <a16:creationId xmlns:a16="http://schemas.microsoft.com/office/drawing/2014/main" id="{7F6691FD-F4CC-3547-9D92-3342243530A5}"/>
               </a:ext>
             </a:extLst>
           </p:cNvPr>
@@ -6670,7 +6513,7 @@
           <p:cNvPr id="3" name="Content Placeholder 2">
             <a:extLst>
               <a:ext uri="{FF2B5EF4-FFF2-40B4-BE49-F238E27FC236}">
-                <a16:creationId xmlns:a16="http://schemas.microsoft.com/office/drawing/2014/main" xmlns="" id="{DADA9D0A-0032-C248-9FA8-6DBDA2A9184C}"/>
+                <a16:creationId xmlns:a16="http://schemas.microsoft.com/office/drawing/2014/main" id="{DADA9D0A-0032-C248-9FA8-6DBDA2A9184C}"/>
               </a:ext>
             </a:extLst>
           </p:cNvPr>
@@ -6752,7 +6595,7 @@
           <p:cNvPr id="2" name="Title 1">
             <a:extLst>
               <a:ext uri="{FF2B5EF4-FFF2-40B4-BE49-F238E27FC236}">
-                <a16:creationId xmlns:a16="http://schemas.microsoft.com/office/drawing/2014/main" xmlns="" id="{CCFACBE6-985E-8949-BBE8-2F1E0993801B}"/>
+                <a16:creationId xmlns:a16="http://schemas.microsoft.com/office/drawing/2014/main" id="{CCFACBE6-985E-8949-BBE8-2F1E0993801B}"/>
               </a:ext>
             </a:extLst>
           </p:cNvPr>
@@ -6769,81 +6612,79 @@
           <a:lstStyle/>
           <a:p>
             <a:r>
-              <a:rPr lang="en-US" dirty="0" smtClean="0"/>
+              <a:rPr lang="en-US" dirty="0"/>
               <a:t>Motivation</a:t>
             </a:r>
+          </a:p>
+        </p:txBody>
+      </p:sp>
+      <p:sp>
+        <p:nvSpPr>
+          <p:cNvPr id="3" name="Content Placeholder 2">
+            <a:extLst>
+              <a:ext uri="{FF2B5EF4-FFF2-40B4-BE49-F238E27FC236}">
+                <a16:creationId xmlns:a16="http://schemas.microsoft.com/office/drawing/2014/main" id="{41E0E81E-B19B-8748-8F4E-9B561BD44966}"/>
+              </a:ext>
+            </a:extLst>
+          </p:cNvPr>
+          <p:cNvSpPr>
+            <a:spLocks noGrp="1"/>
+          </p:cNvSpPr>
+          <p:nvPr>
+            <p:ph idx="1"/>
+          </p:nvPr>
+        </p:nvSpPr>
+        <p:spPr/>
+        <p:txBody>
+          <a:bodyPr/>
+          <a:lstStyle/>
+          <a:p>
+            <a:pPr marL="0" indent="0">
+              <a:buNone/>
+            </a:pPr>
+            <a:r>
+              <a:rPr lang="en-US" dirty="0"/>
+              <a:t>Choosing a good vis design for a dataset is hard</a:t>
+            </a:r>
+          </a:p>
+          <a:p>
+            <a:pPr marL="0" indent="0">
+              <a:buNone/>
+            </a:pPr>
             <a:endParaRPr lang="en-US" dirty="0"/>
           </a:p>
-        </p:txBody>
-      </p:sp>
-      <p:sp>
-        <p:nvSpPr>
-          <p:cNvPr id="3" name="Content Placeholder 2">
-            <a:extLst>
-              <a:ext uri="{FF2B5EF4-FFF2-40B4-BE49-F238E27FC236}">
-                <a16:creationId xmlns:a16="http://schemas.microsoft.com/office/drawing/2014/main" xmlns="" id="{41E0E81E-B19B-8748-8F4E-9B561BD44966}"/>
-              </a:ext>
-            </a:extLst>
-          </p:cNvPr>
-          <p:cNvSpPr>
-            <a:spLocks noGrp="1"/>
-          </p:cNvSpPr>
-          <p:nvPr>
-            <p:ph idx="1"/>
-          </p:nvPr>
-        </p:nvSpPr>
-        <p:spPr/>
-        <p:txBody>
-          <a:bodyPr/>
-          <a:lstStyle/>
           <a:p>
             <a:pPr marL="0" indent="0">
               <a:buNone/>
             </a:pPr>
             <a:r>
-              <a:rPr lang="en-US" dirty="0" smtClean="0"/>
-              <a:t>Choosing a good vis design for a dataset is hard</a:t>
+              <a:rPr lang="en-US" dirty="0"/>
+              <a:t>Factors that determine “good” constantly changing</a:t>
+            </a:r>
+          </a:p>
+          <a:p>
+            <a:pPr marL="457200" lvl="1" indent="0">
+              <a:buNone/>
+            </a:pPr>
+            <a:r>
+              <a:rPr lang="en-US" dirty="0"/>
+              <a:t>result of perceptual/usability studies</a:t>
             </a:r>
           </a:p>
           <a:p>
             <a:pPr marL="0" indent="0">
               <a:buNone/>
             </a:pPr>
-            <a:endParaRPr lang="en-US" dirty="0" smtClean="0"/>
+            <a:endParaRPr lang="en-US" dirty="0"/>
           </a:p>
           <a:p>
             <a:pPr marL="0" indent="0">
               <a:buNone/>
             </a:pPr>
             <a:r>
-              <a:rPr lang="en-US" dirty="0" smtClean="0"/>
-              <a:t>Factors that determine “good” constantly changing</a:t>
-            </a:r>
-          </a:p>
-          <a:p>
-            <a:pPr marL="457200" lvl="1" indent="0">
-              <a:buNone/>
-            </a:pPr>
-            <a:r>
-              <a:rPr lang="en-US" dirty="0" smtClean="0"/>
-              <a:t>result of perceptual/usability studies</a:t>
-            </a:r>
-          </a:p>
-          <a:p>
-            <a:pPr marL="0" indent="0">
-              <a:buNone/>
-            </a:pPr>
-            <a:endParaRPr lang="en-US" dirty="0" smtClean="0"/>
-          </a:p>
-          <a:p>
-            <a:pPr marL="0" indent="0">
-              <a:buNone/>
-            </a:pPr>
-            <a:r>
-              <a:rPr lang="en-US" dirty="0" smtClean="0"/>
+              <a:rPr lang="en-US" dirty="0"/>
               <a:t>Way to leverage evolving vis research for auto-visualization?</a:t>
             </a:r>
-            <a:endParaRPr lang="en-US" dirty="0"/>
           </a:p>
         </p:txBody>
       </p:sp>
@@ -6857,13 +6698,6 @@
   <p:clrMapOvr>
     <a:masterClrMapping/>
   </p:clrMapOvr>
-  <p:timing>
-    <p:tnLst>
-      <p:par>
-        <p:cTn id="1" dur="indefinite" restart="never" nodeType="tmRoot"/>
-      </p:par>
-    </p:tnLst>
-  </p:timing>
 </p:sld>
 </file>
 
@@ -6900,10 +6734,9 @@
           <a:lstStyle/>
           <a:p>
             <a:r>
-              <a:rPr lang="en-US" dirty="0" smtClean="0"/>
+              <a:rPr lang="en-US" dirty="0"/>
               <a:t>Perceptual Studies</a:t>
             </a:r>
-            <a:endParaRPr lang="en-US" dirty="0"/>
           </a:p>
         </p:txBody>
       </p:sp>
@@ -6994,7 +6827,7 @@
           <a:bodyPr/>
           <a:lstStyle/>
           <a:p>
-            <a:endParaRPr lang="en-US"/>
+            <a:endParaRPr lang="en-US" dirty="0"/>
           </a:p>
         </p:txBody>
       </p:sp>
@@ -7170,10 +7003,9 @@
           <a:lstStyle/>
           <a:p>
             <a:r>
-              <a:rPr lang="en-US" dirty="0" smtClean="0"/>
+              <a:rPr lang="en-US" dirty="0"/>
               <a:t>APT</a:t>
             </a:r>
-            <a:endParaRPr lang="en-US" dirty="0"/>
           </a:p>
         </p:txBody>
       </p:sp>
@@ -7266,59 +7098,58 @@
           <a:lstStyle/>
           <a:p>
             <a:r>
-              <a:rPr lang="en-US" dirty="0" smtClean="0"/>
+              <a:rPr lang="en-US" dirty="0"/>
               <a:t>APT</a:t>
             </a:r>
+          </a:p>
+        </p:txBody>
+      </p:sp>
+      <p:sp>
+        <p:nvSpPr>
+          <p:cNvPr id="3" name="Content Placeholder 2"/>
+          <p:cNvSpPr>
+            <a:spLocks noGrp="1"/>
+          </p:cNvSpPr>
+          <p:nvPr>
+            <p:ph idx="1"/>
+          </p:nvPr>
+        </p:nvSpPr>
+        <p:spPr/>
+        <p:txBody>
+          <a:bodyPr/>
+          <a:lstStyle/>
+          <a:p>
+            <a:pPr marL="0" indent="0">
+              <a:buNone/>
+            </a:pPr>
+            <a:r>
+              <a:rPr lang="en-US" dirty="0"/>
+              <a:t>Proposed two criteria for automatically choosing designs</a:t>
+            </a:r>
+          </a:p>
+          <a:p>
+            <a:pPr marL="0" indent="0">
+              <a:buNone/>
+            </a:pPr>
+            <a:r>
+              <a:rPr lang="en-US" dirty="0"/>
+              <a:t>Expressiveness</a:t>
+            </a:r>
+          </a:p>
+          <a:p>
+            <a:pPr marL="457200" lvl="1" indent="0">
+              <a:buNone/>
+            </a:pPr>
+            <a:r>
+              <a:rPr lang="en-US" dirty="0"/>
+              <a:t>all facts and only those facts are expressed in the graphical design</a:t>
+            </a:r>
+          </a:p>
+          <a:p>
+            <a:pPr marL="0" indent="0">
+              <a:buNone/>
+            </a:pPr>
             <a:endParaRPr lang="en-US" dirty="0"/>
-          </a:p>
-        </p:txBody>
-      </p:sp>
-      <p:sp>
-        <p:nvSpPr>
-          <p:cNvPr id="3" name="Content Placeholder 2"/>
-          <p:cNvSpPr>
-            <a:spLocks noGrp="1"/>
-          </p:cNvSpPr>
-          <p:nvPr>
-            <p:ph idx="1"/>
-          </p:nvPr>
-        </p:nvSpPr>
-        <p:spPr/>
-        <p:txBody>
-          <a:bodyPr/>
-          <a:lstStyle/>
-          <a:p>
-            <a:pPr marL="0" indent="0">
-              <a:buNone/>
-            </a:pPr>
-            <a:r>
-              <a:rPr lang="en-US" dirty="0" smtClean="0"/>
-              <a:t>Proposed two criteria for automatically choosing designs</a:t>
-            </a:r>
-          </a:p>
-          <a:p>
-            <a:pPr marL="0" indent="0">
-              <a:buNone/>
-            </a:pPr>
-            <a:r>
-              <a:rPr lang="en-US" dirty="0" smtClean="0"/>
-              <a:t>Expressiveness</a:t>
-            </a:r>
-          </a:p>
-          <a:p>
-            <a:pPr marL="457200" lvl="1" indent="0">
-              <a:buNone/>
-            </a:pPr>
-            <a:r>
-              <a:rPr lang="en-US" dirty="0" smtClean="0"/>
-              <a:t>all facts and only those facts are expressed in the graphical design</a:t>
-            </a:r>
-          </a:p>
-          <a:p>
-            <a:pPr marL="0" indent="0">
-              <a:buNone/>
-            </a:pPr>
-            <a:endParaRPr lang="en-US" dirty="0" smtClean="0"/>
           </a:p>
         </p:txBody>
       </p:sp>
@@ -7467,10 +7298,9 @@
           <a:lstStyle/>
           <a:p>
             <a:r>
-              <a:rPr lang="en-US" dirty="0" smtClean="0"/>
+              <a:rPr lang="en-US" dirty="0"/>
               <a:t>APT</a:t>
             </a:r>
-            <a:endParaRPr lang="en-US" dirty="0"/>
           </a:p>
         </p:txBody>
       </p:sp>
@@ -7493,7 +7323,7 @@
               <a:buNone/>
             </a:pPr>
             <a:r>
-              <a:rPr lang="en-US" dirty="0" smtClean="0"/>
+              <a:rPr lang="en-US" dirty="0"/>
               <a:t>Proposed two criteria for automatically choosing designs</a:t>
             </a:r>
           </a:p>
@@ -7502,7 +7332,7 @@
               <a:buNone/>
             </a:pPr>
             <a:r>
-              <a:rPr lang="en-US" dirty="0" smtClean="0"/>
+              <a:rPr lang="en-US" dirty="0"/>
               <a:t>Expressiveness</a:t>
             </a:r>
           </a:p>
@@ -7511,36 +7341,12 @@
               <a:buNone/>
             </a:pPr>
             <a:r>
-              <a:rPr lang="en-US" dirty="0" smtClean="0"/>
+              <a:rPr lang="en-US" dirty="0"/>
               <a:t>all facts and only those facts are expressed in the graphical design</a:t>
             </a:r>
           </a:p>
           <a:p>
             <a:pPr marL="0" indent="0">
-              <a:buNone/>
-            </a:pPr>
-            <a:endParaRPr lang="en-US" dirty="0" smtClean="0"/>
-          </a:p>
-          <a:p>
-            <a:pPr marL="0" indent="0">
-              <a:buNone/>
-            </a:pPr>
-            <a:r>
-              <a:rPr lang="en-US" dirty="0" smtClean="0"/>
-              <a:t>Effectiveness</a:t>
-            </a:r>
-          </a:p>
-          <a:p>
-            <a:pPr marL="457200" lvl="1" indent="0">
-              <a:buNone/>
-            </a:pPr>
-            <a:r>
-              <a:rPr lang="en-US" dirty="0" smtClean="0"/>
-              <a:t>user can easily and unambiguously decode the graphical image</a:t>
-            </a:r>
-          </a:p>
-          <a:p>
-            <a:pPr marL="457200" lvl="1" indent="0">
               <a:buNone/>
             </a:pPr>
             <a:endParaRPr lang="en-US" dirty="0"/>
@@ -7550,7 +7356,31 @@
               <a:buNone/>
             </a:pPr>
             <a:r>
-              <a:rPr lang="en-US" dirty="0" smtClean="0"/>
+              <a:rPr lang="en-US" dirty="0"/>
+              <a:t>Effectiveness</a:t>
+            </a:r>
+          </a:p>
+          <a:p>
+            <a:pPr marL="457200" lvl="1" indent="0">
+              <a:buNone/>
+            </a:pPr>
+            <a:r>
+              <a:rPr lang="en-US" dirty="0"/>
+              <a:t>user can easily and unambiguously decode the graphical image</a:t>
+            </a:r>
+          </a:p>
+          <a:p>
+            <a:pPr marL="457200" lvl="1" indent="0">
+              <a:buNone/>
+            </a:pPr>
+            <a:endParaRPr lang="en-US" dirty="0"/>
+          </a:p>
+          <a:p>
+            <a:pPr marL="0" indent="0">
+              <a:buNone/>
+            </a:pPr>
+            <a:r>
+              <a:rPr lang="en-US" dirty="0"/>
               <a:t>Want: most effective design that exactly expresses the data</a:t>
             </a:r>
           </a:p>
@@ -7566,13 +7396,6 @@
   <p:clrMapOvr>
     <a:masterClrMapping/>
   </p:clrMapOvr>
-  <p:timing>
-    <p:tnLst>
-      <p:par>
-        <p:cTn id="1" dur="indefinite" restart="never" nodeType="tmRoot"/>
-      </p:par>
-    </p:tnLst>
-  </p:timing>
 </p:sld>
 </file>
 
@@ -7609,10 +7432,9 @@
           <a:lstStyle/>
           <a:p>
             <a:r>
-              <a:rPr lang="en-US" dirty="0" smtClean="0"/>
+              <a:rPr lang="en-US" dirty="0"/>
               <a:t>APT</a:t>
             </a:r>
-            <a:endParaRPr lang="en-US" dirty="0"/>
           </a:p>
         </p:txBody>
       </p:sp>
@@ -7635,7 +7457,7 @@
               <a:buNone/>
             </a:pPr>
             <a:r>
-              <a:rPr lang="en-US" dirty="0" smtClean="0"/>
+              <a:rPr lang="en-US" dirty="0"/>
               <a:t>Logic program with hard constraints</a:t>
             </a:r>
           </a:p>
@@ -7644,7 +7466,7 @@
               <a:buNone/>
             </a:pPr>
             <a:r>
-              <a:rPr lang="en-US" dirty="0" smtClean="0"/>
+              <a:rPr lang="en-US" dirty="0"/>
               <a:t>Exhaustive search </a:t>
             </a:r>
           </a:p>
@@ -7698,16 +7520,12 @@
           <a:p>
             <a:pPr algn="l"/>
             <a:r>
-              <a:rPr lang="en-US" sz="4000" dirty="0" smtClean="0">
+              <a:rPr lang="en-US" sz="4000" dirty="0">
                 <a:latin typeface="Arial" panose="020B0604020202020204" pitchFamily="34" charset="0"/>
                 <a:cs typeface="Arial" panose="020B0604020202020204" pitchFamily="34" charset="0"/>
               </a:rPr>
               <a:t>Bar Chart Rule</a:t>
             </a:r>
-            <a:endParaRPr lang="en-US" sz="4000" dirty="0" smtClean="0">
-              <a:latin typeface="Arial" panose="020B0604020202020204" pitchFamily="34" charset="0"/>
-              <a:cs typeface="Arial" panose="020B0604020202020204" pitchFamily="34" charset="0"/>
-            </a:endParaRPr>
           </a:p>
         </p:txBody>
       </p:sp>
@@ -7721,13 +7539,6 @@
   <p:clrMapOvr>
     <a:masterClrMapping/>
   </p:clrMapOvr>
-  <p:timing>
-    <p:tnLst>
-      <p:par>
-        <p:cTn id="1" dur="indefinite" restart="never" nodeType="tmRoot"/>
-      </p:par>
-    </p:tnLst>
-  </p:timing>
 </p:sld>
 </file>
 
@@ -7764,10 +7575,9 @@
           <a:lstStyle/>
           <a:p>
             <a:r>
-              <a:rPr lang="en-US" dirty="0" smtClean="0"/>
+              <a:rPr lang="en-US" dirty="0"/>
               <a:t>Tableau</a:t>
             </a:r>
-            <a:endParaRPr lang="en-US" dirty="0"/>
           </a:p>
         </p:txBody>
       </p:sp>
@@ -7790,10 +7600,9 @@
               <a:buNone/>
             </a:pPr>
             <a:r>
-              <a:rPr lang="en-US" dirty="0" smtClean="0"/>
+              <a:rPr lang="en-US" dirty="0"/>
               <a:t>Rule-based Heuristics</a:t>
             </a:r>
-            <a:endParaRPr lang="en-US" dirty="0"/>
           </a:p>
         </p:txBody>
       </p:sp>
@@ -7813,32 +7622,8 @@
         </p:blipFill>
         <p:spPr>
           <a:xfrm>
-            <a:off x="5121317" y="1161304"/>
-            <a:ext cx="6364353" cy="2671915"/>
-          </a:xfrm>
-          <a:prstGeom prst="rect">
-            <a:avLst/>
-          </a:prstGeom>
-        </p:spPr>
-      </p:pic>
-      <p:pic>
-        <p:nvPicPr>
-          <p:cNvPr id="5" name="Picture 4"/>
-          <p:cNvPicPr>
-            <a:picLocks noChangeAspect="1"/>
-          </p:cNvPicPr>
-          <p:nvPr/>
-        </p:nvPicPr>
-        <p:blipFill>
-          <a:blip r:embed="rId3"/>
-          <a:stretch>
-            <a:fillRect/>
-          </a:stretch>
-        </p:blipFill>
-        <p:spPr>
-          <a:xfrm>
-            <a:off x="4086115" y="4001294"/>
-            <a:ext cx="8105885" cy="2724385"/>
+            <a:off x="1971717" y="2756424"/>
+            <a:ext cx="7690443" cy="3228641"/>
           </a:xfrm>
           <a:prstGeom prst="rect">
             <a:avLst/>
@@ -7855,13 +7640,6 @@
   <p:clrMapOvr>
     <a:masterClrMapping/>
   </p:clrMapOvr>
-  <p:timing>
-    <p:tnLst>
-      <p:par>
-        <p:cTn id="1" dur="indefinite" restart="never" nodeType="tmRoot"/>
-      </p:par>
-    </p:tnLst>
-  </p:timing>
 </p:sld>
 </file>
 

--- a/2020s_w6998/lecs/04_rec.pptx
+++ b/2020s_w6998/lecs/04_rec.pptx
@@ -6,32 +6,34 @@
   </p:sldMasterIdLst>
   <p:sldIdLst>
     <p:sldId id="256" r:id="rId2"/>
-    <p:sldId id="272" r:id="rId3"/>
-    <p:sldId id="265" r:id="rId4"/>
-    <p:sldId id="278" r:id="rId5"/>
-    <p:sldId id="274" r:id="rId6"/>
-    <p:sldId id="275" r:id="rId7"/>
-    <p:sldId id="277" r:id="rId8"/>
-    <p:sldId id="279" r:id="rId9"/>
-    <p:sldId id="273" r:id="rId10"/>
-    <p:sldId id="276" r:id="rId11"/>
-    <p:sldId id="280" r:id="rId12"/>
-    <p:sldId id="281" r:id="rId13"/>
-    <p:sldId id="267" r:id="rId14"/>
-    <p:sldId id="268" r:id="rId15"/>
-    <p:sldId id="283" r:id="rId16"/>
-    <p:sldId id="282" r:id="rId17"/>
-    <p:sldId id="269" r:id="rId18"/>
-    <p:sldId id="270" r:id="rId19"/>
-    <p:sldId id="284" r:id="rId20"/>
-    <p:sldId id="257" r:id="rId21"/>
-    <p:sldId id="263" r:id="rId22"/>
-    <p:sldId id="262" r:id="rId23"/>
-    <p:sldId id="285" r:id="rId24"/>
-    <p:sldId id="258" r:id="rId25"/>
-    <p:sldId id="259" r:id="rId26"/>
-    <p:sldId id="260" r:id="rId27"/>
-    <p:sldId id="261" r:id="rId28"/>
+    <p:sldId id="286" r:id="rId3"/>
+    <p:sldId id="287" r:id="rId4"/>
+    <p:sldId id="272" r:id="rId5"/>
+    <p:sldId id="265" r:id="rId6"/>
+    <p:sldId id="278" r:id="rId7"/>
+    <p:sldId id="274" r:id="rId8"/>
+    <p:sldId id="275" r:id="rId9"/>
+    <p:sldId id="277" r:id="rId10"/>
+    <p:sldId id="279" r:id="rId11"/>
+    <p:sldId id="273" r:id="rId12"/>
+    <p:sldId id="276" r:id="rId13"/>
+    <p:sldId id="280" r:id="rId14"/>
+    <p:sldId id="281" r:id="rId15"/>
+    <p:sldId id="267" r:id="rId16"/>
+    <p:sldId id="268" r:id="rId17"/>
+    <p:sldId id="283" r:id="rId18"/>
+    <p:sldId id="282" r:id="rId19"/>
+    <p:sldId id="269" r:id="rId20"/>
+    <p:sldId id="270" r:id="rId21"/>
+    <p:sldId id="284" r:id="rId22"/>
+    <p:sldId id="257" r:id="rId23"/>
+    <p:sldId id="263" r:id="rId24"/>
+    <p:sldId id="262" r:id="rId25"/>
+    <p:sldId id="285" r:id="rId26"/>
+    <p:sldId id="258" r:id="rId27"/>
+    <p:sldId id="259" r:id="rId28"/>
+    <p:sldId id="260" r:id="rId29"/>
+    <p:sldId id="261" r:id="rId30"/>
   </p:sldIdLst>
   <p:sldSz cx="12192000" cy="6858000"/>
   <p:notesSz cx="6858000" cy="9144000"/>
@@ -3469,6 +3471,250 @@
           <a:lstStyle/>
           <a:p>
             <a:r>
+              <a:rPr lang="en-US" dirty="0"/>
+              <a:t>APT</a:t>
+            </a:r>
+          </a:p>
+        </p:txBody>
+      </p:sp>
+      <p:sp>
+        <p:nvSpPr>
+          <p:cNvPr id="3" name="Content Placeholder 2"/>
+          <p:cNvSpPr>
+            <a:spLocks noGrp="1"/>
+          </p:cNvSpPr>
+          <p:nvPr>
+            <p:ph idx="1"/>
+          </p:nvPr>
+        </p:nvSpPr>
+        <p:spPr/>
+        <p:txBody>
+          <a:bodyPr/>
+          <a:lstStyle/>
+          <a:p>
+            <a:pPr marL="0" indent="0">
+              <a:buNone/>
+            </a:pPr>
+            <a:r>
+              <a:rPr lang="en-US" dirty="0"/>
+              <a:t>Logic program with hard constraints</a:t>
+            </a:r>
+          </a:p>
+          <a:p>
+            <a:pPr marL="0" indent="0">
+              <a:buNone/>
+            </a:pPr>
+            <a:r>
+              <a:rPr lang="en-US" dirty="0"/>
+              <a:t>Exhaustive search </a:t>
+            </a:r>
+          </a:p>
+        </p:txBody>
+      </p:sp>
+      <p:pic>
+        <p:nvPicPr>
+          <p:cNvPr id="4" name="Picture 3"/>
+          <p:cNvPicPr>
+            <a:picLocks noChangeAspect="1"/>
+          </p:cNvPicPr>
+          <p:nvPr/>
+        </p:nvPicPr>
+        <p:blipFill>
+          <a:blip r:embed="rId2"/>
+          <a:stretch>
+            <a:fillRect/>
+          </a:stretch>
+        </p:blipFill>
+        <p:spPr>
+          <a:xfrm>
+            <a:off x="762000" y="4254500"/>
+            <a:ext cx="10668000" cy="2603500"/>
+          </a:xfrm>
+          <a:prstGeom prst="rect">
+            <a:avLst/>
+          </a:prstGeom>
+        </p:spPr>
+      </p:pic>
+      <p:sp>
+        <p:nvSpPr>
+          <p:cNvPr id="5" name="TextBox 4"/>
+          <p:cNvSpPr txBox="1"/>
+          <p:nvPr/>
+        </p:nvSpPr>
+        <p:spPr>
+          <a:xfrm>
+            <a:off x="4306888" y="3386667"/>
+            <a:ext cx="3578224" cy="707886"/>
+          </a:xfrm>
+          <a:prstGeom prst="rect">
+            <a:avLst/>
+          </a:prstGeom>
+          <a:noFill/>
+        </p:spPr>
+        <p:txBody>
+          <a:bodyPr wrap="none" rtlCol="0">
+            <a:spAutoFit/>
+          </a:bodyPr>
+          <a:lstStyle/>
+          <a:p>
+            <a:pPr algn="l"/>
+            <a:r>
+              <a:rPr lang="en-US" sz="4000" dirty="0">
+                <a:latin typeface="Arial" panose="020B0604020202020204" pitchFamily="34" charset="0"/>
+                <a:cs typeface="Arial" panose="020B0604020202020204" pitchFamily="34" charset="0"/>
+              </a:rPr>
+              <a:t>Bar Chart Rule</a:t>
+            </a:r>
+          </a:p>
+        </p:txBody>
+      </p:sp>
+    </p:spTree>
+    <p:extLst>
+      <p:ext uri="{BB962C8B-B14F-4D97-AF65-F5344CB8AC3E}">
+        <p14:creationId xmlns:p14="http://schemas.microsoft.com/office/powerpoint/2010/main" val="37708780"/>
+      </p:ext>
+    </p:extLst>
+  </p:cSld>
+  <p:clrMapOvr>
+    <a:masterClrMapping/>
+  </p:clrMapOvr>
+</p:sld>
+</file>
+
+<file path=ppt/slides/slide11.xml><?xml version="1.0" encoding="utf-8"?>
+<p:sld xmlns:a="http://schemas.openxmlformats.org/drawingml/2006/main" xmlns:r="http://schemas.openxmlformats.org/officeDocument/2006/relationships" xmlns:p="http://schemas.openxmlformats.org/presentationml/2006/main">
+  <p:cSld>
+    <p:spTree>
+      <p:nvGrpSpPr>
+        <p:cNvPr id="1" name=""/>
+        <p:cNvGrpSpPr/>
+        <p:nvPr/>
+      </p:nvGrpSpPr>
+      <p:grpSpPr>
+        <a:xfrm>
+          <a:off x="0" y="0"/>
+          <a:ext cx="0" cy="0"/>
+          <a:chOff x="0" y="0"/>
+          <a:chExt cx="0" cy="0"/>
+        </a:xfrm>
+      </p:grpSpPr>
+      <p:sp>
+        <p:nvSpPr>
+          <p:cNvPr id="2" name="Title 1"/>
+          <p:cNvSpPr>
+            <a:spLocks noGrp="1"/>
+          </p:cNvSpPr>
+          <p:nvPr>
+            <p:ph type="title"/>
+          </p:nvPr>
+        </p:nvSpPr>
+        <p:spPr/>
+        <p:txBody>
+          <a:bodyPr/>
+          <a:lstStyle/>
+          <a:p>
+            <a:r>
+              <a:rPr lang="en-US" dirty="0"/>
+              <a:t>Tableau</a:t>
+            </a:r>
+          </a:p>
+        </p:txBody>
+      </p:sp>
+      <p:sp>
+        <p:nvSpPr>
+          <p:cNvPr id="3" name="Content Placeholder 2"/>
+          <p:cNvSpPr>
+            <a:spLocks noGrp="1"/>
+          </p:cNvSpPr>
+          <p:nvPr>
+            <p:ph idx="1"/>
+          </p:nvPr>
+        </p:nvSpPr>
+        <p:spPr/>
+        <p:txBody>
+          <a:bodyPr/>
+          <a:lstStyle/>
+          <a:p>
+            <a:pPr marL="0" indent="0">
+              <a:buNone/>
+            </a:pPr>
+            <a:r>
+              <a:rPr lang="en-US" dirty="0"/>
+              <a:t>Rule-based Heuristics</a:t>
+            </a:r>
+          </a:p>
+        </p:txBody>
+      </p:sp>
+      <p:pic>
+        <p:nvPicPr>
+          <p:cNvPr id="4" name="Picture 3"/>
+          <p:cNvPicPr>
+            <a:picLocks noChangeAspect="1"/>
+          </p:cNvPicPr>
+          <p:nvPr/>
+        </p:nvPicPr>
+        <p:blipFill>
+          <a:blip r:embed="rId2"/>
+          <a:stretch>
+            <a:fillRect/>
+          </a:stretch>
+        </p:blipFill>
+        <p:spPr>
+          <a:xfrm>
+            <a:off x="1971717" y="2756424"/>
+            <a:ext cx="7690443" cy="3228641"/>
+          </a:xfrm>
+          <a:prstGeom prst="rect">
+            <a:avLst/>
+          </a:prstGeom>
+        </p:spPr>
+      </p:pic>
+    </p:spTree>
+    <p:extLst>
+      <p:ext uri="{BB962C8B-B14F-4D97-AF65-F5344CB8AC3E}">
+        <p14:creationId xmlns:p14="http://schemas.microsoft.com/office/powerpoint/2010/main" val="1232736436"/>
+      </p:ext>
+    </p:extLst>
+  </p:cSld>
+  <p:clrMapOvr>
+    <a:masterClrMapping/>
+  </p:clrMapOvr>
+</p:sld>
+</file>
+
+<file path=ppt/slides/slide12.xml><?xml version="1.0" encoding="utf-8"?>
+<p:sld xmlns:a="http://schemas.openxmlformats.org/drawingml/2006/main" xmlns:r="http://schemas.openxmlformats.org/officeDocument/2006/relationships" xmlns:p="http://schemas.openxmlformats.org/presentationml/2006/main">
+  <p:cSld>
+    <p:spTree>
+      <p:nvGrpSpPr>
+        <p:cNvPr id="1" name=""/>
+        <p:cNvGrpSpPr/>
+        <p:nvPr/>
+      </p:nvGrpSpPr>
+      <p:grpSpPr>
+        <a:xfrm>
+          <a:off x="0" y="0"/>
+          <a:ext cx="0" cy="0"/>
+          <a:chOff x="0" y="0"/>
+          <a:chExt cx="0" cy="0"/>
+        </a:xfrm>
+      </p:grpSpPr>
+      <p:sp>
+        <p:nvSpPr>
+          <p:cNvPr id="2" name="Title 1"/>
+          <p:cNvSpPr>
+            <a:spLocks noGrp="1"/>
+          </p:cNvSpPr>
+          <p:nvPr>
+            <p:ph type="title"/>
+          </p:nvPr>
+        </p:nvSpPr>
+        <p:spPr/>
+        <p:txBody>
+          <a:bodyPr/>
+          <a:lstStyle/>
+          <a:p>
+            <a:r>
               <a:rPr lang="en-US" dirty="0" err="1"/>
               <a:t>ShowMe</a:t>
             </a:r>
@@ -3538,7 +3784,7 @@
 </p:sld>
 </file>
 
-<file path=ppt/slides/slide11.xml><?xml version="1.0" encoding="utf-8"?>
+<file path=ppt/slides/slide13.xml><?xml version="1.0" encoding="utf-8"?>
 <p:sld xmlns:a="http://schemas.openxmlformats.org/drawingml/2006/main" xmlns:r="http://schemas.openxmlformats.org/officeDocument/2006/relationships" xmlns:p="http://schemas.openxmlformats.org/presentationml/2006/main">
   <p:cSld>
     <p:spTree>
@@ -3612,7 +3858,7 @@
 </p:sld>
 </file>
 
-<file path=ppt/slides/slide12.xml><?xml version="1.0" encoding="utf-8"?>
+<file path=ppt/slides/slide14.xml><?xml version="1.0" encoding="utf-8"?>
 <p:sld xmlns:a="http://schemas.openxmlformats.org/drawingml/2006/main" xmlns:r="http://schemas.openxmlformats.org/officeDocument/2006/relationships" xmlns:p="http://schemas.openxmlformats.org/presentationml/2006/main">
   <p:cSld>
     <p:spTree>
@@ -3811,7 +4057,7 @@
 </p:sld>
 </file>
 
-<file path=ppt/slides/slide13.xml><?xml version="1.0" encoding="utf-8"?>
+<file path=ppt/slides/slide15.xml><?xml version="1.0" encoding="utf-8"?>
 <p:sld xmlns:a="http://schemas.openxmlformats.org/drawingml/2006/main" xmlns:r="http://schemas.openxmlformats.org/officeDocument/2006/relationships" xmlns:p="http://schemas.openxmlformats.org/presentationml/2006/main">
   <p:cSld>
     <p:spTree>
@@ -3951,7 +4197,7 @@
 </p:sld>
 </file>
 
-<file path=ppt/slides/slide14.xml><?xml version="1.0" encoding="utf-8"?>
+<file path=ppt/slides/slide16.xml><?xml version="1.0" encoding="utf-8"?>
 <p:sld xmlns:a="http://schemas.openxmlformats.org/drawingml/2006/main" xmlns:r="http://schemas.openxmlformats.org/officeDocument/2006/relationships" xmlns:p="http://schemas.openxmlformats.org/presentationml/2006/main">
   <p:cSld>
     <p:spTree>
@@ -4329,7 +4575,7 @@
 </p:sld>
 </file>
 
-<file path=ppt/slides/slide15.xml><?xml version="1.0" encoding="utf-8"?>
+<file path=ppt/slides/slide17.xml><?xml version="1.0" encoding="utf-8"?>
 <p:sld xmlns:a="http://schemas.openxmlformats.org/drawingml/2006/main" xmlns:r="http://schemas.openxmlformats.org/officeDocument/2006/relationships" xmlns:p="http://schemas.openxmlformats.org/presentationml/2006/main">
   <p:cSld>
     <p:spTree>
@@ -4635,7 +4881,7 @@
 </p:sld>
 </file>
 
-<file path=ppt/slides/slide16.xml><?xml version="1.0" encoding="utf-8"?>
+<file path=ppt/slides/slide18.xml><?xml version="1.0" encoding="utf-8"?>
 <p:sld xmlns:a="http://schemas.openxmlformats.org/drawingml/2006/main" xmlns:r="http://schemas.openxmlformats.org/officeDocument/2006/relationships" xmlns:p="http://schemas.openxmlformats.org/presentationml/2006/main">
   <p:cSld>
     <p:spTree>
@@ -4880,7 +5126,7 @@
 </p:sld>
 </file>
 
-<file path=ppt/slides/slide17.xml><?xml version="1.0" encoding="utf-8"?>
+<file path=ppt/slides/slide19.xml><?xml version="1.0" encoding="utf-8"?>
 <p:sld xmlns:a="http://schemas.openxmlformats.org/drawingml/2006/main" xmlns:r="http://schemas.openxmlformats.org/officeDocument/2006/relationships" xmlns:p="http://schemas.openxmlformats.org/presentationml/2006/main">
   <p:cSld>
     <p:spTree>
@@ -5191,7 +5437,141 @@
 </p:sld>
 </file>
 
-<file path=ppt/slides/slide18.xml><?xml version="1.0" encoding="utf-8"?>
+<file path=ppt/slides/slide2.xml><?xml version="1.0" encoding="utf-8"?>
+<p:sld xmlns:a="http://schemas.openxmlformats.org/drawingml/2006/main" xmlns:r="http://schemas.openxmlformats.org/officeDocument/2006/relationships" xmlns:p="http://schemas.openxmlformats.org/presentationml/2006/main">
+  <p:cSld>
+    <p:spTree>
+      <p:nvGrpSpPr>
+        <p:cNvPr id="1" name=""/>
+        <p:cNvGrpSpPr/>
+        <p:nvPr/>
+      </p:nvGrpSpPr>
+      <p:grpSpPr>
+        <a:xfrm>
+          <a:off x="0" y="0"/>
+          <a:ext cx="0" cy="0"/>
+          <a:chOff x="0" y="0"/>
+          <a:chExt cx="0" cy="0"/>
+        </a:xfrm>
+      </p:grpSpPr>
+      <p:sp>
+        <p:nvSpPr>
+          <p:cNvPr id="2" name="Title 1">
+            <a:extLst>
+              <a:ext uri="{FF2B5EF4-FFF2-40B4-BE49-F238E27FC236}">
+                <a16:creationId xmlns:a16="http://schemas.microsoft.com/office/drawing/2014/main" id="{361B9865-7DB8-EE4A-969C-D47DAEC538BD}"/>
+              </a:ext>
+            </a:extLst>
+          </p:cNvPr>
+          <p:cNvSpPr>
+            <a:spLocks noGrp="1"/>
+          </p:cNvSpPr>
+          <p:nvPr>
+            <p:ph type="title"/>
+          </p:nvPr>
+        </p:nvSpPr>
+        <p:spPr/>
+        <p:txBody>
+          <a:bodyPr/>
+          <a:lstStyle/>
+          <a:p>
+            <a:r>
+              <a:rPr lang="en-US" dirty="0"/>
+              <a:t>Administrivia</a:t>
+            </a:r>
+          </a:p>
+        </p:txBody>
+      </p:sp>
+      <p:sp>
+        <p:nvSpPr>
+          <p:cNvPr id="3" name="Content Placeholder 2">
+            <a:extLst>
+              <a:ext uri="{FF2B5EF4-FFF2-40B4-BE49-F238E27FC236}">
+                <a16:creationId xmlns:a16="http://schemas.microsoft.com/office/drawing/2014/main" id="{4FDDD13A-E1DC-A54F-9DCF-E8013CBABE16}"/>
+              </a:ext>
+            </a:extLst>
+          </p:cNvPr>
+          <p:cNvSpPr>
+            <a:spLocks noGrp="1"/>
+          </p:cNvSpPr>
+          <p:nvPr>
+            <p:ph idx="1"/>
+          </p:nvPr>
+        </p:nvSpPr>
+        <p:spPr/>
+        <p:txBody>
+          <a:bodyPr/>
+          <a:lstStyle/>
+          <a:p>
+            <a:pPr marL="0" indent="0">
+              <a:buNone/>
+            </a:pPr>
+            <a:r>
+              <a:rPr lang="en-US" dirty="0" err="1"/>
+              <a:t>Adds+Drops</a:t>
+            </a:r>
+            <a:r>
+              <a:rPr lang="en-US" dirty="0"/>
+              <a:t>: need to readjust presentation/scribe schedule a bit</a:t>
+            </a:r>
+          </a:p>
+          <a:p>
+            <a:r>
+              <a:rPr lang="en-US" dirty="0"/>
+              <a:t>Let me know if you are NOT ok with being moved </a:t>
+            </a:r>
+          </a:p>
+          <a:p>
+            <a:pPr marL="0" indent="0">
+              <a:buNone/>
+            </a:pPr>
+            <a:endParaRPr lang="en-US" dirty="0"/>
+          </a:p>
+          <a:p>
+            <a:pPr marL="0" indent="0">
+              <a:buNone/>
+            </a:pPr>
+            <a:r>
+              <a:rPr lang="en-US" dirty="0"/>
+              <a:t>Presentations: send slides to </a:t>
+            </a:r>
+            <a:r>
+              <a:rPr lang="en-US" dirty="0" err="1"/>
+              <a:t>yiru</a:t>
+            </a:r>
+            <a:r>
+              <a:rPr lang="en-US" dirty="0"/>
+              <a:t> </a:t>
+            </a:r>
+          </a:p>
+          <a:p>
+            <a:pPr marL="0" indent="0">
+              <a:buNone/>
+            </a:pPr>
+            <a:endParaRPr lang="en-US" dirty="0"/>
+          </a:p>
+          <a:p>
+            <a:pPr marL="0" indent="0">
+              <a:buNone/>
+            </a:pPr>
+            <a:endParaRPr lang="en-US" dirty="0"/>
+          </a:p>
+        </p:txBody>
+      </p:sp>
+    </p:spTree>
+    <p:extLst>
+      <p:ext uri="{BB962C8B-B14F-4D97-AF65-F5344CB8AC3E}">
+        <p14:creationId xmlns:p14="http://schemas.microsoft.com/office/powerpoint/2010/main" val="3803463876"/>
+      </p:ext>
+    </p:extLst>
+  </p:cSld>
+  <p:clrMapOvr>
+    <a:masterClrMapping/>
+  </p:clrMapOvr>
+</p:sld>
+</file>
+
+<file path=ppt/slides/slide20.xml><?xml version="1.0" encoding="utf-8"?>
 <p:sld xmlns:a="http://schemas.openxmlformats.org/drawingml/2006/main" xmlns:r="http://schemas.openxmlformats.org/officeDocument/2006/relationships" xmlns:p="http://schemas.openxmlformats.org/presentationml/2006/main">
   <p:cSld>
     <p:spTree>
@@ -5336,7 +5716,7 @@
 </p:sld>
 </file>
 
-<file path=ppt/slides/slide19.xml><?xml version="1.0" encoding="utf-8"?>
+<file path=ppt/slides/slide21.xml><?xml version="1.0" encoding="utf-8"?>
 <p:sld xmlns:a="http://schemas.openxmlformats.org/drawingml/2006/main" xmlns:r="http://schemas.openxmlformats.org/officeDocument/2006/relationships" xmlns:p="http://schemas.openxmlformats.org/presentationml/2006/main">
   <p:cSld>
     <p:spTree>
@@ -5407,78 +5787,7 @@
 </p:sld>
 </file>
 
-<file path=ppt/slides/slide2.xml><?xml version="1.0" encoding="utf-8"?>
-<p:sld xmlns:a="http://schemas.openxmlformats.org/drawingml/2006/main" xmlns:r="http://schemas.openxmlformats.org/officeDocument/2006/relationships" xmlns:p="http://schemas.openxmlformats.org/presentationml/2006/main">
-  <p:cSld>
-    <p:spTree>
-      <p:nvGrpSpPr>
-        <p:cNvPr id="1" name=""/>
-        <p:cNvGrpSpPr/>
-        <p:nvPr/>
-      </p:nvGrpSpPr>
-      <p:grpSpPr>
-        <a:xfrm>
-          <a:off x="0" y="0"/>
-          <a:ext cx="0" cy="0"/>
-          <a:chOff x="0" y="0"/>
-          <a:chExt cx="0" cy="0"/>
-        </a:xfrm>
-      </p:grpSpPr>
-      <p:sp>
-        <p:nvSpPr>
-          <p:cNvPr id="6" name="Title 5"/>
-          <p:cNvSpPr>
-            <a:spLocks noGrp="1"/>
-          </p:cNvSpPr>
-          <p:nvPr>
-            <p:ph type="ctrTitle"/>
-          </p:nvPr>
-        </p:nvSpPr>
-        <p:spPr/>
-        <p:txBody>
-          <a:bodyPr/>
-          <a:lstStyle/>
-          <a:p>
-            <a:r>
-              <a:rPr lang="en-US" dirty="0"/>
-              <a:t>Draco</a:t>
-            </a:r>
-          </a:p>
-        </p:txBody>
-      </p:sp>
-      <p:sp>
-        <p:nvSpPr>
-          <p:cNvPr id="7" name="Subtitle 6"/>
-          <p:cNvSpPr>
-            <a:spLocks noGrp="1"/>
-          </p:cNvSpPr>
-          <p:nvPr>
-            <p:ph type="subTitle" idx="1"/>
-          </p:nvPr>
-        </p:nvSpPr>
-        <p:spPr/>
-        <p:txBody>
-          <a:bodyPr/>
-          <a:lstStyle/>
-          <a:p>
-            <a:endParaRPr lang="en-US"/>
-          </a:p>
-        </p:txBody>
-      </p:sp>
-    </p:spTree>
-    <p:extLst>
-      <p:ext uri="{BB962C8B-B14F-4D97-AF65-F5344CB8AC3E}">
-        <p14:creationId xmlns:p14="http://schemas.microsoft.com/office/powerpoint/2010/main" val="810387323"/>
-      </p:ext>
-    </p:extLst>
-  </p:cSld>
-  <p:clrMapOvr>
-    <a:masterClrMapping/>
-  </p:clrMapOvr>
-</p:sld>
-</file>
-
-<file path=ppt/slides/slide20.xml><?xml version="1.0" encoding="utf-8"?>
+<file path=ppt/slides/slide22.xml><?xml version="1.0" encoding="utf-8"?>
 <p:sld xmlns:a="http://schemas.openxmlformats.org/drawingml/2006/main" xmlns:r="http://schemas.openxmlformats.org/officeDocument/2006/relationships" xmlns:p="http://schemas.openxmlformats.org/presentationml/2006/main">
   <p:cSld>
     <p:spTree>
@@ -5658,7 +5967,7 @@
 </p:sld>
 </file>
 
-<file path=ppt/slides/slide21.xml><?xml version="1.0" encoding="utf-8"?>
+<file path=ppt/slides/slide23.xml><?xml version="1.0" encoding="utf-8"?>
 <p:sld xmlns:a="http://schemas.openxmlformats.org/drawingml/2006/main" xmlns:r="http://schemas.openxmlformats.org/officeDocument/2006/relationships" xmlns:p="http://schemas.openxmlformats.org/presentationml/2006/main">
   <p:cSld>
     <p:spTree>
@@ -6029,160 +6338,6 @@
 </p:sld>
 </file>
 
-<file path=ppt/slides/slide22.xml><?xml version="1.0" encoding="utf-8"?>
-<p:sld xmlns:a="http://schemas.openxmlformats.org/drawingml/2006/main" xmlns:r="http://schemas.openxmlformats.org/officeDocument/2006/relationships" xmlns:p="http://schemas.openxmlformats.org/presentationml/2006/main">
-  <p:cSld>
-    <p:spTree>
-      <p:nvGrpSpPr>
-        <p:cNvPr id="1" name=""/>
-        <p:cNvGrpSpPr/>
-        <p:nvPr/>
-      </p:nvGrpSpPr>
-      <p:grpSpPr>
-        <a:xfrm>
-          <a:off x="0" y="0"/>
-          <a:ext cx="0" cy="0"/>
-          <a:chOff x="0" y="0"/>
-          <a:chExt cx="0" cy="0"/>
-        </a:xfrm>
-      </p:grpSpPr>
-      <p:sp>
-        <p:nvSpPr>
-          <p:cNvPr id="2" name="Title 1">
-            <a:extLst>
-              <a:ext uri="{FF2B5EF4-FFF2-40B4-BE49-F238E27FC236}">
-                <a16:creationId xmlns:a16="http://schemas.microsoft.com/office/drawing/2014/main" id="{E17ADD7D-E662-B249-954C-DC41B0DF4D2E}"/>
-              </a:ext>
-            </a:extLst>
-          </p:cNvPr>
-          <p:cNvSpPr>
-            <a:spLocks noGrp="1"/>
-          </p:cNvSpPr>
-          <p:nvPr>
-            <p:ph type="title"/>
-          </p:nvPr>
-        </p:nvSpPr>
-        <p:spPr/>
-        <p:txBody>
-          <a:bodyPr/>
-          <a:lstStyle/>
-          <a:p>
-            <a:r>
-              <a:rPr lang="en-US" dirty="0"/>
-              <a:t>Draco</a:t>
-            </a:r>
-          </a:p>
-        </p:txBody>
-      </p:sp>
-      <p:sp>
-        <p:nvSpPr>
-          <p:cNvPr id="3" name="Content Placeholder 2">
-            <a:extLst>
-              <a:ext uri="{FF2B5EF4-FFF2-40B4-BE49-F238E27FC236}">
-                <a16:creationId xmlns:a16="http://schemas.microsoft.com/office/drawing/2014/main" id="{FFBCCCDB-070C-DC4C-9A0A-05BE0F66749F}"/>
-              </a:ext>
-            </a:extLst>
-          </p:cNvPr>
-          <p:cNvSpPr>
-            <a:spLocks noGrp="1"/>
-          </p:cNvSpPr>
-          <p:nvPr>
-            <p:ph idx="1"/>
-          </p:nvPr>
-        </p:nvSpPr>
-        <p:spPr/>
-        <p:txBody>
-          <a:bodyPr/>
-          <a:lstStyle/>
-          <a:p>
-            <a:endParaRPr lang="en-US" dirty="0"/>
-          </a:p>
-        </p:txBody>
-      </p:sp>
-    </p:spTree>
-    <p:extLst>
-      <p:ext uri="{BB962C8B-B14F-4D97-AF65-F5344CB8AC3E}">
-        <p14:creationId xmlns:p14="http://schemas.microsoft.com/office/powerpoint/2010/main" val="1085386911"/>
-      </p:ext>
-    </p:extLst>
-  </p:cSld>
-  <p:clrMapOvr>
-    <a:masterClrMapping/>
-  </p:clrMapOvr>
-</p:sld>
-</file>
-
-<file path=ppt/slides/slide23.xml><?xml version="1.0" encoding="utf-8"?>
-<p:sld xmlns:a="http://schemas.openxmlformats.org/drawingml/2006/main" xmlns:r="http://schemas.openxmlformats.org/officeDocument/2006/relationships" xmlns:p="http://schemas.openxmlformats.org/presentationml/2006/main">
-  <p:cSld>
-    <p:spTree>
-      <p:nvGrpSpPr>
-        <p:cNvPr id="1" name=""/>
-        <p:cNvGrpSpPr/>
-        <p:nvPr/>
-      </p:nvGrpSpPr>
-      <p:grpSpPr>
-        <a:xfrm>
-          <a:off x="0" y="0"/>
-          <a:ext cx="0" cy="0"/>
-          <a:chOff x="0" y="0"/>
-          <a:chExt cx="0" cy="0"/>
-        </a:xfrm>
-      </p:grpSpPr>
-      <p:sp>
-        <p:nvSpPr>
-          <p:cNvPr id="2" name="Title 1"/>
-          <p:cNvSpPr>
-            <a:spLocks noGrp="1"/>
-          </p:cNvSpPr>
-          <p:nvPr>
-            <p:ph type="title"/>
-          </p:nvPr>
-        </p:nvSpPr>
-        <p:spPr/>
-        <p:txBody>
-          <a:bodyPr/>
-          <a:lstStyle/>
-          <a:p>
-            <a:r>
-              <a:rPr lang="en-US" dirty="0"/>
-              <a:t>Voyager Discussion</a:t>
-            </a:r>
-          </a:p>
-        </p:txBody>
-      </p:sp>
-      <p:sp>
-        <p:nvSpPr>
-          <p:cNvPr id="3" name="Content Placeholder 2"/>
-          <p:cNvSpPr>
-            <a:spLocks noGrp="1"/>
-          </p:cNvSpPr>
-          <p:nvPr>
-            <p:ph idx="1"/>
-          </p:nvPr>
-        </p:nvSpPr>
-        <p:spPr/>
-        <p:txBody>
-          <a:bodyPr/>
-          <a:lstStyle/>
-          <a:p>
-            <a:endParaRPr lang="en-US"/>
-          </a:p>
-        </p:txBody>
-      </p:sp>
-    </p:spTree>
-    <p:extLst>
-      <p:ext uri="{BB962C8B-B14F-4D97-AF65-F5344CB8AC3E}">
-        <p14:creationId xmlns:p14="http://schemas.microsoft.com/office/powerpoint/2010/main" val="2085227110"/>
-      </p:ext>
-    </p:extLst>
-  </p:cSld>
-  <p:clrMapOvr>
-    <a:masterClrMapping/>
-  </p:clrMapOvr>
-</p:sld>
-</file>
-
 <file path=ppt/slides/slide24.xml><?xml version="1.0" encoding="utf-8"?>
 <p:sld xmlns:a="http://schemas.openxmlformats.org/drawingml/2006/main" xmlns:r="http://schemas.openxmlformats.org/officeDocument/2006/relationships" xmlns:p="http://schemas.openxmlformats.org/presentationml/2006/main">
   <p:cSld>
@@ -6205,7 +6360,7 @@
           <p:cNvPr id="2" name="Title 1">
             <a:extLst>
               <a:ext uri="{FF2B5EF4-FFF2-40B4-BE49-F238E27FC236}">
-                <a16:creationId xmlns:a16="http://schemas.microsoft.com/office/drawing/2014/main" id="{8FF8890C-0FBB-9642-A68C-772823208760}"/>
+                <a16:creationId xmlns:a16="http://schemas.microsoft.com/office/drawing/2014/main" id="{E17ADD7D-E662-B249-954C-DC41B0DF4D2E}"/>
               </a:ext>
             </a:extLst>
           </p:cNvPr>
@@ -6223,7 +6378,7 @@
           <a:p>
             <a:r>
               <a:rPr lang="en-US" dirty="0"/>
-              <a:t>Voyager</a:t>
+              <a:t>Draco</a:t>
             </a:r>
           </a:p>
         </p:txBody>
@@ -6233,7 +6388,7 @@
           <p:cNvPr id="3" name="Content Placeholder 2">
             <a:extLst>
               <a:ext uri="{FF2B5EF4-FFF2-40B4-BE49-F238E27FC236}">
-                <a16:creationId xmlns:a16="http://schemas.microsoft.com/office/drawing/2014/main" id="{CF5D6996-D565-A348-8D29-618E51CF895C}"/>
+                <a16:creationId xmlns:a16="http://schemas.microsoft.com/office/drawing/2014/main" id="{FFBCCCDB-070C-DC4C-9A0A-05BE0F66749F}"/>
               </a:ext>
             </a:extLst>
           </p:cNvPr>
@@ -6249,16 +6404,6 @@
           <a:bodyPr/>
           <a:lstStyle/>
           <a:p>
-            <a:r>
-              <a:rPr lang="en-US" dirty="0"/>
-              <a:t>Was the evaluation “fair”?  What would you have done?</a:t>
-            </a:r>
-          </a:p>
-          <a:p>
-            <a:endParaRPr lang="en-US" dirty="0"/>
-          </a:p>
-          <a:p>
-            <a:pPr lvl="1" algn="r"/>
             <a:endParaRPr lang="en-US" dirty="0"/>
           </a:p>
         </p:txBody>
@@ -6266,7 +6411,7 @@
     </p:spTree>
     <p:extLst>
       <p:ext uri="{BB962C8B-B14F-4D97-AF65-F5344CB8AC3E}">
-        <p14:creationId xmlns:p14="http://schemas.microsoft.com/office/powerpoint/2010/main" val="3677453772"/>
+        <p14:creationId xmlns:p14="http://schemas.microsoft.com/office/powerpoint/2010/main" val="1085386911"/>
       </p:ext>
     </p:extLst>
   </p:cSld>
@@ -6295,13 +6440,7 @@
       </p:grpSpPr>
       <p:sp>
         <p:nvSpPr>
-          <p:cNvPr id="2" name="Title 1">
-            <a:extLst>
-              <a:ext uri="{FF2B5EF4-FFF2-40B4-BE49-F238E27FC236}">
-                <a16:creationId xmlns:a16="http://schemas.microsoft.com/office/drawing/2014/main" id="{7F6691FD-F4CC-3547-9D92-3342243530A5}"/>
-              </a:ext>
-            </a:extLst>
-          </p:cNvPr>
+          <p:cNvPr id="2" name="Title 1"/>
           <p:cNvSpPr>
             <a:spLocks noGrp="1"/>
           </p:cNvSpPr>
@@ -6316,20 +6455,14 @@
           <a:p>
             <a:r>
               <a:rPr lang="en-US" dirty="0"/>
-              <a:t>Voyager</a:t>
-            </a:r>
-          </a:p>
-        </p:txBody>
-      </p:sp>
-      <p:sp>
-        <p:nvSpPr>
-          <p:cNvPr id="3" name="Content Placeholder 2">
-            <a:extLst>
-              <a:ext uri="{FF2B5EF4-FFF2-40B4-BE49-F238E27FC236}">
-                <a16:creationId xmlns:a16="http://schemas.microsoft.com/office/drawing/2014/main" id="{DADA9D0A-0032-C248-9FA8-6DBDA2A9184C}"/>
-              </a:ext>
-            </a:extLst>
-          </p:cNvPr>
+              <a:t>Voyager Discussion</a:t>
+            </a:r>
+          </a:p>
+        </p:txBody>
+      </p:sp>
+      <p:sp>
+        <p:nvSpPr>
+          <p:cNvPr id="3" name="Content Placeholder 2"/>
           <p:cNvSpPr>
             <a:spLocks noGrp="1"/>
           </p:cNvSpPr>
@@ -6342,29 +6475,14 @@
           <a:bodyPr/>
           <a:lstStyle/>
           <a:p>
-            <a:r>
-              <a:rPr lang="en-US" dirty="0"/>
-              <a:t>Is breadth vs depth the appropriate axis to study?</a:t>
-            </a:r>
-          </a:p>
-          <a:p>
-            <a:endParaRPr lang="en-US" dirty="0"/>
-          </a:p>
-          <a:p>
-            <a:r>
-              <a:rPr lang="en-US" dirty="0"/>
-              <a:t>What are the pros and cons of breadth-oriented exploration?</a:t>
-            </a:r>
-          </a:p>
-          <a:p>
-            <a:endParaRPr lang="en-US" dirty="0"/>
+            <a:endParaRPr lang="en-US"/>
           </a:p>
         </p:txBody>
       </p:sp>
     </p:spTree>
     <p:extLst>
       <p:ext uri="{BB962C8B-B14F-4D97-AF65-F5344CB8AC3E}">
-        <p14:creationId xmlns:p14="http://schemas.microsoft.com/office/powerpoint/2010/main" val="1994445304"/>
+        <p14:creationId xmlns:p14="http://schemas.microsoft.com/office/powerpoint/2010/main" val="2085227110"/>
       </p:ext>
     </p:extLst>
   </p:cSld>
@@ -6396,6 +6514,197 @@
           <p:cNvPr id="2" name="Title 1">
             <a:extLst>
               <a:ext uri="{FF2B5EF4-FFF2-40B4-BE49-F238E27FC236}">
+                <a16:creationId xmlns:a16="http://schemas.microsoft.com/office/drawing/2014/main" id="{8FF8890C-0FBB-9642-A68C-772823208760}"/>
+              </a:ext>
+            </a:extLst>
+          </p:cNvPr>
+          <p:cNvSpPr>
+            <a:spLocks noGrp="1"/>
+          </p:cNvSpPr>
+          <p:nvPr>
+            <p:ph type="title"/>
+          </p:nvPr>
+        </p:nvSpPr>
+        <p:spPr/>
+        <p:txBody>
+          <a:bodyPr/>
+          <a:lstStyle/>
+          <a:p>
+            <a:r>
+              <a:rPr lang="en-US" dirty="0"/>
+              <a:t>Voyager</a:t>
+            </a:r>
+          </a:p>
+        </p:txBody>
+      </p:sp>
+      <p:sp>
+        <p:nvSpPr>
+          <p:cNvPr id="3" name="Content Placeholder 2">
+            <a:extLst>
+              <a:ext uri="{FF2B5EF4-FFF2-40B4-BE49-F238E27FC236}">
+                <a16:creationId xmlns:a16="http://schemas.microsoft.com/office/drawing/2014/main" id="{CF5D6996-D565-A348-8D29-618E51CF895C}"/>
+              </a:ext>
+            </a:extLst>
+          </p:cNvPr>
+          <p:cNvSpPr>
+            <a:spLocks noGrp="1"/>
+          </p:cNvSpPr>
+          <p:nvPr>
+            <p:ph idx="1"/>
+          </p:nvPr>
+        </p:nvSpPr>
+        <p:spPr/>
+        <p:txBody>
+          <a:bodyPr/>
+          <a:lstStyle/>
+          <a:p>
+            <a:r>
+              <a:rPr lang="en-US" dirty="0"/>
+              <a:t>Was the evaluation “fair”?  What would you have done?</a:t>
+            </a:r>
+          </a:p>
+          <a:p>
+            <a:endParaRPr lang="en-US" dirty="0"/>
+          </a:p>
+          <a:p>
+            <a:pPr lvl="1" algn="r"/>
+            <a:endParaRPr lang="en-US" dirty="0"/>
+          </a:p>
+        </p:txBody>
+      </p:sp>
+    </p:spTree>
+    <p:extLst>
+      <p:ext uri="{BB962C8B-B14F-4D97-AF65-F5344CB8AC3E}">
+        <p14:creationId xmlns:p14="http://schemas.microsoft.com/office/powerpoint/2010/main" val="3677453772"/>
+      </p:ext>
+    </p:extLst>
+  </p:cSld>
+  <p:clrMapOvr>
+    <a:masterClrMapping/>
+  </p:clrMapOvr>
+</p:sld>
+</file>
+
+<file path=ppt/slides/slide27.xml><?xml version="1.0" encoding="utf-8"?>
+<p:sld xmlns:a="http://schemas.openxmlformats.org/drawingml/2006/main" xmlns:r="http://schemas.openxmlformats.org/officeDocument/2006/relationships" xmlns:p="http://schemas.openxmlformats.org/presentationml/2006/main">
+  <p:cSld>
+    <p:spTree>
+      <p:nvGrpSpPr>
+        <p:cNvPr id="1" name=""/>
+        <p:cNvGrpSpPr/>
+        <p:nvPr/>
+      </p:nvGrpSpPr>
+      <p:grpSpPr>
+        <a:xfrm>
+          <a:off x="0" y="0"/>
+          <a:ext cx="0" cy="0"/>
+          <a:chOff x="0" y="0"/>
+          <a:chExt cx="0" cy="0"/>
+        </a:xfrm>
+      </p:grpSpPr>
+      <p:sp>
+        <p:nvSpPr>
+          <p:cNvPr id="2" name="Title 1">
+            <a:extLst>
+              <a:ext uri="{FF2B5EF4-FFF2-40B4-BE49-F238E27FC236}">
+                <a16:creationId xmlns:a16="http://schemas.microsoft.com/office/drawing/2014/main" id="{7F6691FD-F4CC-3547-9D92-3342243530A5}"/>
+              </a:ext>
+            </a:extLst>
+          </p:cNvPr>
+          <p:cNvSpPr>
+            <a:spLocks noGrp="1"/>
+          </p:cNvSpPr>
+          <p:nvPr>
+            <p:ph type="title"/>
+          </p:nvPr>
+        </p:nvSpPr>
+        <p:spPr/>
+        <p:txBody>
+          <a:bodyPr/>
+          <a:lstStyle/>
+          <a:p>
+            <a:r>
+              <a:rPr lang="en-US" dirty="0"/>
+              <a:t>Voyager</a:t>
+            </a:r>
+          </a:p>
+        </p:txBody>
+      </p:sp>
+      <p:sp>
+        <p:nvSpPr>
+          <p:cNvPr id="3" name="Content Placeholder 2">
+            <a:extLst>
+              <a:ext uri="{FF2B5EF4-FFF2-40B4-BE49-F238E27FC236}">
+                <a16:creationId xmlns:a16="http://schemas.microsoft.com/office/drawing/2014/main" id="{DADA9D0A-0032-C248-9FA8-6DBDA2A9184C}"/>
+              </a:ext>
+            </a:extLst>
+          </p:cNvPr>
+          <p:cNvSpPr>
+            <a:spLocks noGrp="1"/>
+          </p:cNvSpPr>
+          <p:nvPr>
+            <p:ph idx="1"/>
+          </p:nvPr>
+        </p:nvSpPr>
+        <p:spPr/>
+        <p:txBody>
+          <a:bodyPr/>
+          <a:lstStyle/>
+          <a:p>
+            <a:r>
+              <a:rPr lang="en-US" dirty="0"/>
+              <a:t>Is breadth vs depth the appropriate axis to study?</a:t>
+            </a:r>
+          </a:p>
+          <a:p>
+            <a:endParaRPr lang="en-US" dirty="0"/>
+          </a:p>
+          <a:p>
+            <a:r>
+              <a:rPr lang="en-US" dirty="0"/>
+              <a:t>What are the pros and cons of breadth-oriented exploration?</a:t>
+            </a:r>
+          </a:p>
+          <a:p>
+            <a:endParaRPr lang="en-US" dirty="0"/>
+          </a:p>
+        </p:txBody>
+      </p:sp>
+    </p:spTree>
+    <p:extLst>
+      <p:ext uri="{BB962C8B-B14F-4D97-AF65-F5344CB8AC3E}">
+        <p14:creationId xmlns:p14="http://schemas.microsoft.com/office/powerpoint/2010/main" val="1994445304"/>
+      </p:ext>
+    </p:extLst>
+  </p:cSld>
+  <p:clrMapOvr>
+    <a:masterClrMapping/>
+  </p:clrMapOvr>
+</p:sld>
+</file>
+
+<file path=ppt/slides/slide28.xml><?xml version="1.0" encoding="utf-8"?>
+<p:sld xmlns:a="http://schemas.openxmlformats.org/drawingml/2006/main" xmlns:r="http://schemas.openxmlformats.org/officeDocument/2006/relationships" xmlns:p="http://schemas.openxmlformats.org/presentationml/2006/main">
+  <p:cSld>
+    <p:spTree>
+      <p:nvGrpSpPr>
+        <p:cNvPr id="1" name=""/>
+        <p:cNvGrpSpPr/>
+        <p:nvPr/>
+      </p:nvGrpSpPr>
+      <p:grpSpPr>
+        <a:xfrm>
+          <a:off x="0" y="0"/>
+          <a:ext cx="0" cy="0"/>
+          <a:chOff x="0" y="0"/>
+          <a:chExt cx="0" cy="0"/>
+        </a:xfrm>
+      </p:grpSpPr>
+      <p:sp>
+        <p:nvSpPr>
+          <p:cNvPr id="2" name="Title 1">
+            <a:extLst>
+              <a:ext uri="{FF2B5EF4-FFF2-40B4-BE49-F238E27FC236}">
                 <a16:creationId xmlns:a16="http://schemas.microsoft.com/office/drawing/2014/main" id="{7F6691FD-F4CC-3547-9D92-3342243530A5}"/>
               </a:ext>
             </a:extLst>
@@ -6463,7 +6772,7 @@
 </p:sld>
 </file>
 
-<file path=ppt/slides/slide27.xml><?xml version="1.0" encoding="utf-8"?>
+<file path=ppt/slides/slide29.xml><?xml version="1.0" encoding="utf-8"?>
 <p:sld xmlns:a="http://schemas.openxmlformats.org/drawingml/2006/main" xmlns:r="http://schemas.openxmlformats.org/officeDocument/2006/relationships" xmlns:p="http://schemas.openxmlformats.org/presentationml/2006/main">
   <p:cSld>
     <p:spTree>
@@ -6595,6 +6904,258 @@
           <p:cNvPr id="2" name="Title 1">
             <a:extLst>
               <a:ext uri="{FF2B5EF4-FFF2-40B4-BE49-F238E27FC236}">
+                <a16:creationId xmlns:a16="http://schemas.microsoft.com/office/drawing/2014/main" id="{8938D498-FFEF-B843-958C-903E5A3DF74F}"/>
+              </a:ext>
+            </a:extLst>
+          </p:cNvPr>
+          <p:cNvSpPr>
+            <a:spLocks noGrp="1"/>
+          </p:cNvSpPr>
+          <p:nvPr>
+            <p:ph type="title"/>
+          </p:nvPr>
+        </p:nvSpPr>
+        <p:spPr/>
+        <p:txBody>
+          <a:bodyPr/>
+          <a:lstStyle/>
+          <a:p>
+            <a:r>
+              <a:rPr lang="en-US" dirty="0"/>
+              <a:t>Administrivia</a:t>
+            </a:r>
+          </a:p>
+        </p:txBody>
+      </p:sp>
+      <p:sp>
+        <p:nvSpPr>
+          <p:cNvPr id="3" name="Content Placeholder 2">
+            <a:extLst>
+              <a:ext uri="{FF2B5EF4-FFF2-40B4-BE49-F238E27FC236}">
+                <a16:creationId xmlns:a16="http://schemas.microsoft.com/office/drawing/2014/main" id="{7D4BD79E-E44E-E445-A4D1-4280C5AA92D1}"/>
+              </a:ext>
+            </a:extLst>
+          </p:cNvPr>
+          <p:cNvSpPr>
+            <a:spLocks noGrp="1"/>
+          </p:cNvSpPr>
+          <p:nvPr>
+            <p:ph idx="1"/>
+          </p:nvPr>
+        </p:nvSpPr>
+        <p:spPr/>
+        <p:txBody>
+          <a:bodyPr>
+            <a:normAutofit fontScale="77500" lnSpcReduction="20000"/>
+          </a:bodyPr>
+          <a:lstStyle/>
+          <a:p>
+            <a:pPr marL="0" indent="0">
+              <a:buNone/>
+            </a:pPr>
+            <a:r>
+              <a:rPr lang="en-US" dirty="0"/>
+              <a:t>Project Proposal due tonight: follow format of the prospectus</a:t>
+            </a:r>
+          </a:p>
+          <a:p>
+            <a:r>
+              <a:rPr lang="en-US" dirty="0"/>
+              <a:t>What is the problem</a:t>
+            </a:r>
+          </a:p>
+          <a:p>
+            <a:r>
+              <a:rPr lang="en-US" dirty="0"/>
+              <a:t>Why is it important</a:t>
+            </a:r>
+          </a:p>
+          <a:p>
+            <a:r>
+              <a:rPr lang="en-US" dirty="0"/>
+              <a:t>Why is it hard</a:t>
+            </a:r>
+          </a:p>
+          <a:p>
+            <a:r>
+              <a:rPr lang="en-US" dirty="0"/>
+              <a:t>What is your key idea or approach </a:t>
+            </a:r>
+          </a:p>
+          <a:p>
+            <a:pPr lvl="1"/>
+            <a:r>
+              <a:rPr lang="en-US" dirty="0"/>
+              <a:t>Any initial results already shown</a:t>
+            </a:r>
+          </a:p>
+          <a:p>
+            <a:pPr lvl="1"/>
+            <a:r>
+              <a:rPr lang="en-US" dirty="0"/>
+              <a:t>If not, provide a sketch of idea/algorithm</a:t>
+            </a:r>
+          </a:p>
+          <a:p>
+            <a:pPr lvl="1"/>
+            <a:r>
+              <a:rPr lang="en-US" dirty="0"/>
+              <a:t>If not, provide a architecture diagram of the system</a:t>
+            </a:r>
+          </a:p>
+          <a:p>
+            <a:pPr lvl="1"/>
+            <a:r>
+              <a:rPr lang="en-US" dirty="0"/>
+              <a:t>The more detailed the better</a:t>
+            </a:r>
+          </a:p>
+          <a:p>
+            <a:endParaRPr lang="en-US" dirty="0"/>
+          </a:p>
+          <a:p>
+            <a:r>
+              <a:rPr lang="en-US" dirty="0"/>
+              <a:t>OK to change between now and related </a:t>
+            </a:r>
+            <a:r>
+              <a:rPr lang="en-US"/>
+              <a:t>work deadline</a:t>
+            </a:r>
+            <a:endParaRPr lang="en-US" dirty="0"/>
+          </a:p>
+          <a:p>
+            <a:pPr marL="0" indent="0">
+              <a:buNone/>
+            </a:pPr>
+            <a:endParaRPr lang="en-US" dirty="0"/>
+          </a:p>
+          <a:p>
+            <a:pPr marL="0" indent="0">
+              <a:buNone/>
+            </a:pPr>
+            <a:r>
+              <a:rPr lang="en-US" dirty="0">
+                <a:hlinkClick r:id="rId2"/>
+              </a:rPr>
+              <a:t>https://columbiaviz.github.io/2020s_w6998/projects</a:t>
+            </a:r>
+            <a:endParaRPr lang="en-US" dirty="0"/>
+          </a:p>
+          <a:p>
+            <a:pPr marL="0" indent="0">
+              <a:buNone/>
+            </a:pPr>
+            <a:endParaRPr lang="en-US" dirty="0"/>
+          </a:p>
+        </p:txBody>
+      </p:sp>
+    </p:spTree>
+    <p:extLst>
+      <p:ext uri="{BB962C8B-B14F-4D97-AF65-F5344CB8AC3E}">
+        <p14:creationId xmlns:p14="http://schemas.microsoft.com/office/powerpoint/2010/main" val="131339024"/>
+      </p:ext>
+    </p:extLst>
+  </p:cSld>
+  <p:clrMapOvr>
+    <a:masterClrMapping/>
+  </p:clrMapOvr>
+</p:sld>
+</file>
+
+<file path=ppt/slides/slide4.xml><?xml version="1.0" encoding="utf-8"?>
+<p:sld xmlns:a="http://schemas.openxmlformats.org/drawingml/2006/main" xmlns:r="http://schemas.openxmlformats.org/officeDocument/2006/relationships" xmlns:p="http://schemas.openxmlformats.org/presentationml/2006/main">
+  <p:cSld>
+    <p:spTree>
+      <p:nvGrpSpPr>
+        <p:cNvPr id="1" name=""/>
+        <p:cNvGrpSpPr/>
+        <p:nvPr/>
+      </p:nvGrpSpPr>
+      <p:grpSpPr>
+        <a:xfrm>
+          <a:off x="0" y="0"/>
+          <a:ext cx="0" cy="0"/>
+          <a:chOff x="0" y="0"/>
+          <a:chExt cx="0" cy="0"/>
+        </a:xfrm>
+      </p:grpSpPr>
+      <p:sp>
+        <p:nvSpPr>
+          <p:cNvPr id="6" name="Title 5"/>
+          <p:cNvSpPr>
+            <a:spLocks noGrp="1"/>
+          </p:cNvSpPr>
+          <p:nvPr>
+            <p:ph type="ctrTitle"/>
+          </p:nvPr>
+        </p:nvSpPr>
+        <p:spPr/>
+        <p:txBody>
+          <a:bodyPr/>
+          <a:lstStyle/>
+          <a:p>
+            <a:r>
+              <a:rPr lang="en-US" dirty="0"/>
+              <a:t>Draco</a:t>
+            </a:r>
+          </a:p>
+        </p:txBody>
+      </p:sp>
+      <p:sp>
+        <p:nvSpPr>
+          <p:cNvPr id="7" name="Subtitle 6"/>
+          <p:cNvSpPr>
+            <a:spLocks noGrp="1"/>
+          </p:cNvSpPr>
+          <p:nvPr>
+            <p:ph type="subTitle" idx="1"/>
+          </p:nvPr>
+        </p:nvSpPr>
+        <p:spPr/>
+        <p:txBody>
+          <a:bodyPr/>
+          <a:lstStyle/>
+          <a:p>
+            <a:endParaRPr lang="en-US"/>
+          </a:p>
+        </p:txBody>
+      </p:sp>
+    </p:spTree>
+    <p:extLst>
+      <p:ext uri="{BB962C8B-B14F-4D97-AF65-F5344CB8AC3E}">
+        <p14:creationId xmlns:p14="http://schemas.microsoft.com/office/powerpoint/2010/main" val="810387323"/>
+      </p:ext>
+    </p:extLst>
+  </p:cSld>
+  <p:clrMapOvr>
+    <a:masterClrMapping/>
+  </p:clrMapOvr>
+</p:sld>
+</file>
+
+<file path=ppt/slides/slide5.xml><?xml version="1.0" encoding="utf-8"?>
+<p:sld xmlns:a="http://schemas.openxmlformats.org/drawingml/2006/main" xmlns:r="http://schemas.openxmlformats.org/officeDocument/2006/relationships" xmlns:p="http://schemas.openxmlformats.org/presentationml/2006/main">
+  <p:cSld>
+    <p:spTree>
+      <p:nvGrpSpPr>
+        <p:cNvPr id="1" name=""/>
+        <p:cNvGrpSpPr/>
+        <p:nvPr/>
+      </p:nvGrpSpPr>
+      <p:grpSpPr>
+        <a:xfrm>
+          <a:off x="0" y="0"/>
+          <a:ext cx="0" cy="0"/>
+          <a:chOff x="0" y="0"/>
+          <a:chExt cx="0" cy="0"/>
+        </a:xfrm>
+      </p:grpSpPr>
+      <p:sp>
+        <p:nvSpPr>
+          <p:cNvPr id="2" name="Title 1">
+            <a:extLst>
+              <a:ext uri="{FF2B5EF4-FFF2-40B4-BE49-F238E27FC236}">
                 <a16:creationId xmlns:a16="http://schemas.microsoft.com/office/drawing/2014/main" id="{CCFACBE6-985E-8949-BBE8-2F1E0993801B}"/>
               </a:ext>
             </a:extLst>
@@ -6701,7 +7262,7 @@
 </p:sld>
 </file>
 
-<file path=ppt/slides/slide4.xml><?xml version="1.0" encoding="utf-8"?>
+<file path=ppt/slides/slide6.xml><?xml version="1.0" encoding="utf-8"?>
 <p:sld xmlns:a="http://schemas.openxmlformats.org/drawingml/2006/main" xmlns:r="http://schemas.openxmlformats.org/officeDocument/2006/relationships" xmlns:p="http://schemas.openxmlformats.org/presentationml/2006/main">
   <p:cSld>
     <p:spTree>
@@ -6970,7 +7531,7 @@
 </p:sld>
 </file>
 
-<file path=ppt/slides/slide5.xml><?xml version="1.0" encoding="utf-8"?>
+<file path=ppt/slides/slide7.xml><?xml version="1.0" encoding="utf-8"?>
 <p:sld xmlns:a="http://schemas.openxmlformats.org/drawingml/2006/main" xmlns:r="http://schemas.openxmlformats.org/officeDocument/2006/relationships" xmlns:p="http://schemas.openxmlformats.org/presentationml/2006/main">
   <p:cSld>
     <p:spTree>
@@ -7065,7 +7626,7 @@
 </p:sld>
 </file>
 
-<file path=ppt/slides/slide6.xml><?xml version="1.0" encoding="utf-8"?>
+<file path=ppt/slides/slide8.xml><?xml version="1.0" encoding="utf-8"?>
 <p:sld xmlns:a="http://schemas.openxmlformats.org/drawingml/2006/main" xmlns:r="http://schemas.openxmlformats.org/officeDocument/2006/relationships" xmlns:p="http://schemas.openxmlformats.org/presentationml/2006/main">
   <p:cSld>
     <p:spTree>
@@ -7265,283 +7826,6 @@
 </p:sld>
 </file>
 
-<file path=ppt/slides/slide7.xml><?xml version="1.0" encoding="utf-8"?>
-<p:sld xmlns:a="http://schemas.openxmlformats.org/drawingml/2006/main" xmlns:r="http://schemas.openxmlformats.org/officeDocument/2006/relationships" xmlns:p="http://schemas.openxmlformats.org/presentationml/2006/main">
-  <p:cSld>
-    <p:spTree>
-      <p:nvGrpSpPr>
-        <p:cNvPr id="1" name=""/>
-        <p:cNvGrpSpPr/>
-        <p:nvPr/>
-      </p:nvGrpSpPr>
-      <p:grpSpPr>
-        <a:xfrm>
-          <a:off x="0" y="0"/>
-          <a:ext cx="0" cy="0"/>
-          <a:chOff x="0" y="0"/>
-          <a:chExt cx="0" cy="0"/>
-        </a:xfrm>
-      </p:grpSpPr>
-      <p:sp>
-        <p:nvSpPr>
-          <p:cNvPr id="2" name="Title 1"/>
-          <p:cNvSpPr>
-            <a:spLocks noGrp="1"/>
-          </p:cNvSpPr>
-          <p:nvPr>
-            <p:ph type="title"/>
-          </p:nvPr>
-        </p:nvSpPr>
-        <p:spPr/>
-        <p:txBody>
-          <a:bodyPr/>
-          <a:lstStyle/>
-          <a:p>
-            <a:r>
-              <a:rPr lang="en-US" dirty="0"/>
-              <a:t>APT</a:t>
-            </a:r>
-          </a:p>
-        </p:txBody>
-      </p:sp>
-      <p:sp>
-        <p:nvSpPr>
-          <p:cNvPr id="3" name="Content Placeholder 2"/>
-          <p:cNvSpPr>
-            <a:spLocks noGrp="1"/>
-          </p:cNvSpPr>
-          <p:nvPr>
-            <p:ph idx="1"/>
-          </p:nvPr>
-        </p:nvSpPr>
-        <p:spPr/>
-        <p:txBody>
-          <a:bodyPr/>
-          <a:lstStyle/>
-          <a:p>
-            <a:pPr marL="0" indent="0">
-              <a:buNone/>
-            </a:pPr>
-            <a:r>
-              <a:rPr lang="en-US" dirty="0"/>
-              <a:t>Proposed two criteria for automatically choosing designs</a:t>
-            </a:r>
-          </a:p>
-          <a:p>
-            <a:pPr marL="0" indent="0">
-              <a:buNone/>
-            </a:pPr>
-            <a:r>
-              <a:rPr lang="en-US" dirty="0"/>
-              <a:t>Expressiveness</a:t>
-            </a:r>
-          </a:p>
-          <a:p>
-            <a:pPr marL="457200" lvl="1" indent="0">
-              <a:buNone/>
-            </a:pPr>
-            <a:r>
-              <a:rPr lang="en-US" dirty="0"/>
-              <a:t>all facts and only those facts are expressed in the graphical design</a:t>
-            </a:r>
-          </a:p>
-          <a:p>
-            <a:pPr marL="0" indent="0">
-              <a:buNone/>
-            </a:pPr>
-            <a:endParaRPr lang="en-US" dirty="0"/>
-          </a:p>
-          <a:p>
-            <a:pPr marL="0" indent="0">
-              <a:buNone/>
-            </a:pPr>
-            <a:r>
-              <a:rPr lang="en-US" dirty="0"/>
-              <a:t>Effectiveness</a:t>
-            </a:r>
-          </a:p>
-          <a:p>
-            <a:pPr marL="457200" lvl="1" indent="0">
-              <a:buNone/>
-            </a:pPr>
-            <a:r>
-              <a:rPr lang="en-US" dirty="0"/>
-              <a:t>user can easily and unambiguously decode the graphical image</a:t>
-            </a:r>
-          </a:p>
-          <a:p>
-            <a:pPr marL="457200" lvl="1" indent="0">
-              <a:buNone/>
-            </a:pPr>
-            <a:endParaRPr lang="en-US" dirty="0"/>
-          </a:p>
-          <a:p>
-            <a:pPr marL="0" indent="0">
-              <a:buNone/>
-            </a:pPr>
-            <a:r>
-              <a:rPr lang="en-US" dirty="0"/>
-              <a:t>Want: most effective design that exactly expresses the data</a:t>
-            </a:r>
-          </a:p>
-        </p:txBody>
-      </p:sp>
-    </p:spTree>
-    <p:extLst>
-      <p:ext uri="{BB962C8B-B14F-4D97-AF65-F5344CB8AC3E}">
-        <p14:creationId xmlns:p14="http://schemas.microsoft.com/office/powerpoint/2010/main" val="1019520229"/>
-      </p:ext>
-    </p:extLst>
-  </p:cSld>
-  <p:clrMapOvr>
-    <a:masterClrMapping/>
-  </p:clrMapOvr>
-</p:sld>
-</file>
-
-<file path=ppt/slides/slide8.xml><?xml version="1.0" encoding="utf-8"?>
-<p:sld xmlns:a="http://schemas.openxmlformats.org/drawingml/2006/main" xmlns:r="http://schemas.openxmlformats.org/officeDocument/2006/relationships" xmlns:p="http://schemas.openxmlformats.org/presentationml/2006/main">
-  <p:cSld>
-    <p:spTree>
-      <p:nvGrpSpPr>
-        <p:cNvPr id="1" name=""/>
-        <p:cNvGrpSpPr/>
-        <p:nvPr/>
-      </p:nvGrpSpPr>
-      <p:grpSpPr>
-        <a:xfrm>
-          <a:off x="0" y="0"/>
-          <a:ext cx="0" cy="0"/>
-          <a:chOff x="0" y="0"/>
-          <a:chExt cx="0" cy="0"/>
-        </a:xfrm>
-      </p:grpSpPr>
-      <p:sp>
-        <p:nvSpPr>
-          <p:cNvPr id="2" name="Title 1"/>
-          <p:cNvSpPr>
-            <a:spLocks noGrp="1"/>
-          </p:cNvSpPr>
-          <p:nvPr>
-            <p:ph type="title"/>
-          </p:nvPr>
-        </p:nvSpPr>
-        <p:spPr/>
-        <p:txBody>
-          <a:bodyPr/>
-          <a:lstStyle/>
-          <a:p>
-            <a:r>
-              <a:rPr lang="en-US" dirty="0"/>
-              <a:t>APT</a:t>
-            </a:r>
-          </a:p>
-        </p:txBody>
-      </p:sp>
-      <p:sp>
-        <p:nvSpPr>
-          <p:cNvPr id="3" name="Content Placeholder 2"/>
-          <p:cNvSpPr>
-            <a:spLocks noGrp="1"/>
-          </p:cNvSpPr>
-          <p:nvPr>
-            <p:ph idx="1"/>
-          </p:nvPr>
-        </p:nvSpPr>
-        <p:spPr/>
-        <p:txBody>
-          <a:bodyPr/>
-          <a:lstStyle/>
-          <a:p>
-            <a:pPr marL="0" indent="0">
-              <a:buNone/>
-            </a:pPr>
-            <a:r>
-              <a:rPr lang="en-US" dirty="0"/>
-              <a:t>Logic program with hard constraints</a:t>
-            </a:r>
-          </a:p>
-          <a:p>
-            <a:pPr marL="0" indent="0">
-              <a:buNone/>
-            </a:pPr>
-            <a:r>
-              <a:rPr lang="en-US" dirty="0"/>
-              <a:t>Exhaustive search </a:t>
-            </a:r>
-          </a:p>
-        </p:txBody>
-      </p:sp>
-      <p:pic>
-        <p:nvPicPr>
-          <p:cNvPr id="4" name="Picture 3"/>
-          <p:cNvPicPr>
-            <a:picLocks noChangeAspect="1"/>
-          </p:cNvPicPr>
-          <p:nvPr/>
-        </p:nvPicPr>
-        <p:blipFill>
-          <a:blip r:embed="rId2"/>
-          <a:stretch>
-            <a:fillRect/>
-          </a:stretch>
-        </p:blipFill>
-        <p:spPr>
-          <a:xfrm>
-            <a:off x="762000" y="4254500"/>
-            <a:ext cx="10668000" cy="2603500"/>
-          </a:xfrm>
-          <a:prstGeom prst="rect">
-            <a:avLst/>
-          </a:prstGeom>
-        </p:spPr>
-      </p:pic>
-      <p:sp>
-        <p:nvSpPr>
-          <p:cNvPr id="5" name="TextBox 4"/>
-          <p:cNvSpPr txBox="1"/>
-          <p:nvPr/>
-        </p:nvSpPr>
-        <p:spPr>
-          <a:xfrm>
-            <a:off x="4306888" y="3386667"/>
-            <a:ext cx="3578224" cy="707886"/>
-          </a:xfrm>
-          <a:prstGeom prst="rect">
-            <a:avLst/>
-          </a:prstGeom>
-          <a:noFill/>
-        </p:spPr>
-        <p:txBody>
-          <a:bodyPr wrap="none" rtlCol="0">
-            <a:spAutoFit/>
-          </a:bodyPr>
-          <a:lstStyle/>
-          <a:p>
-            <a:pPr algn="l"/>
-            <a:r>
-              <a:rPr lang="en-US" sz="4000" dirty="0">
-                <a:latin typeface="Arial" panose="020B0604020202020204" pitchFamily="34" charset="0"/>
-                <a:cs typeface="Arial" panose="020B0604020202020204" pitchFamily="34" charset="0"/>
-              </a:rPr>
-              <a:t>Bar Chart Rule</a:t>
-            </a:r>
-          </a:p>
-        </p:txBody>
-      </p:sp>
-    </p:spTree>
-    <p:extLst>
-      <p:ext uri="{BB962C8B-B14F-4D97-AF65-F5344CB8AC3E}">
-        <p14:creationId xmlns:p14="http://schemas.microsoft.com/office/powerpoint/2010/main" val="37708780"/>
-      </p:ext>
-    </p:extLst>
-  </p:cSld>
-  <p:clrMapOvr>
-    <a:masterClrMapping/>
-  </p:clrMapOvr>
-</p:sld>
-</file>
-
 <file path=ppt/slides/slide9.xml><?xml version="1.0" encoding="utf-8"?>
 <p:sld xmlns:a="http://schemas.openxmlformats.org/drawingml/2006/main" xmlns:r="http://schemas.openxmlformats.org/officeDocument/2006/relationships" xmlns:p="http://schemas.openxmlformats.org/presentationml/2006/main">
   <p:cSld>
@@ -7576,7 +7860,7 @@
           <a:p>
             <a:r>
               <a:rPr lang="en-US" dirty="0"/>
-              <a:t>Tableau</a:t>
+              <a:t>APT</a:t>
             </a:r>
           </a:p>
         </p:txBody>
@@ -7601,39 +7885,72 @@
             </a:pPr>
             <a:r>
               <a:rPr lang="en-US" dirty="0"/>
-              <a:t>Rule-based Heuristics</a:t>
-            </a:r>
-          </a:p>
-        </p:txBody>
-      </p:sp>
-      <p:pic>
-        <p:nvPicPr>
-          <p:cNvPr id="4" name="Picture 3"/>
-          <p:cNvPicPr>
-            <a:picLocks noChangeAspect="1"/>
-          </p:cNvPicPr>
-          <p:nvPr/>
-        </p:nvPicPr>
-        <p:blipFill>
-          <a:blip r:embed="rId2"/>
-          <a:stretch>
-            <a:fillRect/>
-          </a:stretch>
-        </p:blipFill>
-        <p:spPr>
-          <a:xfrm>
-            <a:off x="1971717" y="2756424"/>
-            <a:ext cx="7690443" cy="3228641"/>
-          </a:xfrm>
-          <a:prstGeom prst="rect">
-            <a:avLst/>
-          </a:prstGeom>
-        </p:spPr>
-      </p:pic>
+              <a:t>Proposed two criteria for automatically choosing designs</a:t>
+            </a:r>
+          </a:p>
+          <a:p>
+            <a:pPr marL="0" indent="0">
+              <a:buNone/>
+            </a:pPr>
+            <a:r>
+              <a:rPr lang="en-US" dirty="0"/>
+              <a:t>Expressiveness</a:t>
+            </a:r>
+          </a:p>
+          <a:p>
+            <a:pPr marL="457200" lvl="1" indent="0">
+              <a:buNone/>
+            </a:pPr>
+            <a:r>
+              <a:rPr lang="en-US" dirty="0"/>
+              <a:t>all facts and only those facts are expressed in the graphical design</a:t>
+            </a:r>
+          </a:p>
+          <a:p>
+            <a:pPr marL="0" indent="0">
+              <a:buNone/>
+            </a:pPr>
+            <a:endParaRPr lang="en-US" dirty="0"/>
+          </a:p>
+          <a:p>
+            <a:pPr marL="0" indent="0">
+              <a:buNone/>
+            </a:pPr>
+            <a:r>
+              <a:rPr lang="en-US" dirty="0"/>
+              <a:t>Effectiveness</a:t>
+            </a:r>
+          </a:p>
+          <a:p>
+            <a:pPr marL="457200" lvl="1" indent="0">
+              <a:buNone/>
+            </a:pPr>
+            <a:r>
+              <a:rPr lang="en-US" dirty="0"/>
+              <a:t>user can easily and unambiguously decode the graphical image</a:t>
+            </a:r>
+          </a:p>
+          <a:p>
+            <a:pPr marL="457200" lvl="1" indent="0">
+              <a:buNone/>
+            </a:pPr>
+            <a:endParaRPr lang="en-US" dirty="0"/>
+          </a:p>
+          <a:p>
+            <a:pPr marL="0" indent="0">
+              <a:buNone/>
+            </a:pPr>
+            <a:r>
+              <a:rPr lang="en-US" dirty="0"/>
+              <a:t>Want: most effective design that exactly expresses the data</a:t>
+            </a:r>
+          </a:p>
+        </p:txBody>
+      </p:sp>
     </p:spTree>
     <p:extLst>
       <p:ext uri="{BB962C8B-B14F-4D97-AF65-F5344CB8AC3E}">
-        <p14:creationId xmlns:p14="http://schemas.microsoft.com/office/powerpoint/2010/main" val="1232736436"/>
+        <p14:creationId xmlns:p14="http://schemas.microsoft.com/office/powerpoint/2010/main" val="1019520229"/>
       </p:ext>
     </p:extLst>
   </p:cSld>

--- a/2020s_w6998/lecs/04_rec.pptx
+++ b/2020s_w6998/lecs/04_rec.pptx
@@ -7,33 +7,35 @@
   <p:sldIdLst>
     <p:sldId id="256" r:id="rId2"/>
     <p:sldId id="286" r:id="rId3"/>
-    <p:sldId id="287" r:id="rId4"/>
-    <p:sldId id="272" r:id="rId5"/>
-    <p:sldId id="265" r:id="rId6"/>
-    <p:sldId id="278" r:id="rId7"/>
-    <p:sldId id="274" r:id="rId8"/>
-    <p:sldId id="275" r:id="rId9"/>
-    <p:sldId id="277" r:id="rId10"/>
-    <p:sldId id="279" r:id="rId11"/>
-    <p:sldId id="273" r:id="rId12"/>
-    <p:sldId id="276" r:id="rId13"/>
-    <p:sldId id="280" r:id="rId14"/>
-    <p:sldId id="281" r:id="rId15"/>
-    <p:sldId id="267" r:id="rId16"/>
-    <p:sldId id="268" r:id="rId17"/>
-    <p:sldId id="283" r:id="rId18"/>
-    <p:sldId id="282" r:id="rId19"/>
-    <p:sldId id="269" r:id="rId20"/>
-    <p:sldId id="270" r:id="rId21"/>
-    <p:sldId id="284" r:id="rId22"/>
-    <p:sldId id="257" r:id="rId23"/>
-    <p:sldId id="263" r:id="rId24"/>
-    <p:sldId id="262" r:id="rId25"/>
-    <p:sldId id="285" r:id="rId26"/>
-    <p:sldId id="258" r:id="rId27"/>
-    <p:sldId id="259" r:id="rId28"/>
-    <p:sldId id="260" r:id="rId29"/>
-    <p:sldId id="261" r:id="rId30"/>
+    <p:sldId id="289" r:id="rId4"/>
+    <p:sldId id="287" r:id="rId5"/>
+    <p:sldId id="288" r:id="rId6"/>
+    <p:sldId id="272" r:id="rId7"/>
+    <p:sldId id="265" r:id="rId8"/>
+    <p:sldId id="278" r:id="rId9"/>
+    <p:sldId id="274" r:id="rId10"/>
+    <p:sldId id="275" r:id="rId11"/>
+    <p:sldId id="277" r:id="rId12"/>
+    <p:sldId id="279" r:id="rId13"/>
+    <p:sldId id="273" r:id="rId14"/>
+    <p:sldId id="276" r:id="rId15"/>
+    <p:sldId id="280" r:id="rId16"/>
+    <p:sldId id="281" r:id="rId17"/>
+    <p:sldId id="267" r:id="rId18"/>
+    <p:sldId id="268" r:id="rId19"/>
+    <p:sldId id="283" r:id="rId20"/>
+    <p:sldId id="282" r:id="rId21"/>
+    <p:sldId id="269" r:id="rId22"/>
+    <p:sldId id="270" r:id="rId23"/>
+    <p:sldId id="284" r:id="rId24"/>
+    <p:sldId id="257" r:id="rId25"/>
+    <p:sldId id="263" r:id="rId26"/>
+    <p:sldId id="262" r:id="rId27"/>
+    <p:sldId id="285" r:id="rId28"/>
+    <p:sldId id="258" r:id="rId29"/>
+    <p:sldId id="259" r:id="rId30"/>
+    <p:sldId id="260" r:id="rId31"/>
+    <p:sldId id="261" r:id="rId32"/>
   </p:sldIdLst>
   <p:sldSz cx="12192000" cy="6858000"/>
   <p:notesSz cx="6858000" cy="9144000"/>
@@ -3497,6 +3499,340 @@
             </a:pPr>
             <a:r>
               <a:rPr lang="en-US" dirty="0"/>
+              <a:t>Proposed two criteria for automatically choosing designs</a:t>
+            </a:r>
+          </a:p>
+          <a:p>
+            <a:pPr marL="0" indent="0">
+              <a:buNone/>
+            </a:pPr>
+            <a:r>
+              <a:rPr lang="en-US" dirty="0"/>
+              <a:t>Expressiveness</a:t>
+            </a:r>
+          </a:p>
+          <a:p>
+            <a:pPr marL="457200" lvl="1" indent="0">
+              <a:buNone/>
+            </a:pPr>
+            <a:r>
+              <a:rPr lang="en-US" dirty="0"/>
+              <a:t>all facts and only those facts are expressed in the graphical design</a:t>
+            </a:r>
+          </a:p>
+          <a:p>
+            <a:pPr marL="0" indent="0">
+              <a:buNone/>
+            </a:pPr>
+            <a:endParaRPr lang="en-US" dirty="0"/>
+          </a:p>
+        </p:txBody>
+      </p:sp>
+      <p:pic>
+        <p:nvPicPr>
+          <p:cNvPr id="5" name="Picture 4"/>
+          <p:cNvPicPr>
+            <a:picLocks noChangeAspect="1"/>
+          </p:cNvPicPr>
+          <p:nvPr/>
+        </p:nvPicPr>
+        <p:blipFill>
+          <a:blip r:embed="rId2"/>
+          <a:stretch>
+            <a:fillRect/>
+          </a:stretch>
+        </p:blipFill>
+        <p:spPr>
+          <a:xfrm>
+            <a:off x="3442445" y="3417123"/>
+            <a:ext cx="3989543" cy="3862217"/>
+          </a:xfrm>
+          <a:prstGeom prst="rect">
+            <a:avLst/>
+          </a:prstGeom>
+        </p:spPr>
+      </p:pic>
+    </p:spTree>
+    <p:extLst>
+      <p:ext uri="{BB962C8B-B14F-4D97-AF65-F5344CB8AC3E}">
+        <p14:creationId xmlns:p14="http://schemas.microsoft.com/office/powerpoint/2010/main" val="670973474"/>
+      </p:ext>
+    </p:extLst>
+  </p:cSld>
+  <p:clrMapOvr>
+    <a:masterClrMapping/>
+  </p:clrMapOvr>
+  <p:timing>
+    <p:tnLst>
+      <p:par>
+        <p:cTn id="1" dur="indefinite" restart="never" nodeType="tmRoot">
+          <p:childTnLst>
+            <p:seq concurrent="1" nextAc="seek">
+              <p:cTn id="2" dur="indefinite" nodeType="mainSeq">
+                <p:childTnLst>
+                  <p:par>
+                    <p:cTn id="3" fill="hold">
+                      <p:stCondLst>
+                        <p:cond delay="indefinite"/>
+                      </p:stCondLst>
+                      <p:childTnLst>
+                        <p:par>
+                          <p:cTn id="4" fill="hold">
+                            <p:stCondLst>
+                              <p:cond delay="0"/>
+                            </p:stCondLst>
+                            <p:childTnLst>
+                              <p:par>
+                                <p:cTn id="5" presetID="1" presetClass="entr" presetSubtype="0" fill="hold" nodeType="clickEffect">
+                                  <p:stCondLst>
+                                    <p:cond delay="0"/>
+                                  </p:stCondLst>
+                                  <p:childTnLst>
+                                    <p:set>
+                                      <p:cBhvr>
+                                        <p:cTn id="6" dur="1" fill="hold">
+                                          <p:stCondLst>
+                                            <p:cond delay="0"/>
+                                          </p:stCondLst>
+                                        </p:cTn>
+                                        <p:tgtEl>
+                                          <p:spTgt spid="5"/>
+                                        </p:tgtEl>
+                                        <p:attrNameLst>
+                                          <p:attrName>style.visibility</p:attrName>
+                                        </p:attrNameLst>
+                                      </p:cBhvr>
+                                      <p:to>
+                                        <p:strVal val="visible"/>
+                                      </p:to>
+                                    </p:set>
+                                  </p:childTnLst>
+                                </p:cTn>
+                              </p:par>
+                            </p:childTnLst>
+                          </p:cTn>
+                        </p:par>
+                      </p:childTnLst>
+                    </p:cTn>
+                  </p:par>
+                </p:childTnLst>
+              </p:cTn>
+              <p:prevCondLst>
+                <p:cond evt="onPrev" delay="0">
+                  <p:tgtEl>
+                    <p:sldTgt/>
+                  </p:tgtEl>
+                </p:cond>
+              </p:prevCondLst>
+              <p:nextCondLst>
+                <p:cond evt="onNext" delay="0">
+                  <p:tgtEl>
+                    <p:sldTgt/>
+                  </p:tgtEl>
+                </p:cond>
+              </p:nextCondLst>
+            </p:seq>
+          </p:childTnLst>
+        </p:cTn>
+      </p:par>
+    </p:tnLst>
+  </p:timing>
+</p:sld>
+</file>
+
+<file path=ppt/slides/slide11.xml><?xml version="1.0" encoding="utf-8"?>
+<p:sld xmlns:a="http://schemas.openxmlformats.org/drawingml/2006/main" xmlns:r="http://schemas.openxmlformats.org/officeDocument/2006/relationships" xmlns:p="http://schemas.openxmlformats.org/presentationml/2006/main">
+  <p:cSld>
+    <p:spTree>
+      <p:nvGrpSpPr>
+        <p:cNvPr id="1" name=""/>
+        <p:cNvGrpSpPr/>
+        <p:nvPr/>
+      </p:nvGrpSpPr>
+      <p:grpSpPr>
+        <a:xfrm>
+          <a:off x="0" y="0"/>
+          <a:ext cx="0" cy="0"/>
+          <a:chOff x="0" y="0"/>
+          <a:chExt cx="0" cy="0"/>
+        </a:xfrm>
+      </p:grpSpPr>
+      <p:sp>
+        <p:nvSpPr>
+          <p:cNvPr id="2" name="Title 1"/>
+          <p:cNvSpPr>
+            <a:spLocks noGrp="1"/>
+          </p:cNvSpPr>
+          <p:nvPr>
+            <p:ph type="title"/>
+          </p:nvPr>
+        </p:nvSpPr>
+        <p:spPr/>
+        <p:txBody>
+          <a:bodyPr/>
+          <a:lstStyle/>
+          <a:p>
+            <a:r>
+              <a:rPr lang="en-US" dirty="0"/>
+              <a:t>APT</a:t>
+            </a:r>
+          </a:p>
+        </p:txBody>
+      </p:sp>
+      <p:sp>
+        <p:nvSpPr>
+          <p:cNvPr id="3" name="Content Placeholder 2"/>
+          <p:cNvSpPr>
+            <a:spLocks noGrp="1"/>
+          </p:cNvSpPr>
+          <p:nvPr>
+            <p:ph idx="1"/>
+          </p:nvPr>
+        </p:nvSpPr>
+        <p:spPr/>
+        <p:txBody>
+          <a:bodyPr/>
+          <a:lstStyle/>
+          <a:p>
+            <a:pPr marL="0" indent="0">
+              <a:buNone/>
+            </a:pPr>
+            <a:r>
+              <a:rPr lang="en-US" dirty="0"/>
+              <a:t>Proposed two criteria for automatically choosing designs</a:t>
+            </a:r>
+          </a:p>
+          <a:p>
+            <a:pPr marL="0" indent="0">
+              <a:buNone/>
+            </a:pPr>
+            <a:r>
+              <a:rPr lang="en-US" dirty="0"/>
+              <a:t>Expressiveness</a:t>
+            </a:r>
+          </a:p>
+          <a:p>
+            <a:pPr marL="457200" lvl="1" indent="0">
+              <a:buNone/>
+            </a:pPr>
+            <a:r>
+              <a:rPr lang="en-US" dirty="0"/>
+              <a:t>all facts and only those facts are expressed in the graphical design</a:t>
+            </a:r>
+          </a:p>
+          <a:p>
+            <a:pPr marL="0" indent="0">
+              <a:buNone/>
+            </a:pPr>
+            <a:endParaRPr lang="en-US" dirty="0"/>
+          </a:p>
+          <a:p>
+            <a:pPr marL="0" indent="0">
+              <a:buNone/>
+            </a:pPr>
+            <a:r>
+              <a:rPr lang="en-US" dirty="0"/>
+              <a:t>Effectiveness</a:t>
+            </a:r>
+          </a:p>
+          <a:p>
+            <a:pPr marL="457200" lvl="1" indent="0">
+              <a:buNone/>
+            </a:pPr>
+            <a:r>
+              <a:rPr lang="en-US" dirty="0"/>
+              <a:t>user can easily and unambiguously decode the graphical image</a:t>
+            </a:r>
+          </a:p>
+          <a:p>
+            <a:pPr marL="457200" lvl="1" indent="0">
+              <a:buNone/>
+            </a:pPr>
+            <a:endParaRPr lang="en-US" dirty="0"/>
+          </a:p>
+          <a:p>
+            <a:pPr marL="0" indent="0">
+              <a:buNone/>
+            </a:pPr>
+            <a:r>
+              <a:rPr lang="en-US" dirty="0"/>
+              <a:t>Want: most effective design that exactly expresses the data</a:t>
+            </a:r>
+          </a:p>
+        </p:txBody>
+      </p:sp>
+    </p:spTree>
+    <p:extLst>
+      <p:ext uri="{BB962C8B-B14F-4D97-AF65-F5344CB8AC3E}">
+        <p14:creationId xmlns:p14="http://schemas.microsoft.com/office/powerpoint/2010/main" val="1019520229"/>
+      </p:ext>
+    </p:extLst>
+  </p:cSld>
+  <p:clrMapOvr>
+    <a:masterClrMapping/>
+  </p:clrMapOvr>
+</p:sld>
+</file>
+
+<file path=ppt/slides/slide12.xml><?xml version="1.0" encoding="utf-8"?>
+<p:sld xmlns:a="http://schemas.openxmlformats.org/drawingml/2006/main" xmlns:r="http://schemas.openxmlformats.org/officeDocument/2006/relationships" xmlns:p="http://schemas.openxmlformats.org/presentationml/2006/main">
+  <p:cSld>
+    <p:spTree>
+      <p:nvGrpSpPr>
+        <p:cNvPr id="1" name=""/>
+        <p:cNvGrpSpPr/>
+        <p:nvPr/>
+      </p:nvGrpSpPr>
+      <p:grpSpPr>
+        <a:xfrm>
+          <a:off x="0" y="0"/>
+          <a:ext cx="0" cy="0"/>
+          <a:chOff x="0" y="0"/>
+          <a:chExt cx="0" cy="0"/>
+        </a:xfrm>
+      </p:grpSpPr>
+      <p:sp>
+        <p:nvSpPr>
+          <p:cNvPr id="2" name="Title 1"/>
+          <p:cNvSpPr>
+            <a:spLocks noGrp="1"/>
+          </p:cNvSpPr>
+          <p:nvPr>
+            <p:ph type="title"/>
+          </p:nvPr>
+        </p:nvSpPr>
+        <p:spPr/>
+        <p:txBody>
+          <a:bodyPr/>
+          <a:lstStyle/>
+          <a:p>
+            <a:r>
+              <a:rPr lang="en-US" dirty="0"/>
+              <a:t>APT</a:t>
+            </a:r>
+          </a:p>
+        </p:txBody>
+      </p:sp>
+      <p:sp>
+        <p:nvSpPr>
+          <p:cNvPr id="3" name="Content Placeholder 2"/>
+          <p:cNvSpPr>
+            <a:spLocks noGrp="1"/>
+          </p:cNvSpPr>
+          <p:nvPr>
+            <p:ph idx="1"/>
+          </p:nvPr>
+        </p:nvSpPr>
+        <p:spPr/>
+        <p:txBody>
+          <a:bodyPr/>
+          <a:lstStyle/>
+          <a:p>
+            <a:pPr marL="0" indent="0">
+              <a:buNone/>
+            </a:pPr>
+            <a:r>
+              <a:rPr lang="en-US" dirty="0"/>
               <a:t>Logic program with hard constraints</a:t>
             </a:r>
           </a:p>
@@ -3581,7 +3917,7 @@
 </p:sld>
 </file>
 
-<file path=ppt/slides/slide11.xml><?xml version="1.0" encoding="utf-8"?>
+<file path=ppt/slides/slide13.xml><?xml version="1.0" encoding="utf-8"?>
 <p:sld xmlns:a="http://schemas.openxmlformats.org/drawingml/2006/main" xmlns:r="http://schemas.openxmlformats.org/officeDocument/2006/relationships" xmlns:p="http://schemas.openxmlformats.org/presentationml/2006/main">
   <p:cSld>
     <p:spTree>
@@ -3682,7 +4018,7 @@
 </p:sld>
 </file>
 
-<file path=ppt/slides/slide12.xml><?xml version="1.0" encoding="utf-8"?>
+<file path=ppt/slides/slide14.xml><?xml version="1.0" encoding="utf-8"?>
 <p:sld xmlns:a="http://schemas.openxmlformats.org/drawingml/2006/main" xmlns:r="http://schemas.openxmlformats.org/officeDocument/2006/relationships" xmlns:p="http://schemas.openxmlformats.org/presentationml/2006/main">
   <p:cSld>
     <p:spTree>
@@ -3784,7 +4120,7 @@
 </p:sld>
 </file>
 
-<file path=ppt/slides/slide13.xml><?xml version="1.0" encoding="utf-8"?>
+<file path=ppt/slides/slide15.xml><?xml version="1.0" encoding="utf-8"?>
 <p:sld xmlns:a="http://schemas.openxmlformats.org/drawingml/2006/main" xmlns:r="http://schemas.openxmlformats.org/officeDocument/2006/relationships" xmlns:p="http://schemas.openxmlformats.org/presentationml/2006/main">
   <p:cSld>
     <p:spTree>
@@ -3858,7 +4194,7 @@
 </p:sld>
 </file>
 
-<file path=ppt/slides/slide14.xml><?xml version="1.0" encoding="utf-8"?>
+<file path=ppt/slides/slide16.xml><?xml version="1.0" encoding="utf-8"?>
 <p:sld xmlns:a="http://schemas.openxmlformats.org/drawingml/2006/main" xmlns:r="http://schemas.openxmlformats.org/officeDocument/2006/relationships" xmlns:p="http://schemas.openxmlformats.org/presentationml/2006/main">
   <p:cSld>
     <p:spTree>
@@ -4057,7 +4393,7 @@
 </p:sld>
 </file>
 
-<file path=ppt/slides/slide15.xml><?xml version="1.0" encoding="utf-8"?>
+<file path=ppt/slides/slide17.xml><?xml version="1.0" encoding="utf-8"?>
 <p:sld xmlns:a="http://schemas.openxmlformats.org/drawingml/2006/main" xmlns:r="http://schemas.openxmlformats.org/officeDocument/2006/relationships" xmlns:p="http://schemas.openxmlformats.org/presentationml/2006/main">
   <p:cSld>
     <p:spTree>
@@ -4197,7 +4533,7 @@
 </p:sld>
 </file>
 
-<file path=ppt/slides/slide16.xml><?xml version="1.0" encoding="utf-8"?>
+<file path=ppt/slides/slide18.xml><?xml version="1.0" encoding="utf-8"?>
 <p:sld xmlns:a="http://schemas.openxmlformats.org/drawingml/2006/main" xmlns:r="http://schemas.openxmlformats.org/officeDocument/2006/relationships" xmlns:p="http://schemas.openxmlformats.org/presentationml/2006/main">
   <p:cSld>
     <p:spTree>
@@ -4575,7 +4911,7 @@
 </p:sld>
 </file>
 
-<file path=ppt/slides/slide17.xml><?xml version="1.0" encoding="utf-8"?>
+<file path=ppt/slides/slide19.xml><?xml version="1.0" encoding="utf-8"?>
 <p:sld xmlns:a="http://schemas.openxmlformats.org/drawingml/2006/main" xmlns:r="http://schemas.openxmlformats.org/officeDocument/2006/relationships" xmlns:p="http://schemas.openxmlformats.org/presentationml/2006/main">
   <p:cSld>
     <p:spTree>
@@ -4881,7 +5217,152 @@
 </p:sld>
 </file>
 
-<file path=ppt/slides/slide18.xml><?xml version="1.0" encoding="utf-8"?>
+<file path=ppt/slides/slide2.xml><?xml version="1.0" encoding="utf-8"?>
+<p:sld xmlns:a="http://schemas.openxmlformats.org/drawingml/2006/main" xmlns:r="http://schemas.openxmlformats.org/officeDocument/2006/relationships" xmlns:p="http://schemas.openxmlformats.org/presentationml/2006/main">
+  <p:cSld>
+    <p:spTree>
+      <p:nvGrpSpPr>
+        <p:cNvPr id="1" name=""/>
+        <p:cNvGrpSpPr/>
+        <p:nvPr/>
+      </p:nvGrpSpPr>
+      <p:grpSpPr>
+        <a:xfrm>
+          <a:off x="0" y="0"/>
+          <a:ext cx="0" cy="0"/>
+          <a:chOff x="0" y="0"/>
+          <a:chExt cx="0" cy="0"/>
+        </a:xfrm>
+      </p:grpSpPr>
+      <p:sp>
+        <p:nvSpPr>
+          <p:cNvPr id="2" name="Title 1">
+            <a:extLst>
+              <a:ext uri="{FF2B5EF4-FFF2-40B4-BE49-F238E27FC236}">
+                <a16:creationId xmlns:a16="http://schemas.microsoft.com/office/drawing/2014/main" id="{361B9865-7DB8-EE4A-969C-D47DAEC538BD}"/>
+              </a:ext>
+            </a:extLst>
+          </p:cNvPr>
+          <p:cNvSpPr>
+            <a:spLocks noGrp="1"/>
+          </p:cNvSpPr>
+          <p:nvPr>
+            <p:ph type="title"/>
+          </p:nvPr>
+        </p:nvSpPr>
+        <p:spPr/>
+        <p:txBody>
+          <a:bodyPr/>
+          <a:lstStyle/>
+          <a:p>
+            <a:r>
+              <a:rPr lang="en-US" dirty="0"/>
+              <a:t>Administrivia</a:t>
+            </a:r>
+          </a:p>
+        </p:txBody>
+      </p:sp>
+      <p:sp>
+        <p:nvSpPr>
+          <p:cNvPr id="3" name="Content Placeholder 2">
+            <a:extLst>
+              <a:ext uri="{FF2B5EF4-FFF2-40B4-BE49-F238E27FC236}">
+                <a16:creationId xmlns:a16="http://schemas.microsoft.com/office/drawing/2014/main" id="{4FDDD13A-E1DC-A54F-9DCF-E8013CBABE16}"/>
+              </a:ext>
+            </a:extLst>
+          </p:cNvPr>
+          <p:cNvSpPr>
+            <a:spLocks noGrp="1"/>
+          </p:cNvSpPr>
+          <p:nvPr>
+            <p:ph idx="1"/>
+          </p:nvPr>
+        </p:nvSpPr>
+        <p:spPr/>
+        <p:txBody>
+          <a:bodyPr>
+            <a:normAutofit/>
+          </a:bodyPr>
+          <a:lstStyle/>
+          <a:p>
+            <a:pPr marL="0" indent="0">
+              <a:buNone/>
+            </a:pPr>
+            <a:r>
+              <a:rPr lang="en-US" dirty="0" err="1"/>
+              <a:t>Adds+Drops</a:t>
+            </a:r>
+            <a:r>
+              <a:rPr lang="en-US" dirty="0"/>
+              <a:t>: will adjust presentation/scribe schedule tonight</a:t>
+            </a:r>
+          </a:p>
+          <a:p>
+            <a:r>
+              <a:rPr lang="en-US" dirty="0"/>
+              <a:t>Let me know if you are NOT ok with being moved </a:t>
+            </a:r>
+          </a:p>
+          <a:p>
+            <a:pPr marL="0" indent="0">
+              <a:buNone/>
+            </a:pPr>
+            <a:endParaRPr lang="en-US" dirty="0"/>
+          </a:p>
+          <a:p>
+            <a:pPr marL="0" indent="0">
+              <a:buNone/>
+            </a:pPr>
+            <a:r>
+              <a:rPr lang="en-US" dirty="0"/>
+              <a:t>Presentations: send slides to </a:t>
+            </a:r>
+            <a:r>
+              <a:rPr lang="en-US" dirty="0" err="1"/>
+              <a:t>yiru</a:t>
+            </a:r>
+            <a:r>
+              <a:rPr lang="en-US" dirty="0"/>
+              <a:t> </a:t>
+            </a:r>
+          </a:p>
+          <a:p>
+            <a:pPr marL="0" indent="0">
+              <a:buNone/>
+            </a:pPr>
+            <a:r>
+              <a:rPr lang="en-US" dirty="0"/>
+              <a:t>Website: reviews, slides, announcements</a:t>
+            </a:r>
+          </a:p>
+          <a:p>
+            <a:pPr marL="0" indent="0">
+              <a:buNone/>
+            </a:pPr>
+            <a:endParaRPr lang="en-US" dirty="0"/>
+          </a:p>
+          <a:p>
+            <a:pPr marL="0" indent="0">
+              <a:buNone/>
+            </a:pPr>
+            <a:endParaRPr lang="en-US" dirty="0"/>
+          </a:p>
+        </p:txBody>
+      </p:sp>
+    </p:spTree>
+    <p:extLst>
+      <p:ext uri="{BB962C8B-B14F-4D97-AF65-F5344CB8AC3E}">
+        <p14:creationId xmlns:p14="http://schemas.microsoft.com/office/powerpoint/2010/main" val="3803463876"/>
+      </p:ext>
+    </p:extLst>
+  </p:cSld>
+  <p:clrMapOvr>
+    <a:masterClrMapping/>
+  </p:clrMapOvr>
+</p:sld>
+</file>
+
+<file path=ppt/slides/slide20.xml><?xml version="1.0" encoding="utf-8"?>
 <p:sld xmlns:a="http://schemas.openxmlformats.org/drawingml/2006/main" xmlns:r="http://schemas.openxmlformats.org/officeDocument/2006/relationships" xmlns:p="http://schemas.openxmlformats.org/presentationml/2006/main">
   <p:cSld>
     <p:spTree>
@@ -5126,7 +5607,7 @@
 </p:sld>
 </file>
 
-<file path=ppt/slides/slide19.xml><?xml version="1.0" encoding="utf-8"?>
+<file path=ppt/slides/slide21.xml><?xml version="1.0" encoding="utf-8"?>
 <p:sld xmlns:a="http://schemas.openxmlformats.org/drawingml/2006/main" xmlns:r="http://schemas.openxmlformats.org/officeDocument/2006/relationships" xmlns:p="http://schemas.openxmlformats.org/presentationml/2006/main">
   <p:cSld>
     <p:spTree>
@@ -5437,141 +5918,7 @@
 </p:sld>
 </file>
 
-<file path=ppt/slides/slide2.xml><?xml version="1.0" encoding="utf-8"?>
-<p:sld xmlns:a="http://schemas.openxmlformats.org/drawingml/2006/main" xmlns:r="http://schemas.openxmlformats.org/officeDocument/2006/relationships" xmlns:p="http://schemas.openxmlformats.org/presentationml/2006/main">
-  <p:cSld>
-    <p:spTree>
-      <p:nvGrpSpPr>
-        <p:cNvPr id="1" name=""/>
-        <p:cNvGrpSpPr/>
-        <p:nvPr/>
-      </p:nvGrpSpPr>
-      <p:grpSpPr>
-        <a:xfrm>
-          <a:off x="0" y="0"/>
-          <a:ext cx="0" cy="0"/>
-          <a:chOff x="0" y="0"/>
-          <a:chExt cx="0" cy="0"/>
-        </a:xfrm>
-      </p:grpSpPr>
-      <p:sp>
-        <p:nvSpPr>
-          <p:cNvPr id="2" name="Title 1">
-            <a:extLst>
-              <a:ext uri="{FF2B5EF4-FFF2-40B4-BE49-F238E27FC236}">
-                <a16:creationId xmlns:a16="http://schemas.microsoft.com/office/drawing/2014/main" id="{361B9865-7DB8-EE4A-969C-D47DAEC538BD}"/>
-              </a:ext>
-            </a:extLst>
-          </p:cNvPr>
-          <p:cNvSpPr>
-            <a:spLocks noGrp="1"/>
-          </p:cNvSpPr>
-          <p:nvPr>
-            <p:ph type="title"/>
-          </p:nvPr>
-        </p:nvSpPr>
-        <p:spPr/>
-        <p:txBody>
-          <a:bodyPr/>
-          <a:lstStyle/>
-          <a:p>
-            <a:r>
-              <a:rPr lang="en-US" dirty="0"/>
-              <a:t>Administrivia</a:t>
-            </a:r>
-          </a:p>
-        </p:txBody>
-      </p:sp>
-      <p:sp>
-        <p:nvSpPr>
-          <p:cNvPr id="3" name="Content Placeholder 2">
-            <a:extLst>
-              <a:ext uri="{FF2B5EF4-FFF2-40B4-BE49-F238E27FC236}">
-                <a16:creationId xmlns:a16="http://schemas.microsoft.com/office/drawing/2014/main" id="{4FDDD13A-E1DC-A54F-9DCF-E8013CBABE16}"/>
-              </a:ext>
-            </a:extLst>
-          </p:cNvPr>
-          <p:cNvSpPr>
-            <a:spLocks noGrp="1"/>
-          </p:cNvSpPr>
-          <p:nvPr>
-            <p:ph idx="1"/>
-          </p:nvPr>
-        </p:nvSpPr>
-        <p:spPr/>
-        <p:txBody>
-          <a:bodyPr/>
-          <a:lstStyle/>
-          <a:p>
-            <a:pPr marL="0" indent="0">
-              <a:buNone/>
-            </a:pPr>
-            <a:r>
-              <a:rPr lang="en-US" dirty="0" err="1"/>
-              <a:t>Adds+Drops</a:t>
-            </a:r>
-            <a:r>
-              <a:rPr lang="en-US" dirty="0"/>
-              <a:t>: need to readjust presentation/scribe schedule a bit</a:t>
-            </a:r>
-          </a:p>
-          <a:p>
-            <a:r>
-              <a:rPr lang="en-US" dirty="0"/>
-              <a:t>Let me know if you are NOT ok with being moved </a:t>
-            </a:r>
-          </a:p>
-          <a:p>
-            <a:pPr marL="0" indent="0">
-              <a:buNone/>
-            </a:pPr>
-            <a:endParaRPr lang="en-US" dirty="0"/>
-          </a:p>
-          <a:p>
-            <a:pPr marL="0" indent="0">
-              <a:buNone/>
-            </a:pPr>
-            <a:r>
-              <a:rPr lang="en-US" dirty="0"/>
-              <a:t>Presentations: send slides to </a:t>
-            </a:r>
-            <a:r>
-              <a:rPr lang="en-US" dirty="0" err="1"/>
-              <a:t>yiru</a:t>
-            </a:r>
-            <a:r>
-              <a:rPr lang="en-US" dirty="0"/>
-              <a:t> </a:t>
-            </a:r>
-          </a:p>
-          <a:p>
-            <a:pPr marL="0" indent="0">
-              <a:buNone/>
-            </a:pPr>
-            <a:endParaRPr lang="en-US" dirty="0"/>
-          </a:p>
-          <a:p>
-            <a:pPr marL="0" indent="0">
-              <a:buNone/>
-            </a:pPr>
-            <a:endParaRPr lang="en-US" dirty="0"/>
-          </a:p>
-        </p:txBody>
-      </p:sp>
-    </p:spTree>
-    <p:extLst>
-      <p:ext uri="{BB962C8B-B14F-4D97-AF65-F5344CB8AC3E}">
-        <p14:creationId xmlns:p14="http://schemas.microsoft.com/office/powerpoint/2010/main" val="3803463876"/>
-      </p:ext>
-    </p:extLst>
-  </p:cSld>
-  <p:clrMapOvr>
-    <a:masterClrMapping/>
-  </p:clrMapOvr>
-</p:sld>
-</file>
-
-<file path=ppt/slides/slide20.xml><?xml version="1.0" encoding="utf-8"?>
+<file path=ppt/slides/slide22.xml><?xml version="1.0" encoding="utf-8"?>
 <p:sld xmlns:a="http://schemas.openxmlformats.org/drawingml/2006/main" xmlns:r="http://schemas.openxmlformats.org/officeDocument/2006/relationships" xmlns:p="http://schemas.openxmlformats.org/presentationml/2006/main">
   <p:cSld>
     <p:spTree>
@@ -5716,7 +6063,7 @@
 </p:sld>
 </file>
 
-<file path=ppt/slides/slide21.xml><?xml version="1.0" encoding="utf-8"?>
+<file path=ppt/slides/slide23.xml><?xml version="1.0" encoding="utf-8"?>
 <p:sld xmlns:a="http://schemas.openxmlformats.org/drawingml/2006/main" xmlns:r="http://schemas.openxmlformats.org/officeDocument/2006/relationships" xmlns:p="http://schemas.openxmlformats.org/presentationml/2006/main">
   <p:cSld>
     <p:spTree>
@@ -5787,7 +6134,7 @@
 </p:sld>
 </file>
 
-<file path=ppt/slides/slide22.xml><?xml version="1.0" encoding="utf-8"?>
+<file path=ppt/slides/slide24.xml><?xml version="1.0" encoding="utf-8"?>
 <p:sld xmlns:a="http://schemas.openxmlformats.org/drawingml/2006/main" xmlns:r="http://schemas.openxmlformats.org/officeDocument/2006/relationships" xmlns:p="http://schemas.openxmlformats.org/presentationml/2006/main">
   <p:cSld>
     <p:spTree>
@@ -5967,7 +6314,7 @@
 </p:sld>
 </file>
 
-<file path=ppt/slides/slide23.xml><?xml version="1.0" encoding="utf-8"?>
+<file path=ppt/slides/slide25.xml><?xml version="1.0" encoding="utf-8"?>
 <p:sld xmlns:a="http://schemas.openxmlformats.org/drawingml/2006/main" xmlns:r="http://schemas.openxmlformats.org/officeDocument/2006/relationships" xmlns:p="http://schemas.openxmlformats.org/presentationml/2006/main">
   <p:cSld>
     <p:spTree>
@@ -6338,160 +6685,6 @@
 </p:sld>
 </file>
 
-<file path=ppt/slides/slide24.xml><?xml version="1.0" encoding="utf-8"?>
-<p:sld xmlns:a="http://schemas.openxmlformats.org/drawingml/2006/main" xmlns:r="http://schemas.openxmlformats.org/officeDocument/2006/relationships" xmlns:p="http://schemas.openxmlformats.org/presentationml/2006/main">
-  <p:cSld>
-    <p:spTree>
-      <p:nvGrpSpPr>
-        <p:cNvPr id="1" name=""/>
-        <p:cNvGrpSpPr/>
-        <p:nvPr/>
-      </p:nvGrpSpPr>
-      <p:grpSpPr>
-        <a:xfrm>
-          <a:off x="0" y="0"/>
-          <a:ext cx="0" cy="0"/>
-          <a:chOff x="0" y="0"/>
-          <a:chExt cx="0" cy="0"/>
-        </a:xfrm>
-      </p:grpSpPr>
-      <p:sp>
-        <p:nvSpPr>
-          <p:cNvPr id="2" name="Title 1">
-            <a:extLst>
-              <a:ext uri="{FF2B5EF4-FFF2-40B4-BE49-F238E27FC236}">
-                <a16:creationId xmlns:a16="http://schemas.microsoft.com/office/drawing/2014/main" id="{E17ADD7D-E662-B249-954C-DC41B0DF4D2E}"/>
-              </a:ext>
-            </a:extLst>
-          </p:cNvPr>
-          <p:cNvSpPr>
-            <a:spLocks noGrp="1"/>
-          </p:cNvSpPr>
-          <p:nvPr>
-            <p:ph type="title"/>
-          </p:nvPr>
-        </p:nvSpPr>
-        <p:spPr/>
-        <p:txBody>
-          <a:bodyPr/>
-          <a:lstStyle/>
-          <a:p>
-            <a:r>
-              <a:rPr lang="en-US" dirty="0"/>
-              <a:t>Draco</a:t>
-            </a:r>
-          </a:p>
-        </p:txBody>
-      </p:sp>
-      <p:sp>
-        <p:nvSpPr>
-          <p:cNvPr id="3" name="Content Placeholder 2">
-            <a:extLst>
-              <a:ext uri="{FF2B5EF4-FFF2-40B4-BE49-F238E27FC236}">
-                <a16:creationId xmlns:a16="http://schemas.microsoft.com/office/drawing/2014/main" id="{FFBCCCDB-070C-DC4C-9A0A-05BE0F66749F}"/>
-              </a:ext>
-            </a:extLst>
-          </p:cNvPr>
-          <p:cNvSpPr>
-            <a:spLocks noGrp="1"/>
-          </p:cNvSpPr>
-          <p:nvPr>
-            <p:ph idx="1"/>
-          </p:nvPr>
-        </p:nvSpPr>
-        <p:spPr/>
-        <p:txBody>
-          <a:bodyPr/>
-          <a:lstStyle/>
-          <a:p>
-            <a:endParaRPr lang="en-US" dirty="0"/>
-          </a:p>
-        </p:txBody>
-      </p:sp>
-    </p:spTree>
-    <p:extLst>
-      <p:ext uri="{BB962C8B-B14F-4D97-AF65-F5344CB8AC3E}">
-        <p14:creationId xmlns:p14="http://schemas.microsoft.com/office/powerpoint/2010/main" val="1085386911"/>
-      </p:ext>
-    </p:extLst>
-  </p:cSld>
-  <p:clrMapOvr>
-    <a:masterClrMapping/>
-  </p:clrMapOvr>
-</p:sld>
-</file>
-
-<file path=ppt/slides/slide25.xml><?xml version="1.0" encoding="utf-8"?>
-<p:sld xmlns:a="http://schemas.openxmlformats.org/drawingml/2006/main" xmlns:r="http://schemas.openxmlformats.org/officeDocument/2006/relationships" xmlns:p="http://schemas.openxmlformats.org/presentationml/2006/main">
-  <p:cSld>
-    <p:spTree>
-      <p:nvGrpSpPr>
-        <p:cNvPr id="1" name=""/>
-        <p:cNvGrpSpPr/>
-        <p:nvPr/>
-      </p:nvGrpSpPr>
-      <p:grpSpPr>
-        <a:xfrm>
-          <a:off x="0" y="0"/>
-          <a:ext cx="0" cy="0"/>
-          <a:chOff x="0" y="0"/>
-          <a:chExt cx="0" cy="0"/>
-        </a:xfrm>
-      </p:grpSpPr>
-      <p:sp>
-        <p:nvSpPr>
-          <p:cNvPr id="2" name="Title 1"/>
-          <p:cNvSpPr>
-            <a:spLocks noGrp="1"/>
-          </p:cNvSpPr>
-          <p:nvPr>
-            <p:ph type="title"/>
-          </p:nvPr>
-        </p:nvSpPr>
-        <p:spPr/>
-        <p:txBody>
-          <a:bodyPr/>
-          <a:lstStyle/>
-          <a:p>
-            <a:r>
-              <a:rPr lang="en-US" dirty="0"/>
-              <a:t>Voyager Discussion</a:t>
-            </a:r>
-          </a:p>
-        </p:txBody>
-      </p:sp>
-      <p:sp>
-        <p:nvSpPr>
-          <p:cNvPr id="3" name="Content Placeholder 2"/>
-          <p:cNvSpPr>
-            <a:spLocks noGrp="1"/>
-          </p:cNvSpPr>
-          <p:nvPr>
-            <p:ph idx="1"/>
-          </p:nvPr>
-        </p:nvSpPr>
-        <p:spPr/>
-        <p:txBody>
-          <a:bodyPr/>
-          <a:lstStyle/>
-          <a:p>
-            <a:endParaRPr lang="en-US"/>
-          </a:p>
-        </p:txBody>
-      </p:sp>
-    </p:spTree>
-    <p:extLst>
-      <p:ext uri="{BB962C8B-B14F-4D97-AF65-F5344CB8AC3E}">
-        <p14:creationId xmlns:p14="http://schemas.microsoft.com/office/powerpoint/2010/main" val="2085227110"/>
-      </p:ext>
-    </p:extLst>
-  </p:cSld>
-  <p:clrMapOvr>
-    <a:masterClrMapping/>
-  </p:clrMapOvr>
-</p:sld>
-</file>
-
 <file path=ppt/slides/slide26.xml><?xml version="1.0" encoding="utf-8"?>
 <p:sld xmlns:a="http://schemas.openxmlformats.org/drawingml/2006/main" xmlns:r="http://schemas.openxmlformats.org/officeDocument/2006/relationships" xmlns:p="http://schemas.openxmlformats.org/presentationml/2006/main">
   <p:cSld>
@@ -6514,7 +6707,7 @@
           <p:cNvPr id="2" name="Title 1">
             <a:extLst>
               <a:ext uri="{FF2B5EF4-FFF2-40B4-BE49-F238E27FC236}">
-                <a16:creationId xmlns:a16="http://schemas.microsoft.com/office/drawing/2014/main" id="{8FF8890C-0FBB-9642-A68C-772823208760}"/>
+                <a16:creationId xmlns:a16="http://schemas.microsoft.com/office/drawing/2014/main" id="{E17ADD7D-E662-B249-954C-DC41B0DF4D2E}"/>
               </a:ext>
             </a:extLst>
           </p:cNvPr>
@@ -6532,7 +6725,7 @@
           <a:p>
             <a:r>
               <a:rPr lang="en-US" dirty="0"/>
-              <a:t>Voyager</a:t>
+              <a:t>Draco</a:t>
             </a:r>
           </a:p>
         </p:txBody>
@@ -6542,7 +6735,7 @@
           <p:cNvPr id="3" name="Content Placeholder 2">
             <a:extLst>
               <a:ext uri="{FF2B5EF4-FFF2-40B4-BE49-F238E27FC236}">
-                <a16:creationId xmlns:a16="http://schemas.microsoft.com/office/drawing/2014/main" id="{CF5D6996-D565-A348-8D29-618E51CF895C}"/>
+                <a16:creationId xmlns:a16="http://schemas.microsoft.com/office/drawing/2014/main" id="{FFBCCCDB-070C-DC4C-9A0A-05BE0F66749F}"/>
               </a:ext>
             </a:extLst>
           </p:cNvPr>
@@ -6558,16 +6751,6 @@
           <a:bodyPr/>
           <a:lstStyle/>
           <a:p>
-            <a:r>
-              <a:rPr lang="en-US" dirty="0"/>
-              <a:t>Was the evaluation “fair”?  What would you have done?</a:t>
-            </a:r>
-          </a:p>
-          <a:p>
-            <a:endParaRPr lang="en-US" dirty="0"/>
-          </a:p>
-          <a:p>
-            <a:pPr lvl="1" algn="r"/>
             <a:endParaRPr lang="en-US" dirty="0"/>
           </a:p>
         </p:txBody>
@@ -6575,7 +6758,7 @@
     </p:spTree>
     <p:extLst>
       <p:ext uri="{BB962C8B-B14F-4D97-AF65-F5344CB8AC3E}">
-        <p14:creationId xmlns:p14="http://schemas.microsoft.com/office/powerpoint/2010/main" val="3677453772"/>
+        <p14:creationId xmlns:p14="http://schemas.microsoft.com/office/powerpoint/2010/main" val="1085386911"/>
       </p:ext>
     </p:extLst>
   </p:cSld>
@@ -6604,13 +6787,7 @@
       </p:grpSpPr>
       <p:sp>
         <p:nvSpPr>
-          <p:cNvPr id="2" name="Title 1">
-            <a:extLst>
-              <a:ext uri="{FF2B5EF4-FFF2-40B4-BE49-F238E27FC236}">
-                <a16:creationId xmlns:a16="http://schemas.microsoft.com/office/drawing/2014/main" id="{7F6691FD-F4CC-3547-9D92-3342243530A5}"/>
-              </a:ext>
-            </a:extLst>
-          </p:cNvPr>
+          <p:cNvPr id="2" name="Title 1"/>
           <p:cNvSpPr>
             <a:spLocks noGrp="1"/>
           </p:cNvSpPr>
@@ -6625,20 +6802,14 @@
           <a:p>
             <a:r>
               <a:rPr lang="en-US" dirty="0"/>
-              <a:t>Voyager</a:t>
-            </a:r>
-          </a:p>
-        </p:txBody>
-      </p:sp>
-      <p:sp>
-        <p:nvSpPr>
-          <p:cNvPr id="3" name="Content Placeholder 2">
-            <a:extLst>
-              <a:ext uri="{FF2B5EF4-FFF2-40B4-BE49-F238E27FC236}">
-                <a16:creationId xmlns:a16="http://schemas.microsoft.com/office/drawing/2014/main" id="{DADA9D0A-0032-C248-9FA8-6DBDA2A9184C}"/>
-              </a:ext>
-            </a:extLst>
-          </p:cNvPr>
+              <a:t>Voyager Discussion</a:t>
+            </a:r>
+          </a:p>
+        </p:txBody>
+      </p:sp>
+      <p:sp>
+        <p:nvSpPr>
+          <p:cNvPr id="3" name="Content Placeholder 2"/>
           <p:cNvSpPr>
             <a:spLocks noGrp="1"/>
           </p:cNvSpPr>
@@ -6650,21 +6821,6 @@
         <p:txBody>
           <a:bodyPr/>
           <a:lstStyle/>
-          <a:p>
-            <a:r>
-              <a:rPr lang="en-US" dirty="0"/>
-              <a:t>Is breadth vs depth the appropriate axis to study?</a:t>
-            </a:r>
-          </a:p>
-          <a:p>
-            <a:endParaRPr lang="en-US" dirty="0"/>
-          </a:p>
-          <a:p>
-            <a:r>
-              <a:rPr lang="en-US" dirty="0"/>
-              <a:t>What are the pros and cons of breadth-oriented exploration?</a:t>
-            </a:r>
-          </a:p>
           <a:p>
             <a:endParaRPr lang="en-US" dirty="0"/>
           </a:p>
@@ -6673,7 +6829,7 @@
     </p:spTree>
     <p:extLst>
       <p:ext uri="{BB962C8B-B14F-4D97-AF65-F5344CB8AC3E}">
-        <p14:creationId xmlns:p14="http://schemas.microsoft.com/office/powerpoint/2010/main" val="1994445304"/>
+        <p14:creationId xmlns:p14="http://schemas.microsoft.com/office/powerpoint/2010/main" val="2085227110"/>
       </p:ext>
     </p:extLst>
   </p:cSld>
@@ -6705,7 +6861,7 @@
           <p:cNvPr id="2" name="Title 1">
             <a:extLst>
               <a:ext uri="{FF2B5EF4-FFF2-40B4-BE49-F238E27FC236}">
-                <a16:creationId xmlns:a16="http://schemas.microsoft.com/office/drawing/2014/main" id="{7F6691FD-F4CC-3547-9D92-3342243530A5}"/>
+                <a16:creationId xmlns:a16="http://schemas.microsoft.com/office/drawing/2014/main" id="{8FF8890C-0FBB-9642-A68C-772823208760}"/>
               </a:ext>
             </a:extLst>
           </p:cNvPr>
@@ -6733,7 +6889,7 @@
           <p:cNvPr id="3" name="Content Placeholder 2">
             <a:extLst>
               <a:ext uri="{FF2B5EF4-FFF2-40B4-BE49-F238E27FC236}">
-                <a16:creationId xmlns:a16="http://schemas.microsoft.com/office/drawing/2014/main" id="{DADA9D0A-0032-C248-9FA8-6DBDA2A9184C}"/>
+                <a16:creationId xmlns:a16="http://schemas.microsoft.com/office/drawing/2014/main" id="{CF5D6996-D565-A348-8D29-618E51CF895C}"/>
               </a:ext>
             </a:extLst>
           </p:cNvPr>
@@ -6751,10 +6907,14 @@
           <a:p>
             <a:r>
               <a:rPr lang="en-US" dirty="0"/>
-              <a:t>What characteristics should be important in recommendation?</a:t>
-            </a:r>
-          </a:p>
-          <a:p>
+              <a:t>Was the evaluation “fair”?  What would you have done?</a:t>
+            </a:r>
+          </a:p>
+          <a:p>
+            <a:endParaRPr lang="en-US" dirty="0"/>
+          </a:p>
+          <a:p>
+            <a:pPr lvl="1" algn="r"/>
             <a:endParaRPr lang="en-US" dirty="0"/>
           </a:p>
         </p:txBody>
@@ -6762,7 +6922,7 @@
     </p:spTree>
     <p:extLst>
       <p:ext uri="{BB962C8B-B14F-4D97-AF65-F5344CB8AC3E}">
-        <p14:creationId xmlns:p14="http://schemas.microsoft.com/office/powerpoint/2010/main" val="154078818"/>
+        <p14:creationId xmlns:p14="http://schemas.microsoft.com/office/powerpoint/2010/main" val="3677453772"/>
       </p:ext>
     </p:extLst>
   </p:cSld>
@@ -6840,28 +7000,16 @@
           <a:p>
             <a:r>
               <a:rPr lang="en-US" dirty="0"/>
-              <a:t>What characteristics should be important in recommendation?</a:t>
-            </a:r>
-          </a:p>
-          <a:p>
-            <a:pPr lvl="1"/>
-            <a:r>
-              <a:rPr lang="en-US" dirty="0"/>
-              <a:t>Task/user goals  (what does the task of exploration mean?)</a:t>
-            </a:r>
-          </a:p>
-          <a:p>
-            <a:pPr lvl="1"/>
-            <a:r>
-              <a:rPr lang="en-US" dirty="0"/>
-              <a:t>Directly find “interesting” views</a:t>
-            </a:r>
-          </a:p>
-          <a:p>
-            <a:pPr lvl="1"/>
-            <a:r>
-              <a:rPr lang="en-US" dirty="0"/>
-              <a:t>Perceptual appropriateness</a:t>
+              <a:t>Is breadth vs depth the appropriate axis to study?</a:t>
+            </a:r>
+          </a:p>
+          <a:p>
+            <a:endParaRPr lang="en-US" dirty="0"/>
+          </a:p>
+          <a:p>
+            <a:r>
+              <a:rPr lang="en-US" dirty="0"/>
+              <a:t>What are the pros and cons of breadth-oriented exploration?</a:t>
             </a:r>
           </a:p>
           <a:p>
@@ -6872,7 +7020,7 @@
     </p:spTree>
     <p:extLst>
       <p:ext uri="{BB962C8B-B14F-4D97-AF65-F5344CB8AC3E}">
-        <p14:creationId xmlns:p14="http://schemas.microsoft.com/office/powerpoint/2010/main" val="163403763"/>
+        <p14:creationId xmlns:p14="http://schemas.microsoft.com/office/powerpoint/2010/main" val="1994445304"/>
       </p:ext>
     </p:extLst>
   </p:cSld>
@@ -6904,7 +7052,7 @@
           <p:cNvPr id="2" name="Title 1">
             <a:extLst>
               <a:ext uri="{FF2B5EF4-FFF2-40B4-BE49-F238E27FC236}">
-                <a16:creationId xmlns:a16="http://schemas.microsoft.com/office/drawing/2014/main" id="{8938D498-FFEF-B843-958C-903E5A3DF74F}"/>
+                <a16:creationId xmlns:a16="http://schemas.microsoft.com/office/drawing/2014/main" id="{72B34815-B868-1D40-B92E-1421E4470013}"/>
               </a:ext>
             </a:extLst>
           </p:cNvPr>
@@ -6932,7 +7080,7 @@
           <p:cNvPr id="3" name="Content Placeholder 2">
             <a:extLst>
               <a:ext uri="{FF2B5EF4-FFF2-40B4-BE49-F238E27FC236}">
-                <a16:creationId xmlns:a16="http://schemas.microsoft.com/office/drawing/2014/main" id="{7D4BD79E-E44E-E445-A4D1-4280C5AA92D1}"/>
+                <a16:creationId xmlns:a16="http://schemas.microsoft.com/office/drawing/2014/main" id="{13424CF6-9A1F-3D41-BE80-CCA21E429716}"/>
               </a:ext>
             </a:extLst>
           </p:cNvPr>
@@ -6945,9 +7093,7 @@
         </p:nvSpPr>
         <p:spPr/>
         <p:txBody>
-          <a:bodyPr>
-            <a:normAutofit fontScale="77500" lnSpcReduction="20000"/>
-          </a:bodyPr>
+          <a:bodyPr/>
           <a:lstStyle/>
           <a:p>
             <a:pPr marL="0" indent="0">
@@ -6955,105 +7101,229 @@
             </a:pPr>
             <a:r>
               <a:rPr lang="en-US" dirty="0"/>
-              <a:t>Project Proposal due tonight: follow format of the prospectus</a:t>
-            </a:r>
-          </a:p>
-          <a:p>
-            <a:r>
-              <a:rPr lang="en-US" dirty="0"/>
-              <a:t>What is the problem</a:t>
-            </a:r>
-          </a:p>
-          <a:p>
-            <a:r>
-              <a:rPr lang="en-US" dirty="0"/>
-              <a:t>Why is it important</a:t>
-            </a:r>
-          </a:p>
-          <a:p>
-            <a:r>
-              <a:rPr lang="en-US" dirty="0"/>
-              <a:t>Why is it hard</a:t>
-            </a:r>
-          </a:p>
-          <a:p>
-            <a:r>
-              <a:rPr lang="en-US" dirty="0"/>
-              <a:t>What is your key idea or approach </a:t>
-            </a:r>
-          </a:p>
-          <a:p>
-            <a:pPr lvl="1"/>
-            <a:r>
-              <a:rPr lang="en-US" dirty="0"/>
-              <a:t>Any initial results already shown</a:t>
-            </a:r>
-          </a:p>
-          <a:p>
-            <a:pPr lvl="1"/>
-            <a:r>
-              <a:rPr lang="en-US" dirty="0"/>
-              <a:t>If not, provide a sketch of idea/algorithm</a:t>
-            </a:r>
-          </a:p>
-          <a:p>
-            <a:pPr lvl="1"/>
-            <a:r>
-              <a:rPr lang="en-US" dirty="0"/>
-              <a:t>If not, provide a architecture diagram of the system</a:t>
-            </a:r>
-          </a:p>
-          <a:p>
-            <a:pPr lvl="1"/>
-            <a:r>
-              <a:rPr lang="en-US" dirty="0"/>
-              <a:t>The more detailed the better</a:t>
-            </a:r>
-          </a:p>
-          <a:p>
-            <a:endParaRPr lang="en-US" dirty="0"/>
-          </a:p>
-          <a:p>
-            <a:r>
-              <a:rPr lang="en-US" dirty="0"/>
-              <a:t>OK to change between now and related </a:t>
-            </a:r>
+              <a:t>A1 grading released tomorrow</a:t>
+            </a:r>
+          </a:p>
+          <a:p>
+            <a:pPr marL="0" indent="0">
+              <a:buNone/>
+            </a:pPr>
             <a:r>
               <a:rPr lang="en-US"/>
-              <a:t>work deadline</a:t>
-            </a:r>
-            <a:endParaRPr lang="en-US" dirty="0"/>
+              <a:t>Feedback on assignments?</a:t>
+            </a:r>
           </a:p>
           <a:p>
             <a:pPr marL="0" indent="0">
               <a:buNone/>
             </a:pPr>
-            <a:endParaRPr lang="en-US" dirty="0"/>
-          </a:p>
-          <a:p>
-            <a:pPr marL="0" indent="0">
-              <a:buNone/>
-            </a:pPr>
-            <a:r>
-              <a:rPr lang="en-US" dirty="0">
-                <a:hlinkClick r:id="rId2"/>
-              </a:rPr>
-              <a:t>https://columbiaviz.github.io/2020s_w6998/projects</a:t>
-            </a:r>
-            <a:endParaRPr lang="en-US" dirty="0"/>
-          </a:p>
-          <a:p>
-            <a:pPr marL="0" indent="0">
-              <a:buNone/>
-            </a:pPr>
-            <a:endParaRPr lang="en-US" dirty="0"/>
+            <a:endParaRPr lang="en-US"/>
           </a:p>
         </p:txBody>
       </p:sp>
     </p:spTree>
     <p:extLst>
       <p:ext uri="{BB962C8B-B14F-4D97-AF65-F5344CB8AC3E}">
-        <p14:creationId xmlns:p14="http://schemas.microsoft.com/office/powerpoint/2010/main" val="131339024"/>
+        <p14:creationId xmlns:p14="http://schemas.microsoft.com/office/powerpoint/2010/main" val="2623074146"/>
+      </p:ext>
+    </p:extLst>
+  </p:cSld>
+  <p:clrMapOvr>
+    <a:masterClrMapping/>
+  </p:clrMapOvr>
+</p:sld>
+</file>
+
+<file path=ppt/slides/slide30.xml><?xml version="1.0" encoding="utf-8"?>
+<p:sld xmlns:a="http://schemas.openxmlformats.org/drawingml/2006/main" xmlns:r="http://schemas.openxmlformats.org/officeDocument/2006/relationships" xmlns:p="http://schemas.openxmlformats.org/presentationml/2006/main">
+  <p:cSld>
+    <p:spTree>
+      <p:nvGrpSpPr>
+        <p:cNvPr id="1" name=""/>
+        <p:cNvGrpSpPr/>
+        <p:nvPr/>
+      </p:nvGrpSpPr>
+      <p:grpSpPr>
+        <a:xfrm>
+          <a:off x="0" y="0"/>
+          <a:ext cx="0" cy="0"/>
+          <a:chOff x="0" y="0"/>
+          <a:chExt cx="0" cy="0"/>
+        </a:xfrm>
+      </p:grpSpPr>
+      <p:sp>
+        <p:nvSpPr>
+          <p:cNvPr id="2" name="Title 1">
+            <a:extLst>
+              <a:ext uri="{FF2B5EF4-FFF2-40B4-BE49-F238E27FC236}">
+                <a16:creationId xmlns:a16="http://schemas.microsoft.com/office/drawing/2014/main" id="{7F6691FD-F4CC-3547-9D92-3342243530A5}"/>
+              </a:ext>
+            </a:extLst>
+          </p:cNvPr>
+          <p:cNvSpPr>
+            <a:spLocks noGrp="1"/>
+          </p:cNvSpPr>
+          <p:nvPr>
+            <p:ph type="title"/>
+          </p:nvPr>
+        </p:nvSpPr>
+        <p:spPr/>
+        <p:txBody>
+          <a:bodyPr/>
+          <a:lstStyle/>
+          <a:p>
+            <a:r>
+              <a:rPr lang="en-US" dirty="0"/>
+              <a:t>Voyager</a:t>
+            </a:r>
+          </a:p>
+        </p:txBody>
+      </p:sp>
+      <p:sp>
+        <p:nvSpPr>
+          <p:cNvPr id="3" name="Content Placeholder 2">
+            <a:extLst>
+              <a:ext uri="{FF2B5EF4-FFF2-40B4-BE49-F238E27FC236}">
+                <a16:creationId xmlns:a16="http://schemas.microsoft.com/office/drawing/2014/main" id="{DADA9D0A-0032-C248-9FA8-6DBDA2A9184C}"/>
+              </a:ext>
+            </a:extLst>
+          </p:cNvPr>
+          <p:cNvSpPr>
+            <a:spLocks noGrp="1"/>
+          </p:cNvSpPr>
+          <p:nvPr>
+            <p:ph idx="1"/>
+          </p:nvPr>
+        </p:nvSpPr>
+        <p:spPr/>
+        <p:txBody>
+          <a:bodyPr/>
+          <a:lstStyle/>
+          <a:p>
+            <a:r>
+              <a:rPr lang="en-US" dirty="0"/>
+              <a:t>What characteristics should be important in recommendation?</a:t>
+            </a:r>
+          </a:p>
+          <a:p>
+            <a:endParaRPr lang="en-US" dirty="0"/>
+          </a:p>
+        </p:txBody>
+      </p:sp>
+    </p:spTree>
+    <p:extLst>
+      <p:ext uri="{BB962C8B-B14F-4D97-AF65-F5344CB8AC3E}">
+        <p14:creationId xmlns:p14="http://schemas.microsoft.com/office/powerpoint/2010/main" val="154078818"/>
+      </p:ext>
+    </p:extLst>
+  </p:cSld>
+  <p:clrMapOvr>
+    <a:masterClrMapping/>
+  </p:clrMapOvr>
+</p:sld>
+</file>
+
+<file path=ppt/slides/slide31.xml><?xml version="1.0" encoding="utf-8"?>
+<p:sld xmlns:a="http://schemas.openxmlformats.org/drawingml/2006/main" xmlns:r="http://schemas.openxmlformats.org/officeDocument/2006/relationships" xmlns:p="http://schemas.openxmlformats.org/presentationml/2006/main">
+  <p:cSld>
+    <p:spTree>
+      <p:nvGrpSpPr>
+        <p:cNvPr id="1" name=""/>
+        <p:cNvGrpSpPr/>
+        <p:nvPr/>
+      </p:nvGrpSpPr>
+      <p:grpSpPr>
+        <a:xfrm>
+          <a:off x="0" y="0"/>
+          <a:ext cx="0" cy="0"/>
+          <a:chOff x="0" y="0"/>
+          <a:chExt cx="0" cy="0"/>
+        </a:xfrm>
+      </p:grpSpPr>
+      <p:sp>
+        <p:nvSpPr>
+          <p:cNvPr id="2" name="Title 1">
+            <a:extLst>
+              <a:ext uri="{FF2B5EF4-FFF2-40B4-BE49-F238E27FC236}">
+                <a16:creationId xmlns:a16="http://schemas.microsoft.com/office/drawing/2014/main" id="{7F6691FD-F4CC-3547-9D92-3342243530A5}"/>
+              </a:ext>
+            </a:extLst>
+          </p:cNvPr>
+          <p:cNvSpPr>
+            <a:spLocks noGrp="1"/>
+          </p:cNvSpPr>
+          <p:nvPr>
+            <p:ph type="title"/>
+          </p:nvPr>
+        </p:nvSpPr>
+        <p:spPr/>
+        <p:txBody>
+          <a:bodyPr/>
+          <a:lstStyle/>
+          <a:p>
+            <a:r>
+              <a:rPr lang="en-US" dirty="0"/>
+              <a:t>Voyager</a:t>
+            </a:r>
+          </a:p>
+        </p:txBody>
+      </p:sp>
+      <p:sp>
+        <p:nvSpPr>
+          <p:cNvPr id="3" name="Content Placeholder 2">
+            <a:extLst>
+              <a:ext uri="{FF2B5EF4-FFF2-40B4-BE49-F238E27FC236}">
+                <a16:creationId xmlns:a16="http://schemas.microsoft.com/office/drawing/2014/main" id="{DADA9D0A-0032-C248-9FA8-6DBDA2A9184C}"/>
+              </a:ext>
+            </a:extLst>
+          </p:cNvPr>
+          <p:cNvSpPr>
+            <a:spLocks noGrp="1"/>
+          </p:cNvSpPr>
+          <p:nvPr>
+            <p:ph idx="1"/>
+          </p:nvPr>
+        </p:nvSpPr>
+        <p:spPr/>
+        <p:txBody>
+          <a:bodyPr/>
+          <a:lstStyle/>
+          <a:p>
+            <a:r>
+              <a:rPr lang="en-US" dirty="0"/>
+              <a:t>What characteristics should be important in recommendation?</a:t>
+            </a:r>
+          </a:p>
+          <a:p>
+            <a:pPr lvl="1"/>
+            <a:r>
+              <a:rPr lang="en-US" dirty="0"/>
+              <a:t>Task/user goals  (what does the task of exploration mean?)</a:t>
+            </a:r>
+          </a:p>
+          <a:p>
+            <a:pPr lvl="1"/>
+            <a:r>
+              <a:rPr lang="en-US" dirty="0"/>
+              <a:t>Directly find “interesting” views</a:t>
+            </a:r>
+          </a:p>
+          <a:p>
+            <a:pPr lvl="1"/>
+            <a:r>
+              <a:rPr lang="en-US" dirty="0"/>
+              <a:t>Perceptual appropriateness</a:t>
+            </a:r>
+          </a:p>
+          <a:p>
+            <a:endParaRPr lang="en-US" dirty="0"/>
+          </a:p>
+        </p:txBody>
+      </p:sp>
+    </p:spTree>
+    <p:extLst>
+      <p:ext uri="{BB962C8B-B14F-4D97-AF65-F5344CB8AC3E}">
+        <p14:creationId xmlns:p14="http://schemas.microsoft.com/office/powerpoint/2010/main" val="163403763"/>
       </p:ext>
     </p:extLst>
   </p:cSld>
@@ -7082,49 +7352,157 @@
       </p:grpSpPr>
       <p:sp>
         <p:nvSpPr>
-          <p:cNvPr id="6" name="Title 5"/>
-          <p:cNvSpPr>
-            <a:spLocks noGrp="1"/>
-          </p:cNvSpPr>
-          <p:nvPr>
-            <p:ph type="ctrTitle"/>
-          </p:nvPr>
-        </p:nvSpPr>
-        <p:spPr/>
-        <p:txBody>
-          <a:bodyPr/>
-          <a:lstStyle/>
-          <a:p>
-            <a:r>
-              <a:rPr lang="en-US" dirty="0"/>
-              <a:t>Draco</a:t>
-            </a:r>
-          </a:p>
-        </p:txBody>
-      </p:sp>
-      <p:sp>
-        <p:nvSpPr>
-          <p:cNvPr id="7" name="Subtitle 6"/>
-          <p:cNvSpPr>
-            <a:spLocks noGrp="1"/>
-          </p:cNvSpPr>
-          <p:nvPr>
-            <p:ph type="subTitle" idx="1"/>
-          </p:nvPr>
-        </p:nvSpPr>
-        <p:spPr/>
-        <p:txBody>
-          <a:bodyPr/>
-          <a:lstStyle/>
-          <a:p>
-            <a:endParaRPr lang="en-US"/>
+          <p:cNvPr id="2" name="Title 1">
+            <a:extLst>
+              <a:ext uri="{FF2B5EF4-FFF2-40B4-BE49-F238E27FC236}">
+                <a16:creationId xmlns:a16="http://schemas.microsoft.com/office/drawing/2014/main" id="{8938D498-FFEF-B843-958C-903E5A3DF74F}"/>
+              </a:ext>
+            </a:extLst>
+          </p:cNvPr>
+          <p:cNvSpPr>
+            <a:spLocks noGrp="1"/>
+          </p:cNvSpPr>
+          <p:nvPr>
+            <p:ph type="title"/>
+          </p:nvPr>
+        </p:nvSpPr>
+        <p:spPr/>
+        <p:txBody>
+          <a:bodyPr/>
+          <a:lstStyle/>
+          <a:p>
+            <a:r>
+              <a:rPr lang="en-US" dirty="0"/>
+              <a:t>Administrivia</a:t>
+            </a:r>
+          </a:p>
+        </p:txBody>
+      </p:sp>
+      <p:sp>
+        <p:nvSpPr>
+          <p:cNvPr id="3" name="Content Placeholder 2">
+            <a:extLst>
+              <a:ext uri="{FF2B5EF4-FFF2-40B4-BE49-F238E27FC236}">
+                <a16:creationId xmlns:a16="http://schemas.microsoft.com/office/drawing/2014/main" id="{7D4BD79E-E44E-E445-A4D1-4280C5AA92D1}"/>
+              </a:ext>
+            </a:extLst>
+          </p:cNvPr>
+          <p:cNvSpPr>
+            <a:spLocks noGrp="1"/>
+          </p:cNvSpPr>
+          <p:nvPr>
+            <p:ph idx="1"/>
+          </p:nvPr>
+        </p:nvSpPr>
+        <p:spPr/>
+        <p:txBody>
+          <a:bodyPr>
+            <a:normAutofit fontScale="77500" lnSpcReduction="20000"/>
+          </a:bodyPr>
+          <a:lstStyle/>
+          <a:p>
+            <a:pPr marL="0" indent="0">
+              <a:buNone/>
+            </a:pPr>
+            <a:r>
+              <a:rPr lang="en-US" dirty="0"/>
+              <a:t>Project Proposal due tonight: follow format of the prospectus</a:t>
+            </a:r>
+          </a:p>
+          <a:p>
+            <a:r>
+              <a:rPr lang="en-US" dirty="0"/>
+              <a:t>What is the problem</a:t>
+            </a:r>
+          </a:p>
+          <a:p>
+            <a:r>
+              <a:rPr lang="en-US" dirty="0"/>
+              <a:t>Why is it important</a:t>
+            </a:r>
+          </a:p>
+          <a:p>
+            <a:r>
+              <a:rPr lang="en-US" dirty="0"/>
+              <a:t>Why is it hard</a:t>
+            </a:r>
+          </a:p>
+          <a:p>
+            <a:r>
+              <a:rPr lang="en-US" dirty="0"/>
+              <a:t>What is your key idea or approach </a:t>
+            </a:r>
+          </a:p>
+          <a:p>
+            <a:pPr lvl="1"/>
+            <a:r>
+              <a:rPr lang="en-US" dirty="0"/>
+              <a:t>Any initial results already shown</a:t>
+            </a:r>
+          </a:p>
+          <a:p>
+            <a:pPr lvl="1"/>
+            <a:r>
+              <a:rPr lang="en-US" dirty="0"/>
+              <a:t>If not, provide a sketch of idea/algorithm</a:t>
+            </a:r>
+          </a:p>
+          <a:p>
+            <a:pPr lvl="1"/>
+            <a:r>
+              <a:rPr lang="en-US" dirty="0"/>
+              <a:t>If not, provide a architecture diagram of the system</a:t>
+            </a:r>
+          </a:p>
+          <a:p>
+            <a:pPr lvl="1"/>
+            <a:r>
+              <a:rPr lang="en-US" dirty="0"/>
+              <a:t>The more detailed the better</a:t>
+            </a:r>
+          </a:p>
+          <a:p>
+            <a:endParaRPr lang="en-US" dirty="0"/>
+          </a:p>
+          <a:p>
+            <a:pPr marL="0" indent="0">
+              <a:buNone/>
+            </a:pPr>
+            <a:r>
+              <a:rPr lang="en-US" b="1" dirty="0"/>
+              <a:t>OK to change idea &amp; add partner between now and related work deadline</a:t>
+            </a:r>
+          </a:p>
+          <a:p>
+            <a:pPr marL="0" indent="0">
+              <a:buNone/>
+            </a:pPr>
+            <a:endParaRPr lang="en-US" dirty="0"/>
+          </a:p>
+          <a:p>
+            <a:pPr marL="0" indent="0">
+              <a:buNone/>
+            </a:pPr>
+            <a:r>
+              <a:rPr lang="en-US" dirty="0">
+                <a:hlinkClick r:id="rId2"/>
+              </a:rPr>
+              <a:t>https://columbiaviz.github.io/2020s_w6998/projects</a:t>
+            </a:r>
+            <a:endParaRPr lang="en-US" dirty="0"/>
+          </a:p>
+          <a:p>
+            <a:pPr marL="0" indent="0">
+              <a:buNone/>
+            </a:pPr>
+            <a:endParaRPr lang="en-US" dirty="0"/>
           </a:p>
         </p:txBody>
       </p:sp>
     </p:spTree>
     <p:extLst>
       <p:ext uri="{BB962C8B-B14F-4D97-AF65-F5344CB8AC3E}">
-        <p14:creationId xmlns:p14="http://schemas.microsoft.com/office/powerpoint/2010/main" val="810387323"/>
+        <p14:creationId xmlns:p14="http://schemas.microsoft.com/office/powerpoint/2010/main" val="131339024"/>
       </p:ext>
     </p:extLst>
   </p:cSld>
@@ -7156,6 +7534,166 @@
           <p:cNvPr id="2" name="Title 1">
             <a:extLst>
               <a:ext uri="{FF2B5EF4-FFF2-40B4-BE49-F238E27FC236}">
+                <a16:creationId xmlns:a16="http://schemas.microsoft.com/office/drawing/2014/main" id="{DF219464-B491-B947-9FA9-E36401BA7D21}"/>
+              </a:ext>
+            </a:extLst>
+          </p:cNvPr>
+          <p:cNvSpPr>
+            <a:spLocks noGrp="1"/>
+          </p:cNvSpPr>
+          <p:nvPr>
+            <p:ph type="title"/>
+          </p:nvPr>
+        </p:nvSpPr>
+        <p:spPr/>
+        <p:txBody>
+          <a:bodyPr/>
+          <a:lstStyle/>
+          <a:p>
+            <a:r>
+              <a:rPr lang="en-US" dirty="0"/>
+              <a:t>Administrivia</a:t>
+            </a:r>
+          </a:p>
+        </p:txBody>
+      </p:sp>
+      <p:sp>
+        <p:nvSpPr>
+          <p:cNvPr id="3" name="Content Placeholder 2">
+            <a:extLst>
+              <a:ext uri="{FF2B5EF4-FFF2-40B4-BE49-F238E27FC236}">
+                <a16:creationId xmlns:a16="http://schemas.microsoft.com/office/drawing/2014/main" id="{33DF7EF4-A5BA-6A49-AA3B-A5680540BCCF}"/>
+              </a:ext>
+            </a:extLst>
+          </p:cNvPr>
+          <p:cNvSpPr>
+            <a:spLocks noGrp="1"/>
+          </p:cNvSpPr>
+          <p:nvPr>
+            <p:ph idx="1"/>
+          </p:nvPr>
+        </p:nvSpPr>
+        <p:spPr/>
+        <p:txBody>
+          <a:bodyPr/>
+          <a:lstStyle/>
+          <a:p>
+            <a:pPr marL="0" indent="0">
+              <a:buNone/>
+            </a:pPr>
+            <a:r>
+              <a:rPr lang="en-US" dirty="0"/>
+              <a:t>Need scribe for Voyager half of class</a:t>
+            </a:r>
+          </a:p>
+        </p:txBody>
+      </p:sp>
+    </p:spTree>
+    <p:extLst>
+      <p:ext uri="{BB962C8B-B14F-4D97-AF65-F5344CB8AC3E}">
+        <p14:creationId xmlns:p14="http://schemas.microsoft.com/office/powerpoint/2010/main" val="709892816"/>
+      </p:ext>
+    </p:extLst>
+  </p:cSld>
+  <p:clrMapOvr>
+    <a:masterClrMapping/>
+  </p:clrMapOvr>
+</p:sld>
+</file>
+
+<file path=ppt/slides/slide6.xml><?xml version="1.0" encoding="utf-8"?>
+<p:sld xmlns:a="http://schemas.openxmlformats.org/drawingml/2006/main" xmlns:r="http://schemas.openxmlformats.org/officeDocument/2006/relationships" xmlns:p="http://schemas.openxmlformats.org/presentationml/2006/main">
+  <p:cSld>
+    <p:spTree>
+      <p:nvGrpSpPr>
+        <p:cNvPr id="1" name=""/>
+        <p:cNvGrpSpPr/>
+        <p:nvPr/>
+      </p:nvGrpSpPr>
+      <p:grpSpPr>
+        <a:xfrm>
+          <a:off x="0" y="0"/>
+          <a:ext cx="0" cy="0"/>
+          <a:chOff x="0" y="0"/>
+          <a:chExt cx="0" cy="0"/>
+        </a:xfrm>
+      </p:grpSpPr>
+      <p:sp>
+        <p:nvSpPr>
+          <p:cNvPr id="6" name="Title 5"/>
+          <p:cNvSpPr>
+            <a:spLocks noGrp="1"/>
+          </p:cNvSpPr>
+          <p:nvPr>
+            <p:ph type="ctrTitle"/>
+          </p:nvPr>
+        </p:nvSpPr>
+        <p:spPr/>
+        <p:txBody>
+          <a:bodyPr/>
+          <a:lstStyle/>
+          <a:p>
+            <a:r>
+              <a:rPr lang="en-US" dirty="0"/>
+              <a:t>Draco</a:t>
+            </a:r>
+          </a:p>
+        </p:txBody>
+      </p:sp>
+      <p:sp>
+        <p:nvSpPr>
+          <p:cNvPr id="7" name="Subtitle 6"/>
+          <p:cNvSpPr>
+            <a:spLocks noGrp="1"/>
+          </p:cNvSpPr>
+          <p:nvPr>
+            <p:ph type="subTitle" idx="1"/>
+          </p:nvPr>
+        </p:nvSpPr>
+        <p:spPr/>
+        <p:txBody>
+          <a:bodyPr/>
+          <a:lstStyle/>
+          <a:p>
+            <a:endParaRPr lang="en-US"/>
+          </a:p>
+        </p:txBody>
+      </p:sp>
+    </p:spTree>
+    <p:extLst>
+      <p:ext uri="{BB962C8B-B14F-4D97-AF65-F5344CB8AC3E}">
+        <p14:creationId xmlns:p14="http://schemas.microsoft.com/office/powerpoint/2010/main" val="810387323"/>
+      </p:ext>
+    </p:extLst>
+  </p:cSld>
+  <p:clrMapOvr>
+    <a:masterClrMapping/>
+  </p:clrMapOvr>
+</p:sld>
+</file>
+
+<file path=ppt/slides/slide7.xml><?xml version="1.0" encoding="utf-8"?>
+<p:sld xmlns:a="http://schemas.openxmlformats.org/drawingml/2006/main" xmlns:r="http://schemas.openxmlformats.org/officeDocument/2006/relationships" xmlns:p="http://schemas.openxmlformats.org/presentationml/2006/main">
+  <p:cSld>
+    <p:spTree>
+      <p:nvGrpSpPr>
+        <p:cNvPr id="1" name=""/>
+        <p:cNvGrpSpPr/>
+        <p:nvPr/>
+      </p:nvGrpSpPr>
+      <p:grpSpPr>
+        <a:xfrm>
+          <a:off x="0" y="0"/>
+          <a:ext cx="0" cy="0"/>
+          <a:chOff x="0" y="0"/>
+          <a:chExt cx="0" cy="0"/>
+        </a:xfrm>
+      </p:grpSpPr>
+      <p:sp>
+        <p:nvSpPr>
+          <p:cNvPr id="2" name="Title 1">
+            <a:extLst>
+              <a:ext uri="{FF2B5EF4-FFF2-40B4-BE49-F238E27FC236}">
                 <a16:creationId xmlns:a16="http://schemas.microsoft.com/office/drawing/2014/main" id="{CCFACBE6-985E-8949-BBE8-2F1E0993801B}"/>
               </a:ext>
             </a:extLst>
@@ -7262,7 +7800,7 @@
 </p:sld>
 </file>
 
-<file path=ppt/slides/slide6.xml><?xml version="1.0" encoding="utf-8"?>
+<file path=ppt/slides/slide8.xml><?xml version="1.0" encoding="utf-8"?>
 <p:sld xmlns:a="http://schemas.openxmlformats.org/drawingml/2006/main" xmlns:r="http://schemas.openxmlformats.org/officeDocument/2006/relationships" xmlns:p="http://schemas.openxmlformats.org/presentationml/2006/main">
   <p:cSld>
     <p:spTree>
@@ -7531,7 +8069,7 @@
 </p:sld>
 </file>
 
-<file path=ppt/slides/slide7.xml><?xml version="1.0" encoding="utf-8"?>
+<file path=ppt/slides/slide9.xml><?xml version="1.0" encoding="utf-8"?>
 <p:sld xmlns:a="http://schemas.openxmlformats.org/drawingml/2006/main" xmlns:r="http://schemas.openxmlformats.org/officeDocument/2006/relationships" xmlns:p="http://schemas.openxmlformats.org/presentationml/2006/main">
   <p:cSld>
     <p:spTree>
@@ -7617,340 +8155,6 @@
     <p:extLst>
       <p:ext uri="{BB962C8B-B14F-4D97-AF65-F5344CB8AC3E}">
         <p14:creationId xmlns:p14="http://schemas.microsoft.com/office/powerpoint/2010/main" val="2079964775"/>
-      </p:ext>
-    </p:extLst>
-  </p:cSld>
-  <p:clrMapOvr>
-    <a:masterClrMapping/>
-  </p:clrMapOvr>
-</p:sld>
-</file>
-
-<file path=ppt/slides/slide8.xml><?xml version="1.0" encoding="utf-8"?>
-<p:sld xmlns:a="http://schemas.openxmlformats.org/drawingml/2006/main" xmlns:r="http://schemas.openxmlformats.org/officeDocument/2006/relationships" xmlns:p="http://schemas.openxmlformats.org/presentationml/2006/main">
-  <p:cSld>
-    <p:spTree>
-      <p:nvGrpSpPr>
-        <p:cNvPr id="1" name=""/>
-        <p:cNvGrpSpPr/>
-        <p:nvPr/>
-      </p:nvGrpSpPr>
-      <p:grpSpPr>
-        <a:xfrm>
-          <a:off x="0" y="0"/>
-          <a:ext cx="0" cy="0"/>
-          <a:chOff x="0" y="0"/>
-          <a:chExt cx="0" cy="0"/>
-        </a:xfrm>
-      </p:grpSpPr>
-      <p:sp>
-        <p:nvSpPr>
-          <p:cNvPr id="2" name="Title 1"/>
-          <p:cNvSpPr>
-            <a:spLocks noGrp="1"/>
-          </p:cNvSpPr>
-          <p:nvPr>
-            <p:ph type="title"/>
-          </p:nvPr>
-        </p:nvSpPr>
-        <p:spPr/>
-        <p:txBody>
-          <a:bodyPr/>
-          <a:lstStyle/>
-          <a:p>
-            <a:r>
-              <a:rPr lang="en-US" dirty="0"/>
-              <a:t>APT</a:t>
-            </a:r>
-          </a:p>
-        </p:txBody>
-      </p:sp>
-      <p:sp>
-        <p:nvSpPr>
-          <p:cNvPr id="3" name="Content Placeholder 2"/>
-          <p:cNvSpPr>
-            <a:spLocks noGrp="1"/>
-          </p:cNvSpPr>
-          <p:nvPr>
-            <p:ph idx="1"/>
-          </p:nvPr>
-        </p:nvSpPr>
-        <p:spPr/>
-        <p:txBody>
-          <a:bodyPr/>
-          <a:lstStyle/>
-          <a:p>
-            <a:pPr marL="0" indent="0">
-              <a:buNone/>
-            </a:pPr>
-            <a:r>
-              <a:rPr lang="en-US" dirty="0"/>
-              <a:t>Proposed two criteria for automatically choosing designs</a:t>
-            </a:r>
-          </a:p>
-          <a:p>
-            <a:pPr marL="0" indent="0">
-              <a:buNone/>
-            </a:pPr>
-            <a:r>
-              <a:rPr lang="en-US" dirty="0"/>
-              <a:t>Expressiveness</a:t>
-            </a:r>
-          </a:p>
-          <a:p>
-            <a:pPr marL="457200" lvl="1" indent="0">
-              <a:buNone/>
-            </a:pPr>
-            <a:r>
-              <a:rPr lang="en-US" dirty="0"/>
-              <a:t>all facts and only those facts are expressed in the graphical design</a:t>
-            </a:r>
-          </a:p>
-          <a:p>
-            <a:pPr marL="0" indent="0">
-              <a:buNone/>
-            </a:pPr>
-            <a:endParaRPr lang="en-US" dirty="0"/>
-          </a:p>
-        </p:txBody>
-      </p:sp>
-      <p:pic>
-        <p:nvPicPr>
-          <p:cNvPr id="5" name="Picture 4"/>
-          <p:cNvPicPr>
-            <a:picLocks noChangeAspect="1"/>
-          </p:cNvPicPr>
-          <p:nvPr/>
-        </p:nvPicPr>
-        <p:blipFill>
-          <a:blip r:embed="rId2"/>
-          <a:stretch>
-            <a:fillRect/>
-          </a:stretch>
-        </p:blipFill>
-        <p:spPr>
-          <a:xfrm>
-            <a:off x="3442445" y="3417123"/>
-            <a:ext cx="3989543" cy="3862217"/>
-          </a:xfrm>
-          <a:prstGeom prst="rect">
-            <a:avLst/>
-          </a:prstGeom>
-        </p:spPr>
-      </p:pic>
-    </p:spTree>
-    <p:extLst>
-      <p:ext uri="{BB962C8B-B14F-4D97-AF65-F5344CB8AC3E}">
-        <p14:creationId xmlns:p14="http://schemas.microsoft.com/office/powerpoint/2010/main" val="670973474"/>
-      </p:ext>
-    </p:extLst>
-  </p:cSld>
-  <p:clrMapOvr>
-    <a:masterClrMapping/>
-  </p:clrMapOvr>
-  <p:timing>
-    <p:tnLst>
-      <p:par>
-        <p:cTn id="1" dur="indefinite" restart="never" nodeType="tmRoot">
-          <p:childTnLst>
-            <p:seq concurrent="1" nextAc="seek">
-              <p:cTn id="2" dur="indefinite" nodeType="mainSeq">
-                <p:childTnLst>
-                  <p:par>
-                    <p:cTn id="3" fill="hold">
-                      <p:stCondLst>
-                        <p:cond delay="indefinite"/>
-                      </p:stCondLst>
-                      <p:childTnLst>
-                        <p:par>
-                          <p:cTn id="4" fill="hold">
-                            <p:stCondLst>
-                              <p:cond delay="0"/>
-                            </p:stCondLst>
-                            <p:childTnLst>
-                              <p:par>
-                                <p:cTn id="5" presetID="1" presetClass="entr" presetSubtype="0" fill="hold" nodeType="clickEffect">
-                                  <p:stCondLst>
-                                    <p:cond delay="0"/>
-                                  </p:stCondLst>
-                                  <p:childTnLst>
-                                    <p:set>
-                                      <p:cBhvr>
-                                        <p:cTn id="6" dur="1" fill="hold">
-                                          <p:stCondLst>
-                                            <p:cond delay="0"/>
-                                          </p:stCondLst>
-                                        </p:cTn>
-                                        <p:tgtEl>
-                                          <p:spTgt spid="5"/>
-                                        </p:tgtEl>
-                                        <p:attrNameLst>
-                                          <p:attrName>style.visibility</p:attrName>
-                                        </p:attrNameLst>
-                                      </p:cBhvr>
-                                      <p:to>
-                                        <p:strVal val="visible"/>
-                                      </p:to>
-                                    </p:set>
-                                  </p:childTnLst>
-                                </p:cTn>
-                              </p:par>
-                            </p:childTnLst>
-                          </p:cTn>
-                        </p:par>
-                      </p:childTnLst>
-                    </p:cTn>
-                  </p:par>
-                </p:childTnLst>
-              </p:cTn>
-              <p:prevCondLst>
-                <p:cond evt="onPrev" delay="0">
-                  <p:tgtEl>
-                    <p:sldTgt/>
-                  </p:tgtEl>
-                </p:cond>
-              </p:prevCondLst>
-              <p:nextCondLst>
-                <p:cond evt="onNext" delay="0">
-                  <p:tgtEl>
-                    <p:sldTgt/>
-                  </p:tgtEl>
-                </p:cond>
-              </p:nextCondLst>
-            </p:seq>
-          </p:childTnLst>
-        </p:cTn>
-      </p:par>
-    </p:tnLst>
-  </p:timing>
-</p:sld>
-</file>
-
-<file path=ppt/slides/slide9.xml><?xml version="1.0" encoding="utf-8"?>
-<p:sld xmlns:a="http://schemas.openxmlformats.org/drawingml/2006/main" xmlns:r="http://schemas.openxmlformats.org/officeDocument/2006/relationships" xmlns:p="http://schemas.openxmlformats.org/presentationml/2006/main">
-  <p:cSld>
-    <p:spTree>
-      <p:nvGrpSpPr>
-        <p:cNvPr id="1" name=""/>
-        <p:cNvGrpSpPr/>
-        <p:nvPr/>
-      </p:nvGrpSpPr>
-      <p:grpSpPr>
-        <a:xfrm>
-          <a:off x="0" y="0"/>
-          <a:ext cx="0" cy="0"/>
-          <a:chOff x="0" y="0"/>
-          <a:chExt cx="0" cy="0"/>
-        </a:xfrm>
-      </p:grpSpPr>
-      <p:sp>
-        <p:nvSpPr>
-          <p:cNvPr id="2" name="Title 1"/>
-          <p:cNvSpPr>
-            <a:spLocks noGrp="1"/>
-          </p:cNvSpPr>
-          <p:nvPr>
-            <p:ph type="title"/>
-          </p:nvPr>
-        </p:nvSpPr>
-        <p:spPr/>
-        <p:txBody>
-          <a:bodyPr/>
-          <a:lstStyle/>
-          <a:p>
-            <a:r>
-              <a:rPr lang="en-US" dirty="0"/>
-              <a:t>APT</a:t>
-            </a:r>
-          </a:p>
-        </p:txBody>
-      </p:sp>
-      <p:sp>
-        <p:nvSpPr>
-          <p:cNvPr id="3" name="Content Placeholder 2"/>
-          <p:cNvSpPr>
-            <a:spLocks noGrp="1"/>
-          </p:cNvSpPr>
-          <p:nvPr>
-            <p:ph idx="1"/>
-          </p:nvPr>
-        </p:nvSpPr>
-        <p:spPr/>
-        <p:txBody>
-          <a:bodyPr/>
-          <a:lstStyle/>
-          <a:p>
-            <a:pPr marL="0" indent="0">
-              <a:buNone/>
-            </a:pPr>
-            <a:r>
-              <a:rPr lang="en-US" dirty="0"/>
-              <a:t>Proposed two criteria for automatically choosing designs</a:t>
-            </a:r>
-          </a:p>
-          <a:p>
-            <a:pPr marL="0" indent="0">
-              <a:buNone/>
-            </a:pPr>
-            <a:r>
-              <a:rPr lang="en-US" dirty="0"/>
-              <a:t>Expressiveness</a:t>
-            </a:r>
-          </a:p>
-          <a:p>
-            <a:pPr marL="457200" lvl="1" indent="0">
-              <a:buNone/>
-            </a:pPr>
-            <a:r>
-              <a:rPr lang="en-US" dirty="0"/>
-              <a:t>all facts and only those facts are expressed in the graphical design</a:t>
-            </a:r>
-          </a:p>
-          <a:p>
-            <a:pPr marL="0" indent="0">
-              <a:buNone/>
-            </a:pPr>
-            <a:endParaRPr lang="en-US" dirty="0"/>
-          </a:p>
-          <a:p>
-            <a:pPr marL="0" indent="0">
-              <a:buNone/>
-            </a:pPr>
-            <a:r>
-              <a:rPr lang="en-US" dirty="0"/>
-              <a:t>Effectiveness</a:t>
-            </a:r>
-          </a:p>
-          <a:p>
-            <a:pPr marL="457200" lvl="1" indent="0">
-              <a:buNone/>
-            </a:pPr>
-            <a:r>
-              <a:rPr lang="en-US" dirty="0"/>
-              <a:t>user can easily and unambiguously decode the graphical image</a:t>
-            </a:r>
-          </a:p>
-          <a:p>
-            <a:pPr marL="457200" lvl="1" indent="0">
-              <a:buNone/>
-            </a:pPr>
-            <a:endParaRPr lang="en-US" dirty="0"/>
-          </a:p>
-          <a:p>
-            <a:pPr marL="0" indent="0">
-              <a:buNone/>
-            </a:pPr>
-            <a:r>
-              <a:rPr lang="en-US" dirty="0"/>
-              <a:t>Want: most effective design that exactly expresses the data</a:t>
-            </a:r>
-          </a:p>
-        </p:txBody>
-      </p:sp>
-    </p:spTree>
-    <p:extLst>
-      <p:ext uri="{BB962C8B-B14F-4D97-AF65-F5344CB8AC3E}">
-        <p14:creationId xmlns:p14="http://schemas.microsoft.com/office/powerpoint/2010/main" val="1019520229"/>
       </p:ext>
     </p:extLst>
   </p:cSld>
